--- a/Poster Files/Alex Bangs - Poster Current Draft.pptx
+++ b/Poster Files/Alex Bangs - Poster Current Draft.pptx
@@ -260,7 +260,7 @@
       <p15:notesGuideLst xmlns:p15="http://schemas.microsoft.com/office/powerpoint/2012/main"/>
     </p:ext>
     <p:ext uri="http://customooxmlschemas.google.com/">
-      <go:slidesCustomData xmlns="" xmlns:mc="http://schemas.openxmlformats.org/markup-compatibility/2006" xmlns:mv="urn:schemas-microsoft-com:mac:vml" xmlns:c="http://schemas.openxmlformats.org/drawingml/2006/chart" xmlns:dgm="http://schemas.openxmlformats.org/drawingml/2006/diagram" xmlns:o="urn:schemas-microsoft-com:office:office" xmlns:v="urn:schemas-microsoft-com:vml" xmlns:pvml="urn:schemas-microsoft-com:office:powerpoint" xmlns:com="http://schemas.openxmlformats.org/drawingml/2006/compatibility" xmlns:p14="http://schemas.microsoft.com/office/powerpoint/2010/main" xmlns:p15="http://schemas.microsoft.com/office/powerpoint/2012/main" xmlns:ahyp="http://schemas.microsoft.com/office/drawing/2018/hyperlinkcolor" xmlns:go="http://customooxmlschemas.google.com/" r:id="rId8" roundtripDataSignature="AMtx7mi/h82vb4vaiyJxrkkTqy2IKs11OQ=="/>
+      <go:slidesCustomData xmlns:go="http://customooxmlschemas.google.com/" xmlns:ahyp="http://schemas.microsoft.com/office/drawing/2018/hyperlinkcolor" xmlns:p15="http://schemas.microsoft.com/office/powerpoint/2012/main" xmlns:p14="http://schemas.microsoft.com/office/powerpoint/2010/main" xmlns:com="http://schemas.openxmlformats.org/drawingml/2006/compatibility" xmlns:pvml="urn:schemas-microsoft-com:office:powerpoint" xmlns:v="urn:schemas-microsoft-com:vml" xmlns:o="urn:schemas-microsoft-com:office:office" xmlns:dgm="http://schemas.openxmlformats.org/drawingml/2006/diagram" xmlns:c="http://schemas.openxmlformats.org/drawingml/2006/chart" xmlns:mv="urn:schemas-microsoft-com:mac:vml" xmlns:mc="http://schemas.openxmlformats.org/markup-compatibility/2006" xmlns="" r:id="rId8" roundtripDataSignature="AMtx7mi/h82vb4vaiyJxrkkTqy2IKs11OQ=="/>
     </p:ext>
   </p:extLst>
 </p:presentation>

--- a/Poster Files/Alex Bangs - Poster Current Draft.pptx
+++ b/Poster Files/Alex Bangs - Poster Current Draft.pptx
@@ -260,7 +260,7 @@
       <p15:notesGuideLst xmlns:p15="http://schemas.microsoft.com/office/powerpoint/2012/main"/>
     </p:ext>
     <p:ext uri="http://customooxmlschemas.google.com/">
-      <go:slidesCustomData xmlns:go="http://customooxmlschemas.google.com/" xmlns:ahyp="http://schemas.microsoft.com/office/drawing/2018/hyperlinkcolor" xmlns:p15="http://schemas.microsoft.com/office/powerpoint/2012/main" xmlns:p14="http://schemas.microsoft.com/office/powerpoint/2010/main" xmlns:com="http://schemas.openxmlformats.org/drawingml/2006/compatibility" xmlns:pvml="urn:schemas-microsoft-com:office:powerpoint" xmlns:v="urn:schemas-microsoft-com:vml" xmlns:o="urn:schemas-microsoft-com:office:office" xmlns:dgm="http://schemas.openxmlformats.org/drawingml/2006/diagram" xmlns:c="http://schemas.openxmlformats.org/drawingml/2006/chart" xmlns:mv="urn:schemas-microsoft-com:mac:vml" xmlns:mc="http://schemas.openxmlformats.org/markup-compatibility/2006" xmlns="" r:id="rId8" roundtripDataSignature="AMtx7mi/h82vb4vaiyJxrkkTqy2IKs11OQ=="/>
+      <go:slidesCustomData xmlns="" xmlns:mc="http://schemas.openxmlformats.org/markup-compatibility/2006" xmlns:mv="urn:schemas-microsoft-com:mac:vml" xmlns:c="http://schemas.openxmlformats.org/drawingml/2006/chart" xmlns:dgm="http://schemas.openxmlformats.org/drawingml/2006/diagram" xmlns:o="urn:schemas-microsoft-com:office:office" xmlns:v="urn:schemas-microsoft-com:vml" xmlns:pvml="urn:schemas-microsoft-com:office:powerpoint" xmlns:com="http://schemas.openxmlformats.org/drawingml/2006/compatibility" xmlns:p14="http://schemas.microsoft.com/office/powerpoint/2010/main" xmlns:p15="http://schemas.microsoft.com/office/powerpoint/2012/main" xmlns:ahyp="http://schemas.microsoft.com/office/drawing/2018/hyperlinkcolor" xmlns:go="http://customooxmlschemas.google.com/" r:id="rId8" roundtripDataSignature="AMtx7mi/h82vb4vaiyJxrkkTqy2IKs11OQ=="/>
     </p:ext>
   </p:extLst>
 </p:presentation>

--- a/Poster Files/Alex Bangs - Poster Current Draft.pptx
+++ b/Poster Files/Alex Bangs - Poster Current Draft.pptx
@@ -260,7 +260,7 @@
       <p15:notesGuideLst xmlns:p15="http://schemas.microsoft.com/office/powerpoint/2012/main"/>
     </p:ext>
     <p:ext uri="http://customooxmlschemas.google.com/">
-      <go:slidesCustomData xmlns="" xmlns:mc="http://schemas.openxmlformats.org/markup-compatibility/2006" xmlns:mv="urn:schemas-microsoft-com:mac:vml" xmlns:c="http://schemas.openxmlformats.org/drawingml/2006/chart" xmlns:dgm="http://schemas.openxmlformats.org/drawingml/2006/diagram" xmlns:o="urn:schemas-microsoft-com:office:office" xmlns:v="urn:schemas-microsoft-com:vml" xmlns:pvml="urn:schemas-microsoft-com:office:powerpoint" xmlns:com="http://schemas.openxmlformats.org/drawingml/2006/compatibility" xmlns:p14="http://schemas.microsoft.com/office/powerpoint/2010/main" xmlns:p15="http://schemas.microsoft.com/office/powerpoint/2012/main" xmlns:ahyp="http://schemas.microsoft.com/office/drawing/2018/hyperlinkcolor" xmlns:go="http://customooxmlschemas.google.com/" r:id="rId8" roundtripDataSignature="AMtx7mi/h82vb4vaiyJxrkkTqy2IKs11OQ=="/>
+      <go:slidesCustomData xmlns:go="http://customooxmlschemas.google.com/" xmlns:ahyp="http://schemas.microsoft.com/office/drawing/2018/hyperlinkcolor" xmlns:p15="http://schemas.microsoft.com/office/powerpoint/2012/main" xmlns:p14="http://schemas.microsoft.com/office/powerpoint/2010/main" xmlns:com="http://schemas.openxmlformats.org/drawingml/2006/compatibility" xmlns:pvml="urn:schemas-microsoft-com:office:powerpoint" xmlns:v="urn:schemas-microsoft-com:vml" xmlns:o="urn:schemas-microsoft-com:office:office" xmlns:dgm="http://schemas.openxmlformats.org/drawingml/2006/diagram" xmlns:c="http://schemas.openxmlformats.org/drawingml/2006/chart" xmlns:mv="urn:schemas-microsoft-com:mac:vml" xmlns:mc="http://schemas.openxmlformats.org/markup-compatibility/2006" xmlns="" r:id="rId8" roundtripDataSignature="AMtx7mi/h82vb4vaiyJxrkkTqy2IKs11OQ=="/>
     </p:ext>
   </p:extLst>
 </p:presentation>
@@ -19895,12 +19895,42 @@
           <a:chExt cx="0" cy="0"/>
         </a:xfrm>
       </p:grpSpPr>
+      <p:pic>
+        <p:nvPicPr>
+          <p:cNvPr id="206" name="Picture 205" descr="A red and white map&#10;&#10;Description automatically generated">
+            <a:extLst>
+              <a:ext uri="{FF2B5EF4-FFF2-40B4-BE49-F238E27FC236}">
+                <a16:creationId xmlns:a16="http://schemas.microsoft.com/office/drawing/2014/main" id="{ED3AD138-2F0F-F5E5-B991-C862CC38757D}"/>
+              </a:ext>
+            </a:extLst>
+          </p:cNvPr>
+          <p:cNvPicPr>
+            <a:picLocks noChangeAspect="1"/>
+          </p:cNvPicPr>
+          <p:nvPr/>
+        </p:nvPicPr>
+        <p:blipFill>
+          <a:blip r:embed="rId3"/>
+          <a:stretch>
+            <a:fillRect/>
+          </a:stretch>
+        </p:blipFill>
+        <p:spPr>
+          <a:xfrm>
+            <a:off x="37828724" y="8531079"/>
+            <a:ext cx="5833872" cy="5833872"/>
+          </a:xfrm>
+          <a:prstGeom prst="rect">
+            <a:avLst/>
+          </a:prstGeom>
+        </p:spPr>
+      </p:pic>
       <p:cxnSp>
         <p:nvCxnSpPr>
-          <p:cNvPr id="11" name="Google Shape;98;p1">
+          <p:cNvPr id="219" name="Google Shape;98;p1">
             <a:extLst>
               <a:ext uri="{FF2B5EF4-FFF2-40B4-BE49-F238E27FC236}">
-                <a16:creationId xmlns:a16="http://schemas.microsoft.com/office/drawing/2014/main" id="{AB1E0E39-DF02-02DE-6820-A8D093E1AC03}"/>
+                <a16:creationId xmlns:a16="http://schemas.microsoft.com/office/drawing/2014/main" id="{0023B1E7-65C7-03B5-26B5-78F35B80C74F}"/>
               </a:ext>
             </a:extLst>
           </p:cNvPr>
@@ -19911,8 +19941,90 @@
         </p:nvCxnSpPr>
         <p:spPr>
           <a:xfrm rot="5400000">
-            <a:off x="22283928" y="8686800"/>
-            <a:ext cx="0" cy="228600"/>
+            <a:off x="16972239" y="9853459"/>
+            <a:ext cx="457200" cy="0"/>
+          </a:xfrm>
+          <a:prstGeom prst="straightConnector1">
+            <a:avLst/>
+          </a:prstGeom>
+          <a:noFill/>
+          <a:ln w="12700" cap="flat" cmpd="sng">
+            <a:solidFill>
+              <a:schemeClr val="dk1"/>
+            </a:solidFill>
+            <a:prstDash val="solid"/>
+            <a:round/>
+            <a:headEnd type="none" w="sm" len="sm"/>
+            <a:tailEnd type="none" w="sm" len="sm"/>
+          </a:ln>
+          <a:effectLst>
+            <a:outerShdw blurRad="40000" dist="20000" dir="5400000" rotWithShape="0">
+              <a:srgbClr val="000000">
+                <a:alpha val="36470"/>
+              </a:srgbClr>
+            </a:outerShdw>
+          </a:effectLst>
+        </p:spPr>
+      </p:cxnSp>
+      <p:cxnSp>
+        <p:nvCxnSpPr>
+          <p:cNvPr id="218" name="Google Shape;98;p1">
+            <a:extLst>
+              <a:ext uri="{FF2B5EF4-FFF2-40B4-BE49-F238E27FC236}">
+                <a16:creationId xmlns:a16="http://schemas.microsoft.com/office/drawing/2014/main" id="{35C1F854-ED73-7FF6-1AE2-B866F145F404}"/>
+              </a:ext>
+            </a:extLst>
+          </p:cNvPr>
+          <p:cNvCxnSpPr>
+            <a:cxnSpLocks/>
+          </p:cNvCxnSpPr>
+          <p:nvPr/>
+        </p:nvCxnSpPr>
+        <p:spPr>
+          <a:xfrm rot="5400000">
+            <a:off x="21945600" y="12714739"/>
+            <a:ext cx="0" cy="457200"/>
+          </a:xfrm>
+          <a:prstGeom prst="straightConnector1">
+            <a:avLst/>
+          </a:prstGeom>
+          <a:noFill/>
+          <a:ln w="12700" cap="flat" cmpd="sng">
+            <a:solidFill>
+              <a:schemeClr val="dk1"/>
+            </a:solidFill>
+            <a:prstDash val="solid"/>
+            <a:round/>
+            <a:headEnd type="none" w="sm" len="sm"/>
+            <a:tailEnd type="none" w="sm" len="sm"/>
+          </a:ln>
+          <a:effectLst>
+            <a:outerShdw blurRad="40000" dist="20000" dir="5400000" rotWithShape="0">
+              <a:srgbClr val="000000">
+                <a:alpha val="36470"/>
+              </a:srgbClr>
+            </a:outerShdw>
+          </a:effectLst>
+        </p:spPr>
+      </p:cxnSp>
+      <p:cxnSp>
+        <p:nvCxnSpPr>
+          <p:cNvPr id="210" name="Google Shape;98;p1">
+            <a:extLst>
+              <a:ext uri="{FF2B5EF4-FFF2-40B4-BE49-F238E27FC236}">
+                <a16:creationId xmlns:a16="http://schemas.microsoft.com/office/drawing/2014/main" id="{C7F2220E-DDAD-2796-854B-CAF3BE44A6DB}"/>
+              </a:ext>
+            </a:extLst>
+          </p:cNvPr>
+          <p:cNvCxnSpPr>
+            <a:cxnSpLocks/>
+          </p:cNvCxnSpPr>
+          <p:nvPr/>
+        </p:nvCxnSpPr>
+        <p:spPr>
+          <a:xfrm rot="5400000">
+            <a:off x="21928795" y="7579596"/>
+            <a:ext cx="0" cy="457200"/>
           </a:xfrm>
           <a:prstGeom prst="straightConnector1">
             <a:avLst/>
@@ -19938,26 +20050,28 @@
       </p:cxnSp>
       <p:sp>
         <p:nvSpPr>
-          <p:cNvPr id="2" name="TextBox 1">
+          <p:cNvPr id="16" name="TextBox 15">
             <a:extLst>
               <a:ext uri="{FF2B5EF4-FFF2-40B4-BE49-F238E27FC236}">
-                <a16:creationId xmlns:a16="http://schemas.microsoft.com/office/drawing/2014/main" id="{D108878F-4C1C-2AED-CE1A-994D8C6300EF}"/>
+                <a16:creationId xmlns:a16="http://schemas.microsoft.com/office/drawing/2014/main" id="{CAABF9CF-4CE9-D145-3695-1637E362F332}"/>
               </a:ext>
             </a:extLst>
           </p:cNvPr>
-          <p:cNvSpPr txBox="1"/>
+          <p:cNvSpPr txBox="1">
+            <a:spLocks/>
+          </p:cNvSpPr>
           <p:nvPr/>
         </p:nvSpPr>
         <p:spPr>
           <a:xfrm>
-            <a:off x="12573000" y="19603932"/>
-            <a:ext cx="9596627" cy="4683333"/>
+            <a:off x="12572996" y="6858000"/>
+            <a:ext cx="9262872" cy="2895664"/>
           </a:xfrm>
           <a:prstGeom prst="rect">
             <a:avLst/>
           </a:prstGeom>
           <a:solidFill>
-            <a:srgbClr val="E8EFD9"/>
+            <a:srgbClr val="F2F6EA"/>
           </a:solidFill>
           <a:ln w="12700">
             <a:solidFill>
@@ -19966,158 +20080,616 @@
           </a:ln>
         </p:spPr>
         <p:txBody>
-          <a:bodyPr wrap="square" lIns="274320" tIns="274320" rIns="274320" bIns="274320" anchor="ctr">
+          <a:bodyPr wrap="square" lIns="274320" tIns="274320" rIns="274320" bIns="274320" anchor="ctr" anchorCtr="0">
             <a:spAutoFit/>
           </a:bodyPr>
           <a:lstStyle/>
           <a:p>
-            <a:pPr marL="0" marR="0" lvl="0" indent="0" algn="l" defTabSz="914400" rtl="0" eaLnBrk="1" fontAlgn="auto" latinLnBrk="0" hangingPunct="1">
-              <a:lnSpc>
-                <a:spcPct val="100000"/>
-              </a:lnSpc>
-              <a:spcBef>
-                <a:spcPts val="0"/>
-              </a:spcBef>
+            <a:pPr>
               <a:spcAft>
                 <a:spcPts val="500"/>
               </a:spcAft>
-              <a:buClr>
-                <a:srgbClr val="000000"/>
-              </a:buClr>
-              <a:buSzTx/>
-              <a:buFont typeface="Arial"/>
-              <a:buNone/>
-              <a:tabLst/>
-              <a:defRPr/>
             </a:pPr>
             <a:r>
-              <a:rPr kumimoji="0" lang="en-US" sz="4000" b="1" i="0" u="none" strike="noStrike" kern="0" cap="none" spc="0" normalizeH="0" baseline="0" noProof="0" dirty="0">
-                <a:ln>
-                  <a:noFill/>
-                </a:ln>
+              <a:rPr lang="en-US" sz="4000" b="1" dirty="0">
                 <a:solidFill>
                   <a:srgbClr val="616A4E"/>
                 </a:solidFill>
                 <a:effectLst/>
-                <a:uLnTx/>
-                <a:uFillTx/>
-                <a:latin typeface="Arial"/>
+                <a:latin typeface="+mn-lt"/>
                 <a:ea typeface="Cascadia Mono SemiLight" panose="020B0609020000020004" pitchFamily="49" charset="0"/>
                 <a:cs typeface="Cascadia Mono SemiLight" panose="020B0609020000020004" pitchFamily="49" charset="0"/>
-                <a:sym typeface="Arial"/>
               </a:rPr>
-              <a:t>The Impacts of Salinity and Temperature </a:t>
+              <a:t>Reproduction and life stages</a:t>
             </a:r>
+            <a:endParaRPr lang="en-US" sz="4000" dirty="0">
+              <a:solidFill>
+                <a:srgbClr val="616A4E"/>
+              </a:solidFill>
+              <a:effectLst/>
+              <a:latin typeface="+mn-lt"/>
+              <a:ea typeface="Cascadia Mono SemiLight" panose="020B0609020000020004" pitchFamily="49" charset="0"/>
+              <a:cs typeface="Cascadia Mono SemiLight" panose="020B0609020000020004" pitchFamily="49" charset="0"/>
+            </a:endParaRPr>
           </a:p>
           <a:p>
-            <a:pPr marL="457200" marR="0" lvl="0" indent="-457200" algn="l" defTabSz="914400" rtl="0" eaLnBrk="1" fontAlgn="auto" latinLnBrk="0" hangingPunct="1">
-              <a:lnSpc>
-                <a:spcPct val="100000"/>
-              </a:lnSpc>
-              <a:spcBef>
-                <a:spcPts val="0"/>
-              </a:spcBef>
+            <a:pPr marL="457200" indent="-457200">
               <a:spcAft>
                 <a:spcPts val="500"/>
               </a:spcAft>
-              <a:buClr>
-                <a:srgbClr val="000000"/>
-              </a:buClr>
-              <a:buSzTx/>
               <a:buFont typeface="Arial" panose="020B0604020202020204" pitchFamily="34" charset="0"/>
               <a:buChar char="•"/>
-              <a:tabLst/>
-              <a:defRPr/>
             </a:pPr>
             <a:r>
-              <a:rPr kumimoji="0" lang="en-US" sz="3600" b="0" i="0" u="none" strike="noStrike" kern="0" cap="none" spc="0" normalizeH="0" baseline="0" noProof="0" dirty="0">
-                <a:ln>
-                  <a:noFill/>
-                </a:ln>
-                <a:solidFill>
-                  <a:srgbClr val="000000"/>
-                </a:solidFill>
-                <a:effectLst/>
-                <a:uLnTx/>
-                <a:uFillTx/>
-                <a:latin typeface="Arial"/>
+              <a:rPr lang="en-US" sz="3600" dirty="0">
+                <a:solidFill>
+                  <a:schemeClr val="tx1"/>
+                </a:solidFill>
+                <a:latin typeface="+mn-lt"/>
                 <a:ea typeface="Cascadia Mono SemiLight" panose="020B0609020000020004" pitchFamily="49" charset="0"/>
                 <a:cs typeface="Cascadia Mono SemiLight" panose="020B0609020000020004" pitchFamily="49" charset="0"/>
-                <a:sym typeface="Arial"/>
               </a:rPr>
-              <a:t>Juvenile (recently settled) barnacles do best at moderate salinities</a:t>
+              <a:t>Brooding occurs seasonally in the late winter, </a:t>
             </a:r>
-          </a:p>
-          <a:p>
-            <a:pPr marL="457200" marR="0" lvl="0" indent="-457200" algn="l" defTabSz="914400" rtl="0" eaLnBrk="1" fontAlgn="auto" latinLnBrk="0" hangingPunct="1">
-              <a:lnSpc>
-                <a:spcPct val="100000"/>
-              </a:lnSpc>
-              <a:spcBef>
-                <a:spcPts val="0"/>
-              </a:spcBef>
-              <a:spcAft>
-                <a:spcPts val="500"/>
-              </a:spcAft>
-              <a:buClr>
-                <a:srgbClr val="000000"/>
-              </a:buClr>
-              <a:buSzTx/>
-              <a:buFont typeface="Arial" panose="020B0604020202020204" pitchFamily="34" charset="0"/>
-              <a:buChar char="•"/>
-              <a:tabLst/>
-              <a:defRPr/>
-            </a:pPr>
             <a:r>
-              <a:rPr kumimoji="0" lang="en-US" sz="3600" b="0" i="0" u="none" strike="noStrike" kern="0" cap="none" spc="0" normalizeH="0" baseline="0" noProof="0" dirty="0">
-                <a:ln>
-                  <a:noFill/>
-                </a:ln>
-                <a:solidFill>
-                  <a:srgbClr val="000000"/>
-                </a:solidFill>
-                <a:effectLst/>
-                <a:uLnTx/>
-                <a:uFillTx/>
-                <a:latin typeface="Arial"/>
+              <a:rPr lang="en-US" sz="3600" dirty="0">
+                <a:latin typeface="+mn-lt"/>
                 <a:ea typeface="Cascadia Mono SemiLight" panose="020B0609020000020004" pitchFamily="49" charset="0"/>
                 <a:cs typeface="Cascadia Mono SemiLight" panose="020B0609020000020004" pitchFamily="49" charset="0"/>
-                <a:sym typeface="Arial"/>
               </a:rPr>
-              <a:t>Adult barnacles have increased percent brooding (and thus increased offspring) at lower water temperatures</a:t>
+              <a:t>with</a:t>
+            </a:r>
+            <a:r>
+              <a:rPr lang="en-US" sz="3600" dirty="0">
+                <a:solidFill>
+                  <a:schemeClr val="tx1"/>
+                </a:solidFill>
+                <a:latin typeface="+mn-lt"/>
+                <a:ea typeface="Cascadia Mono SemiLight" panose="020B0609020000020004" pitchFamily="49" charset="0"/>
+                <a:cs typeface="Cascadia Mono SemiLight" panose="020B0609020000020004" pitchFamily="49" charset="0"/>
+              </a:rPr>
+              <a:t> larvae dispersing during the summer and juveniles settling in the fall</a:t>
             </a:r>
           </a:p>
         </p:txBody>
       </p:sp>
+      <p:sp>
+        <p:nvSpPr>
+          <p:cNvPr id="154" name="TextBox 153">
+            <a:extLst>
+              <a:ext uri="{FF2B5EF4-FFF2-40B4-BE49-F238E27FC236}">
+                <a16:creationId xmlns:a16="http://schemas.microsoft.com/office/drawing/2014/main" id="{666BBB44-371A-6301-9A85-6A1FD6BB4B52}"/>
+              </a:ext>
+            </a:extLst>
+          </p:cNvPr>
+          <p:cNvSpPr txBox="1">
+            <a:spLocks/>
+          </p:cNvSpPr>
+          <p:nvPr/>
+        </p:nvSpPr>
+        <p:spPr>
+          <a:xfrm>
+            <a:off x="22062194" y="6858000"/>
+            <a:ext cx="9262872" cy="1900392"/>
+          </a:xfrm>
+          <a:prstGeom prst="rect">
+            <a:avLst/>
+          </a:prstGeom>
+          <a:solidFill>
+            <a:schemeClr val="bg1"/>
+          </a:solidFill>
+          <a:ln w="12700">
+            <a:solidFill>
+              <a:schemeClr val="tx1"/>
+            </a:solidFill>
+          </a:ln>
+        </p:spPr>
+        <p:txBody>
+          <a:bodyPr wrap="square" lIns="91440" tIns="274320" rIns="91440" bIns="274320" anchor="t">
+            <a:spAutoFit/>
+          </a:bodyPr>
+          <a:lstStyle/>
+          <a:p>
+            <a:pPr lvl="1" algn="ctr">
+              <a:spcAft>
+                <a:spcPts val="500"/>
+              </a:spcAft>
+            </a:pPr>
+            <a:r>
+              <a:rPr lang="en-US" sz="3600" dirty="0">
+                <a:solidFill>
+                  <a:schemeClr val="tx1"/>
+                </a:solidFill>
+                <a:effectLst/>
+                <a:latin typeface="+mn-lt"/>
+                <a:ea typeface="Cascadia Mono SemiLight" panose="020B0609020000020004" pitchFamily="49" charset="0"/>
+                <a:cs typeface="Cascadia Mono SemiLight" panose="020B0609020000020004" pitchFamily="49" charset="0"/>
+              </a:rPr>
+              <a:t>Life Stages</a:t>
+            </a:r>
+          </a:p>
+          <a:p>
+            <a:pPr lvl="1" algn="ctr">
+              <a:lnSpc>
+                <a:spcPct val="150000"/>
+              </a:lnSpc>
+              <a:spcAft>
+                <a:spcPts val="500"/>
+              </a:spcAft>
+            </a:pPr>
+            <a:r>
+              <a:rPr lang="en-US" sz="3600" b="1" dirty="0">
+                <a:solidFill>
+                  <a:srgbClr val="E69F00"/>
+                </a:solidFill>
+                <a:effectLst/>
+                <a:latin typeface="+mn-lt"/>
+                <a:ea typeface="Cascadia Mono SemiLight" panose="020B0609020000020004" pitchFamily="49" charset="0"/>
+                <a:cs typeface="Cascadia Mono SemiLight" panose="020B0609020000020004" pitchFamily="49" charset="0"/>
+              </a:rPr>
+              <a:t>— </a:t>
+            </a:r>
+            <a:r>
+              <a:rPr lang="en-US" sz="3600" dirty="0">
+                <a:solidFill>
+                  <a:schemeClr val="tx1"/>
+                </a:solidFill>
+                <a:effectLst/>
+                <a:latin typeface="+mn-lt"/>
+                <a:ea typeface="Cascadia Mono SemiLight" panose="020B0609020000020004" pitchFamily="49" charset="0"/>
+                <a:cs typeface="Cascadia Mono SemiLight" panose="020B0609020000020004" pitchFamily="49" charset="0"/>
+              </a:rPr>
+              <a:t>Larvae | </a:t>
+            </a:r>
+            <a:r>
+              <a:rPr lang="en-US" sz="3600" b="1" dirty="0">
+                <a:solidFill>
+                  <a:srgbClr val="56B4E9"/>
+                </a:solidFill>
+                <a:effectLst/>
+                <a:latin typeface="+mn-lt"/>
+                <a:ea typeface="Cascadia Mono SemiLight" panose="020B0609020000020004" pitchFamily="49" charset="0"/>
+                <a:cs typeface="Cascadia Mono SemiLight" panose="020B0609020000020004" pitchFamily="49" charset="0"/>
+              </a:rPr>
+              <a:t>—</a:t>
+            </a:r>
+            <a:r>
+              <a:rPr lang="en-US" sz="3600" b="1" dirty="0">
+                <a:solidFill>
+                  <a:srgbClr val="E69F00"/>
+                </a:solidFill>
+                <a:effectLst/>
+                <a:latin typeface="+mn-lt"/>
+                <a:ea typeface="Cascadia Mono SemiLight" panose="020B0609020000020004" pitchFamily="49" charset="0"/>
+                <a:cs typeface="Cascadia Mono SemiLight" panose="020B0609020000020004" pitchFamily="49" charset="0"/>
+              </a:rPr>
+              <a:t> </a:t>
+            </a:r>
+            <a:r>
+              <a:rPr lang="en-US" sz="3600" dirty="0">
+                <a:solidFill>
+                  <a:schemeClr val="tx1"/>
+                </a:solidFill>
+                <a:latin typeface="+mn-lt"/>
+                <a:ea typeface="Cascadia Mono SemiLight" panose="020B0609020000020004" pitchFamily="49" charset="0"/>
+                <a:cs typeface="Cascadia Mono SemiLight" panose="020B0609020000020004" pitchFamily="49" charset="0"/>
+              </a:rPr>
+              <a:t>Juveniles | </a:t>
+            </a:r>
+            <a:r>
+              <a:rPr lang="en-US" sz="3600" b="1" dirty="0">
+                <a:solidFill>
+                  <a:srgbClr val="009E73"/>
+                </a:solidFill>
+                <a:effectLst/>
+                <a:latin typeface="+mn-lt"/>
+                <a:ea typeface="Cascadia Mono SemiLight" panose="020B0609020000020004" pitchFamily="49" charset="0"/>
+                <a:cs typeface="Cascadia Mono SemiLight" panose="020B0609020000020004" pitchFamily="49" charset="0"/>
+              </a:rPr>
+              <a:t>—</a:t>
+            </a:r>
+            <a:r>
+              <a:rPr lang="en-US" sz="3600" b="1" dirty="0">
+                <a:solidFill>
+                  <a:srgbClr val="E69F00"/>
+                </a:solidFill>
+                <a:effectLst/>
+                <a:latin typeface="+mn-lt"/>
+                <a:ea typeface="Cascadia Mono SemiLight" panose="020B0609020000020004" pitchFamily="49" charset="0"/>
+                <a:cs typeface="Cascadia Mono SemiLight" panose="020B0609020000020004" pitchFamily="49" charset="0"/>
+              </a:rPr>
+              <a:t> </a:t>
+            </a:r>
+            <a:r>
+              <a:rPr lang="en-US" sz="3600" dirty="0">
+                <a:solidFill>
+                  <a:schemeClr val="tx1"/>
+                </a:solidFill>
+                <a:effectLst/>
+                <a:latin typeface="+mn-lt"/>
+                <a:ea typeface="Cascadia Mono SemiLight" panose="020B0609020000020004" pitchFamily="49" charset="0"/>
+                <a:cs typeface="Cascadia Mono SemiLight" panose="020B0609020000020004" pitchFamily="49" charset="0"/>
+              </a:rPr>
+              <a:t>Adults | </a:t>
+            </a:r>
+            <a:r>
+              <a:rPr lang="en-US" sz="3600" b="1" dirty="0">
+                <a:solidFill>
+                  <a:schemeClr val="tx1"/>
+                </a:solidFill>
+                <a:effectLst/>
+                <a:latin typeface="+mn-lt"/>
+                <a:ea typeface="Cascadia Mono SemiLight" panose="020B0609020000020004" pitchFamily="49" charset="0"/>
+                <a:cs typeface="Cascadia Mono SemiLight" panose="020B0609020000020004" pitchFamily="49" charset="0"/>
+              </a:rPr>
+              <a:t>—</a:t>
+            </a:r>
+            <a:r>
+              <a:rPr lang="en-US" sz="3600" b="1" dirty="0">
+                <a:solidFill>
+                  <a:srgbClr val="E69F00"/>
+                </a:solidFill>
+                <a:effectLst/>
+                <a:latin typeface="+mn-lt"/>
+                <a:ea typeface="Cascadia Mono SemiLight" panose="020B0609020000020004" pitchFamily="49" charset="0"/>
+                <a:cs typeface="Cascadia Mono SemiLight" panose="020B0609020000020004" pitchFamily="49" charset="0"/>
+              </a:rPr>
+              <a:t> </a:t>
+            </a:r>
+            <a:r>
+              <a:rPr lang="en-US" sz="3600" dirty="0">
+                <a:solidFill>
+                  <a:schemeClr val="tx1"/>
+                </a:solidFill>
+                <a:latin typeface="+mn-lt"/>
+                <a:ea typeface="Cascadia Mono SemiLight" panose="020B0609020000020004" pitchFamily="49" charset="0"/>
+                <a:cs typeface="Cascadia Mono SemiLight" panose="020B0609020000020004" pitchFamily="49" charset="0"/>
+              </a:rPr>
+              <a:t>Total</a:t>
+            </a:r>
+            <a:endParaRPr lang="en-US" sz="3600" dirty="0">
+              <a:solidFill>
+                <a:schemeClr val="tx1"/>
+              </a:solidFill>
+              <a:effectLst/>
+              <a:latin typeface="+mn-lt"/>
+              <a:ea typeface="Cascadia Mono SemiLight" panose="020B0609020000020004" pitchFamily="49" charset="0"/>
+              <a:cs typeface="Cascadia Mono SemiLight" panose="020B0609020000020004" pitchFamily="49" charset="0"/>
+            </a:endParaRPr>
+          </a:p>
+        </p:txBody>
+      </p:sp>
+      <p:cxnSp>
+        <p:nvCxnSpPr>
+          <p:cNvPr id="208" name="Google Shape;98;p1">
+            <a:extLst>
+              <a:ext uri="{FF2B5EF4-FFF2-40B4-BE49-F238E27FC236}">
+                <a16:creationId xmlns:a16="http://schemas.microsoft.com/office/drawing/2014/main" id="{E0F72F07-98BA-11F6-FC61-0A7E1D00CFF4}"/>
+              </a:ext>
+            </a:extLst>
+          </p:cNvPr>
+          <p:cNvCxnSpPr>
+            <a:cxnSpLocks/>
+          </p:cNvCxnSpPr>
+          <p:nvPr/>
+        </p:nvCxnSpPr>
+        <p:spPr>
+          <a:xfrm rot="5400000">
+            <a:off x="9047168" y="14532114"/>
+            <a:ext cx="457200" cy="0"/>
+          </a:xfrm>
+          <a:prstGeom prst="straightConnector1">
+            <a:avLst/>
+          </a:prstGeom>
+          <a:noFill/>
+          <a:ln w="12700" cap="flat" cmpd="sng">
+            <a:solidFill>
+              <a:schemeClr val="dk1"/>
+            </a:solidFill>
+            <a:prstDash val="solid"/>
+            <a:round/>
+            <a:headEnd type="none" w="sm" len="sm"/>
+            <a:tailEnd type="none" w="sm" len="sm"/>
+          </a:ln>
+          <a:effectLst>
+            <a:outerShdw blurRad="40000" dist="20000" dir="5400000" rotWithShape="0">
+              <a:srgbClr val="000000">
+                <a:alpha val="36470"/>
+              </a:srgbClr>
+            </a:outerShdw>
+          </a:effectLst>
+        </p:spPr>
+      </p:cxnSp>
+      <p:cxnSp>
+        <p:nvCxnSpPr>
+          <p:cNvPr id="207" name="Google Shape;98;p1">
+            <a:extLst>
+              <a:ext uri="{FF2B5EF4-FFF2-40B4-BE49-F238E27FC236}">
+                <a16:creationId xmlns:a16="http://schemas.microsoft.com/office/drawing/2014/main" id="{073CEA54-26F2-9704-A2CE-FE8F2D998918}"/>
+              </a:ext>
+            </a:extLst>
+          </p:cNvPr>
+          <p:cNvCxnSpPr>
+            <a:cxnSpLocks/>
+          </p:cNvCxnSpPr>
+          <p:nvPr/>
+        </p:nvCxnSpPr>
+        <p:spPr>
+          <a:xfrm rot="5400000">
+            <a:off x="6290110" y="13234838"/>
+            <a:ext cx="0" cy="457200"/>
+          </a:xfrm>
+          <a:prstGeom prst="straightConnector1">
+            <a:avLst/>
+          </a:prstGeom>
+          <a:noFill/>
+          <a:ln w="12700" cap="flat" cmpd="sng">
+            <a:solidFill>
+              <a:schemeClr val="dk1"/>
+            </a:solidFill>
+            <a:prstDash val="solid"/>
+            <a:round/>
+            <a:headEnd type="none" w="sm" len="sm"/>
+            <a:tailEnd type="none" w="sm" len="sm"/>
+          </a:ln>
+          <a:effectLst>
+            <a:outerShdw blurRad="40000" dist="20000" dir="5400000" rotWithShape="0">
+              <a:srgbClr val="000000">
+                <a:alpha val="36470"/>
+              </a:srgbClr>
+            </a:outerShdw>
+          </a:effectLst>
+        </p:spPr>
+      </p:cxnSp>
+      <p:cxnSp>
+        <p:nvCxnSpPr>
+          <p:cNvPr id="60" name="Google Shape;98;p1">
+            <a:extLst>
+              <a:ext uri="{FF2B5EF4-FFF2-40B4-BE49-F238E27FC236}">
+                <a16:creationId xmlns:a16="http://schemas.microsoft.com/office/drawing/2014/main" id="{521FC19F-383D-FB6C-4B5B-7E02ACE8465C}"/>
+              </a:ext>
+            </a:extLst>
+          </p:cNvPr>
+          <p:cNvCxnSpPr>
+            <a:cxnSpLocks/>
+          </p:cNvCxnSpPr>
+          <p:nvPr/>
+        </p:nvCxnSpPr>
+        <p:spPr>
+          <a:xfrm rot="5400000">
+            <a:off x="6172200" y="27818182"/>
+            <a:ext cx="0" cy="457200"/>
+          </a:xfrm>
+          <a:prstGeom prst="straightConnector1">
+            <a:avLst/>
+          </a:prstGeom>
+          <a:noFill/>
+          <a:ln w="12700" cap="flat" cmpd="sng">
+            <a:solidFill>
+              <a:schemeClr val="dk1"/>
+            </a:solidFill>
+            <a:prstDash val="solid"/>
+            <a:round/>
+            <a:headEnd type="none" w="sm" len="sm"/>
+            <a:tailEnd type="none" w="sm" len="sm"/>
+          </a:ln>
+          <a:effectLst>
+            <a:outerShdw blurRad="40000" dist="20000" dir="5400000" rotWithShape="0">
+              <a:srgbClr val="000000">
+                <a:alpha val="36470"/>
+              </a:srgbClr>
+            </a:outerShdw>
+          </a:effectLst>
+        </p:spPr>
+      </p:cxnSp>
+      <p:cxnSp>
+        <p:nvCxnSpPr>
+          <p:cNvPr id="55" name="Google Shape;98;p1">
+            <a:extLst>
+              <a:ext uri="{FF2B5EF4-FFF2-40B4-BE49-F238E27FC236}">
+                <a16:creationId xmlns:a16="http://schemas.microsoft.com/office/drawing/2014/main" id="{E133BA58-3EFE-3AF5-25CB-29F295A5C6F0}"/>
+              </a:ext>
+            </a:extLst>
+          </p:cNvPr>
+          <p:cNvCxnSpPr>
+            <a:cxnSpLocks/>
+          </p:cNvCxnSpPr>
+          <p:nvPr/>
+        </p:nvCxnSpPr>
+        <p:spPr>
+          <a:xfrm rot="5400000">
+            <a:off x="5577840" y="8724900"/>
+            <a:ext cx="0" cy="457200"/>
+          </a:xfrm>
+          <a:prstGeom prst="straightConnector1">
+            <a:avLst/>
+          </a:prstGeom>
+          <a:noFill/>
+          <a:ln w="12700" cap="flat" cmpd="sng">
+            <a:solidFill>
+              <a:schemeClr val="dk1"/>
+            </a:solidFill>
+            <a:prstDash val="solid"/>
+            <a:round/>
+            <a:headEnd type="none" w="sm" len="sm"/>
+            <a:tailEnd type="none" w="sm" len="sm"/>
+          </a:ln>
+          <a:effectLst>
+            <a:outerShdw blurRad="40000" dist="20000" dir="5400000" rotWithShape="0">
+              <a:srgbClr val="000000">
+                <a:alpha val="36470"/>
+              </a:srgbClr>
+            </a:outerShdw>
+          </a:effectLst>
+        </p:spPr>
+      </p:cxnSp>
+      <p:grpSp>
+        <p:nvGrpSpPr>
+          <p:cNvPr id="28" name="Group 27">
+            <a:extLst>
+              <a:ext uri="{FF2B5EF4-FFF2-40B4-BE49-F238E27FC236}">
+                <a16:creationId xmlns:a16="http://schemas.microsoft.com/office/drawing/2014/main" id="{5DB78E4F-1810-3E17-0D79-EB5EBB5CE46F}"/>
+              </a:ext>
+            </a:extLst>
+          </p:cNvPr>
+          <p:cNvGrpSpPr/>
+          <p:nvPr/>
+        </p:nvGrpSpPr>
+        <p:grpSpPr>
+          <a:xfrm>
+            <a:off x="5715000" y="5943600"/>
+            <a:ext cx="6400800" cy="6400800"/>
+            <a:chOff x="228600" y="7772400"/>
+            <a:chExt cx="6400800" cy="6400800"/>
+          </a:xfrm>
+        </p:grpSpPr>
+        <p:pic>
+          <p:nvPicPr>
+            <p:cNvPr id="26" name="Picture 25" descr="A close-up of white flowers&#10;&#10;Description automatically generated">
+              <a:extLst>
+                <a:ext uri="{FF2B5EF4-FFF2-40B4-BE49-F238E27FC236}">
+                  <a16:creationId xmlns:a16="http://schemas.microsoft.com/office/drawing/2014/main" id="{C55559BC-ACD1-F521-178D-8C260500BB01}"/>
+                </a:ext>
+              </a:extLst>
+            </p:cNvPr>
+            <p:cNvPicPr>
+              <a:picLocks noChangeAspect="1"/>
+            </p:cNvPicPr>
+            <p:nvPr/>
+          </p:nvPicPr>
+          <p:blipFill rotWithShape="1">
+            <a:blip r:embed="rId4"/>
+            <a:srcRect l="36237" t="4333" b="-75"/>
+            <a:stretch/>
+          </p:blipFill>
+          <p:spPr>
+            <a:xfrm>
+              <a:off x="228600" y="7772400"/>
+              <a:ext cx="6400800" cy="6400800"/>
+            </a:xfrm>
+            <a:prstGeom prst="rect">
+              <a:avLst/>
+            </a:prstGeom>
+            <a:ln w="25400">
+              <a:solidFill>
+                <a:schemeClr val="tx1"/>
+              </a:solidFill>
+            </a:ln>
+          </p:spPr>
+        </p:pic>
+        <p:sp>
+          <p:nvSpPr>
+            <p:cNvPr id="27" name="TextBox 26">
+              <a:extLst>
+                <a:ext uri="{FF2B5EF4-FFF2-40B4-BE49-F238E27FC236}">
+                  <a16:creationId xmlns:a16="http://schemas.microsoft.com/office/drawing/2014/main" id="{7981D390-EA36-9FF9-D431-5359719E60D7}"/>
+                </a:ext>
+              </a:extLst>
+            </p:cNvPr>
+            <p:cNvSpPr txBox="1"/>
+            <p:nvPr/>
+          </p:nvSpPr>
+          <p:spPr>
+            <a:xfrm>
+              <a:off x="347472" y="13606272"/>
+              <a:ext cx="2103120" cy="457200"/>
+            </a:xfrm>
+            <a:prstGeom prst="rect">
+              <a:avLst/>
+            </a:prstGeom>
+            <a:solidFill>
+              <a:srgbClr val="D7E4BD">
+                <a:alpha val="69804"/>
+              </a:srgbClr>
+            </a:solidFill>
+            <a:ln w="25400">
+              <a:solidFill>
+                <a:schemeClr val="tx1"/>
+              </a:solidFill>
+            </a:ln>
+          </p:spPr>
+          <p:txBody>
+            <a:bodyPr wrap="square" lIns="91440" tIns="91440" rIns="91440" bIns="91440" anchor="b">
+              <a:noAutofit/>
+            </a:bodyPr>
+            <a:lstStyle/>
+            <a:p>
+              <a:pPr marL="0" marR="0" lvl="0" indent="0" algn="l" defTabSz="914400" rtl="0" eaLnBrk="1" fontAlgn="auto" latinLnBrk="0" hangingPunct="1">
+                <a:lnSpc>
+                  <a:spcPct val="100000"/>
+                </a:lnSpc>
+                <a:spcBef>
+                  <a:spcPts val="0"/>
+                </a:spcBef>
+                <a:spcAft>
+                  <a:spcPts val="500"/>
+                </a:spcAft>
+                <a:buClr>
+                  <a:srgbClr val="000000"/>
+                </a:buClr>
+                <a:buSzTx/>
+                <a:buFont typeface="Arial"/>
+                <a:buNone/>
+                <a:tabLst/>
+                <a:defRPr/>
+              </a:pPr>
+              <a:r>
+                <a:rPr lang="en-US" sz="2000" dirty="0">
+                  <a:solidFill>
+                    <a:schemeClr val="tx1"/>
+                  </a:solidFill>
+                  <a:ea typeface="Cascadia Mono SemiLight" panose="020B0609020000020004" pitchFamily="49" charset="0"/>
+                  <a:cs typeface="Cascadia Mono SemiLight" panose="020B0609020000020004" pitchFamily="49" charset="0"/>
+                </a:rPr>
+                <a:t>© Martin Arregui</a:t>
+              </a:r>
+              <a:endParaRPr kumimoji="0" lang="en-US" sz="2000" i="0" u="none" strike="noStrike" kern="0" cap="none" spc="0" normalizeH="0" baseline="0" noProof="0" dirty="0">
+                <a:ln>
+                  <a:noFill/>
+                </a:ln>
+                <a:solidFill>
+                  <a:schemeClr val="tx1"/>
+                </a:solidFill>
+                <a:effectLst/>
+                <a:uLnTx/>
+                <a:uFillTx/>
+                <a:latin typeface="Arial"/>
+                <a:ea typeface="Cascadia Mono SemiLight" panose="020B0609020000020004" pitchFamily="49" charset="0"/>
+                <a:cs typeface="Cascadia Mono SemiLight" panose="020B0609020000020004" pitchFamily="49" charset="0"/>
+                <a:sym typeface="Arial"/>
+              </a:endParaRPr>
+            </a:p>
+          </p:txBody>
+        </p:sp>
+      </p:grpSp>
       <p:pic>
         <p:nvPicPr>
-          <p:cNvPr id="95" name="Picture 94" descr="A graph of different colored lines&#10;&#10;Description automatically generated">
+          <p:cNvPr id="24" name="Picture 23" descr="A map of the pacific ocean&#10;&#10;Description automatically generated">
             <a:extLst>
               <a:ext uri="{FF2B5EF4-FFF2-40B4-BE49-F238E27FC236}">
-                <a16:creationId xmlns:a16="http://schemas.microsoft.com/office/drawing/2014/main" id="{333C0F12-37C9-2F59-D542-67F110AC1D52}"/>
+                <a16:creationId xmlns:a16="http://schemas.microsoft.com/office/drawing/2014/main" id="{1257A5D3-1BF5-2DBD-8ED8-943425CB6C70}"/>
               </a:ext>
             </a:extLst>
           </p:cNvPr>
           <p:cNvPicPr>
-            <a:picLocks/>
+            <a:picLocks noChangeAspect="1"/>
           </p:cNvPicPr>
           <p:nvPr/>
         </p:nvPicPr>
         <p:blipFill>
-          <a:blip r:embed="rId3"/>
-          <a:stretch>
-            <a:fillRect/>
-          </a:stretch>
+          <a:blip r:embed="rId5"/>
+          <a:srcRect l="7353" r="5862"/>
+          <a:stretch/>
         </p:blipFill>
         <p:spPr>
           <a:xfrm>
-            <a:off x="22402800" y="6858000"/>
-            <a:ext cx="8915400" cy="4114800"/>
+            <a:off x="228600" y="12568773"/>
+            <a:ext cx="5950820" cy="10285267"/>
           </a:xfrm>
           <a:prstGeom prst="rect">
             <a:avLst/>
           </a:prstGeom>
-          <a:ln w="12700">
+          <a:ln>
             <a:solidFill>
               <a:schemeClr val="tx1"/>
             </a:solidFill>
@@ -20168,7 +20740,7 @@
                   <a:srgbClr val="616A4E"/>
                 </a:solidFill>
               </a:rPr>
-              <a:t>Recap/Conclusion:</a:t>
+              <a:t>Conclusion and Next Steps</a:t>
             </a:r>
           </a:p>
         </p:txBody>
@@ -20183,14 +20755,14 @@
             </a:extLst>
           </p:cNvPr>
           <p:cNvSpPr txBox="1">
-            <a:spLocks noGrp="1" noRot="1" noMove="1" noResize="1" noEditPoints="1" noAdjustHandles="1" noChangeArrowheads="1" noChangeShapeType="1"/>
+            <a:spLocks/>
           </p:cNvSpPr>
           <p:nvPr/>
         </p:nvSpPr>
         <p:spPr>
           <a:xfrm>
             <a:off x="12573000" y="4343400"/>
-            <a:ext cx="18745200" cy="2331720"/>
+            <a:ext cx="18745200" cy="2286000"/>
           </a:xfrm>
           <a:prstGeom prst="rect">
             <a:avLst/>
@@ -20343,352 +20915,6 @@
           </a:effectLst>
         </p:spPr>
       </p:cxnSp>
-      <p:grpSp>
-        <p:nvGrpSpPr>
-          <p:cNvPr id="158" name="Group 157">
-            <a:extLst>
-              <a:ext uri="{FF2B5EF4-FFF2-40B4-BE49-F238E27FC236}">
-                <a16:creationId xmlns:a16="http://schemas.microsoft.com/office/drawing/2014/main" id="{808CCF02-E6C6-E681-D019-5CCB1524E8FB}"/>
-              </a:ext>
-            </a:extLst>
-          </p:cNvPr>
-          <p:cNvGrpSpPr/>
-          <p:nvPr/>
-        </p:nvGrpSpPr>
-        <p:grpSpPr>
-          <a:xfrm>
-            <a:off x="32689800" y="26517599"/>
-            <a:ext cx="10058400" cy="2971801"/>
-            <a:chOff x="32874750" y="26517599"/>
-            <a:chExt cx="10058400" cy="2971801"/>
-          </a:xfrm>
-        </p:grpSpPr>
-        <p:sp>
-          <p:nvSpPr>
-            <p:cNvPr id="96" name="Google Shape;96;p1"/>
-            <p:cNvSpPr txBox="1"/>
-            <p:nvPr/>
-          </p:nvSpPr>
-          <p:spPr>
-            <a:xfrm>
-              <a:off x="32874750" y="26517599"/>
-              <a:ext cx="10058400" cy="1143000"/>
-            </a:xfrm>
-            <a:prstGeom prst="rect">
-              <a:avLst/>
-            </a:prstGeom>
-            <a:solidFill>
-              <a:srgbClr val="FFFFFF"/>
-            </a:solidFill>
-            <a:ln w="9525" cap="flat" cmpd="sng">
-              <a:solidFill>
-                <a:srgbClr val="FFFFFF"/>
-              </a:solidFill>
-              <a:prstDash val="solid"/>
-              <a:round/>
-              <a:headEnd type="none" w="sm" len="sm"/>
-              <a:tailEnd type="none" w="sm" len="sm"/>
-            </a:ln>
-          </p:spPr>
-          <p:txBody>
-            <a:bodyPr spcFirstLastPara="1" wrap="square" lIns="104475" tIns="52250" rIns="104475" bIns="52250" anchor="t" anchorCtr="0">
-              <a:noAutofit/>
-            </a:bodyPr>
-            <a:lstStyle/>
-            <a:p>
-              <a:pPr marL="0" marR="0" lvl="0" indent="0" algn="ctr" rtl="0">
-                <a:lnSpc>
-                  <a:spcPct val="100000"/>
-                </a:lnSpc>
-                <a:spcBef>
-                  <a:spcPts val="0"/>
-                </a:spcBef>
-                <a:spcAft>
-                  <a:spcPts val="0"/>
-                </a:spcAft>
-                <a:buClr>
-                  <a:srgbClr val="000000"/>
-                </a:buClr>
-                <a:buSzPts val="6800"/>
-                <a:buFont typeface="Arial"/>
-                <a:buNone/>
-              </a:pPr>
-              <a:r>
-                <a:rPr lang="en-US" sz="6800" b="1" i="0" u="none" strike="noStrike" cap="none" dirty="0">
-                  <a:solidFill>
-                    <a:srgbClr val="77933C"/>
-                  </a:solidFill>
-                  <a:latin typeface="Arial"/>
-                  <a:ea typeface="Arial"/>
-                  <a:cs typeface="Arial"/>
-                  <a:sym typeface="Arial"/>
-                </a:rPr>
-                <a:t>Acknowledgments</a:t>
-              </a:r>
-              <a:endParaRPr sz="2267" b="0" i="0" u="none" strike="noStrike" cap="none" dirty="0">
-                <a:solidFill>
-                  <a:schemeClr val="dk1"/>
-                </a:solidFill>
-                <a:latin typeface="Arial"/>
-                <a:ea typeface="Arial"/>
-                <a:cs typeface="Arial"/>
-                <a:sym typeface="Arial"/>
-              </a:endParaRPr>
-            </a:p>
-          </p:txBody>
-        </p:sp>
-        <p:sp>
-          <p:nvSpPr>
-            <p:cNvPr id="105" name="Google Shape;105;p1"/>
-            <p:cNvSpPr/>
-            <p:nvPr/>
-          </p:nvSpPr>
-          <p:spPr>
-            <a:xfrm>
-              <a:off x="32883600" y="27660600"/>
-              <a:ext cx="10040700" cy="1828800"/>
-            </a:xfrm>
-            <a:prstGeom prst="rect">
-              <a:avLst/>
-            </a:prstGeom>
-            <a:noFill/>
-            <a:ln w="9525" cap="flat" cmpd="sng">
-              <a:solidFill>
-                <a:srgbClr val="D8D8D8"/>
-              </a:solidFill>
-              <a:prstDash val="solid"/>
-              <a:round/>
-              <a:headEnd type="none" w="sm" len="sm"/>
-              <a:tailEnd type="none" w="sm" len="sm"/>
-            </a:ln>
-          </p:spPr>
-          <p:txBody>
-            <a:bodyPr spcFirstLastPara="1" wrap="square" lIns="91425" tIns="45700" rIns="91425" bIns="45700" anchor="ctr" anchorCtr="0">
-              <a:noAutofit/>
-            </a:bodyPr>
-            <a:lstStyle/>
-            <a:p>
-              <a:pPr marL="0" marR="0" lvl="0" indent="0" algn="ctr" rtl="0">
-                <a:lnSpc>
-                  <a:spcPct val="100000"/>
-                </a:lnSpc>
-                <a:spcBef>
-                  <a:spcPts val="0"/>
-                </a:spcBef>
-                <a:spcAft>
-                  <a:spcPts val="0"/>
-                </a:spcAft>
-                <a:buClr>
-                  <a:srgbClr val="000000"/>
-                </a:buClr>
-                <a:buSzPts val="13950"/>
-                <a:buFont typeface="Arial"/>
-                <a:buNone/>
-              </a:pPr>
-              <a:endParaRPr sz="13950" b="0" i="0" u="none" strike="noStrike" cap="none">
-                <a:solidFill>
-                  <a:schemeClr val="dk1"/>
-                </a:solidFill>
-                <a:latin typeface="Arial"/>
-                <a:ea typeface="Arial"/>
-                <a:cs typeface="Arial"/>
-                <a:sym typeface="Arial"/>
-              </a:endParaRPr>
-            </a:p>
-          </p:txBody>
-        </p:sp>
-        <p:sp>
-          <p:nvSpPr>
-            <p:cNvPr id="114" name="Google Shape;114;p1"/>
-            <p:cNvSpPr txBox="1"/>
-            <p:nvPr/>
-          </p:nvSpPr>
-          <p:spPr>
-            <a:xfrm>
-              <a:off x="33263840" y="27660600"/>
-              <a:ext cx="9280220" cy="1828800"/>
-            </a:xfrm>
-            <a:prstGeom prst="rect">
-              <a:avLst/>
-            </a:prstGeom>
-            <a:noFill/>
-            <a:ln>
-              <a:noFill/>
-            </a:ln>
-          </p:spPr>
-          <p:txBody>
-            <a:bodyPr spcFirstLastPara="1" wrap="square" lIns="91425" tIns="45700" rIns="91425" bIns="45700" anchor="t" anchorCtr="0">
-              <a:noAutofit/>
-            </a:bodyPr>
-            <a:lstStyle/>
-            <a:p>
-              <a:pPr marL="0" marR="0" lvl="0" indent="0" algn="l" rtl="0">
-                <a:lnSpc>
-                  <a:spcPct val="100000"/>
-                </a:lnSpc>
-                <a:spcBef>
-                  <a:spcPts val="0"/>
-                </a:spcBef>
-                <a:spcAft>
-                  <a:spcPts val="0"/>
-                </a:spcAft>
-                <a:buClr>
-                  <a:srgbClr val="000000"/>
-                </a:buClr>
-                <a:buSzPts val="1800"/>
-                <a:buFont typeface="Arial"/>
-                <a:buNone/>
-              </a:pPr>
-              <a:r>
-                <a:rPr lang="en-US" sz="1800" b="0" i="0" u="none" strike="noStrike" cap="none" dirty="0">
-                  <a:solidFill>
-                    <a:schemeClr val="dk1"/>
-                  </a:solidFill>
-                  <a:latin typeface="Arial"/>
-                  <a:ea typeface="Arial"/>
-                  <a:cs typeface="Arial"/>
-                  <a:sym typeface="Arial"/>
-                </a:rPr>
-                <a:t>Thank you to Erin Jesuit of the </a:t>
-              </a:r>
-              <a:r>
-                <a:rPr lang="en-US" sz="1800" b="0" i="0" u="none" strike="noStrike" cap="none" dirty="0" err="1">
-                  <a:solidFill>
-                    <a:schemeClr val="dk1"/>
-                  </a:solidFill>
-                  <a:latin typeface="Arial"/>
-                  <a:ea typeface="Arial"/>
-                  <a:cs typeface="Arial"/>
-                  <a:sym typeface="Arial"/>
-                </a:rPr>
-                <a:t>VonDassow</a:t>
-              </a:r>
-              <a:r>
-                <a:rPr lang="en-US" sz="1800" b="0" i="0" u="none" strike="noStrike" cap="none" dirty="0">
-                  <a:solidFill>
-                    <a:schemeClr val="dk1"/>
-                  </a:solidFill>
-                  <a:latin typeface="Arial"/>
-                  <a:ea typeface="Arial"/>
-                  <a:cs typeface="Arial"/>
-                  <a:sym typeface="Arial"/>
-                </a:rPr>
-                <a:t> Lab at OIMB for your help collecting and analyzing </a:t>
-              </a:r>
-              <a:r>
-                <a:rPr lang="en-US" sz="1800" b="0" i="1" u="none" strike="noStrike" cap="none" dirty="0">
-                  <a:solidFill>
-                    <a:schemeClr val="dk1"/>
-                  </a:solidFill>
-                  <a:latin typeface="Arial"/>
-                  <a:ea typeface="Arial"/>
-                  <a:cs typeface="Arial"/>
-                  <a:sym typeface="Arial"/>
-                </a:rPr>
-                <a:t>B. glandula</a:t>
-              </a:r>
-              <a:r>
-                <a:rPr lang="en-US" sz="1800" b="0" u="none" strike="noStrike" cap="none" dirty="0">
-                  <a:solidFill>
-                    <a:schemeClr val="dk1"/>
-                  </a:solidFill>
-                  <a:latin typeface="Arial"/>
-                  <a:ea typeface="Arial"/>
-                  <a:cs typeface="Arial"/>
-                  <a:sym typeface="Arial"/>
-                </a:rPr>
-                <a:t> samples. To Dave Sutherland for providing environmental models of Coos Bay, OR, produced by the Sutherland Lab. To </a:t>
-              </a:r>
-              <a:r>
-                <a:rPr lang="en-US" sz="1800" b="0" i="0" u="none" strike="noStrike" cap="none" dirty="0">
-                  <a:solidFill>
-                    <a:schemeClr val="dk1"/>
-                  </a:solidFill>
-                  <a:latin typeface="Arial"/>
-                  <a:ea typeface="Arial"/>
-                  <a:cs typeface="Arial"/>
-                  <a:sym typeface="Arial"/>
-                </a:rPr>
-                <a:t>the entirety of the Kern Ralph Co-Lab for being a wonderful group to collaborate and research with. To Ben Haller and Philipp Messer for the development </a:t>
-              </a:r>
-              <a:r>
-                <a:rPr lang="en-US" sz="1800" dirty="0">
-                  <a:solidFill>
-                    <a:schemeClr val="dk1"/>
-                  </a:solidFill>
-                </a:rPr>
-                <a:t>of </a:t>
-              </a:r>
-              <a:r>
-                <a:rPr lang="en-US" sz="1800" dirty="0" err="1">
-                  <a:solidFill>
-                    <a:schemeClr val="dk1"/>
-                  </a:solidFill>
-                </a:rPr>
-                <a:t>SLiM</a:t>
-              </a:r>
-              <a:r>
-                <a:rPr lang="en-US" sz="1800" dirty="0">
-                  <a:solidFill>
-                    <a:schemeClr val="dk1"/>
-                  </a:solidFill>
-                </a:rPr>
-                <a:t>: An Evolutionary Simulation Framework. </a:t>
-              </a:r>
-              <a:r>
-                <a:rPr lang="en-US" sz="1800" b="0" i="0" u="none" strike="noStrike" cap="none" dirty="0">
-                  <a:solidFill>
-                    <a:schemeClr val="dk1"/>
-                  </a:solidFill>
-                  <a:latin typeface="Arial"/>
-                  <a:ea typeface="Arial"/>
-                  <a:cs typeface="Arial"/>
-                  <a:sym typeface="Arial"/>
-                </a:rPr>
-                <a:t>And to the University of Oregon Summer Program for Undergraduate Research and the Mary G. Alden Fellowship for the opportunity to pursue summer research.</a:t>
-              </a:r>
-              <a:endParaRPr sz="1800" b="0" i="0" u="none" strike="noStrike" cap="none" dirty="0">
-                <a:solidFill>
-                  <a:schemeClr val="dk1"/>
-                </a:solidFill>
-                <a:latin typeface="Arial"/>
-                <a:ea typeface="Arial"/>
-                <a:cs typeface="Arial"/>
-                <a:sym typeface="Arial"/>
-              </a:endParaRPr>
-            </a:p>
-          </p:txBody>
-        </p:sp>
-      </p:grpSp>
-      <p:pic>
-        <p:nvPicPr>
-          <p:cNvPr id="89" name="Google Shape;89;p1" descr="UO_logo.png"/>
-          <p:cNvPicPr preferRelativeResize="0">
-            <a:picLocks/>
-          </p:cNvPicPr>
-          <p:nvPr/>
-        </p:nvPicPr>
-        <p:blipFill rotWithShape="1">
-          <a:blip r:embed="rId4">
-            <a:alphaModFix/>
-          </a:blip>
-          <a:srcRect/>
-          <a:stretch/>
-        </p:blipFill>
-        <p:spPr>
-          <a:xfrm>
-            <a:off x="457200" y="1964716"/>
-            <a:ext cx="10972800" cy="1783110"/>
-          </a:xfrm>
-          <a:prstGeom prst="rect">
-            <a:avLst/>
-          </a:prstGeom>
-          <a:noFill/>
-          <a:ln>
-            <a:noFill/>
-          </a:ln>
-        </p:spPr>
-      </p:pic>
       <p:sp>
         <p:nvSpPr>
           <p:cNvPr id="102" name="Google Shape;102;p1"/>
@@ -20699,8 +20925,8 @@
         </p:nvSpPr>
         <p:spPr>
           <a:xfrm>
-            <a:off x="13944600" y="2743200"/>
-            <a:ext cx="16002000" cy="914400"/>
+            <a:off x="5943600" y="2430689"/>
+            <a:ext cx="32004000" cy="1564944"/>
           </a:xfrm>
           <a:prstGeom prst="rect">
             <a:avLst/>
@@ -20734,7 +20960,7 @@
               <a:buNone/>
             </a:pPr>
             <a:r>
-              <a:rPr lang="en-US" sz="4000" b="1" i="0" u="none" strike="noStrike" cap="none" dirty="0">
+              <a:rPr lang="en-US" sz="5000" b="1" i="0" u="sng" strike="noStrike" cap="none" dirty="0">
                 <a:solidFill>
                   <a:schemeClr val="dk1"/>
                 </a:solidFill>
@@ -20746,7 +20972,7 @@
               <a:t>Alex Bangs</a:t>
             </a:r>
             <a:r>
-              <a:rPr lang="en-US" sz="4000" b="1" i="0" u="none" strike="noStrike" cap="none" baseline="30000" dirty="0">
+              <a:rPr lang="en-US" sz="5000" b="1" i="0" u="sng" strike="noStrike" cap="none" baseline="30000" dirty="0">
                 <a:solidFill>
                   <a:schemeClr val="dk1"/>
                 </a:solidFill>
@@ -20758,7 +20984,7 @@
               <a:t>1</a:t>
             </a:r>
             <a:r>
-              <a:rPr lang="en-US" sz="4000" b="1" i="0" u="none" strike="noStrike" cap="none" dirty="0">
+              <a:rPr lang="en-US" sz="5000" b="1" i="0" u="none" strike="noStrike" cap="none" dirty="0">
                 <a:solidFill>
                   <a:schemeClr val="dk1"/>
                 </a:solidFill>
@@ -20767,10 +20993,22 @@
                 <a:cs typeface="Arial"/>
                 <a:sym typeface="Arial"/>
               </a:rPr>
-              <a:t>, Angel Rivera-Colón</a:t>
+              <a:t>, </a:t>
             </a:r>
             <a:r>
-              <a:rPr lang="en-US" sz="4000" b="1" i="0" u="none" strike="noStrike" cap="none" baseline="30000" dirty="0">
+              <a:rPr lang="en-US" sz="5000" i="0" u="none" strike="noStrike" cap="none" dirty="0">
+                <a:solidFill>
+                  <a:schemeClr val="dk1"/>
+                </a:solidFill>
+                <a:latin typeface="Arial"/>
+                <a:ea typeface="Arial"/>
+                <a:cs typeface="Arial"/>
+                <a:sym typeface="Arial"/>
+              </a:rPr>
+              <a:t>Angel Rivera-Colón</a:t>
+            </a:r>
+            <a:r>
+              <a:rPr lang="en-US" sz="5000" i="0" u="none" strike="noStrike" cap="none" baseline="30000" dirty="0">
                 <a:solidFill>
                   <a:schemeClr val="dk1"/>
                 </a:solidFill>
@@ -20782,7 +21020,7 @@
               <a:t>1</a:t>
             </a:r>
             <a:r>
-              <a:rPr lang="en-US" sz="4000" b="1" i="0" u="none" strike="noStrike" cap="none" dirty="0">
+              <a:rPr lang="en-US" sz="5000" i="0" u="none" strike="noStrike" cap="none" dirty="0">
                 <a:solidFill>
                   <a:schemeClr val="dk1"/>
                 </a:solidFill>
@@ -20794,7 +21032,7 @@
               <a:t>, Jiseon Min</a:t>
             </a:r>
             <a:r>
-              <a:rPr lang="en-US" sz="4000" b="1" i="0" u="none" strike="noStrike" cap="none" baseline="30000" dirty="0">
+              <a:rPr lang="en-US" sz="5000" i="0" u="none" strike="noStrike" cap="none" baseline="30000" dirty="0">
                 <a:solidFill>
                   <a:schemeClr val="dk1"/>
                 </a:solidFill>
@@ -20806,7 +21044,7 @@
               <a:t>1</a:t>
             </a:r>
             <a:r>
-              <a:rPr lang="en-US" sz="4000" b="1" i="0" u="none" strike="noStrike" cap="none" dirty="0">
+              <a:rPr lang="en-US" sz="5000" i="0" u="none" strike="noStrike" cap="none" dirty="0">
                 <a:solidFill>
                   <a:schemeClr val="dk1"/>
                 </a:solidFill>
@@ -20818,7 +21056,7 @@
               <a:t>, Peter Ralph</a:t>
             </a:r>
             <a:r>
-              <a:rPr lang="en-US" sz="4000" b="1" i="0" u="none" strike="noStrike" cap="none" baseline="30000" dirty="0">
+              <a:rPr lang="en-US" sz="5000" i="0" u="none" strike="noStrike" cap="none" baseline="30000" dirty="0">
                 <a:solidFill>
                   <a:schemeClr val="dk1"/>
                 </a:solidFill>
@@ -20829,7 +21067,7 @@
               </a:rPr>
               <a:t>1,2</a:t>
             </a:r>
-            <a:endParaRPr sz="4000" b="1" i="0" u="none" strike="noStrike" cap="none" dirty="0">
+            <a:endParaRPr sz="5000" i="0" u="none" strike="noStrike" cap="none" dirty="0">
               <a:solidFill>
                 <a:schemeClr val="dk1"/>
               </a:solidFill>
@@ -20858,7 +21096,7 @@
               <a:buNone/>
             </a:pPr>
             <a:r>
-              <a:rPr lang="en-US" sz="2000" b="1" i="0" u="none" strike="noStrike" cap="none" baseline="30000" dirty="0">
+              <a:rPr lang="en-US" sz="3200" i="0" u="none" strike="noStrike" cap="none" baseline="30000" dirty="0">
                 <a:solidFill>
                   <a:schemeClr val="dk1"/>
                 </a:solidFill>
@@ -20870,7 +21108,7 @@
               <a:t>1 </a:t>
             </a:r>
             <a:r>
-              <a:rPr lang="en-US" sz="2000" b="1" i="0" u="none" strike="noStrike" cap="none" dirty="0">
+              <a:rPr lang="en-US" sz="3200" i="0" u="none" strike="noStrike" cap="none" dirty="0">
                 <a:solidFill>
                   <a:schemeClr val="dk1"/>
                 </a:solidFill>
@@ -20879,21 +21117,10 @@
                 <a:cs typeface="Arial"/>
                 <a:sym typeface="Arial"/>
               </a:rPr>
-              <a:t>Institute of Ecology and Evolution, University of Oregon, Eugene, Oregon, USA, </a:t>
+              <a:t>Institute of Ecology and Evolution, University of Oregon, Eugene, Oregon, USA,  </a:t>
             </a:r>
-            <a:br>
-              <a:rPr lang="en-US" sz="2000" b="1" i="0" u="none" strike="noStrike" cap="none" dirty="0">
-                <a:solidFill>
-                  <a:schemeClr val="dk1"/>
-                </a:solidFill>
-                <a:latin typeface="Arial"/>
-                <a:ea typeface="Arial"/>
-                <a:cs typeface="Arial"/>
-                <a:sym typeface="Arial"/>
-              </a:rPr>
-            </a:br>
             <a:r>
-              <a:rPr lang="en-US" sz="2000" b="1" i="0" u="none" strike="noStrike" cap="none" baseline="30000" dirty="0">
+              <a:rPr lang="en-US" sz="3200" i="0" u="none" strike="noStrike" cap="none" baseline="30000" dirty="0">
                 <a:solidFill>
                   <a:schemeClr val="dk1"/>
                 </a:solidFill>
@@ -20905,7 +21132,7 @@
               <a:t>2 </a:t>
             </a:r>
             <a:r>
-              <a:rPr lang="en-US" sz="2000" b="1" i="0" u="none" strike="noStrike" cap="none" dirty="0">
+              <a:rPr lang="en-US" sz="3200" i="0" u="none" strike="noStrike" cap="none" dirty="0">
                 <a:solidFill>
                   <a:schemeClr val="dk1"/>
                 </a:solidFill>
@@ -20917,7 +21144,7 @@
               <a:t>Department of Mathematics, University of Oregon, Eugene, </a:t>
             </a:r>
             <a:r>
-              <a:rPr lang="en-US" sz="2000" b="1" dirty="0">
+              <a:rPr lang="en-US" sz="3200" dirty="0">
                 <a:solidFill>
                   <a:schemeClr val="dk1"/>
                 </a:solidFill>
@@ -20942,13 +21169,13 @@
           <p:nvPr/>
         </p:nvPicPr>
         <p:blipFill>
-          <a:blip r:embed="rId5"/>
+          <a:blip r:embed="rId6"/>
           <a:srcRect t="1" b="15698"/>
           <a:stretch/>
         </p:blipFill>
         <p:spPr>
           <a:xfrm>
-            <a:off x="35583804" y="228600"/>
+            <a:off x="39269361" y="228600"/>
             <a:ext cx="4425022" cy="3657600"/>
           </a:xfrm>
           <a:custGeom>
@@ -21001,79 +21228,6 @@
       </p:pic>
       <p:pic>
         <p:nvPicPr>
-          <p:cNvPr id="8" name="Picture 7">
-            <a:extLst>
-              <a:ext uri="{FF2B5EF4-FFF2-40B4-BE49-F238E27FC236}">
-                <a16:creationId xmlns:a16="http://schemas.microsoft.com/office/drawing/2014/main" id="{1038EAC5-3321-E161-F99D-A250BA3E440A}"/>
-              </a:ext>
-            </a:extLst>
-          </p:cNvPr>
-          <p:cNvPicPr>
-            <a:picLocks noChangeAspect="1"/>
-          </p:cNvPicPr>
-          <p:nvPr/>
-        </p:nvPicPr>
-        <p:blipFill>
-          <a:blip r:embed="rId6"/>
-          <a:stretch>
-            <a:fillRect/>
-          </a:stretch>
-        </p:blipFill>
-        <p:spPr>
-          <a:xfrm>
-            <a:off x="40005000" y="228600"/>
-            <a:ext cx="3657600" cy="3657600"/>
-          </a:xfrm>
-          <a:custGeom>
-            <a:avLst/>
-            <a:gdLst>
-              <a:gd name="connsiteX0" fmla="*/ 67 w 3316224"/>
-              <a:gd name="connsiteY0" fmla="*/ -312 h 3316224"/>
-              <a:gd name="connsiteX1" fmla="*/ 3316291 w 3316224"/>
-              <a:gd name="connsiteY1" fmla="*/ -312 h 3316224"/>
-              <a:gd name="connsiteX2" fmla="*/ 3316291 w 3316224"/>
-              <a:gd name="connsiteY2" fmla="*/ 3315912 h 3316224"/>
-              <a:gd name="connsiteX3" fmla="*/ 67 w 3316224"/>
-              <a:gd name="connsiteY3" fmla="*/ 3315912 h 3316224"/>
-            </a:gdLst>
-            <a:ahLst/>
-            <a:cxnLst>
-              <a:cxn ang="0">
-                <a:pos x="connsiteX0" y="connsiteY0"/>
-              </a:cxn>
-              <a:cxn ang="0">
-                <a:pos x="connsiteX1" y="connsiteY1"/>
-              </a:cxn>
-              <a:cxn ang="0">
-                <a:pos x="connsiteX2" y="connsiteY2"/>
-              </a:cxn>
-              <a:cxn ang="0">
-                <a:pos x="connsiteX3" y="connsiteY3"/>
-              </a:cxn>
-            </a:cxnLst>
-            <a:rect l="l" t="t" r="r" b="b"/>
-            <a:pathLst>
-              <a:path w="3316224" h="3316224">
-                <a:moveTo>
-                  <a:pt x="67" y="-312"/>
-                </a:moveTo>
-                <a:lnTo>
-                  <a:pt x="3316291" y="-312"/>
-                </a:lnTo>
-                <a:lnTo>
-                  <a:pt x="3316291" y="3315912"/>
-                </a:lnTo>
-                <a:lnTo>
-                  <a:pt x="67" y="3315912"/>
-                </a:lnTo>
-                <a:close/>
-              </a:path>
-            </a:pathLst>
-          </a:custGeom>
-        </p:spPr>
-      </p:pic>
-      <p:pic>
-        <p:nvPicPr>
           <p:cNvPr id="87" name="Picture 86" descr="A map of a city&#10;&#10;Description automatically generated">
             <a:extLst>
               <a:ext uri="{FF2B5EF4-FFF2-40B4-BE49-F238E27FC236}">
@@ -21093,8 +21247,8 @@
         </p:blipFill>
         <p:spPr>
           <a:xfrm>
-            <a:off x="194715" y="13755189"/>
-            <a:ext cx="6400800" cy="6400800"/>
+            <a:off x="6362772" y="26860500"/>
+            <a:ext cx="5715000" cy="5715000"/>
           </a:xfrm>
           <a:prstGeom prst="rect">
             <a:avLst/>
@@ -21117,8 +21271,8 @@
         </p:nvSpPr>
         <p:spPr>
           <a:xfrm>
-            <a:off x="9144000" y="457200"/>
-            <a:ext cx="25603200" cy="2321512"/>
+            <a:off x="3248527" y="228600"/>
+            <a:ext cx="36020834" cy="2229179"/>
           </a:xfrm>
           <a:prstGeom prst="rect">
             <a:avLst/>
@@ -21152,7 +21306,7 @@
               <a:buNone/>
             </a:pPr>
             <a:r>
-              <a:rPr lang="en-US" sz="7200" b="1" dirty="0">
+              <a:rPr lang="en-US" sz="6600" b="1" dirty="0">
                 <a:solidFill>
                   <a:srgbClr val="4F6128"/>
                 </a:solidFill>
@@ -21161,6 +21315,35 @@
               <a:t>What a</a:t>
             </a:r>
             <a:r>
+              <a:rPr lang="en-US" sz="6600" b="1" i="0" u="none" strike="noStrike" cap="none" dirty="0">
+                <a:solidFill>
+                  <a:srgbClr val="4F6128"/>
+                </a:solidFill>
+                <a:latin typeface="+mj-lt"/>
+                <a:sym typeface="Arial"/>
+              </a:rPr>
+              <a:t> Load of Barnacles: </a:t>
+            </a:r>
+          </a:p>
+          <a:p>
+            <a:pPr marL="0" marR="0" lvl="0" indent="0" algn="ctr" rtl="0">
+              <a:lnSpc>
+                <a:spcPct val="100000"/>
+              </a:lnSpc>
+              <a:spcBef>
+                <a:spcPts val="0"/>
+              </a:spcBef>
+              <a:spcAft>
+                <a:spcPts val="0"/>
+              </a:spcAft>
+              <a:buClr>
+                <a:srgbClr val="000000"/>
+              </a:buClr>
+              <a:buSzPts val="8267"/>
+              <a:buFont typeface="Arial"/>
+              <a:buNone/>
+            </a:pPr>
+            <a:r>
               <a:rPr lang="en-US" sz="7200" b="1" i="0" u="none" strike="noStrike" cap="none" dirty="0">
                 <a:solidFill>
                   <a:srgbClr val="4F6128"/>
@@ -21168,7 +21351,7 @@
                 <a:latin typeface="+mj-lt"/>
                 <a:sym typeface="Arial"/>
               </a:rPr>
-              <a:t> Load of Barnacles: A Spatial Population Genomic Simulation </a:t>
+              <a:t>A Spatial Population Genomic Simulation </a:t>
             </a:r>
             <a:r>
               <a:rPr lang="en-US" sz="7200" b="1" i="0" u="none" strike="noStrike" cap="none" dirty="0">
@@ -21216,32 +21399,30 @@
       </p:sp>
       <p:grpSp>
         <p:nvGrpSpPr>
-          <p:cNvPr id="145" name="Group 144">
+          <p:cNvPr id="220" name="Group 219">
             <a:extLst>
               <a:ext uri="{FF2B5EF4-FFF2-40B4-BE49-F238E27FC236}">
-                <a16:creationId xmlns:a16="http://schemas.microsoft.com/office/drawing/2014/main" id="{D23C2176-1BC6-65F4-96DB-E4B6CB6999E5}"/>
+                <a16:creationId xmlns:a16="http://schemas.microsoft.com/office/drawing/2014/main" id="{6CA89709-F71B-8E3C-5412-FEBBA9620998}"/>
               </a:ext>
             </a:extLst>
           </p:cNvPr>
-          <p:cNvGrpSpPr>
-            <a:grpSpLocks noChangeAspect="1"/>
-          </p:cNvGrpSpPr>
+          <p:cNvGrpSpPr/>
           <p:nvPr/>
         </p:nvGrpSpPr>
         <p:grpSpPr>
           <a:xfrm>
-            <a:off x="22292912" y="32043787"/>
-            <a:ext cx="8229600" cy="496675"/>
-            <a:chOff x="32004000" y="25374600"/>
-            <a:chExt cx="11363282" cy="685800"/>
+            <a:off x="31546800" y="24250656"/>
+            <a:ext cx="12344400" cy="4428310"/>
+            <a:chOff x="31546800" y="24460200"/>
+            <a:chExt cx="12344400" cy="4218765"/>
           </a:xfrm>
         </p:grpSpPr>
         <p:grpSp>
           <p:nvGrpSpPr>
-            <p:cNvPr id="144" name="Group 143">
+            <p:cNvPr id="158" name="Group 157">
               <a:extLst>
                 <a:ext uri="{FF2B5EF4-FFF2-40B4-BE49-F238E27FC236}">
-                  <a16:creationId xmlns:a16="http://schemas.microsoft.com/office/drawing/2014/main" id="{959342D5-CECE-A89B-EF18-650152D18FF8}"/>
+                  <a16:creationId xmlns:a16="http://schemas.microsoft.com/office/drawing/2014/main" id="{808CCF02-E6C6-E681-D019-5CCB1524E8FB}"/>
                 </a:ext>
               </a:extLst>
             </p:cNvPr>
@@ -21250,369 +21431,349 @@
           </p:nvGrpSpPr>
           <p:grpSpPr>
             <a:xfrm>
-              <a:off x="40133016" y="25374600"/>
-              <a:ext cx="3234266" cy="685800"/>
-              <a:chOff x="40178736" y="25374600"/>
-              <a:chExt cx="3234266" cy="685800"/>
+              <a:off x="31768534" y="24697708"/>
+              <a:ext cx="11894062" cy="3981257"/>
+              <a:chOff x="31953484" y="26517599"/>
+              <a:chExt cx="11894062" cy="3981257"/>
             </a:xfrm>
           </p:grpSpPr>
           <p:sp>
             <p:nvSpPr>
-              <p:cNvPr id="135" name="Rectangle 134">
-                <a:extLst>
-                  <a:ext uri="{FF2B5EF4-FFF2-40B4-BE49-F238E27FC236}">
-                    <a16:creationId xmlns:a16="http://schemas.microsoft.com/office/drawing/2014/main" id="{37B96A42-41A4-709E-25F9-7B96A1A66D2C}"/>
-                  </a:ext>
-                </a:extLst>
-              </p:cNvPr>
-              <p:cNvSpPr>
-                <a:spLocks noChangeAspect="1"/>
-              </p:cNvSpPr>
+              <p:cNvPr id="96" name="Google Shape;96;p1"/>
+              <p:cNvSpPr txBox="1"/>
               <p:nvPr/>
             </p:nvSpPr>
             <p:spPr>
               <a:xfrm>
-                <a:off x="40178736" y="25374600"/>
-                <a:ext cx="685800" cy="685800"/>
+                <a:off x="32874750" y="26517599"/>
+                <a:ext cx="10058400" cy="1143000"/>
               </a:xfrm>
               <a:prstGeom prst="rect">
                 <a:avLst/>
               </a:prstGeom>
               <a:solidFill>
-                <a:srgbClr val="00FF00"/>
+                <a:srgbClr val="FFFFFF"/>
               </a:solidFill>
-              <a:ln>
-                <a:solidFill>
-                  <a:srgbClr val="00FF00"/>
-                </a:solidFill>
+              <a:ln w="9525" cap="flat" cmpd="sng">
+                <a:solidFill>
+                  <a:srgbClr val="FFFFFF"/>
+                </a:solidFill>
+                <a:prstDash val="solid"/>
+                <a:round/>
+                <a:headEnd type="none" w="sm" len="sm"/>
+                <a:tailEnd type="none" w="sm" len="sm"/>
               </a:ln>
             </p:spPr>
-            <p:style>
-              <a:lnRef idx="2">
-                <a:schemeClr val="accent1">
-                  <a:shade val="15000"/>
-                </a:schemeClr>
-              </a:lnRef>
-              <a:fillRef idx="1">
-                <a:schemeClr val="accent1"/>
-              </a:fillRef>
-              <a:effectRef idx="0">
-                <a:schemeClr val="accent1"/>
-              </a:effectRef>
-              <a:fontRef idx="minor">
-                <a:schemeClr val="lt1"/>
-              </a:fontRef>
-            </p:style>
             <p:txBody>
-              <a:bodyPr rtlCol="0" anchor="ctr"/>
+              <a:bodyPr spcFirstLastPara="1" wrap="square" lIns="104475" tIns="52250" rIns="104475" bIns="52250" anchor="t" anchorCtr="0">
+                <a:noAutofit/>
+              </a:bodyPr>
               <a:lstStyle/>
               <a:p>
-                <a:pPr algn="ctr"/>
-                <a:endParaRPr lang="en-US" dirty="0"/>
+                <a:pPr marL="0" marR="0" lvl="0" indent="0" algn="ctr" rtl="0">
+                  <a:lnSpc>
+                    <a:spcPct val="100000"/>
+                  </a:lnSpc>
+                  <a:spcBef>
+                    <a:spcPts val="0"/>
+                  </a:spcBef>
+                  <a:spcAft>
+                    <a:spcPts val="0"/>
+                  </a:spcAft>
+                  <a:buClr>
+                    <a:srgbClr val="000000"/>
+                  </a:buClr>
+                  <a:buSzPts val="6800"/>
+                  <a:buFont typeface="Arial"/>
+                  <a:buNone/>
+                </a:pPr>
+                <a:r>
+                  <a:rPr lang="en-US" sz="6800" b="1" i="0" u="none" strike="noStrike" cap="none" dirty="0">
+                    <a:solidFill>
+                      <a:srgbClr val="77933C"/>
+                    </a:solidFill>
+                    <a:latin typeface="Arial"/>
+                    <a:ea typeface="Arial"/>
+                    <a:cs typeface="Arial"/>
+                    <a:sym typeface="Arial"/>
+                  </a:rPr>
+                  <a:t>Acknowledgments</a:t>
+                </a:r>
+                <a:endParaRPr sz="2267" b="0" i="0" u="none" strike="noStrike" cap="none" dirty="0">
+                  <a:solidFill>
+                    <a:schemeClr val="dk1"/>
+                  </a:solidFill>
+                  <a:latin typeface="Arial"/>
+                  <a:ea typeface="Arial"/>
+                  <a:cs typeface="Arial"/>
+                  <a:sym typeface="Arial"/>
+                </a:endParaRPr>
               </a:p>
             </p:txBody>
           </p:sp>
           <p:sp>
             <p:nvSpPr>
-              <p:cNvPr id="136" name="TextBox 135">
-                <a:extLst>
-                  <a:ext uri="{FF2B5EF4-FFF2-40B4-BE49-F238E27FC236}">
-                    <a16:creationId xmlns:a16="http://schemas.microsoft.com/office/drawing/2014/main" id="{D532D559-0CC1-2705-84DD-C37C6976C22B}"/>
-                  </a:ext>
-                </a:extLst>
-              </p:cNvPr>
+              <p:cNvPr id="105" name="Google Shape;105;p1"/>
+              <p:cNvSpPr/>
+              <p:nvPr/>
+            </p:nvSpPr>
+            <p:spPr>
+              <a:xfrm>
+                <a:off x="32883600" y="27660600"/>
+                <a:ext cx="10040700" cy="1828800"/>
+              </a:xfrm>
+              <a:prstGeom prst="rect">
+                <a:avLst/>
+              </a:prstGeom>
+              <a:noFill/>
+              <a:ln w="9525" cap="flat" cmpd="sng">
+                <a:solidFill>
+                  <a:srgbClr val="D8D8D8"/>
+                </a:solidFill>
+                <a:prstDash val="solid"/>
+                <a:round/>
+                <a:headEnd type="none" w="sm" len="sm"/>
+                <a:tailEnd type="none" w="sm" len="sm"/>
+              </a:ln>
+            </p:spPr>
+            <p:txBody>
+              <a:bodyPr spcFirstLastPara="1" wrap="square" lIns="91425" tIns="45700" rIns="91425" bIns="45700" anchor="ctr" anchorCtr="0">
+                <a:noAutofit/>
+              </a:bodyPr>
+              <a:lstStyle/>
+              <a:p>
+                <a:pPr marL="0" marR="0" lvl="0" indent="0" algn="ctr" rtl="0">
+                  <a:lnSpc>
+                    <a:spcPct val="100000"/>
+                  </a:lnSpc>
+                  <a:spcBef>
+                    <a:spcPts val="0"/>
+                  </a:spcBef>
+                  <a:spcAft>
+                    <a:spcPts val="0"/>
+                  </a:spcAft>
+                  <a:buClr>
+                    <a:srgbClr val="000000"/>
+                  </a:buClr>
+                  <a:buSzPts val="13950"/>
+                  <a:buFont typeface="Arial"/>
+                  <a:buNone/>
+                </a:pPr>
+                <a:endParaRPr sz="13950" b="0" i="0" u="none" strike="noStrike" cap="none">
+                  <a:solidFill>
+                    <a:schemeClr val="dk1"/>
+                  </a:solidFill>
+                  <a:latin typeface="Arial"/>
+                  <a:ea typeface="Arial"/>
+                  <a:cs typeface="Arial"/>
+                  <a:sym typeface="Arial"/>
+                </a:endParaRPr>
+              </a:p>
+            </p:txBody>
+          </p:sp>
+          <p:sp>
+            <p:nvSpPr>
+              <p:cNvPr id="114" name="Google Shape;114;p1"/>
               <p:cNvSpPr txBox="1"/>
               <p:nvPr/>
             </p:nvSpPr>
             <p:spPr>
               <a:xfrm>
-                <a:off x="41093136" y="25440501"/>
-                <a:ext cx="2319866" cy="553998"/>
+                <a:off x="31953484" y="27660599"/>
+                <a:ext cx="11894062" cy="2838257"/>
               </a:xfrm>
               <a:prstGeom prst="rect">
                 <a:avLst/>
               </a:prstGeom>
               <a:noFill/>
+              <a:ln>
+                <a:noFill/>
+              </a:ln>
             </p:spPr>
             <p:txBody>
-              <a:bodyPr wrap="none" rtlCol="0" anchor="ctr">
-                <a:normAutofit fontScale="77500" lnSpcReduction="20000"/>
+              <a:bodyPr spcFirstLastPara="1" wrap="square" lIns="91425" tIns="45700" rIns="91425" bIns="45700" anchor="t" anchorCtr="0">
+                <a:noAutofit/>
               </a:bodyPr>
               <a:lstStyle/>
               <a:p>
-                <a:pPr algn="ctr"/>
+                <a:pPr marL="0" marR="0" lvl="0" indent="0" algn="l" rtl="0">
+                  <a:lnSpc>
+                    <a:spcPct val="100000"/>
+                  </a:lnSpc>
+                  <a:spcBef>
+                    <a:spcPts val="0"/>
+                  </a:spcBef>
+                  <a:spcAft>
+                    <a:spcPts val="0"/>
+                  </a:spcAft>
+                  <a:buClr>
+                    <a:srgbClr val="000000"/>
+                  </a:buClr>
+                  <a:buSzPts val="1800"/>
+                  <a:buFont typeface="Arial"/>
+                  <a:buNone/>
+                </a:pPr>
                 <a:r>
-                  <a:rPr lang="en-US" sz="3000" dirty="0"/>
-                  <a:t>High Fitness</a:t>
+                  <a:rPr lang="en-US" sz="2400" b="0" i="0" u="none" strike="noStrike" cap="none" dirty="0">
+                    <a:solidFill>
+                      <a:schemeClr val="dk1"/>
+                    </a:solidFill>
+                    <a:latin typeface="Arial"/>
+                    <a:ea typeface="Arial"/>
+                    <a:cs typeface="Arial"/>
+                    <a:sym typeface="Arial"/>
+                  </a:rPr>
+                  <a:t>Thank you to Erin Jesuit of the </a:t>
                 </a:r>
+                <a:r>
+                  <a:rPr lang="en-US" sz="2400" b="0" i="0" u="none" strike="noStrike" cap="none" dirty="0" err="1">
+                    <a:solidFill>
+                      <a:schemeClr val="dk1"/>
+                    </a:solidFill>
+                    <a:latin typeface="Arial"/>
+                    <a:ea typeface="Arial"/>
+                    <a:cs typeface="Arial"/>
+                    <a:sym typeface="Arial"/>
+                  </a:rPr>
+                  <a:t>VonDassow</a:t>
+                </a:r>
+                <a:r>
+                  <a:rPr lang="en-US" sz="2400" b="0" i="0" u="none" strike="noStrike" cap="none" dirty="0">
+                    <a:solidFill>
+                      <a:schemeClr val="dk1"/>
+                    </a:solidFill>
+                    <a:latin typeface="Arial"/>
+                    <a:ea typeface="Arial"/>
+                    <a:cs typeface="Arial"/>
+                    <a:sym typeface="Arial"/>
+                  </a:rPr>
+                  <a:t> Lab at OIMB for your help collecting and analyzing </a:t>
+                </a:r>
+                <a:r>
+                  <a:rPr lang="en-US" sz="2400" b="0" i="1" u="none" strike="noStrike" cap="none" dirty="0">
+                    <a:solidFill>
+                      <a:schemeClr val="dk1"/>
+                    </a:solidFill>
+                    <a:latin typeface="Arial"/>
+                    <a:ea typeface="Arial"/>
+                    <a:cs typeface="Arial"/>
+                    <a:sym typeface="Arial"/>
+                  </a:rPr>
+                  <a:t>B. glandula</a:t>
+                </a:r>
+                <a:r>
+                  <a:rPr lang="en-US" sz="2400" b="0" u="none" strike="noStrike" cap="none" dirty="0">
+                    <a:solidFill>
+                      <a:schemeClr val="dk1"/>
+                    </a:solidFill>
+                    <a:latin typeface="Arial"/>
+                    <a:ea typeface="Arial"/>
+                    <a:cs typeface="Arial"/>
+                    <a:sym typeface="Arial"/>
+                  </a:rPr>
+                  <a:t> samples. To Dave Sutherland for providing environmental models of Coos Bay, OR, produced by the Sutherland Lab. To </a:t>
+                </a:r>
+                <a:r>
+                  <a:rPr lang="en-US" sz="2400" b="0" i="0" u="none" strike="noStrike" cap="none" dirty="0">
+                    <a:solidFill>
+                      <a:schemeClr val="dk1"/>
+                    </a:solidFill>
+                    <a:latin typeface="Arial"/>
+                    <a:ea typeface="Arial"/>
+                    <a:cs typeface="Arial"/>
+                    <a:sym typeface="Arial"/>
+                  </a:rPr>
+                  <a:t>the entirety of the Kern Ralph Co-Lab for being a wonderful group to collaborate and research with. To Ben Haller and Philipp Messer for the development </a:t>
+                </a:r>
+                <a:r>
+                  <a:rPr lang="en-US" sz="2400" dirty="0">
+                    <a:solidFill>
+                      <a:schemeClr val="dk1"/>
+                    </a:solidFill>
+                  </a:rPr>
+                  <a:t>of </a:t>
+                </a:r>
+                <a:r>
+                  <a:rPr lang="en-US" sz="2400" dirty="0" err="1">
+                    <a:solidFill>
+                      <a:schemeClr val="dk1"/>
+                    </a:solidFill>
+                  </a:rPr>
+                  <a:t>SLiM</a:t>
+                </a:r>
+                <a:r>
+                  <a:rPr lang="en-US" sz="2400" dirty="0">
+                    <a:solidFill>
+                      <a:schemeClr val="dk1"/>
+                    </a:solidFill>
+                  </a:rPr>
+                  <a:t>: An Evolutionary Simulation Framework. </a:t>
+                </a:r>
+                <a:r>
+                  <a:rPr lang="en-US" sz="2400" b="0" i="0" u="none" strike="noStrike" cap="none" dirty="0">
+                    <a:solidFill>
+                      <a:schemeClr val="dk1"/>
+                    </a:solidFill>
+                    <a:latin typeface="Arial"/>
+                    <a:ea typeface="Arial"/>
+                    <a:cs typeface="Arial"/>
+                    <a:sym typeface="Arial"/>
+                  </a:rPr>
+                  <a:t>And to the University of Oregon Summer Program for Undergraduate Research and the Mary G. Alden Fellowship for the opportunity to pursue summer research.</a:t>
+                </a:r>
+                <a:endParaRPr sz="2400" b="0" i="0" u="none" strike="noStrike" cap="none" dirty="0">
+                  <a:solidFill>
+                    <a:schemeClr val="dk1"/>
+                  </a:solidFill>
+                  <a:latin typeface="Arial"/>
+                  <a:ea typeface="Arial"/>
+                  <a:cs typeface="Arial"/>
+                  <a:sym typeface="Arial"/>
+                </a:endParaRPr>
               </a:p>
             </p:txBody>
           </p:sp>
         </p:grpSp>
-        <p:grpSp>
-          <p:nvGrpSpPr>
-            <p:cNvPr id="137" name="Group 136">
+        <p:cxnSp>
+          <p:nvCxnSpPr>
+            <p:cNvPr id="148" name="Google Shape;97;p1">
               <a:extLst>
                 <a:ext uri="{FF2B5EF4-FFF2-40B4-BE49-F238E27FC236}">
-                  <a16:creationId xmlns:a16="http://schemas.microsoft.com/office/drawing/2014/main" id="{F998CCCD-FA34-694B-1E44-CCEF6FF1FC98}"/>
+                  <a16:creationId xmlns:a16="http://schemas.microsoft.com/office/drawing/2014/main" id="{88B21156-FAE5-A48F-2424-C5492DBA0907}"/>
                 </a:ext>
               </a:extLst>
             </p:cNvPr>
-            <p:cNvGrpSpPr/>
+            <p:cNvCxnSpPr/>
             <p:nvPr/>
-          </p:nvGrpSpPr>
-          <p:grpSpPr>
+          </p:nvCxnSpPr>
+          <p:spPr>
             <a:xfrm>
-              <a:off x="35606736" y="25374600"/>
-              <a:ext cx="4067828" cy="685800"/>
-              <a:chOff x="34290000" y="25374600"/>
-              <a:chExt cx="4067828" cy="685800"/>
+              <a:off x="31546800" y="24460200"/>
+              <a:ext cx="12344400" cy="0"/>
             </a:xfrm>
-          </p:grpSpPr>
-          <p:sp>
-            <p:nvSpPr>
-              <p:cNvPr id="132" name="Rectangle 131">
-                <a:extLst>
-                  <a:ext uri="{FF2B5EF4-FFF2-40B4-BE49-F238E27FC236}">
-                    <a16:creationId xmlns:a16="http://schemas.microsoft.com/office/drawing/2014/main" id="{CD11D771-8499-3E4A-B4EF-7A9B5D6EF36C}"/>
-                  </a:ext>
-                </a:extLst>
-              </p:cNvPr>
-              <p:cNvSpPr/>
-              <p:nvPr/>
-            </p:nvSpPr>
-            <p:spPr>
-              <a:xfrm>
-                <a:off x="34290000" y="25374600"/>
-                <a:ext cx="685800" cy="685800"/>
-              </a:xfrm>
-              <a:prstGeom prst="rect">
-                <a:avLst/>
-              </a:prstGeom>
+            <a:prstGeom prst="straightConnector1">
+              <a:avLst/>
+            </a:prstGeom>
+            <a:noFill/>
+            <a:ln w="25400" cap="flat" cmpd="sng">
               <a:solidFill>
-                <a:srgbClr val="FFFF00"/>
+                <a:schemeClr val="dk1"/>
               </a:solidFill>
-              <a:ln>
-                <a:solidFill>
-                  <a:srgbClr val="FFFF00"/>
-                </a:solidFill>
-              </a:ln>
-            </p:spPr>
-            <p:style>
-              <a:lnRef idx="2">
-                <a:schemeClr val="accent1">
-                  <a:shade val="15000"/>
-                </a:schemeClr>
-              </a:lnRef>
-              <a:fillRef idx="1">
-                <a:schemeClr val="accent1"/>
-              </a:fillRef>
-              <a:effectRef idx="0">
-                <a:schemeClr val="accent1"/>
-              </a:effectRef>
-              <a:fontRef idx="minor">
-                <a:schemeClr val="lt1"/>
-              </a:fontRef>
-            </p:style>
-            <p:txBody>
-              <a:bodyPr rtlCol="0" anchor="ctr"/>
-              <a:lstStyle/>
-              <a:p>
-                <a:pPr algn="ctr"/>
-                <a:endParaRPr lang="en-US" dirty="0"/>
-              </a:p>
-            </p:txBody>
-          </p:sp>
-          <p:sp>
-            <p:nvSpPr>
-              <p:cNvPr id="133" name="TextBox 132">
-                <a:extLst>
-                  <a:ext uri="{FF2B5EF4-FFF2-40B4-BE49-F238E27FC236}">
-                    <a16:creationId xmlns:a16="http://schemas.microsoft.com/office/drawing/2014/main" id="{727BBB2F-CA2A-97EE-0517-0909C0E51F32}"/>
-                  </a:ext>
-                </a:extLst>
-              </p:cNvPr>
-              <p:cNvSpPr txBox="1"/>
-              <p:nvPr/>
-            </p:nvSpPr>
-            <p:spPr>
-              <a:xfrm>
-                <a:off x="35204400" y="25440501"/>
-                <a:ext cx="3153428" cy="553998"/>
-              </a:xfrm>
-              <a:prstGeom prst="rect">
-                <a:avLst/>
-              </a:prstGeom>
-              <a:noFill/>
-            </p:spPr>
-            <p:txBody>
-              <a:bodyPr wrap="none" rtlCol="0" anchor="ctr">
-                <a:normAutofit fontScale="77500" lnSpcReduction="20000"/>
-              </a:bodyPr>
-              <a:lstStyle/>
-              <a:p>
-                <a:pPr algn="ctr"/>
-                <a:r>
-                  <a:rPr lang="en-US" sz="3000" dirty="0"/>
-                  <a:t>Moderate Fitness</a:t>
-                </a:r>
-              </a:p>
-            </p:txBody>
-          </p:sp>
-        </p:grpSp>
-        <p:grpSp>
-          <p:nvGrpSpPr>
-            <p:cNvPr id="142" name="Group 141">
-              <a:extLst>
-                <a:ext uri="{FF2B5EF4-FFF2-40B4-BE49-F238E27FC236}">
-                  <a16:creationId xmlns:a16="http://schemas.microsoft.com/office/drawing/2014/main" id="{6F7E9F03-5F0C-AFAB-8FBA-A9B16ADD2A89}"/>
-                </a:ext>
-              </a:extLst>
-            </p:cNvPr>
-            <p:cNvGrpSpPr/>
-            <p:nvPr/>
-          </p:nvGrpSpPr>
-          <p:grpSpPr>
-            <a:xfrm>
-              <a:off x="32004000" y="25374600"/>
-              <a:ext cx="3149307" cy="685800"/>
-              <a:chOff x="31546800" y="26197082"/>
-              <a:chExt cx="3149307" cy="685800"/>
-            </a:xfrm>
-          </p:grpSpPr>
-          <p:sp>
-            <p:nvSpPr>
-              <p:cNvPr id="139" name="Rectangle 138">
-                <a:extLst>
-                  <a:ext uri="{FF2B5EF4-FFF2-40B4-BE49-F238E27FC236}">
-                    <a16:creationId xmlns:a16="http://schemas.microsoft.com/office/drawing/2014/main" id="{DF6C6490-B52C-F860-7470-A0C4A82D11F8}"/>
-                  </a:ext>
-                </a:extLst>
-              </p:cNvPr>
-              <p:cNvSpPr>
-                <a:spLocks noChangeAspect="1"/>
-              </p:cNvSpPr>
-              <p:nvPr/>
-            </p:nvSpPr>
-            <p:spPr>
-              <a:xfrm>
-                <a:off x="31546800" y="26197082"/>
-                <a:ext cx="685800" cy="685800"/>
-              </a:xfrm>
-              <a:prstGeom prst="rect">
-                <a:avLst/>
-              </a:prstGeom>
-              <a:solidFill>
-                <a:srgbClr val="FF9F00"/>
-              </a:solidFill>
-              <a:ln>
-                <a:solidFill>
-                  <a:srgbClr val="FF9F00"/>
-                </a:solidFill>
-              </a:ln>
-            </p:spPr>
-            <p:style>
-              <a:lnRef idx="2">
-                <a:schemeClr val="accent1">
-                  <a:shade val="15000"/>
-                </a:schemeClr>
-              </a:lnRef>
-              <a:fillRef idx="1">
-                <a:schemeClr val="accent1"/>
-              </a:fillRef>
-              <a:effectRef idx="0">
-                <a:schemeClr val="accent1"/>
-              </a:effectRef>
-              <a:fontRef idx="minor">
-                <a:schemeClr val="lt1"/>
-              </a:fontRef>
-            </p:style>
-            <p:txBody>
-              <a:bodyPr rtlCol="0" anchor="ctr"/>
-              <a:lstStyle/>
-              <a:p>
-                <a:pPr algn="ctr"/>
-                <a:endParaRPr lang="en-US"/>
-              </a:p>
-            </p:txBody>
-          </p:sp>
-          <p:sp>
-            <p:nvSpPr>
-              <p:cNvPr id="141" name="TextBox 140">
-                <a:extLst>
-                  <a:ext uri="{FF2B5EF4-FFF2-40B4-BE49-F238E27FC236}">
-                    <a16:creationId xmlns:a16="http://schemas.microsoft.com/office/drawing/2014/main" id="{2CBA5AFB-82B4-FBD8-64C4-5FC5F46E12E8}"/>
-                  </a:ext>
-                </a:extLst>
-              </p:cNvPr>
-              <p:cNvSpPr txBox="1"/>
-              <p:nvPr/>
-            </p:nvSpPr>
-            <p:spPr>
-              <a:xfrm>
-                <a:off x="32461200" y="26262983"/>
-                <a:ext cx="2234907" cy="553998"/>
-              </a:xfrm>
-              <a:prstGeom prst="rect">
-                <a:avLst/>
-              </a:prstGeom>
-              <a:noFill/>
-            </p:spPr>
-            <p:txBody>
-              <a:bodyPr wrap="none" rtlCol="0" anchor="ctr">
-                <a:normAutofit fontScale="77500" lnSpcReduction="20000"/>
-              </a:bodyPr>
-              <a:lstStyle/>
-              <a:p>
-                <a:pPr algn="ctr"/>
-                <a:r>
-                  <a:rPr lang="en-US" sz="3000" dirty="0"/>
-                  <a:t>Low Fitness</a:t>
-                </a:r>
-              </a:p>
-            </p:txBody>
-          </p:sp>
-        </p:grpSp>
+              <a:prstDash val="solid"/>
+              <a:round/>
+              <a:headEnd type="none" w="sm" len="sm"/>
+              <a:tailEnd type="none" w="sm" len="sm"/>
+            </a:ln>
+            <a:effectLst>
+              <a:outerShdw blurRad="40000" dist="20000" dir="5400000" rotWithShape="0">
+                <a:srgbClr val="000000">
+                  <a:alpha val="36470"/>
+                </a:srgbClr>
+              </a:outerShdw>
+            </a:effectLst>
+          </p:spPr>
+        </p:cxnSp>
       </p:grpSp>
-      <p:cxnSp>
-        <p:nvCxnSpPr>
-          <p:cNvPr id="148" name="Google Shape;97;p1">
-            <a:extLst>
-              <a:ext uri="{FF2B5EF4-FFF2-40B4-BE49-F238E27FC236}">
-                <a16:creationId xmlns:a16="http://schemas.microsoft.com/office/drawing/2014/main" id="{88B21156-FAE5-A48F-2424-C5492DBA0907}"/>
-              </a:ext>
-            </a:extLst>
-          </p:cNvPr>
-          <p:cNvCxnSpPr/>
-          <p:nvPr/>
-        </p:nvCxnSpPr>
-        <p:spPr>
-          <a:xfrm>
-            <a:off x="31546800" y="26289000"/>
-            <a:ext cx="12344400" cy="0"/>
-          </a:xfrm>
-          <a:prstGeom prst="straightConnector1">
-            <a:avLst/>
-          </a:prstGeom>
-          <a:noFill/>
-          <a:ln w="25400" cap="flat" cmpd="sng">
-            <a:solidFill>
-              <a:schemeClr val="dk1"/>
-            </a:solidFill>
-            <a:prstDash val="solid"/>
-            <a:round/>
-            <a:headEnd type="none" w="sm" len="sm"/>
-            <a:tailEnd type="none" w="sm" len="sm"/>
-          </a:ln>
-          <a:effectLst>
-            <a:outerShdw blurRad="40000" dist="20000" dir="5400000" rotWithShape="0">
-              <a:srgbClr val="000000">
-                <a:alpha val="36470"/>
-              </a:srgbClr>
-            </a:outerShdw>
-          </a:effectLst>
-        </p:spPr>
-      </p:cxnSp>
       <p:cxnSp>
         <p:nvCxnSpPr>
           <p:cNvPr id="150" name="Google Shape;97;p1">
@@ -21627,7 +21788,7 @@
         </p:nvCxnSpPr>
         <p:spPr>
           <a:xfrm>
-            <a:off x="31546800" y="29718000"/>
+            <a:off x="31546800" y="28803600"/>
             <a:ext cx="12344400" cy="0"/>
           </a:xfrm>
           <a:prstGeom prst="straightConnector1">
@@ -21666,10 +21827,10 @@
         </p:nvGrpSpPr>
         <p:grpSpPr>
           <a:xfrm>
-            <a:off x="32689800" y="29946600"/>
-            <a:ext cx="10058400" cy="2743200"/>
+            <a:off x="32689800" y="28928228"/>
+            <a:ext cx="10058400" cy="3816446"/>
             <a:chOff x="33229800" y="26669999"/>
-            <a:chExt cx="10131900" cy="2971801"/>
+            <a:chExt cx="10131900" cy="4134485"/>
           </a:xfrm>
         </p:grpSpPr>
         <p:sp>
@@ -21832,8 +21993,8 @@
           </p:nvSpPr>
           <p:spPr>
             <a:xfrm>
-              <a:off x="33303300" y="27415957"/>
-              <a:ext cx="9897600" cy="2225843"/>
+              <a:off x="33303300" y="27415956"/>
+              <a:ext cx="9897600" cy="3388528"/>
             </a:xfrm>
             <a:prstGeom prst="rect">
               <a:avLst/>
@@ -21901,14 +22062,14 @@
             </a:extLst>
           </p:cNvPr>
           <p:cNvSpPr txBox="1">
-            <a:spLocks noGrp="1" noRot="1" noMove="1" noResize="1" noEditPoints="1" noAdjustHandles="1" noChangeArrowheads="1" noChangeShapeType="1"/>
+            <a:spLocks/>
           </p:cNvSpPr>
           <p:nvPr/>
         </p:nvSpPr>
         <p:spPr>
           <a:xfrm>
             <a:off x="228600" y="4343400"/>
-            <a:ext cx="11887200" cy="1415772"/>
+            <a:ext cx="11887200" cy="1371600"/>
           </a:xfrm>
           <a:prstGeom prst="rect">
             <a:avLst/>
@@ -21935,7 +22096,7 @@
                   <a:srgbClr val="616A4E"/>
                 </a:solidFill>
               </a:rPr>
-              <a:t>What, where, and why?</a:t>
+              <a:t>Background</a:t>
             </a:r>
           </a:p>
         </p:txBody>
@@ -21954,14 +22115,14 @@
         </p:nvSpPr>
         <p:spPr>
           <a:xfrm>
-            <a:off x="31775400" y="15566238"/>
+            <a:off x="31768534" y="18416250"/>
             <a:ext cx="11887196" cy="2895664"/>
           </a:xfrm>
           <a:prstGeom prst="rect">
             <a:avLst/>
           </a:prstGeom>
           <a:solidFill>
-            <a:srgbClr val="E8EFD9"/>
+            <a:srgbClr val="F2F6EA"/>
           </a:solidFill>
           <a:ln w="12700">
             <a:solidFill>
@@ -21985,12 +22146,23 @@
                 <a:solidFill>
                   <a:srgbClr val="616A4E"/>
                 </a:solidFill>
+                <a:latin typeface="+mn-lt"/>
+                <a:ea typeface="Cascadia Mono SemiLight" panose="020B0609020000020004" pitchFamily="49" charset="0"/>
+                <a:cs typeface="Cascadia Mono SemiLight" panose="020B0609020000020004" pitchFamily="49" charset="0"/>
+              </a:rPr>
+              <a:t>Adapting to </a:t>
+            </a:r>
+            <a:r>
+              <a:rPr lang="en-US" sz="4000" b="1" dirty="0">
+                <a:solidFill>
+                  <a:srgbClr val="616A4E"/>
+                </a:solidFill>
                 <a:effectLst/>
                 <a:latin typeface="+mn-lt"/>
                 <a:ea typeface="Cascadia Mono SemiLight" panose="020B0609020000020004" pitchFamily="49" charset="0"/>
                 <a:cs typeface="Cascadia Mono SemiLight" panose="020B0609020000020004" pitchFamily="49" charset="0"/>
               </a:rPr>
-              <a:t>Studying Climate Change</a:t>
+              <a:t>Climate Change</a:t>
             </a:r>
           </a:p>
           <a:p>
@@ -22037,2228 +22209,14 @@
         </p:blipFill>
         <p:spPr>
           <a:xfrm>
-            <a:off x="31784547" y="21519260"/>
-            <a:ext cx="4654051" cy="4654051"/>
+            <a:off x="31784546" y="8531079"/>
+            <a:ext cx="5833872" cy="5833872"/>
           </a:xfrm>
           <a:prstGeom prst="rect">
             <a:avLst/>
           </a:prstGeom>
         </p:spPr>
       </p:pic>
-      <p:sp>
-        <p:nvSpPr>
-          <p:cNvPr id="16" name="TextBox 15">
-            <a:extLst>
-              <a:ext uri="{FF2B5EF4-FFF2-40B4-BE49-F238E27FC236}">
-                <a16:creationId xmlns:a16="http://schemas.microsoft.com/office/drawing/2014/main" id="{CAABF9CF-4CE9-D145-3695-1637E362F332}"/>
-              </a:ext>
-            </a:extLst>
-          </p:cNvPr>
-          <p:cNvSpPr txBox="1">
-            <a:spLocks/>
-          </p:cNvSpPr>
-          <p:nvPr/>
-        </p:nvSpPr>
-        <p:spPr>
-          <a:xfrm>
-            <a:off x="12572998" y="6881510"/>
-            <a:ext cx="9601200" cy="2895664"/>
-          </a:xfrm>
-          <a:prstGeom prst="rect">
-            <a:avLst/>
-          </a:prstGeom>
-          <a:solidFill>
-            <a:srgbClr val="E8EFD9"/>
-          </a:solidFill>
-          <a:ln w="12700">
-            <a:solidFill>
-              <a:schemeClr val="tx1"/>
-            </a:solidFill>
-          </a:ln>
-        </p:spPr>
-        <p:txBody>
-          <a:bodyPr wrap="square" lIns="274320" tIns="274320" rIns="274320" bIns="274320" anchor="ctr">
-            <a:spAutoFit/>
-          </a:bodyPr>
-          <a:lstStyle/>
-          <a:p>
-            <a:pPr>
-              <a:spcAft>
-                <a:spcPts val="500"/>
-              </a:spcAft>
-            </a:pPr>
-            <a:r>
-              <a:rPr lang="en-US" sz="4000" b="1" dirty="0">
-                <a:solidFill>
-                  <a:srgbClr val="616A4E"/>
-                </a:solidFill>
-                <a:effectLst/>
-                <a:latin typeface="+mn-lt"/>
-                <a:ea typeface="Cascadia Mono SemiLight" panose="020B0609020000020004" pitchFamily="49" charset="0"/>
-                <a:cs typeface="Cascadia Mono SemiLight" panose="020B0609020000020004" pitchFamily="49" charset="0"/>
-              </a:rPr>
-              <a:t>Reproduction</a:t>
-            </a:r>
-            <a:endParaRPr lang="en-US" sz="4000" dirty="0">
-              <a:solidFill>
-                <a:srgbClr val="616A4E"/>
-              </a:solidFill>
-              <a:effectLst/>
-              <a:latin typeface="+mn-lt"/>
-              <a:ea typeface="Cascadia Mono SemiLight" panose="020B0609020000020004" pitchFamily="49" charset="0"/>
-              <a:cs typeface="Cascadia Mono SemiLight" panose="020B0609020000020004" pitchFamily="49" charset="0"/>
-            </a:endParaRPr>
-          </a:p>
-          <a:p>
-            <a:pPr marL="457200" indent="-457200">
-              <a:spcAft>
-                <a:spcPts val="500"/>
-              </a:spcAft>
-              <a:buFont typeface="Arial" panose="020B0604020202020204" pitchFamily="34" charset="0"/>
-              <a:buChar char="•"/>
-            </a:pPr>
-            <a:r>
-              <a:rPr lang="en-US" sz="3600" dirty="0">
-                <a:solidFill>
-                  <a:schemeClr val="tx1"/>
-                </a:solidFill>
-                <a:latin typeface="+mn-lt"/>
-                <a:ea typeface="Cascadia Mono SemiLight" panose="020B0609020000020004" pitchFamily="49" charset="0"/>
-                <a:cs typeface="Cascadia Mono SemiLight" panose="020B0609020000020004" pitchFamily="49" charset="0"/>
-              </a:rPr>
-              <a:t>Seasonal brooding occurs in the late winter </a:t>
-            </a:r>
-            <a:r>
-              <a:rPr lang="en-US" sz="3600" dirty="0">
-                <a:latin typeface="+mn-lt"/>
-                <a:ea typeface="Cascadia Mono SemiLight" panose="020B0609020000020004" pitchFamily="49" charset="0"/>
-                <a:cs typeface="Cascadia Mono SemiLight" panose="020B0609020000020004" pitchFamily="49" charset="0"/>
-              </a:rPr>
-              <a:t>with</a:t>
-            </a:r>
-            <a:r>
-              <a:rPr lang="en-US" sz="3600" dirty="0">
-                <a:solidFill>
-                  <a:schemeClr val="tx1"/>
-                </a:solidFill>
-                <a:latin typeface="+mn-lt"/>
-                <a:ea typeface="Cascadia Mono SemiLight" panose="020B0609020000020004" pitchFamily="49" charset="0"/>
-                <a:cs typeface="Cascadia Mono SemiLight" panose="020B0609020000020004" pitchFamily="49" charset="0"/>
-              </a:rPr>
-              <a:t> larval dispersal occurring after ~4 months, during the summer</a:t>
-            </a:r>
-          </a:p>
-        </p:txBody>
-      </p:sp>
-      <p:cxnSp>
-        <p:nvCxnSpPr>
-          <p:cNvPr id="9" name="Google Shape;98;p1">
-            <a:extLst>
-              <a:ext uri="{FF2B5EF4-FFF2-40B4-BE49-F238E27FC236}">
-                <a16:creationId xmlns:a16="http://schemas.microsoft.com/office/drawing/2014/main" id="{461DA3E1-7485-567F-2253-EE80162AF405}"/>
-              </a:ext>
-            </a:extLst>
-          </p:cNvPr>
-          <p:cNvCxnSpPr>
-            <a:cxnSpLocks/>
-          </p:cNvCxnSpPr>
-          <p:nvPr/>
-        </p:nvCxnSpPr>
-        <p:spPr>
-          <a:xfrm>
-            <a:off x="16806672" y="10972800"/>
-            <a:ext cx="0" cy="228600"/>
-          </a:xfrm>
-          <a:prstGeom prst="straightConnector1">
-            <a:avLst/>
-          </a:prstGeom>
-          <a:noFill/>
-          <a:ln w="12700" cap="flat" cmpd="sng">
-            <a:solidFill>
-              <a:schemeClr val="dk1"/>
-            </a:solidFill>
-            <a:prstDash val="solid"/>
-            <a:round/>
-            <a:headEnd type="none" w="sm" len="sm"/>
-            <a:tailEnd type="none" w="sm" len="sm"/>
-          </a:ln>
-          <a:effectLst>
-            <a:outerShdw blurRad="40000" dist="20000" dir="5400000" rotWithShape="0">
-              <a:srgbClr val="000000">
-                <a:alpha val="36470"/>
-              </a:srgbClr>
-            </a:outerShdw>
-          </a:effectLst>
-        </p:spPr>
-      </p:cxnSp>
-      <p:grpSp>
-        <p:nvGrpSpPr>
-          <p:cNvPr id="174" name="Group 173">
-            <a:extLst>
-              <a:ext uri="{FF2B5EF4-FFF2-40B4-BE49-F238E27FC236}">
-                <a16:creationId xmlns:a16="http://schemas.microsoft.com/office/drawing/2014/main" id="{064A055B-2CB8-8554-EAE4-4A9DFEA04BDD}"/>
-              </a:ext>
-            </a:extLst>
-          </p:cNvPr>
-          <p:cNvGrpSpPr>
-            <a:grpSpLocks noChangeAspect="1"/>
-          </p:cNvGrpSpPr>
-          <p:nvPr/>
-        </p:nvGrpSpPr>
-        <p:grpSpPr>
-          <a:xfrm>
-            <a:off x="47172620" y="2710543"/>
-            <a:ext cx="9597362" cy="7315198"/>
-            <a:chOff x="20574000" y="7086600"/>
-            <a:chExt cx="10744200" cy="7772400"/>
-          </a:xfrm>
-        </p:grpSpPr>
-        <p:grpSp>
-          <p:nvGrpSpPr>
-            <p:cNvPr id="171" name="Group 170">
-              <a:extLst>
-                <a:ext uri="{FF2B5EF4-FFF2-40B4-BE49-F238E27FC236}">
-                  <a16:creationId xmlns:a16="http://schemas.microsoft.com/office/drawing/2014/main" id="{AD87C65B-89AF-82FC-5EDC-B6EAA0AD7B5D}"/>
-                </a:ext>
-              </a:extLst>
-            </p:cNvPr>
-            <p:cNvGrpSpPr/>
-            <p:nvPr/>
-          </p:nvGrpSpPr>
-          <p:grpSpPr>
-            <a:xfrm>
-              <a:off x="20574000" y="7200900"/>
-              <a:ext cx="10744200" cy="7543800"/>
-              <a:chOff x="20574000" y="7086600"/>
-              <a:chExt cx="10744200" cy="7543800"/>
-            </a:xfrm>
-          </p:grpSpPr>
-          <p:grpSp>
-            <p:nvGrpSpPr>
-              <p:cNvPr id="163" name="Group 162">
-                <a:extLst>
-                  <a:ext uri="{FF2B5EF4-FFF2-40B4-BE49-F238E27FC236}">
-                    <a16:creationId xmlns:a16="http://schemas.microsoft.com/office/drawing/2014/main" id="{1DBD5840-3EA4-BE1E-A624-56A79D696F81}"/>
-                  </a:ext>
-                </a:extLst>
-              </p:cNvPr>
-              <p:cNvGrpSpPr/>
-              <p:nvPr/>
-            </p:nvGrpSpPr>
-            <p:grpSpPr>
-              <a:xfrm>
-                <a:off x="20802600" y="7772399"/>
-                <a:ext cx="10287000" cy="6858001"/>
-                <a:chOff x="20802599" y="7772399"/>
-                <a:chExt cx="10300717" cy="6858001"/>
-              </a:xfrm>
-            </p:grpSpPr>
-            <p:grpSp>
-              <p:nvGrpSpPr>
-                <p:cNvPr id="162" name="Group 161">
-                  <a:extLst>
-                    <a:ext uri="{FF2B5EF4-FFF2-40B4-BE49-F238E27FC236}">
-                      <a16:creationId xmlns:a16="http://schemas.microsoft.com/office/drawing/2014/main" id="{37857300-8115-CCA1-8769-DFEFD450DF4F}"/>
-                    </a:ext>
-                  </a:extLst>
-                </p:cNvPr>
-                <p:cNvGrpSpPr/>
-                <p:nvPr/>
-              </p:nvGrpSpPr>
-              <p:grpSpPr>
-                <a:xfrm>
-                  <a:off x="20802599" y="7772399"/>
-                  <a:ext cx="10300717" cy="6071616"/>
-                  <a:chOff x="20802599" y="7772399"/>
-                  <a:chExt cx="10300717" cy="6071616"/>
-                </a:xfrm>
-              </p:grpSpPr>
-              <p:grpSp>
-                <p:nvGrpSpPr>
-                  <p:cNvPr id="159" name="Group 158">
-                    <a:extLst>
-                      <a:ext uri="{FF2B5EF4-FFF2-40B4-BE49-F238E27FC236}">
-                        <a16:creationId xmlns:a16="http://schemas.microsoft.com/office/drawing/2014/main" id="{47775EA3-E309-DABF-E137-AE157CA37DF5}"/>
-                      </a:ext>
-                    </a:extLst>
-                  </p:cNvPr>
-                  <p:cNvGrpSpPr/>
-                  <p:nvPr/>
-                </p:nvGrpSpPr>
-                <p:grpSpPr>
-                  <a:xfrm>
-                    <a:off x="26060400" y="7772400"/>
-                    <a:ext cx="5042916" cy="6067333"/>
-                    <a:chOff x="26060400" y="7772400"/>
-                    <a:chExt cx="5042916" cy="6067333"/>
-                  </a:xfrm>
-                </p:grpSpPr>
-                <p:grpSp>
-                  <p:nvGrpSpPr>
-                    <p:cNvPr id="147" name="Group 146">
-                      <a:extLst>
-                        <a:ext uri="{FF2B5EF4-FFF2-40B4-BE49-F238E27FC236}">
-                          <a16:creationId xmlns:a16="http://schemas.microsoft.com/office/drawing/2014/main" id="{ABB8B83D-7694-1307-6D4E-FDCF454E96CB}"/>
-                        </a:ext>
-                      </a:extLst>
-                    </p:cNvPr>
-                    <p:cNvGrpSpPr/>
-                    <p:nvPr/>
-                  </p:nvGrpSpPr>
-                  <p:grpSpPr>
-                    <a:xfrm>
-                      <a:off x="26060400" y="8296067"/>
-                      <a:ext cx="5042916" cy="5543666"/>
-                      <a:chOff x="26060400" y="8296067"/>
-                      <a:chExt cx="5042916" cy="5543666"/>
-                    </a:xfrm>
-                  </p:grpSpPr>
-                  <p:grpSp>
-                    <p:nvGrpSpPr>
-                      <p:cNvPr id="138" name="Group 137">
-                        <a:extLst>
-                          <a:ext uri="{FF2B5EF4-FFF2-40B4-BE49-F238E27FC236}">
-                            <a16:creationId xmlns:a16="http://schemas.microsoft.com/office/drawing/2014/main" id="{0D43342F-AB30-C5B0-9864-249511969380}"/>
-                          </a:ext>
-                        </a:extLst>
-                      </p:cNvPr>
-                      <p:cNvGrpSpPr/>
-                      <p:nvPr/>
-                    </p:nvGrpSpPr>
-                    <p:grpSpPr>
-                      <a:xfrm>
-                        <a:off x="28584144" y="8296067"/>
-                        <a:ext cx="1257300" cy="5543664"/>
-                        <a:chOff x="28575001" y="8296067"/>
-                        <a:chExt cx="1257300" cy="5543664"/>
-                      </a:xfrm>
-                    </p:grpSpPr>
-                    <p:pic>
-                      <p:nvPicPr>
-                        <p:cNvPr id="47" name="Picture 46">
-                          <a:extLst>
-                            <a:ext uri="{FF2B5EF4-FFF2-40B4-BE49-F238E27FC236}">
-                              <a16:creationId xmlns:a16="http://schemas.microsoft.com/office/drawing/2014/main" id="{742DB385-96CD-F73F-4CC9-9460D74CCC55}"/>
-                            </a:ext>
-                          </a:extLst>
-                        </p:cNvPr>
-                        <p:cNvPicPr>
-                          <a:picLocks noChangeAspect="1"/>
-                        </p:cNvPicPr>
-                        <p:nvPr/>
-                      </p:nvPicPr>
-                      <p:blipFill rotWithShape="1">
-                        <a:blip r:embed="rId9"/>
-                        <a:srcRect l="49668" r="25498"/>
-                        <a:stretch/>
-                      </p:blipFill>
-                      <p:spPr>
-                        <a:xfrm>
-                          <a:off x="28575001" y="8296067"/>
-                          <a:ext cx="1257300" cy="4971228"/>
-                        </a:xfrm>
-                        <a:prstGeom prst="rect">
-                          <a:avLst/>
-                        </a:prstGeom>
-                        <a:ln w="12700">
-                          <a:solidFill>
-                            <a:schemeClr val="tx1"/>
-                          </a:solidFill>
-                        </a:ln>
-                      </p:spPr>
-                    </p:pic>
-                    <p:sp>
-                      <p:nvSpPr>
-                        <p:cNvPr id="51" name="TextBox 50">
-                          <a:extLst>
-                            <a:ext uri="{FF2B5EF4-FFF2-40B4-BE49-F238E27FC236}">
-                              <a16:creationId xmlns:a16="http://schemas.microsoft.com/office/drawing/2014/main" id="{06FA4AF3-DA50-DCD8-32C1-98C38F36E589}"/>
-                            </a:ext>
-                          </a:extLst>
-                        </p:cNvPr>
-                        <p:cNvSpPr txBox="1"/>
-                        <p:nvPr/>
-                      </p:nvSpPr>
-                      <p:spPr>
-                        <a:xfrm>
-                          <a:off x="28769879" y="13285733"/>
-                          <a:ext cx="867545" cy="553998"/>
-                        </a:xfrm>
-                        <a:prstGeom prst="rect">
-                          <a:avLst/>
-                        </a:prstGeom>
-                        <a:noFill/>
-                      </p:spPr>
-                      <p:txBody>
-                        <a:bodyPr wrap="none" rtlCol="0">
-                          <a:spAutoFit/>
-                        </a:bodyPr>
-                        <a:lstStyle/>
-                        <a:p>
-                          <a:pPr algn="ctr"/>
-                          <a:r>
-                            <a:rPr lang="en-US" sz="3000" dirty="0"/>
-                            <a:t>Dec</a:t>
-                          </a:r>
-                        </a:p>
-                      </p:txBody>
-                    </p:sp>
-                  </p:grpSp>
-                  <p:grpSp>
-                    <p:nvGrpSpPr>
-                      <p:cNvPr id="143" name="Group 142">
-                        <a:extLst>
-                          <a:ext uri="{FF2B5EF4-FFF2-40B4-BE49-F238E27FC236}">
-                            <a16:creationId xmlns:a16="http://schemas.microsoft.com/office/drawing/2014/main" id="{7B220EEE-C2B7-6804-28D7-E3BBB0F52F3A}"/>
-                          </a:ext>
-                        </a:extLst>
-                      </p:cNvPr>
-                      <p:cNvGrpSpPr/>
-                      <p:nvPr/>
-                    </p:nvGrpSpPr>
-                    <p:grpSpPr>
-                      <a:xfrm>
-                        <a:off x="29846016" y="8296067"/>
-                        <a:ext cx="1257300" cy="5543666"/>
-                        <a:chOff x="29832301" y="8296067"/>
-                        <a:chExt cx="1257300" cy="5543666"/>
-                      </a:xfrm>
-                    </p:grpSpPr>
-                    <p:pic>
-                      <p:nvPicPr>
-                        <p:cNvPr id="49" name="Picture 48">
-                          <a:extLst>
-                            <a:ext uri="{FF2B5EF4-FFF2-40B4-BE49-F238E27FC236}">
-                              <a16:creationId xmlns:a16="http://schemas.microsoft.com/office/drawing/2014/main" id="{D80B754B-D5AD-F843-EF3D-54BD29CDD096}"/>
-                            </a:ext>
-                          </a:extLst>
-                        </p:cNvPr>
-                        <p:cNvPicPr>
-                          <a:picLocks noChangeAspect="1"/>
-                        </p:cNvPicPr>
-                        <p:nvPr/>
-                      </p:nvPicPr>
-                      <p:blipFill rotWithShape="1">
-                        <a:blip r:embed="rId10"/>
-                        <a:srcRect l="75344" t="-2" r="-313"/>
-                        <a:stretch/>
-                      </p:blipFill>
-                      <p:spPr>
-                        <a:xfrm>
-                          <a:off x="29832301" y="8296067"/>
-                          <a:ext cx="1257300" cy="4971228"/>
-                        </a:xfrm>
-                        <a:prstGeom prst="rect">
-                          <a:avLst/>
-                        </a:prstGeom>
-                        <a:ln w="12700">
-                          <a:solidFill>
-                            <a:schemeClr val="tx1"/>
-                          </a:solidFill>
-                        </a:ln>
-                      </p:spPr>
-                    </p:pic>
-                    <p:sp>
-                      <p:nvSpPr>
-                        <p:cNvPr id="52" name="TextBox 51">
-                          <a:extLst>
-                            <a:ext uri="{FF2B5EF4-FFF2-40B4-BE49-F238E27FC236}">
-                              <a16:creationId xmlns:a16="http://schemas.microsoft.com/office/drawing/2014/main" id="{90577057-FFD1-A644-75EE-14C785700181}"/>
-                            </a:ext>
-                          </a:extLst>
-                        </p:cNvPr>
-                        <p:cNvSpPr txBox="1"/>
-                        <p:nvPr/>
-                      </p:nvSpPr>
-                      <p:spPr>
-                        <a:xfrm>
-                          <a:off x="30037598" y="13285735"/>
-                          <a:ext cx="846707" cy="553998"/>
-                        </a:xfrm>
-                        <a:prstGeom prst="rect">
-                          <a:avLst/>
-                        </a:prstGeom>
-                        <a:noFill/>
-                      </p:spPr>
-                      <p:txBody>
-                        <a:bodyPr wrap="none" rtlCol="0">
-                          <a:spAutoFit/>
-                        </a:bodyPr>
-                        <a:lstStyle/>
-                        <a:p>
-                          <a:pPr algn="ctr"/>
-                          <a:r>
-                            <a:rPr lang="en-US" sz="3000" dirty="0"/>
-                            <a:t>Mar</a:t>
-                          </a:r>
-                        </a:p>
-                      </p:txBody>
-                    </p:sp>
-                  </p:grpSp>
-                  <p:grpSp>
-                    <p:nvGrpSpPr>
-                      <p:cNvPr id="120" name="Group 119">
-                        <a:extLst>
-                          <a:ext uri="{FF2B5EF4-FFF2-40B4-BE49-F238E27FC236}">
-                            <a16:creationId xmlns:a16="http://schemas.microsoft.com/office/drawing/2014/main" id="{CEB9EA1D-AF67-E10C-B7D4-84BFB559F4EE}"/>
-                          </a:ext>
-                        </a:extLst>
-                      </p:cNvPr>
-                      <p:cNvGrpSpPr/>
-                      <p:nvPr/>
-                    </p:nvGrpSpPr>
-                    <p:grpSpPr>
-                      <a:xfrm>
-                        <a:off x="26060400" y="8296067"/>
-                        <a:ext cx="1257300" cy="5543666"/>
-                        <a:chOff x="26060400" y="8296067"/>
-                        <a:chExt cx="1257300" cy="5543666"/>
-                      </a:xfrm>
-                    </p:grpSpPr>
-                    <p:pic>
-                      <p:nvPicPr>
-                        <p:cNvPr id="48" name="Picture 47">
-                          <a:extLst>
-                            <a:ext uri="{FF2B5EF4-FFF2-40B4-BE49-F238E27FC236}">
-                              <a16:creationId xmlns:a16="http://schemas.microsoft.com/office/drawing/2014/main" id="{A04ABCFC-5976-C070-CDCD-39AD781D0CDB}"/>
-                            </a:ext>
-                          </a:extLst>
-                        </p:cNvPr>
-                        <p:cNvPicPr>
-                          <a:picLocks noChangeAspect="1"/>
-                        </p:cNvPicPr>
-                        <p:nvPr/>
-                      </p:nvPicPr>
-                      <p:blipFill rotWithShape="1">
-                        <a:blip r:embed="rId11"/>
-                        <a:srcRect r="75000"/>
-                        <a:stretch/>
-                      </p:blipFill>
-                      <p:spPr>
-                        <a:xfrm>
-                          <a:off x="26060400" y="8296067"/>
-                          <a:ext cx="1257300" cy="4971228"/>
-                        </a:xfrm>
-                        <a:prstGeom prst="rect">
-                          <a:avLst/>
-                        </a:prstGeom>
-                        <a:ln w="12700">
-                          <a:solidFill>
-                            <a:schemeClr val="tx1"/>
-                          </a:solidFill>
-                        </a:ln>
-                      </p:spPr>
-                    </p:pic>
-                    <p:sp>
-                      <p:nvSpPr>
-                        <p:cNvPr id="53" name="TextBox 52">
-                          <a:extLst>
-                            <a:ext uri="{FF2B5EF4-FFF2-40B4-BE49-F238E27FC236}">
-                              <a16:creationId xmlns:a16="http://schemas.microsoft.com/office/drawing/2014/main" id="{562B3851-8114-F2E4-B447-1816C36F9779}"/>
-                            </a:ext>
-                          </a:extLst>
-                        </p:cNvPr>
-                        <p:cNvSpPr txBox="1"/>
-                        <p:nvPr/>
-                      </p:nvSpPr>
-                      <p:spPr>
-                        <a:xfrm>
-                          <a:off x="26287337" y="13285735"/>
-                          <a:ext cx="803426" cy="553998"/>
-                        </a:xfrm>
-                        <a:prstGeom prst="rect">
-                          <a:avLst/>
-                        </a:prstGeom>
-                        <a:noFill/>
-                      </p:spPr>
-                      <p:txBody>
-                        <a:bodyPr wrap="none" rtlCol="0">
-                          <a:spAutoFit/>
-                        </a:bodyPr>
-                        <a:lstStyle/>
-                        <a:p>
-                          <a:pPr algn="ctr"/>
-                          <a:r>
-                            <a:rPr lang="en-US" sz="3000" dirty="0"/>
-                            <a:t>Jun</a:t>
-                          </a:r>
-                        </a:p>
-                      </p:txBody>
-                    </p:sp>
-                  </p:grpSp>
-                  <p:grpSp>
-                    <p:nvGrpSpPr>
-                      <p:cNvPr id="121" name="Group 120">
-                        <a:extLst>
-                          <a:ext uri="{FF2B5EF4-FFF2-40B4-BE49-F238E27FC236}">
-                            <a16:creationId xmlns:a16="http://schemas.microsoft.com/office/drawing/2014/main" id="{31D34AF2-4A35-76DC-AAD8-2124B99962E8}"/>
-                          </a:ext>
-                        </a:extLst>
-                      </p:cNvPr>
-                      <p:cNvGrpSpPr/>
-                      <p:nvPr/>
-                    </p:nvGrpSpPr>
-                    <p:grpSpPr>
-                      <a:xfrm>
-                        <a:off x="27317700" y="8296067"/>
-                        <a:ext cx="1257301" cy="5543666"/>
-                        <a:chOff x="27317700" y="8296067"/>
-                        <a:chExt cx="1257301" cy="5543666"/>
-                      </a:xfrm>
-                    </p:grpSpPr>
-                    <p:pic>
-                      <p:nvPicPr>
-                        <p:cNvPr id="50" name="Picture 49">
-                          <a:extLst>
-                            <a:ext uri="{FF2B5EF4-FFF2-40B4-BE49-F238E27FC236}">
-                              <a16:creationId xmlns:a16="http://schemas.microsoft.com/office/drawing/2014/main" id="{1CAD7B6E-D40A-6368-9C9A-45523B5BB72C}"/>
-                            </a:ext>
-                          </a:extLst>
-                        </p:cNvPr>
-                        <p:cNvPicPr>
-                          <a:picLocks noChangeAspect="1"/>
-                        </p:cNvPicPr>
-                        <p:nvPr/>
-                      </p:nvPicPr>
-                      <p:blipFill rotWithShape="1">
-                        <a:blip r:embed="rId12"/>
-                        <a:srcRect l="25000" r="50000"/>
-                        <a:stretch/>
-                      </p:blipFill>
-                      <p:spPr>
-                        <a:xfrm>
-                          <a:off x="27317700" y="8296067"/>
-                          <a:ext cx="1257301" cy="4971228"/>
-                        </a:xfrm>
-                        <a:prstGeom prst="rect">
-                          <a:avLst/>
-                        </a:prstGeom>
-                        <a:ln w="12700">
-                          <a:solidFill>
-                            <a:schemeClr val="tx1"/>
-                          </a:solidFill>
-                        </a:ln>
-                      </p:spPr>
-                    </p:pic>
-                    <p:sp>
-                      <p:nvSpPr>
-                        <p:cNvPr id="54" name="TextBox 53">
-                          <a:extLst>
-                            <a:ext uri="{FF2B5EF4-FFF2-40B4-BE49-F238E27FC236}">
-                              <a16:creationId xmlns:a16="http://schemas.microsoft.com/office/drawing/2014/main" id="{28BFBF61-6D5F-BA8B-5A43-D3CF150C437C}"/>
-                            </a:ext>
-                          </a:extLst>
-                        </p:cNvPr>
-                        <p:cNvSpPr txBox="1"/>
-                        <p:nvPr/>
-                      </p:nvSpPr>
-                      <p:spPr>
-                        <a:xfrm>
-                          <a:off x="27458877" y="13285735"/>
-                          <a:ext cx="974947" cy="553998"/>
-                        </a:xfrm>
-                        <a:prstGeom prst="rect">
-                          <a:avLst/>
-                        </a:prstGeom>
-                        <a:noFill/>
-                      </p:spPr>
-                      <p:txBody>
-                        <a:bodyPr wrap="none" rtlCol="0">
-                          <a:spAutoFit/>
-                        </a:bodyPr>
-                        <a:lstStyle/>
-                        <a:p>
-                          <a:pPr algn="ctr"/>
-                          <a:r>
-                            <a:rPr lang="en-US" sz="3000" dirty="0"/>
-                            <a:t>Sept</a:t>
-                          </a:r>
-                        </a:p>
-                      </p:txBody>
-                    </p:sp>
-                  </p:grpSp>
-                </p:grpSp>
-                <p:sp>
-                  <p:nvSpPr>
-                    <p:cNvPr id="81" name="TextBox 80">
-                      <a:extLst>
-                        <a:ext uri="{FF2B5EF4-FFF2-40B4-BE49-F238E27FC236}">
-                          <a16:creationId xmlns:a16="http://schemas.microsoft.com/office/drawing/2014/main" id="{2A41A9A2-A11B-E3C5-8688-E37D86F9733B}"/>
-                        </a:ext>
-                      </a:extLst>
-                    </p:cNvPr>
-                    <p:cNvSpPr txBox="1"/>
-                    <p:nvPr/>
-                  </p:nvSpPr>
-                  <p:spPr>
-                    <a:xfrm>
-                      <a:off x="26452478" y="7772400"/>
-                      <a:ext cx="4245044" cy="556861"/>
-                    </a:xfrm>
-                    <a:prstGeom prst="rect">
-                      <a:avLst/>
-                    </a:prstGeom>
-                    <a:noFill/>
-                  </p:spPr>
-                  <p:txBody>
-                    <a:bodyPr wrap="none" rtlCol="0">
-                      <a:spAutoFit/>
-                    </a:bodyPr>
-                    <a:lstStyle/>
-                    <a:p>
-                      <a:pPr algn="ctr"/>
-                      <a:r>
-                        <a:rPr lang="en-US" sz="3000" dirty="0">
-                          <a:solidFill>
-                            <a:schemeClr val="tx1"/>
-                          </a:solidFill>
-                        </a:rPr>
-                        <a:t>Seasonal Reproduction</a:t>
-                      </a:r>
-                    </a:p>
-                  </p:txBody>
-                </p:sp>
-              </p:grpSp>
-              <p:grpSp>
-                <p:nvGrpSpPr>
-                  <p:cNvPr id="119" name="Group 118">
-                    <a:extLst>
-                      <a:ext uri="{FF2B5EF4-FFF2-40B4-BE49-F238E27FC236}">
-                        <a16:creationId xmlns:a16="http://schemas.microsoft.com/office/drawing/2014/main" id="{DC77A91C-28E1-2726-4A65-95077C4567A0}"/>
-                      </a:ext>
-                    </a:extLst>
-                  </p:cNvPr>
-                  <p:cNvGrpSpPr>
-                    <a:grpSpLocks noChangeAspect="1"/>
-                  </p:cNvGrpSpPr>
-                  <p:nvPr/>
-                </p:nvGrpSpPr>
-                <p:grpSpPr>
-                  <a:xfrm>
-                    <a:off x="20802599" y="7772399"/>
-                    <a:ext cx="5047489" cy="6071616"/>
-                    <a:chOff x="20802599" y="7772400"/>
-                    <a:chExt cx="5047489" cy="6064931"/>
-                  </a:xfrm>
-                </p:grpSpPr>
-                <p:grpSp>
-                  <p:nvGrpSpPr>
-                    <p:cNvPr id="118" name="Group 117">
-                      <a:extLst>
-                        <a:ext uri="{FF2B5EF4-FFF2-40B4-BE49-F238E27FC236}">
-                          <a16:creationId xmlns:a16="http://schemas.microsoft.com/office/drawing/2014/main" id="{664C79C9-301D-3A39-0A14-FDB86B551FBB}"/>
-                        </a:ext>
-                      </a:extLst>
-                    </p:cNvPr>
-                    <p:cNvGrpSpPr/>
-                    <p:nvPr/>
-                  </p:nvGrpSpPr>
-                  <p:grpSpPr>
-                    <a:xfrm>
-                      <a:off x="20802599" y="8296066"/>
-                      <a:ext cx="5047489" cy="5541265"/>
-                      <a:chOff x="20802599" y="8296066"/>
-                      <a:chExt cx="5047489" cy="5541265"/>
-                    </a:xfrm>
-                  </p:grpSpPr>
-                  <p:grpSp>
-                    <p:nvGrpSpPr>
-                      <p:cNvPr id="104" name="Group 103">
-                        <a:extLst>
-                          <a:ext uri="{FF2B5EF4-FFF2-40B4-BE49-F238E27FC236}">
-                            <a16:creationId xmlns:a16="http://schemas.microsoft.com/office/drawing/2014/main" id="{01DBF144-1AB0-7C4A-169A-C1C088EEA6C2}"/>
-                          </a:ext>
-                        </a:extLst>
-                      </p:cNvPr>
-                      <p:cNvGrpSpPr>
-                        <a:grpSpLocks noChangeAspect="1"/>
-                      </p:cNvGrpSpPr>
-                      <p:nvPr/>
-                    </p:nvGrpSpPr>
-                    <p:grpSpPr>
-                      <a:xfrm>
-                        <a:off x="20802599" y="8296066"/>
-                        <a:ext cx="1261872" cy="5541265"/>
-                        <a:chOff x="20802599" y="8296066"/>
-                        <a:chExt cx="1261872" cy="5541265"/>
-                      </a:xfrm>
-                    </p:grpSpPr>
-                    <p:sp>
-                      <p:nvSpPr>
-                        <p:cNvPr id="68" name="TextBox 67">
-                          <a:extLst>
-                            <a:ext uri="{FF2B5EF4-FFF2-40B4-BE49-F238E27FC236}">
-                              <a16:creationId xmlns:a16="http://schemas.microsoft.com/office/drawing/2014/main" id="{7549F003-AA3C-C9EE-D33C-775F85E60D66}"/>
-                            </a:ext>
-                          </a:extLst>
-                        </p:cNvPr>
-                        <p:cNvSpPr txBox="1"/>
-                        <p:nvPr/>
-                      </p:nvSpPr>
-                      <p:spPr>
-                        <a:xfrm>
-                          <a:off x="21029599" y="13283573"/>
-                          <a:ext cx="801293" cy="553758"/>
-                        </a:xfrm>
-                        <a:prstGeom prst="rect">
-                          <a:avLst/>
-                        </a:prstGeom>
-                        <a:noFill/>
-                      </p:spPr>
-                      <p:txBody>
-                        <a:bodyPr wrap="none" rtlCol="0">
-                          <a:spAutoFit/>
-                        </a:bodyPr>
-                        <a:lstStyle/>
-                        <a:p>
-                          <a:pPr algn="ctr"/>
-                          <a:r>
-                            <a:rPr lang="en-US" sz="3000" dirty="0"/>
-                            <a:t>Jun</a:t>
-                          </a:r>
-                        </a:p>
-                      </p:txBody>
-                    </p:sp>
-                    <p:pic>
-                      <p:nvPicPr>
-                        <p:cNvPr id="77" name="Picture 76">
-                          <a:extLst>
-                            <a:ext uri="{FF2B5EF4-FFF2-40B4-BE49-F238E27FC236}">
-                              <a16:creationId xmlns:a16="http://schemas.microsoft.com/office/drawing/2014/main" id="{B6B87C3C-EFE2-ECA7-4CB0-82B283F486DC}"/>
-                            </a:ext>
-                          </a:extLst>
-                        </p:cNvPr>
-                        <p:cNvPicPr>
-                          <a:picLocks/>
-                        </p:cNvPicPr>
-                        <p:nvPr/>
-                      </p:nvPicPr>
-                      <p:blipFill rotWithShape="1">
-                        <a:blip r:embed="rId13"/>
-                        <a:srcRect l="331" r="74685"/>
-                        <a:stretch/>
-                      </p:blipFill>
-                      <p:spPr>
-                        <a:xfrm>
-                          <a:off x="20802599" y="8296066"/>
-                          <a:ext cx="1261872" cy="4974336"/>
-                        </a:xfrm>
-                        <a:prstGeom prst="rect">
-                          <a:avLst/>
-                        </a:prstGeom>
-                        <a:ln w="12700">
-                          <a:solidFill>
-                            <a:schemeClr val="tx1"/>
-                          </a:solidFill>
-                        </a:ln>
-                      </p:spPr>
-                    </p:pic>
-                  </p:grpSp>
-                  <p:grpSp>
-                    <p:nvGrpSpPr>
-                      <p:cNvPr id="106" name="Group 105">
-                        <a:extLst>
-                          <a:ext uri="{FF2B5EF4-FFF2-40B4-BE49-F238E27FC236}">
-                            <a16:creationId xmlns:a16="http://schemas.microsoft.com/office/drawing/2014/main" id="{9A5E9720-7849-41F0-B0EA-52E36C5C4238}"/>
-                          </a:ext>
-                        </a:extLst>
-                      </p:cNvPr>
-                      <p:cNvGrpSpPr>
-                        <a:grpSpLocks noChangeAspect="1"/>
-                      </p:cNvGrpSpPr>
-                      <p:nvPr/>
-                    </p:nvGrpSpPr>
-                    <p:grpSpPr>
-                      <a:xfrm>
-                        <a:off x="22064472" y="8296067"/>
-                        <a:ext cx="1261872" cy="5541264"/>
-                        <a:chOff x="22056573" y="8296067"/>
-                        <a:chExt cx="1255608" cy="5541264"/>
-                      </a:xfrm>
-                    </p:grpSpPr>
-                    <p:sp>
-                      <p:nvSpPr>
-                        <p:cNvPr id="69" name="TextBox 68">
-                          <a:extLst>
-                            <a:ext uri="{FF2B5EF4-FFF2-40B4-BE49-F238E27FC236}">
-                              <a16:creationId xmlns:a16="http://schemas.microsoft.com/office/drawing/2014/main" id="{E84AF2D3-54AF-8F9D-C811-D393933696F3}"/>
-                            </a:ext>
-                          </a:extLst>
-                        </p:cNvPr>
-                        <p:cNvSpPr txBox="1"/>
-                        <p:nvPr/>
-                      </p:nvSpPr>
-                      <p:spPr>
-                        <a:xfrm>
-                          <a:off x="22198198" y="13283573"/>
-                          <a:ext cx="972359" cy="553758"/>
-                        </a:xfrm>
-                        <a:prstGeom prst="rect">
-                          <a:avLst/>
-                        </a:prstGeom>
-                        <a:noFill/>
-                      </p:spPr>
-                      <p:txBody>
-                        <a:bodyPr wrap="none" rtlCol="0">
-                          <a:spAutoFit/>
-                        </a:bodyPr>
-                        <a:lstStyle/>
-                        <a:p>
-                          <a:pPr algn="ctr"/>
-                          <a:r>
-                            <a:rPr lang="en-US" sz="3000" dirty="0"/>
-                            <a:t>Sept</a:t>
-                          </a:r>
-                        </a:p>
-                      </p:txBody>
-                    </p:sp>
-                    <p:pic>
-                      <p:nvPicPr>
-                        <p:cNvPr id="79" name="Picture 78">
-                          <a:extLst>
-                            <a:ext uri="{FF2B5EF4-FFF2-40B4-BE49-F238E27FC236}">
-                              <a16:creationId xmlns:a16="http://schemas.microsoft.com/office/drawing/2014/main" id="{FC7EEA32-011F-A48D-D644-A3A83F49FBE9}"/>
-                            </a:ext>
-                          </a:extLst>
-                        </p:cNvPr>
-                        <p:cNvPicPr>
-                          <a:picLocks noChangeAspect="1"/>
-                        </p:cNvPicPr>
-                        <p:nvPr/>
-                      </p:nvPicPr>
-                      <p:blipFill rotWithShape="1">
-                        <a:blip r:embed="rId14"/>
-                        <a:srcRect l="25978" r="49022"/>
-                        <a:stretch/>
-                      </p:blipFill>
-                      <p:spPr>
-                        <a:xfrm>
-                          <a:off x="22056573" y="8296067"/>
-                          <a:ext cx="1255608" cy="4974336"/>
-                        </a:xfrm>
-                        <a:prstGeom prst="rect">
-                          <a:avLst/>
-                        </a:prstGeom>
-                        <a:ln w="12700">
-                          <a:solidFill>
-                            <a:schemeClr val="tx1"/>
-                          </a:solidFill>
-                        </a:ln>
-                      </p:spPr>
-                    </p:pic>
-                  </p:grpSp>
-                  <p:grpSp>
-                    <p:nvGrpSpPr>
-                      <p:cNvPr id="107" name="Group 106">
-                        <a:extLst>
-                          <a:ext uri="{FF2B5EF4-FFF2-40B4-BE49-F238E27FC236}">
-                            <a16:creationId xmlns:a16="http://schemas.microsoft.com/office/drawing/2014/main" id="{34FB6B1C-2614-16B5-DF03-B6F304B4AFB2}"/>
-                          </a:ext>
-                        </a:extLst>
-                      </p:cNvPr>
-                      <p:cNvGrpSpPr>
-                        <a:grpSpLocks noChangeAspect="1"/>
-                      </p:cNvGrpSpPr>
-                      <p:nvPr/>
-                    </p:nvGrpSpPr>
-                    <p:grpSpPr>
-                      <a:xfrm>
-                        <a:off x="23323879" y="8296066"/>
-                        <a:ext cx="1261872" cy="5541264"/>
-                        <a:chOff x="23323879" y="8296066"/>
-                        <a:chExt cx="1261872" cy="5541264"/>
-                      </a:xfrm>
-                    </p:grpSpPr>
-                    <p:sp>
-                      <p:nvSpPr>
-                        <p:cNvPr id="66" name="TextBox 65">
-                          <a:extLst>
-                            <a:ext uri="{FF2B5EF4-FFF2-40B4-BE49-F238E27FC236}">
-                              <a16:creationId xmlns:a16="http://schemas.microsoft.com/office/drawing/2014/main" id="{1387F50F-E34D-BF32-DC67-525FAB198B55}"/>
-                            </a:ext>
-                          </a:extLst>
-                        </p:cNvPr>
-                        <p:cNvSpPr txBox="1"/>
-                        <p:nvPr/>
-                      </p:nvSpPr>
-                      <p:spPr>
-                        <a:xfrm>
-                          <a:off x="23522194" y="13283572"/>
-                          <a:ext cx="865242" cy="553758"/>
-                        </a:xfrm>
-                        <a:prstGeom prst="rect">
-                          <a:avLst/>
-                        </a:prstGeom>
-                        <a:noFill/>
-                      </p:spPr>
-                      <p:txBody>
-                        <a:bodyPr wrap="none" rtlCol="0">
-                          <a:spAutoFit/>
-                        </a:bodyPr>
-                        <a:lstStyle/>
-                        <a:p>
-                          <a:pPr algn="ctr"/>
-                          <a:r>
-                            <a:rPr lang="en-US" sz="3000" dirty="0"/>
-                            <a:t>Dec</a:t>
-                          </a:r>
-                        </a:p>
-                      </p:txBody>
-                    </p:sp>
-                    <p:pic>
-                      <p:nvPicPr>
-                        <p:cNvPr id="63" name="Picture 62">
-                          <a:extLst>
-                            <a:ext uri="{FF2B5EF4-FFF2-40B4-BE49-F238E27FC236}">
-                              <a16:creationId xmlns:a16="http://schemas.microsoft.com/office/drawing/2014/main" id="{7053069B-ED44-D7D4-18EE-69E3392BAF79}"/>
-                            </a:ext>
-                          </a:extLst>
-                        </p:cNvPr>
-                        <p:cNvPicPr>
-                          <a:picLocks/>
-                        </p:cNvPicPr>
-                        <p:nvPr/>
-                      </p:nvPicPr>
-                      <p:blipFill rotWithShape="1">
-                        <a:blip r:embed="rId15"/>
-                        <a:srcRect l="50517" r="24483"/>
-                        <a:stretch/>
-                      </p:blipFill>
-                      <p:spPr>
-                        <a:xfrm>
-                          <a:off x="23323879" y="8296066"/>
-                          <a:ext cx="1261872" cy="4974336"/>
-                        </a:xfrm>
-                        <a:prstGeom prst="rect">
-                          <a:avLst/>
-                        </a:prstGeom>
-                        <a:ln w="12700">
-                          <a:solidFill>
-                            <a:schemeClr val="tx1"/>
-                          </a:solidFill>
-                        </a:ln>
-                      </p:spPr>
-                    </p:pic>
-                  </p:grpSp>
-                  <p:grpSp>
-                    <p:nvGrpSpPr>
-                      <p:cNvPr id="109" name="Group 108">
-                        <a:extLst>
-                          <a:ext uri="{FF2B5EF4-FFF2-40B4-BE49-F238E27FC236}">
-                            <a16:creationId xmlns:a16="http://schemas.microsoft.com/office/drawing/2014/main" id="{5814E1E3-EAC3-89C5-5411-7C93EA1E5B56}"/>
-                          </a:ext>
-                        </a:extLst>
-                      </p:cNvPr>
-                      <p:cNvGrpSpPr>
-                        <a:grpSpLocks noChangeAspect="1"/>
-                      </p:cNvGrpSpPr>
-                      <p:nvPr/>
-                    </p:nvGrpSpPr>
-                    <p:grpSpPr>
-                      <a:xfrm>
-                        <a:off x="24588216" y="8296066"/>
-                        <a:ext cx="1261872" cy="5541264"/>
-                        <a:chOff x="24577838" y="8296066"/>
-                        <a:chExt cx="1261872" cy="5541264"/>
-                      </a:xfrm>
-                    </p:grpSpPr>
-                    <p:sp>
-                      <p:nvSpPr>
-                        <p:cNvPr id="67" name="TextBox 66">
-                          <a:extLst>
-                            <a:ext uri="{FF2B5EF4-FFF2-40B4-BE49-F238E27FC236}">
-                              <a16:creationId xmlns:a16="http://schemas.microsoft.com/office/drawing/2014/main" id="{7F48D6EC-3416-C0ED-0B71-13AF92D14FC1}"/>
-                            </a:ext>
-                          </a:extLst>
-                        </p:cNvPr>
-                        <p:cNvSpPr txBox="1"/>
-                        <p:nvPr/>
-                      </p:nvSpPr>
-                      <p:spPr>
-                        <a:xfrm>
-                          <a:off x="24786545" y="13283572"/>
-                          <a:ext cx="844459" cy="553758"/>
-                        </a:xfrm>
-                        <a:prstGeom prst="rect">
-                          <a:avLst/>
-                        </a:prstGeom>
-                        <a:noFill/>
-                      </p:spPr>
-                      <p:txBody>
-                        <a:bodyPr wrap="none" rtlCol="0">
-                          <a:spAutoFit/>
-                        </a:bodyPr>
-                        <a:lstStyle/>
-                        <a:p>
-                          <a:pPr algn="ctr"/>
-                          <a:r>
-                            <a:rPr lang="en-US" sz="3000" dirty="0"/>
-                            <a:t>Mar</a:t>
-                          </a:r>
-                        </a:p>
-                      </p:txBody>
-                    </p:sp>
-                    <p:pic>
-                      <p:nvPicPr>
-                        <p:cNvPr id="75" name="Picture 74">
-                          <a:extLst>
-                            <a:ext uri="{FF2B5EF4-FFF2-40B4-BE49-F238E27FC236}">
-                              <a16:creationId xmlns:a16="http://schemas.microsoft.com/office/drawing/2014/main" id="{577302F9-B834-4744-4E98-DA5052C26B44}"/>
-                            </a:ext>
-                          </a:extLst>
-                        </p:cNvPr>
-                        <p:cNvPicPr>
-                          <a:picLocks/>
-                        </p:cNvPicPr>
-                        <p:nvPr/>
-                      </p:nvPicPr>
-                      <p:blipFill rotWithShape="1">
-                        <a:blip r:embed="rId16"/>
-                        <a:srcRect l="75266" r="-266"/>
-                        <a:stretch/>
-                      </p:blipFill>
-                      <p:spPr>
-                        <a:xfrm>
-                          <a:off x="24577838" y="8296066"/>
-                          <a:ext cx="1261872" cy="4974336"/>
-                        </a:xfrm>
-                        <a:prstGeom prst="rect">
-                          <a:avLst/>
-                        </a:prstGeom>
-                        <a:ln w="12700">
-                          <a:solidFill>
-                            <a:schemeClr val="tx1"/>
-                          </a:solidFill>
-                        </a:ln>
-                      </p:spPr>
-                    </p:pic>
-                  </p:grpSp>
-                </p:grpSp>
-                <p:sp>
-                  <p:nvSpPr>
-                    <p:cNvPr id="82" name="TextBox 81">
-                      <a:extLst>
-                        <a:ext uri="{FF2B5EF4-FFF2-40B4-BE49-F238E27FC236}">
-                          <a16:creationId xmlns:a16="http://schemas.microsoft.com/office/drawing/2014/main" id="{50D0817E-DB57-F4BE-9384-FDE6B6EA327A}"/>
-                        </a:ext>
-                      </a:extLst>
-                    </p:cNvPr>
-                    <p:cNvSpPr txBox="1"/>
-                    <p:nvPr/>
-                  </p:nvSpPr>
-                  <p:spPr>
-                    <a:xfrm>
-                      <a:off x="21004433" y="7772400"/>
-                      <a:ext cx="4592251" cy="556860"/>
-                    </a:xfrm>
-                    <a:prstGeom prst="rect">
-                      <a:avLst/>
-                    </a:prstGeom>
-                    <a:noFill/>
-                  </p:spPr>
-                  <p:txBody>
-                    <a:bodyPr wrap="none" rtlCol="0">
-                      <a:spAutoFit/>
-                    </a:bodyPr>
-                    <a:lstStyle/>
-                    <a:p>
-                      <a:pPr algn="ctr"/>
-                      <a:r>
-                        <a:rPr lang="en-US" sz="3000" dirty="0">
-                          <a:solidFill>
-                            <a:schemeClr val="tx1"/>
-                          </a:solidFill>
-                        </a:rPr>
-                        <a:t>Continuous Reproduction</a:t>
-                      </a:r>
-                    </a:p>
-                  </p:txBody>
-                </p:sp>
-              </p:grpSp>
-            </p:grpSp>
-            <p:grpSp>
-              <p:nvGrpSpPr>
-                <p:cNvPr id="131" name="Group 130">
-                  <a:extLst>
-                    <a:ext uri="{FF2B5EF4-FFF2-40B4-BE49-F238E27FC236}">
-                      <a16:creationId xmlns:a16="http://schemas.microsoft.com/office/drawing/2014/main" id="{A29E23B4-CD94-CBB7-307C-E857782D4629}"/>
-                    </a:ext>
-                  </a:extLst>
-                </p:cNvPr>
-                <p:cNvGrpSpPr/>
-                <p:nvPr/>
-              </p:nvGrpSpPr>
-              <p:grpSpPr>
-                <a:xfrm>
-                  <a:off x="22365724" y="14025282"/>
-                  <a:ext cx="7290296" cy="605118"/>
-                  <a:chOff x="32004000" y="13030200"/>
-                  <a:chExt cx="8241204" cy="685800"/>
-                </a:xfrm>
-              </p:grpSpPr>
-              <p:grpSp>
-                <p:nvGrpSpPr>
-                  <p:cNvPr id="128" name="Group 127">
-                    <a:extLst>
-                      <a:ext uri="{FF2B5EF4-FFF2-40B4-BE49-F238E27FC236}">
-                        <a16:creationId xmlns:a16="http://schemas.microsoft.com/office/drawing/2014/main" id="{A032CDB1-1AA3-AE2E-825A-E5B44E577C55}"/>
-                      </a:ext>
-                    </a:extLst>
-                  </p:cNvPr>
-                  <p:cNvGrpSpPr/>
-                  <p:nvPr/>
-                </p:nvGrpSpPr>
-                <p:grpSpPr>
-                  <a:xfrm>
-                    <a:off x="32004000" y="13030200"/>
-                    <a:ext cx="2414464" cy="685800"/>
-                    <a:chOff x="32004000" y="13030200"/>
-                    <a:chExt cx="2414464" cy="685800"/>
-                  </a:xfrm>
-                </p:grpSpPr>
-                <p:sp>
-                  <p:nvSpPr>
-                    <p:cNvPr id="117" name="Rectangle 116">
-                      <a:extLst>
-                        <a:ext uri="{FF2B5EF4-FFF2-40B4-BE49-F238E27FC236}">
-                          <a16:creationId xmlns:a16="http://schemas.microsoft.com/office/drawing/2014/main" id="{0BB3D90F-2295-A0C4-57A2-3433BAD494A0}"/>
-                        </a:ext>
-                      </a:extLst>
-                    </p:cNvPr>
-                    <p:cNvSpPr>
-                      <a:spLocks noChangeAspect="1"/>
-                    </p:cNvSpPr>
-                    <p:nvPr/>
-                  </p:nvSpPr>
-                  <p:spPr>
-                    <a:xfrm>
-                      <a:off x="32004000" y="13030200"/>
-                      <a:ext cx="685800" cy="685800"/>
-                    </a:xfrm>
-                    <a:prstGeom prst="rect">
-                      <a:avLst/>
-                    </a:prstGeom>
-                    <a:solidFill>
-                      <a:srgbClr val="C00000"/>
-                    </a:solidFill>
-                    <a:ln>
-                      <a:solidFill>
-                        <a:srgbClr val="C00000"/>
-                      </a:solidFill>
-                    </a:ln>
-                  </p:spPr>
-                  <p:style>
-                    <a:lnRef idx="2">
-                      <a:schemeClr val="accent1">
-                        <a:shade val="15000"/>
-                      </a:schemeClr>
-                    </a:lnRef>
-                    <a:fillRef idx="1">
-                      <a:schemeClr val="accent1"/>
-                    </a:fillRef>
-                    <a:effectRef idx="0">
-                      <a:schemeClr val="accent1"/>
-                    </a:effectRef>
-                    <a:fontRef idx="minor">
-                      <a:schemeClr val="lt1"/>
-                    </a:fontRef>
-                  </p:style>
-                  <p:txBody>
-                    <a:bodyPr rtlCol="0" anchor="ctr"/>
-                    <a:lstStyle/>
-                    <a:p>
-                      <a:pPr algn="ctr"/>
-                      <a:endParaRPr lang="en-US"/>
-                    </a:p>
-                  </p:txBody>
-                </p:sp>
-                <p:sp>
-                  <p:nvSpPr>
-                    <p:cNvPr id="123" name="TextBox 122">
-                      <a:extLst>
-                        <a:ext uri="{FF2B5EF4-FFF2-40B4-BE49-F238E27FC236}">
-                          <a16:creationId xmlns:a16="http://schemas.microsoft.com/office/drawing/2014/main" id="{B00A2AAD-40AF-A4D0-12F7-8A16EADB68D8}"/>
-                        </a:ext>
-                      </a:extLst>
-                    </p:cNvPr>
-                    <p:cNvSpPr txBox="1"/>
-                    <p:nvPr/>
-                  </p:nvSpPr>
-                  <p:spPr>
-                    <a:xfrm>
-                      <a:off x="32776402" y="13039547"/>
-                      <a:ext cx="1642062" cy="667105"/>
-                    </a:xfrm>
-                    <a:prstGeom prst="rect">
-                      <a:avLst/>
-                    </a:prstGeom>
-                    <a:noFill/>
-                  </p:spPr>
-                  <p:txBody>
-                    <a:bodyPr wrap="none" rtlCol="0" anchor="ctr">
-                      <a:spAutoFit/>
-                    </a:bodyPr>
-                    <a:lstStyle/>
-                    <a:p>
-                      <a:pPr algn="ctr"/>
-                      <a:r>
-                        <a:rPr lang="en-US" sz="3000" dirty="0"/>
-                        <a:t>Larvae</a:t>
-                      </a:r>
-                    </a:p>
-                  </p:txBody>
-                </p:sp>
-              </p:grpSp>
-              <p:grpSp>
-                <p:nvGrpSpPr>
-                  <p:cNvPr id="129" name="Group 128">
-                    <a:extLst>
-                      <a:ext uri="{FF2B5EF4-FFF2-40B4-BE49-F238E27FC236}">
-                        <a16:creationId xmlns:a16="http://schemas.microsoft.com/office/drawing/2014/main" id="{796CA500-7D70-9B92-1D76-AD5369646F1E}"/>
-                      </a:ext>
-                    </a:extLst>
-                  </p:cNvPr>
-                  <p:cNvGrpSpPr/>
-                  <p:nvPr/>
-                </p:nvGrpSpPr>
-                <p:grpSpPr>
-                  <a:xfrm>
-                    <a:off x="34747200" y="13030200"/>
-                    <a:ext cx="2885447" cy="685800"/>
-                    <a:chOff x="34747200" y="13006630"/>
-                    <a:chExt cx="2885447" cy="685800"/>
-                  </a:xfrm>
-                </p:grpSpPr>
-                <p:sp>
-                  <p:nvSpPr>
-                    <p:cNvPr id="124" name="Rectangle 123">
-                      <a:extLst>
-                        <a:ext uri="{FF2B5EF4-FFF2-40B4-BE49-F238E27FC236}">
-                          <a16:creationId xmlns:a16="http://schemas.microsoft.com/office/drawing/2014/main" id="{212AA0C1-E7D1-52CC-FFB3-767E52FCFB58}"/>
-                        </a:ext>
-                      </a:extLst>
-                    </p:cNvPr>
-                    <p:cNvSpPr/>
-                    <p:nvPr/>
-                  </p:nvSpPr>
-                  <p:spPr>
-                    <a:xfrm>
-                      <a:off x="34747200" y="13006630"/>
-                      <a:ext cx="685800" cy="685800"/>
-                    </a:xfrm>
-                    <a:prstGeom prst="rect">
-                      <a:avLst/>
-                    </a:prstGeom>
-                    <a:solidFill>
-                      <a:srgbClr val="FFC000"/>
-                    </a:solidFill>
-                    <a:ln>
-                      <a:solidFill>
-                        <a:srgbClr val="FFC000"/>
-                      </a:solidFill>
-                    </a:ln>
-                  </p:spPr>
-                  <p:style>
-                    <a:lnRef idx="2">
-                      <a:schemeClr val="accent1">
-                        <a:shade val="15000"/>
-                      </a:schemeClr>
-                    </a:lnRef>
-                    <a:fillRef idx="1">
-                      <a:schemeClr val="accent1"/>
-                    </a:fillRef>
-                    <a:effectRef idx="0">
-                      <a:schemeClr val="accent1"/>
-                    </a:effectRef>
-                    <a:fontRef idx="minor">
-                      <a:schemeClr val="lt1"/>
-                    </a:fontRef>
-                  </p:style>
-                  <p:txBody>
-                    <a:bodyPr rtlCol="0" anchor="ctr"/>
-                    <a:lstStyle/>
-                    <a:p>
-                      <a:pPr algn="ctr"/>
-                      <a:endParaRPr lang="en-US" dirty="0"/>
-                    </a:p>
-                  </p:txBody>
-                </p:sp>
-                <p:sp>
-                  <p:nvSpPr>
-                    <p:cNvPr id="125" name="TextBox 124">
-                      <a:extLst>
-                        <a:ext uri="{FF2B5EF4-FFF2-40B4-BE49-F238E27FC236}">
-                          <a16:creationId xmlns:a16="http://schemas.microsoft.com/office/drawing/2014/main" id="{8C122C4F-5212-810F-9BE0-297FABE92B29}"/>
-                        </a:ext>
-                      </a:extLst>
-                    </p:cNvPr>
-                    <p:cNvSpPr txBox="1"/>
-                    <p:nvPr/>
-                  </p:nvSpPr>
-                  <p:spPr>
-                    <a:xfrm>
-                      <a:off x="35475017" y="13015977"/>
-                      <a:ext cx="2157630" cy="667105"/>
-                    </a:xfrm>
-                    <a:prstGeom prst="rect">
-                      <a:avLst/>
-                    </a:prstGeom>
-                    <a:noFill/>
-                  </p:spPr>
-                  <p:txBody>
-                    <a:bodyPr wrap="none" rtlCol="0" anchor="ctr">
-                      <a:spAutoFit/>
-                    </a:bodyPr>
-                    <a:lstStyle/>
-                    <a:p>
-                      <a:pPr algn="ctr"/>
-                      <a:r>
-                        <a:rPr lang="en-US" sz="3000" dirty="0"/>
-                        <a:t>Juveniles</a:t>
-                      </a:r>
-                    </a:p>
-                  </p:txBody>
-                </p:sp>
-              </p:grpSp>
-              <p:grpSp>
-                <p:nvGrpSpPr>
-                  <p:cNvPr id="130" name="Group 129">
-                    <a:extLst>
-                      <a:ext uri="{FF2B5EF4-FFF2-40B4-BE49-F238E27FC236}">
-                        <a16:creationId xmlns:a16="http://schemas.microsoft.com/office/drawing/2014/main" id="{E2CEB3FA-F893-F3E3-28D3-C0774ADC3D17}"/>
-                      </a:ext>
-                    </a:extLst>
-                  </p:cNvPr>
-                  <p:cNvGrpSpPr/>
-                  <p:nvPr/>
-                </p:nvGrpSpPr>
-                <p:grpSpPr>
-                  <a:xfrm>
-                    <a:off x="37947600" y="13030200"/>
-                    <a:ext cx="2297604" cy="685800"/>
-                    <a:chOff x="37490400" y="12925714"/>
-                    <a:chExt cx="2297604" cy="685800"/>
-                  </a:xfrm>
-                </p:grpSpPr>
-                <p:sp>
-                  <p:nvSpPr>
-                    <p:cNvPr id="126" name="Rectangle 125">
-                      <a:extLst>
-                        <a:ext uri="{FF2B5EF4-FFF2-40B4-BE49-F238E27FC236}">
-                          <a16:creationId xmlns:a16="http://schemas.microsoft.com/office/drawing/2014/main" id="{69736675-19AD-36A2-E57F-B9B30AF2085E}"/>
-                        </a:ext>
-                      </a:extLst>
-                    </p:cNvPr>
-                    <p:cNvSpPr>
-                      <a:spLocks noChangeAspect="1"/>
-                    </p:cNvSpPr>
-                    <p:nvPr/>
-                  </p:nvSpPr>
-                  <p:spPr>
-                    <a:xfrm>
-                      <a:off x="37490400" y="12925714"/>
-                      <a:ext cx="685800" cy="685800"/>
-                    </a:xfrm>
-                    <a:prstGeom prst="rect">
-                      <a:avLst/>
-                    </a:prstGeom>
-                    <a:solidFill>
-                      <a:srgbClr val="196B24"/>
-                    </a:solidFill>
-                    <a:ln>
-                      <a:solidFill>
-                        <a:srgbClr val="196B24"/>
-                      </a:solidFill>
-                    </a:ln>
-                  </p:spPr>
-                  <p:style>
-                    <a:lnRef idx="2">
-                      <a:schemeClr val="accent1">
-                        <a:shade val="15000"/>
-                      </a:schemeClr>
-                    </a:lnRef>
-                    <a:fillRef idx="1">
-                      <a:schemeClr val="accent1"/>
-                    </a:fillRef>
-                    <a:effectRef idx="0">
-                      <a:schemeClr val="accent1"/>
-                    </a:effectRef>
-                    <a:fontRef idx="minor">
-                      <a:schemeClr val="lt1"/>
-                    </a:fontRef>
-                  </p:style>
-                  <p:txBody>
-                    <a:bodyPr rtlCol="0" anchor="ctr"/>
-                    <a:lstStyle/>
-                    <a:p>
-                      <a:pPr algn="ctr"/>
-                      <a:endParaRPr lang="en-US" dirty="0"/>
-                    </a:p>
-                  </p:txBody>
-                </p:sp>
-                <p:sp>
-                  <p:nvSpPr>
-                    <p:cNvPr id="127" name="TextBox 126">
-                      <a:extLst>
-                        <a:ext uri="{FF2B5EF4-FFF2-40B4-BE49-F238E27FC236}">
-                          <a16:creationId xmlns:a16="http://schemas.microsoft.com/office/drawing/2014/main" id="{4240382D-F91A-DB63-4269-495CCC9D045C}"/>
-                        </a:ext>
-                      </a:extLst>
-                    </p:cNvPr>
-                    <p:cNvSpPr txBox="1"/>
-                    <p:nvPr/>
-                  </p:nvSpPr>
-                  <p:spPr>
-                    <a:xfrm>
-                      <a:off x="38273864" y="12935061"/>
-                      <a:ext cx="1514140" cy="667105"/>
-                    </a:xfrm>
-                    <a:prstGeom prst="rect">
-                      <a:avLst/>
-                    </a:prstGeom>
-                    <a:noFill/>
-                  </p:spPr>
-                  <p:txBody>
-                    <a:bodyPr wrap="none" rtlCol="0" anchor="ctr">
-                      <a:spAutoFit/>
-                    </a:bodyPr>
-                    <a:lstStyle/>
-                    <a:p>
-                      <a:pPr algn="ctr"/>
-                      <a:r>
-                        <a:rPr lang="en-US" sz="3000" dirty="0"/>
-                        <a:t>Adults</a:t>
-                      </a:r>
-                    </a:p>
-                  </p:txBody>
-                </p:sp>
-              </p:grpSp>
-            </p:grpSp>
-          </p:grpSp>
-          <p:sp>
-            <p:nvSpPr>
-              <p:cNvPr id="33" name="TextBox 32">
-                <a:extLst>
-                  <a:ext uri="{FF2B5EF4-FFF2-40B4-BE49-F238E27FC236}">
-                    <a16:creationId xmlns:a16="http://schemas.microsoft.com/office/drawing/2014/main" id="{3DB95626-EED3-2839-FB3C-51A7071A5F92}"/>
-                  </a:ext>
-                </a:extLst>
-              </p:cNvPr>
-              <p:cNvSpPr txBox="1"/>
-              <p:nvPr/>
-            </p:nvSpPr>
-            <p:spPr>
-              <a:xfrm>
-                <a:off x="20574000" y="7086600"/>
-                <a:ext cx="10744200" cy="642911"/>
-              </a:xfrm>
-              <a:prstGeom prst="rect">
-                <a:avLst/>
-              </a:prstGeom>
-              <a:noFill/>
-            </p:spPr>
-            <p:txBody>
-              <a:bodyPr wrap="square" rtlCol="0">
-                <a:normAutofit lnSpcReduction="10000"/>
-              </a:bodyPr>
-              <a:lstStyle/>
-              <a:p>
-                <a:pPr algn="ctr"/>
-                <a:r>
-                  <a:rPr lang="en-US" sz="3400" i="1" dirty="0">
-                    <a:solidFill>
-                      <a:schemeClr val="tx1"/>
-                    </a:solidFill>
-                  </a:rPr>
-                  <a:t>B. glandula </a:t>
-                </a:r>
-                <a:r>
-                  <a:rPr lang="en-US" sz="3400" dirty="0">
-                    <a:solidFill>
-                      <a:schemeClr val="tx1"/>
-                    </a:solidFill>
-                  </a:rPr>
-                  <a:t>Yearly</a:t>
-                </a:r>
-                <a:r>
-                  <a:rPr lang="en-US" sz="3400" i="1" dirty="0">
-                    <a:solidFill>
-                      <a:schemeClr val="tx1"/>
-                    </a:solidFill>
-                  </a:rPr>
-                  <a:t> </a:t>
-                </a:r>
-                <a:r>
-                  <a:rPr lang="en-US" sz="3400" dirty="0">
-                    <a:solidFill>
-                      <a:schemeClr val="tx1"/>
-                    </a:solidFill>
-                  </a:rPr>
-                  <a:t>Population Fluctuations</a:t>
-                </a:r>
-                <a:endParaRPr lang="en-US" sz="3400" i="1" dirty="0">
-                  <a:solidFill>
-                    <a:schemeClr val="tx1"/>
-                  </a:solidFill>
-                </a:endParaRPr>
-              </a:p>
-            </p:txBody>
-          </p:sp>
-        </p:grpSp>
-        <p:sp>
-          <p:nvSpPr>
-            <p:cNvPr id="173" name="Rectangle 172">
-              <a:extLst>
-                <a:ext uri="{FF2B5EF4-FFF2-40B4-BE49-F238E27FC236}">
-                  <a16:creationId xmlns:a16="http://schemas.microsoft.com/office/drawing/2014/main" id="{9B7D9D85-6C36-73B7-366F-43B0F33BA87D}"/>
-                </a:ext>
-              </a:extLst>
-            </p:cNvPr>
-            <p:cNvSpPr/>
-            <p:nvPr/>
-          </p:nvSpPr>
-          <p:spPr>
-            <a:xfrm>
-              <a:off x="20574000" y="7086600"/>
-              <a:ext cx="10744200" cy="7772400"/>
-            </a:xfrm>
-            <a:prstGeom prst="rect">
-              <a:avLst/>
-            </a:prstGeom>
-            <a:noFill/>
-            <a:ln w="12700">
-              <a:solidFill>
-                <a:schemeClr val="tx1"/>
-              </a:solidFill>
-            </a:ln>
-          </p:spPr>
-          <p:style>
-            <a:lnRef idx="2">
-              <a:schemeClr val="accent1">
-                <a:shade val="15000"/>
-              </a:schemeClr>
-            </a:lnRef>
-            <a:fillRef idx="1">
-              <a:schemeClr val="accent1"/>
-            </a:fillRef>
-            <a:effectRef idx="0">
-              <a:schemeClr val="accent1"/>
-            </a:effectRef>
-            <a:fontRef idx="minor">
-              <a:schemeClr val="lt1"/>
-            </a:fontRef>
-          </p:style>
-          <p:txBody>
-            <a:bodyPr rtlCol="0" anchor="ctr"/>
-            <a:lstStyle/>
-            <a:p>
-              <a:pPr algn="ctr"/>
-              <a:endParaRPr lang="en-US"/>
-            </a:p>
-          </p:txBody>
-        </p:sp>
-      </p:grpSp>
-      <p:sp>
-        <p:nvSpPr>
-          <p:cNvPr id="7" name="TextBox 6">
-            <a:extLst>
-              <a:ext uri="{FF2B5EF4-FFF2-40B4-BE49-F238E27FC236}">
-                <a16:creationId xmlns:a16="http://schemas.microsoft.com/office/drawing/2014/main" id="{84A23FC0-499A-6473-50C4-B0F84E5391A9}"/>
-              </a:ext>
-            </a:extLst>
-          </p:cNvPr>
-          <p:cNvSpPr txBox="1">
-            <a:spLocks/>
-          </p:cNvSpPr>
-          <p:nvPr/>
-        </p:nvSpPr>
-        <p:spPr>
-          <a:xfrm>
-            <a:off x="12573000" y="26289000"/>
-            <a:ext cx="8686800" cy="6400800"/>
-          </a:xfrm>
-          <a:prstGeom prst="rect">
-            <a:avLst/>
-          </a:prstGeom>
-          <a:solidFill>
-            <a:srgbClr val="E8EFD9"/>
-          </a:solidFill>
-          <a:ln w="12700">
-            <a:solidFill>
-              <a:schemeClr val="tx1"/>
-            </a:solidFill>
-          </a:ln>
-        </p:spPr>
-        <p:txBody>
-          <a:bodyPr wrap="square" lIns="274320" tIns="274320" rIns="274320" bIns="274320" anchor="ctr">
-            <a:noAutofit/>
-          </a:bodyPr>
-          <a:lstStyle/>
-          <a:p>
-            <a:pPr>
-              <a:spcAft>
-                <a:spcPts val="500"/>
-              </a:spcAft>
-            </a:pPr>
-            <a:r>
-              <a:rPr lang="en-US" sz="4000" b="1" dirty="0">
-                <a:solidFill>
-                  <a:srgbClr val="616A4E"/>
-                </a:solidFill>
-                <a:latin typeface="+mn-lt"/>
-                <a:ea typeface="Cascadia Mono SemiLight" panose="020B0609020000020004" pitchFamily="49" charset="0"/>
-                <a:cs typeface="Cascadia Mono SemiLight" panose="020B0609020000020004" pitchFamily="49" charset="0"/>
-              </a:rPr>
-              <a:t>Modeling Local Adaptation and Genetic Variation</a:t>
-            </a:r>
-            <a:endParaRPr lang="en-US" sz="4000" dirty="0">
-              <a:solidFill>
-                <a:srgbClr val="616A4E"/>
-              </a:solidFill>
-              <a:effectLst/>
-              <a:latin typeface="+mn-lt"/>
-              <a:ea typeface="Cascadia Mono SemiLight" panose="020B0609020000020004" pitchFamily="49" charset="0"/>
-              <a:cs typeface="Cascadia Mono SemiLight" panose="020B0609020000020004" pitchFamily="49" charset="0"/>
-            </a:endParaRPr>
-          </a:p>
-          <a:p>
-            <a:pPr marL="457200" indent="-457200">
-              <a:spcAft>
-                <a:spcPts val="500"/>
-              </a:spcAft>
-              <a:buFont typeface="Arial" panose="020B0604020202020204" pitchFamily="34" charset="0"/>
-              <a:buChar char="•"/>
-            </a:pPr>
-            <a:r>
-              <a:rPr lang="en-US" sz="3600" i="1" dirty="0">
-                <a:solidFill>
-                  <a:schemeClr val="tx1"/>
-                </a:solidFill>
-                <a:latin typeface="+mn-lt"/>
-                <a:ea typeface="Cascadia Mono SemiLight" panose="020B0609020000020004" pitchFamily="49" charset="0"/>
-                <a:cs typeface="Cascadia Mono SemiLight" panose="020B0609020000020004" pitchFamily="49" charset="0"/>
-              </a:rPr>
-              <a:t>B. glandula </a:t>
-            </a:r>
-            <a:r>
-              <a:rPr lang="en-US" sz="3600" dirty="0">
-                <a:solidFill>
-                  <a:schemeClr val="tx1"/>
-                </a:solidFill>
-                <a:latin typeface="+mn-lt"/>
-                <a:ea typeface="Cascadia Mono SemiLight" panose="020B0609020000020004" pitchFamily="49" charset="0"/>
-                <a:cs typeface="Cascadia Mono SemiLight" panose="020B0609020000020004" pitchFamily="49" charset="0"/>
-              </a:rPr>
-              <a:t>has limited dispersal capabilities, so populations see greater genomic divergence as the distance between them increases</a:t>
-            </a:r>
-          </a:p>
-          <a:p>
-            <a:pPr marL="457200" indent="-457200">
-              <a:spcAft>
-                <a:spcPts val="500"/>
-              </a:spcAft>
-              <a:buFont typeface="Arial" panose="020B0604020202020204" pitchFamily="34" charset="0"/>
-              <a:buChar char="•"/>
-            </a:pPr>
-            <a:endParaRPr lang="en-US" sz="3600" dirty="0">
-              <a:solidFill>
-                <a:schemeClr val="tx1"/>
-              </a:solidFill>
-              <a:latin typeface="+mn-lt"/>
-              <a:ea typeface="Cascadia Mono SemiLight" panose="020B0609020000020004" pitchFamily="49" charset="0"/>
-              <a:cs typeface="Cascadia Mono SemiLight" panose="020B0609020000020004" pitchFamily="49" charset="0"/>
-            </a:endParaRPr>
-          </a:p>
-        </p:txBody>
-      </p:sp>
-      <p:grpSp>
-        <p:nvGrpSpPr>
-          <p:cNvPr id="183" name="Group 182">
-            <a:extLst>
-              <a:ext uri="{FF2B5EF4-FFF2-40B4-BE49-F238E27FC236}">
-                <a16:creationId xmlns:a16="http://schemas.microsoft.com/office/drawing/2014/main" id="{A2DEC1F0-336B-3175-AA91-4BE4A5D9C032}"/>
-              </a:ext>
-            </a:extLst>
-          </p:cNvPr>
-          <p:cNvGrpSpPr/>
-          <p:nvPr/>
-        </p:nvGrpSpPr>
-        <p:grpSpPr>
-          <a:xfrm>
-            <a:off x="22402800" y="11201399"/>
-            <a:ext cx="8915400" cy="4572000"/>
-            <a:chOff x="12572266" y="10744200"/>
-            <a:chExt cx="8459668" cy="4342057"/>
-          </a:xfrm>
-        </p:grpSpPr>
-        <p:pic>
-          <p:nvPicPr>
-            <p:cNvPr id="181" name="Picture 180" descr="A graph of a number of people&#10;&#10;Description automatically generated with medium confidence">
-              <a:extLst>
-                <a:ext uri="{FF2B5EF4-FFF2-40B4-BE49-F238E27FC236}">
-                  <a16:creationId xmlns:a16="http://schemas.microsoft.com/office/drawing/2014/main" id="{0D505A95-55AF-A558-99A3-B48022CACDC4}"/>
-                </a:ext>
-              </a:extLst>
-            </p:cNvPr>
-            <p:cNvPicPr>
-              <a:picLocks noChangeAspect="1"/>
-            </p:cNvPicPr>
-            <p:nvPr/>
-          </p:nvPicPr>
-          <p:blipFill>
-            <a:blip r:embed="rId17"/>
-            <a:stretch>
-              <a:fillRect/>
-            </a:stretch>
-          </p:blipFill>
-          <p:spPr>
-            <a:xfrm>
-              <a:off x="12572266" y="10744200"/>
-              <a:ext cx="8459668" cy="4342057"/>
-            </a:xfrm>
-            <a:prstGeom prst="rect">
-              <a:avLst/>
-            </a:prstGeom>
-            <a:ln w="12700">
-              <a:noFill/>
-            </a:ln>
-          </p:spPr>
-        </p:pic>
-        <p:sp>
-          <p:nvSpPr>
-            <p:cNvPr id="182" name="Rectangle 181">
-              <a:extLst>
-                <a:ext uri="{FF2B5EF4-FFF2-40B4-BE49-F238E27FC236}">
-                  <a16:creationId xmlns:a16="http://schemas.microsoft.com/office/drawing/2014/main" id="{AA3C72DA-F949-3C7A-8DE9-69ACC1D5DAB7}"/>
-                </a:ext>
-              </a:extLst>
-            </p:cNvPr>
-            <p:cNvSpPr/>
-            <p:nvPr/>
-          </p:nvSpPr>
-          <p:spPr>
-            <a:xfrm>
-              <a:off x="12573000" y="10744200"/>
-              <a:ext cx="8458200" cy="4342055"/>
-            </a:xfrm>
-            <a:prstGeom prst="rect">
-              <a:avLst/>
-            </a:prstGeom>
-            <a:noFill/>
-            <a:ln w="12700">
-              <a:solidFill>
-                <a:schemeClr val="tx1"/>
-              </a:solidFill>
-            </a:ln>
-          </p:spPr>
-          <p:style>
-            <a:lnRef idx="2">
-              <a:schemeClr val="accent1">
-                <a:shade val="15000"/>
-              </a:schemeClr>
-            </a:lnRef>
-            <a:fillRef idx="1">
-              <a:schemeClr val="accent1"/>
-            </a:fillRef>
-            <a:effectRef idx="0">
-              <a:schemeClr val="accent1"/>
-            </a:effectRef>
-            <a:fontRef idx="minor">
-              <a:schemeClr val="lt1"/>
-            </a:fontRef>
-          </p:style>
-          <p:txBody>
-            <a:bodyPr rtlCol="0" anchor="ctr"/>
-            <a:lstStyle/>
-            <a:p>
-              <a:pPr algn="ctr"/>
-              <a:endParaRPr lang="en-US" dirty="0"/>
-            </a:p>
-          </p:txBody>
-        </p:sp>
-      </p:grpSp>
-      <p:pic>
-        <p:nvPicPr>
-          <p:cNvPr id="188" name="Picture 187" descr="A graph of a green line&#10;&#10;Description automatically generated">
-            <a:extLst>
-              <a:ext uri="{FF2B5EF4-FFF2-40B4-BE49-F238E27FC236}">
-                <a16:creationId xmlns:a16="http://schemas.microsoft.com/office/drawing/2014/main" id="{E5C416F5-DA54-8DA9-C0C9-F3E78E9908D7}"/>
-              </a:ext>
-            </a:extLst>
-          </p:cNvPr>
-          <p:cNvPicPr>
-            <a:picLocks noChangeAspect="1"/>
-          </p:cNvPicPr>
-          <p:nvPr/>
-        </p:nvPicPr>
-        <p:blipFill>
-          <a:blip r:embed="rId18"/>
-          <a:stretch>
-            <a:fillRect/>
-          </a:stretch>
-        </p:blipFill>
-        <p:spPr>
-          <a:xfrm>
-            <a:off x="22406523" y="16308989"/>
-            <a:ext cx="8043334" cy="5715000"/>
-          </a:xfrm>
-          <a:prstGeom prst="rect">
-            <a:avLst/>
-          </a:prstGeom>
-          <a:ln w="12700">
-            <a:solidFill>
-              <a:schemeClr val="tx1"/>
-            </a:solidFill>
-          </a:ln>
-        </p:spPr>
-      </p:pic>
-      <p:grpSp>
-        <p:nvGrpSpPr>
-          <p:cNvPr id="217" name="Group 216">
-            <a:extLst>
-              <a:ext uri="{FF2B5EF4-FFF2-40B4-BE49-F238E27FC236}">
-                <a16:creationId xmlns:a16="http://schemas.microsoft.com/office/drawing/2014/main" id="{43F7AB22-C431-6077-BDDE-21E15145B08F}"/>
-              </a:ext>
-            </a:extLst>
-          </p:cNvPr>
-          <p:cNvGrpSpPr>
-            <a:grpSpLocks noChangeAspect="1"/>
-          </p:cNvGrpSpPr>
-          <p:nvPr/>
-        </p:nvGrpSpPr>
-        <p:grpSpPr>
-          <a:xfrm>
-            <a:off x="22023548" y="26937870"/>
-            <a:ext cx="8722661" cy="4881142"/>
-            <a:chOff x="21939898" y="26434558"/>
-            <a:chExt cx="8698206" cy="4867457"/>
-          </a:xfrm>
-        </p:grpSpPr>
-        <p:grpSp>
-          <p:nvGrpSpPr>
-            <p:cNvPr id="211" name="Group 210">
-              <a:extLst>
-                <a:ext uri="{FF2B5EF4-FFF2-40B4-BE49-F238E27FC236}">
-                  <a16:creationId xmlns:a16="http://schemas.microsoft.com/office/drawing/2014/main" id="{BC6F711D-00B8-EF4D-ECB5-6D4A6A44B993}"/>
-                </a:ext>
-              </a:extLst>
-            </p:cNvPr>
-            <p:cNvGrpSpPr/>
-            <p:nvPr/>
-          </p:nvGrpSpPr>
-          <p:grpSpPr>
-            <a:xfrm>
-              <a:off x="21939898" y="26434558"/>
-              <a:ext cx="4181829" cy="4867456"/>
-              <a:chOff x="31775400" y="16916400"/>
-              <a:chExt cx="5715000" cy="6400800"/>
-            </a:xfrm>
-          </p:grpSpPr>
-          <p:pic>
-            <p:nvPicPr>
-              <p:cNvPr id="215" name="Picture 214">
-                <a:extLst>
-                  <a:ext uri="{FF2B5EF4-FFF2-40B4-BE49-F238E27FC236}">
-                    <a16:creationId xmlns:a16="http://schemas.microsoft.com/office/drawing/2014/main" id="{95C43A9F-1018-1032-1B9A-E0DFCDF9BF6C}"/>
-                  </a:ext>
-                </a:extLst>
-              </p:cNvPr>
-              <p:cNvPicPr>
-                <a:picLocks noChangeAspect="1"/>
-              </p:cNvPicPr>
-              <p:nvPr/>
-            </p:nvPicPr>
-            <p:blipFill rotWithShape="1">
-              <a:blip r:embed="rId19"/>
-              <a:srcRect t="2003"/>
-              <a:stretch/>
-            </p:blipFill>
-            <p:spPr>
-              <a:xfrm>
-                <a:off x="31775400" y="17602200"/>
-                <a:ext cx="5715000" cy="5715000"/>
-              </a:xfrm>
-              <a:prstGeom prst="rect">
-                <a:avLst/>
-              </a:prstGeom>
-              <a:ln w="12700">
-                <a:solidFill>
-                  <a:schemeClr val="tx1"/>
-                </a:solidFill>
-              </a:ln>
-            </p:spPr>
-          </p:pic>
-          <p:sp>
-            <p:nvSpPr>
-              <p:cNvPr id="216" name="TextBox 215">
-                <a:extLst>
-                  <a:ext uri="{FF2B5EF4-FFF2-40B4-BE49-F238E27FC236}">
-                    <a16:creationId xmlns:a16="http://schemas.microsoft.com/office/drawing/2014/main" id="{68033D4A-A57E-C214-08FA-9601EE7B4D68}"/>
-                  </a:ext>
-                </a:extLst>
-              </p:cNvPr>
-              <p:cNvSpPr txBox="1"/>
-              <p:nvPr/>
-            </p:nvSpPr>
-            <p:spPr>
-              <a:xfrm>
-                <a:off x="32811729" y="16916400"/>
-                <a:ext cx="3642344" cy="553998"/>
-              </a:xfrm>
-              <a:prstGeom prst="rect">
-                <a:avLst/>
-              </a:prstGeom>
-              <a:noFill/>
-            </p:spPr>
-            <p:txBody>
-              <a:bodyPr wrap="none" rtlCol="0">
-                <a:normAutofit fontScale="85000" lnSpcReduction="20000"/>
-              </a:bodyPr>
-              <a:lstStyle/>
-              <a:p>
-                <a:pPr algn="ctr"/>
-                <a:r>
-                  <a:rPr lang="en-US" sz="3000" dirty="0">
-                    <a:solidFill>
-                      <a:schemeClr val="tx1"/>
-                    </a:solidFill>
-                  </a:rPr>
-                  <a:t>No Local Adaptation</a:t>
-                </a:r>
-              </a:p>
-            </p:txBody>
-          </p:sp>
-        </p:grpSp>
-        <p:grpSp>
-          <p:nvGrpSpPr>
-            <p:cNvPr id="212" name="Group 211">
-              <a:extLst>
-                <a:ext uri="{FF2B5EF4-FFF2-40B4-BE49-F238E27FC236}">
-                  <a16:creationId xmlns:a16="http://schemas.microsoft.com/office/drawing/2014/main" id="{C1680FEF-1AAC-1233-2B16-1C7A7C997361}"/>
-                </a:ext>
-              </a:extLst>
-            </p:cNvPr>
-            <p:cNvGrpSpPr/>
-            <p:nvPr/>
-          </p:nvGrpSpPr>
-          <p:grpSpPr>
-            <a:xfrm>
-              <a:off x="26448639" y="26434560"/>
-              <a:ext cx="4189465" cy="4867455"/>
-              <a:chOff x="37937168" y="17145000"/>
-              <a:chExt cx="5725435" cy="6400798"/>
-            </a:xfrm>
-          </p:grpSpPr>
-          <p:pic>
-            <p:nvPicPr>
-              <p:cNvPr id="213" name="Picture 212">
-                <a:extLst>
-                  <a:ext uri="{FF2B5EF4-FFF2-40B4-BE49-F238E27FC236}">
-                    <a16:creationId xmlns:a16="http://schemas.microsoft.com/office/drawing/2014/main" id="{A579CB32-DC6E-22A1-AF2A-6BF9C9A9718D}"/>
-                  </a:ext>
-                </a:extLst>
-              </p:cNvPr>
-              <p:cNvPicPr>
-                <a:picLocks noChangeAspect="1"/>
-              </p:cNvPicPr>
-              <p:nvPr/>
-            </p:nvPicPr>
-            <p:blipFill>
-              <a:blip r:embed="rId20"/>
-              <a:stretch>
-                <a:fillRect/>
-              </a:stretch>
-            </p:blipFill>
-            <p:spPr>
-              <a:xfrm>
-                <a:off x="37947602" y="17830798"/>
-                <a:ext cx="5715001" cy="5715000"/>
-              </a:xfrm>
-              <a:prstGeom prst="rect">
-                <a:avLst/>
-              </a:prstGeom>
-              <a:ln w="12700">
-                <a:solidFill>
-                  <a:schemeClr val="tx1"/>
-                </a:solidFill>
-              </a:ln>
-            </p:spPr>
-          </p:pic>
-          <p:sp>
-            <p:nvSpPr>
-              <p:cNvPr id="214" name="TextBox 213">
-                <a:extLst>
-                  <a:ext uri="{FF2B5EF4-FFF2-40B4-BE49-F238E27FC236}">
-                    <a16:creationId xmlns:a16="http://schemas.microsoft.com/office/drawing/2014/main" id="{29C8E48E-9DA6-76CF-3759-7CCC7FFCDF86}"/>
-                  </a:ext>
-                </a:extLst>
-              </p:cNvPr>
-              <p:cNvSpPr txBox="1"/>
-              <p:nvPr/>
-            </p:nvSpPr>
-            <p:spPr>
-              <a:xfrm>
-                <a:off x="37937168" y="17145000"/>
-                <a:ext cx="5715001" cy="553998"/>
-              </a:xfrm>
-              <a:prstGeom prst="rect">
-                <a:avLst/>
-              </a:prstGeom>
-              <a:noFill/>
-            </p:spPr>
-            <p:txBody>
-              <a:bodyPr wrap="none" rtlCol="0">
-                <a:normAutofit fontScale="85000" lnSpcReduction="20000"/>
-              </a:bodyPr>
-              <a:lstStyle/>
-              <a:p>
-                <a:pPr algn="ctr"/>
-                <a:r>
-                  <a:rPr lang="en-US" sz="3000" dirty="0">
-                    <a:solidFill>
-                      <a:schemeClr val="tx1"/>
-                    </a:solidFill>
-                  </a:rPr>
-                  <a:t>Local Adaptation to Low Salinity </a:t>
-                </a:r>
-              </a:p>
-            </p:txBody>
-          </p:sp>
-        </p:grpSp>
-      </p:grpSp>
-      <p:sp>
-        <p:nvSpPr>
-          <p:cNvPr id="197" name="TextBox 196">
-            <a:extLst>
-              <a:ext uri="{FF2B5EF4-FFF2-40B4-BE49-F238E27FC236}">
-                <a16:creationId xmlns:a16="http://schemas.microsoft.com/office/drawing/2014/main" id="{73593F19-A554-179F-96D5-58FC217A6CA3}"/>
-              </a:ext>
-            </a:extLst>
-          </p:cNvPr>
-          <p:cNvSpPr txBox="1"/>
-          <p:nvPr/>
-        </p:nvSpPr>
-        <p:spPr>
-          <a:xfrm>
-            <a:off x="22174200" y="26384152"/>
-            <a:ext cx="9144000" cy="535209"/>
-          </a:xfrm>
-          <a:prstGeom prst="rect">
-            <a:avLst/>
-          </a:prstGeom>
-          <a:noFill/>
-        </p:spPr>
-        <p:txBody>
-          <a:bodyPr wrap="square" rtlCol="0">
-            <a:normAutofit fontScale="92500" lnSpcReduction="10000"/>
-          </a:bodyPr>
-          <a:lstStyle/>
-          <a:p>
-            <a:pPr algn="ctr"/>
-            <a:r>
-              <a:rPr lang="en-US" sz="3400" dirty="0">
-                <a:solidFill>
-                  <a:schemeClr val="tx1"/>
-                </a:solidFill>
-              </a:rPr>
-              <a:t>PLACE HOLDER FOR LOCAL ADAPTATION</a:t>
-            </a:r>
-          </a:p>
-        </p:txBody>
-      </p:sp>
-      <p:sp>
-        <p:nvSpPr>
-          <p:cNvPr id="195" name="Rectangle 194">
-            <a:extLst>
-              <a:ext uri="{FF2B5EF4-FFF2-40B4-BE49-F238E27FC236}">
-                <a16:creationId xmlns:a16="http://schemas.microsoft.com/office/drawing/2014/main" id="{B3C7DCC9-BD30-5BDA-5681-2605C2EA3553}"/>
-              </a:ext>
-            </a:extLst>
-          </p:cNvPr>
-          <p:cNvSpPr/>
-          <p:nvPr/>
-        </p:nvSpPr>
-        <p:spPr>
-          <a:xfrm>
-            <a:off x="21497146" y="26289000"/>
-            <a:ext cx="9821054" cy="6400800"/>
-          </a:xfrm>
-          <a:prstGeom prst="rect">
-            <a:avLst/>
-          </a:prstGeom>
-          <a:noFill/>
-          <a:ln w="12700">
-            <a:solidFill>
-              <a:schemeClr val="tx1"/>
-            </a:solidFill>
-          </a:ln>
-        </p:spPr>
-        <p:style>
-          <a:lnRef idx="2">
-            <a:schemeClr val="accent1">
-              <a:shade val="15000"/>
-            </a:schemeClr>
-          </a:lnRef>
-          <a:fillRef idx="1">
-            <a:schemeClr val="accent1"/>
-          </a:fillRef>
-          <a:effectRef idx="0">
-            <a:schemeClr val="accent1"/>
-          </a:effectRef>
-          <a:fontRef idx="minor">
-            <a:schemeClr val="lt1"/>
-          </a:fontRef>
-        </p:style>
-        <p:txBody>
-          <a:bodyPr rtlCol="0" anchor="ctr"/>
-          <a:lstStyle/>
-          <a:p>
-            <a:pPr algn="ctr"/>
-            <a:endParaRPr lang="en-US"/>
-          </a:p>
-        </p:txBody>
-      </p:sp>
-      <p:cxnSp>
-        <p:nvCxnSpPr>
-          <p:cNvPr id="193" name="Google Shape;98;p1">
-            <a:extLst>
-              <a:ext uri="{FF2B5EF4-FFF2-40B4-BE49-F238E27FC236}">
-                <a16:creationId xmlns:a16="http://schemas.microsoft.com/office/drawing/2014/main" id="{B1DFAFA7-5DAC-FE76-2995-1BB69883C6C4}"/>
-              </a:ext>
-            </a:extLst>
-          </p:cNvPr>
-          <p:cNvCxnSpPr>
-            <a:cxnSpLocks/>
-          </p:cNvCxnSpPr>
-          <p:nvPr/>
-        </p:nvCxnSpPr>
-        <p:spPr>
-          <a:xfrm rot="5400000">
-            <a:off x="21374048" y="29471483"/>
-            <a:ext cx="0" cy="228496"/>
-          </a:xfrm>
-          <a:prstGeom prst="straightConnector1">
-            <a:avLst/>
-          </a:prstGeom>
-          <a:noFill/>
-          <a:ln w="12700" cap="flat" cmpd="sng">
-            <a:solidFill>
-              <a:schemeClr val="dk1"/>
-            </a:solidFill>
-            <a:prstDash val="solid"/>
-            <a:round/>
-            <a:headEnd type="none" w="sm" len="sm"/>
-            <a:tailEnd type="none" w="sm" len="sm"/>
-          </a:ln>
-          <a:effectLst>
-            <a:outerShdw blurRad="40000" dist="20000" dir="5400000" rotWithShape="0">
-              <a:srgbClr val="000000">
-                <a:alpha val="36470"/>
-              </a:srgbClr>
-            </a:outerShdw>
-          </a:effectLst>
-        </p:spPr>
-      </p:cxnSp>
       <p:sp>
         <p:nvSpPr>
           <p:cNvPr id="4" name="TextBox 3">
@@ -24463,7 +22421,7 @@
         </p:nvSpPr>
         <p:spPr>
           <a:xfrm>
-            <a:off x="46286927" y="13060758"/>
+            <a:off x="46520100" y="13181074"/>
             <a:ext cx="8458200" cy="6899325"/>
           </a:xfrm>
           <a:prstGeom prst="rect">
@@ -24558,14 +22516,14 @@
         </p:nvSpPr>
         <p:spPr>
           <a:xfrm>
-            <a:off x="-8983980" y="17065094"/>
-            <a:ext cx="8458200" cy="6899325"/>
+            <a:off x="6400800" y="12573000"/>
+            <a:ext cx="5715000" cy="1785104"/>
           </a:xfrm>
           <a:prstGeom prst="rect">
             <a:avLst/>
           </a:prstGeom>
           <a:solidFill>
-            <a:srgbClr val="E8EFD9"/>
+            <a:srgbClr val="F2F6EA"/>
           </a:solidFill>
           <a:ln w="12700">
             <a:solidFill>
@@ -24594,81 +22552,11 @@
                 <a:ea typeface="Cascadia Mono SemiLight" panose="020B0609020000020004" pitchFamily="49" charset="0"/>
                 <a:cs typeface="Cascadia Mono SemiLight" panose="020B0609020000020004" pitchFamily="49" charset="0"/>
               </a:rPr>
-              <a:t>Good subject for studying large-scale population genomics</a:t>
-            </a:r>
-          </a:p>
-          <a:p>
-            <a:pPr marL="457200" indent="-457200">
-              <a:spcAft>
-                <a:spcPts val="500"/>
-              </a:spcAft>
-              <a:buFont typeface="Arial" panose="020B0604020202020204" pitchFamily="34" charset="0"/>
-              <a:buChar char="•"/>
-            </a:pPr>
-            <a:r>
-              <a:rPr lang="en-US" sz="3600" dirty="0">
-                <a:solidFill>
-                  <a:schemeClr val="tx1"/>
-                </a:solidFill>
-                <a:latin typeface="+mn-lt"/>
-                <a:ea typeface="Cascadia Mono SemiLight" panose="020B0609020000020004" pitchFamily="49" charset="0"/>
-                <a:cs typeface="Cascadia Mono SemiLight" panose="020B0609020000020004" pitchFamily="49" charset="0"/>
-              </a:rPr>
-              <a:t>Barnacles are easy to sample, contain significant genetic diversity, and are found across the world</a:t>
-            </a:r>
-          </a:p>
-          <a:p>
-            <a:pPr marL="457200" indent="-457200">
-              <a:spcAft>
-                <a:spcPts val="500"/>
-              </a:spcAft>
-              <a:buFont typeface="Arial" panose="020B0604020202020204" pitchFamily="34" charset="0"/>
-              <a:buChar char="•"/>
-            </a:pPr>
-            <a:r>
-              <a:rPr lang="en-US" sz="3600" dirty="0">
-                <a:solidFill>
-                  <a:schemeClr val="tx1"/>
-                </a:solidFill>
-                <a:latin typeface="+mn-lt"/>
-                <a:ea typeface="Cascadia Mono SemiLight" panose="020B0609020000020004" pitchFamily="49" charset="0"/>
-                <a:cs typeface="Cascadia Mono SemiLight" panose="020B0609020000020004" pitchFamily="49" charset="0"/>
-              </a:rPr>
-              <a:t>The Pacific acorn barnacle is found from Alaska to Baja California. Learning how the genetic variation and evolution of populations across the range is vital for understanding population genomics</a:t>
+              <a:t>Why: The Pacific Coast Range</a:t>
             </a:r>
           </a:p>
         </p:txBody>
       </p:sp>
-      <p:pic>
-        <p:nvPicPr>
-          <p:cNvPr id="19" name="Picture 18" descr="A qr code on a white background&#10;&#10;Description automatically generated">
-            <a:extLst>
-              <a:ext uri="{FF2B5EF4-FFF2-40B4-BE49-F238E27FC236}">
-                <a16:creationId xmlns:a16="http://schemas.microsoft.com/office/drawing/2014/main" id="{E846D174-FE32-2954-A5B6-A9092EF63FD3}"/>
-              </a:ext>
-            </a:extLst>
-          </p:cNvPr>
-          <p:cNvPicPr>
-            <a:picLocks noChangeAspect="1"/>
-          </p:cNvPicPr>
-          <p:nvPr/>
-        </p:nvPicPr>
-        <p:blipFill>
-          <a:blip r:embed="rId21"/>
-          <a:stretch>
-            <a:fillRect/>
-          </a:stretch>
-        </p:blipFill>
-        <p:spPr>
-          <a:xfrm>
-            <a:off x="6400800" y="26974800"/>
-            <a:ext cx="5715000" cy="5715000"/>
-          </a:xfrm>
-          <a:prstGeom prst="rect">
-            <a:avLst/>
-          </a:prstGeom>
-        </p:spPr>
-      </p:pic>
       <p:sp>
         <p:nvSpPr>
           <p:cNvPr id="22" name="TextBox 21">
@@ -24683,14 +22571,14 @@
         </p:nvSpPr>
         <p:spPr>
           <a:xfrm>
-            <a:off x="31775396" y="12573000"/>
-            <a:ext cx="11887200" cy="2895664"/>
+            <a:off x="31775396" y="14664961"/>
+            <a:ext cx="11887200" cy="3513782"/>
           </a:xfrm>
           <a:prstGeom prst="rect">
             <a:avLst/>
           </a:prstGeom>
           <a:solidFill>
-            <a:srgbClr val="E8EFD9"/>
+            <a:srgbClr val="F2F6EA"/>
           </a:solidFill>
           <a:ln w="12700">
             <a:solidFill>
@@ -24719,7 +22607,7 @@
                 <a:ea typeface="Cascadia Mono SemiLight" panose="020B0609020000020004" pitchFamily="49" charset="0"/>
                 <a:cs typeface="Cascadia Mono SemiLight" panose="020B0609020000020004" pitchFamily="49" charset="0"/>
               </a:rPr>
-              <a:t>Expanding the biological scope</a:t>
+              <a:t>Greater Biological Scope</a:t>
             </a:r>
           </a:p>
           <a:p>
@@ -24739,180 +22627,31 @@
                 <a:ea typeface="Cascadia Mono SemiLight" panose="020B0609020000020004" pitchFamily="49" charset="0"/>
                 <a:cs typeface="Cascadia Mono SemiLight" panose="020B0609020000020004" pitchFamily="49" charset="0"/>
               </a:rPr>
-              <a:t>Use the simulation to study the genomic variation of Pacific acorn barnacle populations across the Pacific coast</a:t>
+              <a:t>Apply model to study the genomic variation of populations across the Pacific coast</a:t>
+            </a:r>
+          </a:p>
+          <a:p>
+            <a:pPr marL="457200" indent="-457200">
+              <a:spcAft>
+                <a:spcPts val="500"/>
+              </a:spcAft>
+              <a:buFont typeface="Arial" panose="020B0604020202020204" pitchFamily="34" charset="0"/>
+              <a:buChar char="•"/>
+            </a:pPr>
+            <a:r>
+              <a:rPr lang="en-US" sz="3600" dirty="0">
+                <a:solidFill>
+                  <a:schemeClr val="tx1"/>
+                </a:solidFill>
+                <a:latin typeface="+mn-lt"/>
+                <a:ea typeface="Cascadia Mono SemiLight" panose="020B0609020000020004" pitchFamily="49" charset="0"/>
+                <a:cs typeface="Cascadia Mono SemiLight" panose="020B0609020000020004" pitchFamily="49" charset="0"/>
+              </a:rPr>
+              <a:t>Identify what environmental variables are contributing to the population structure</a:t>
             </a:r>
           </a:p>
         </p:txBody>
       </p:sp>
-      <p:pic>
-        <p:nvPicPr>
-          <p:cNvPr id="24" name="Picture 23" descr="A map of the pacific ocean&#10;&#10;Description automatically generated">
-            <a:extLst>
-              <a:ext uri="{FF2B5EF4-FFF2-40B4-BE49-F238E27FC236}">
-                <a16:creationId xmlns:a16="http://schemas.microsoft.com/office/drawing/2014/main" id="{1257A5D3-1BF5-2DBD-8ED8-943425CB6C70}"/>
-              </a:ext>
-            </a:extLst>
-          </p:cNvPr>
-          <p:cNvPicPr>
-            <a:picLocks noChangeAspect="1"/>
-          </p:cNvPicPr>
-          <p:nvPr/>
-        </p:nvPicPr>
-        <p:blipFill>
-          <a:blip r:embed="rId22"/>
-          <a:stretch>
-            <a:fillRect/>
-          </a:stretch>
-        </p:blipFill>
-        <p:spPr>
-          <a:xfrm>
-            <a:off x="6861687" y="10093911"/>
-            <a:ext cx="5486400" cy="8229600"/>
-          </a:xfrm>
-          <a:prstGeom prst="rect">
-            <a:avLst/>
-          </a:prstGeom>
-        </p:spPr>
-      </p:pic>
-      <p:grpSp>
-        <p:nvGrpSpPr>
-          <p:cNvPr id="28" name="Group 27">
-            <a:extLst>
-              <a:ext uri="{FF2B5EF4-FFF2-40B4-BE49-F238E27FC236}">
-                <a16:creationId xmlns:a16="http://schemas.microsoft.com/office/drawing/2014/main" id="{5DB78E4F-1810-3E17-0D79-EB5EBB5CE46F}"/>
-              </a:ext>
-            </a:extLst>
-          </p:cNvPr>
-          <p:cNvGrpSpPr/>
-          <p:nvPr/>
-        </p:nvGrpSpPr>
-        <p:grpSpPr>
-          <a:xfrm>
-            <a:off x="228600" y="6858000"/>
-            <a:ext cx="6400800" cy="6400800"/>
-            <a:chOff x="228600" y="7772400"/>
-            <a:chExt cx="6400800" cy="6400800"/>
-          </a:xfrm>
-        </p:grpSpPr>
-        <p:pic>
-          <p:nvPicPr>
-            <p:cNvPr id="26" name="Picture 25" descr="A close-up of white flowers&#10;&#10;Description automatically generated">
-              <a:extLst>
-                <a:ext uri="{FF2B5EF4-FFF2-40B4-BE49-F238E27FC236}">
-                  <a16:creationId xmlns:a16="http://schemas.microsoft.com/office/drawing/2014/main" id="{C55559BC-ACD1-F521-178D-8C260500BB01}"/>
-                </a:ext>
-              </a:extLst>
-            </p:cNvPr>
-            <p:cNvPicPr>
-              <a:picLocks noChangeAspect="1"/>
-            </p:cNvPicPr>
-            <p:nvPr/>
-          </p:nvPicPr>
-          <p:blipFill rotWithShape="1">
-            <a:blip r:embed="rId23"/>
-            <a:srcRect l="36237" t="4333" b="-75"/>
-            <a:stretch/>
-          </p:blipFill>
-          <p:spPr>
-            <a:xfrm>
-              <a:off x="228600" y="7772400"/>
-              <a:ext cx="6400800" cy="6400800"/>
-            </a:xfrm>
-            <a:prstGeom prst="rect">
-              <a:avLst/>
-            </a:prstGeom>
-            <a:ln w="25400">
-              <a:solidFill>
-                <a:schemeClr val="tx1"/>
-              </a:solidFill>
-            </a:ln>
-          </p:spPr>
-        </p:pic>
-        <p:sp>
-          <p:nvSpPr>
-            <p:cNvPr id="27" name="TextBox 26">
-              <a:extLst>
-                <a:ext uri="{FF2B5EF4-FFF2-40B4-BE49-F238E27FC236}">
-                  <a16:creationId xmlns:a16="http://schemas.microsoft.com/office/drawing/2014/main" id="{7981D390-EA36-9FF9-D431-5359719E60D7}"/>
-                </a:ext>
-              </a:extLst>
-            </p:cNvPr>
-            <p:cNvSpPr txBox="1"/>
-            <p:nvPr/>
-          </p:nvSpPr>
-          <p:spPr>
-            <a:xfrm>
-              <a:off x="347472" y="13606272"/>
-              <a:ext cx="2103120" cy="457200"/>
-            </a:xfrm>
-            <a:prstGeom prst="rect">
-              <a:avLst/>
-            </a:prstGeom>
-            <a:solidFill>
-              <a:srgbClr val="D7E4BD">
-                <a:alpha val="69804"/>
-              </a:srgbClr>
-            </a:solidFill>
-            <a:ln w="25400">
-              <a:solidFill>
-                <a:schemeClr val="tx1"/>
-              </a:solidFill>
-            </a:ln>
-          </p:spPr>
-          <p:txBody>
-            <a:bodyPr wrap="square" lIns="91440" tIns="91440" rIns="91440" bIns="91440" anchor="b">
-              <a:noAutofit/>
-            </a:bodyPr>
-            <a:lstStyle/>
-            <a:p>
-              <a:pPr marL="0" marR="0" lvl="0" indent="0" algn="l" defTabSz="914400" rtl="0" eaLnBrk="1" fontAlgn="auto" latinLnBrk="0" hangingPunct="1">
-                <a:lnSpc>
-                  <a:spcPct val="100000"/>
-                </a:lnSpc>
-                <a:spcBef>
-                  <a:spcPts val="0"/>
-                </a:spcBef>
-                <a:spcAft>
-                  <a:spcPts val="500"/>
-                </a:spcAft>
-                <a:buClr>
-                  <a:srgbClr val="000000"/>
-                </a:buClr>
-                <a:buSzTx/>
-                <a:buFont typeface="Arial"/>
-                <a:buNone/>
-                <a:tabLst/>
-                <a:defRPr/>
-              </a:pPr>
-              <a:r>
-                <a:rPr lang="en-US" sz="2000" dirty="0">
-                  <a:solidFill>
-                    <a:schemeClr val="tx1"/>
-                  </a:solidFill>
-                  <a:ea typeface="Cascadia Mono SemiLight" panose="020B0609020000020004" pitchFamily="49" charset="0"/>
-                  <a:cs typeface="Cascadia Mono SemiLight" panose="020B0609020000020004" pitchFamily="49" charset="0"/>
-                </a:rPr>
-                <a:t>© Martin Arregui</a:t>
-              </a:r>
-              <a:endParaRPr kumimoji="0" lang="en-US" sz="2000" i="0" u="none" strike="noStrike" kern="0" cap="none" spc="0" normalizeH="0" baseline="0" noProof="0" dirty="0">
-                <a:ln>
-                  <a:noFill/>
-                </a:ln>
-                <a:solidFill>
-                  <a:schemeClr val="tx1"/>
-                </a:solidFill>
-                <a:effectLst/>
-                <a:uLnTx/>
-                <a:uFillTx/>
-                <a:latin typeface="Arial"/>
-                <a:ea typeface="Cascadia Mono SemiLight" panose="020B0609020000020004" pitchFamily="49" charset="0"/>
-                <a:cs typeface="Cascadia Mono SemiLight" panose="020B0609020000020004" pitchFamily="49" charset="0"/>
-                <a:sym typeface="Arial"/>
-              </a:endParaRPr>
-            </a:p>
-          </p:txBody>
-        </p:sp>
-      </p:grpSp>
       <p:sp>
         <p:nvSpPr>
           <p:cNvPr id="30" name="TextBox 29">
@@ -24927,14 +22666,127 @@
         </p:nvSpPr>
         <p:spPr>
           <a:xfrm>
-            <a:off x="6858000" y="6858000"/>
-            <a:ext cx="5257800" cy="1785104"/>
+            <a:off x="228600" y="5971336"/>
+            <a:ext cx="5257800" cy="6345327"/>
           </a:xfrm>
           <a:prstGeom prst="rect">
             <a:avLst/>
           </a:prstGeom>
           <a:solidFill>
-            <a:srgbClr val="E8EFD9"/>
+            <a:srgbClr val="F2F6EA"/>
+          </a:solidFill>
+          <a:ln w="12700">
+            <a:solidFill>
+              <a:schemeClr val="tx1"/>
+            </a:solidFill>
+          </a:ln>
+        </p:spPr>
+        <p:txBody>
+          <a:bodyPr wrap="square" lIns="274320" tIns="274320" rIns="274320" bIns="274320" anchor="ctr">
+            <a:spAutoFit/>
+          </a:bodyPr>
+          <a:lstStyle/>
+          <a:p>
+            <a:pPr>
+              <a:spcAft>
+                <a:spcPts val="500"/>
+              </a:spcAft>
+            </a:pPr>
+            <a:r>
+              <a:rPr lang="en-US" sz="4000" b="1" dirty="0">
+                <a:solidFill>
+                  <a:srgbClr val="616A4E"/>
+                </a:solidFill>
+                <a:effectLst/>
+                <a:latin typeface="+mn-lt"/>
+                <a:ea typeface="Cascadia Mono SemiLight" panose="020B0609020000020004" pitchFamily="49" charset="0"/>
+                <a:cs typeface="Cascadia Mono SemiLight" panose="020B0609020000020004" pitchFamily="49" charset="0"/>
+              </a:rPr>
+              <a:t>What: the Pacific acorn barnacle</a:t>
+            </a:r>
+            <a:endParaRPr lang="en-US" sz="4000" b="1" dirty="0">
+              <a:solidFill>
+                <a:srgbClr val="616A4E"/>
+              </a:solidFill>
+              <a:latin typeface="+mn-lt"/>
+              <a:ea typeface="Cascadia Mono SemiLight" panose="020B0609020000020004" pitchFamily="49" charset="0"/>
+              <a:cs typeface="Cascadia Mono SemiLight" panose="020B0609020000020004" pitchFamily="49" charset="0"/>
+            </a:endParaRPr>
+          </a:p>
+          <a:p>
+            <a:pPr marL="571500" indent="-571500">
+              <a:spcAft>
+                <a:spcPts val="500"/>
+              </a:spcAft>
+              <a:buFont typeface="Arial" panose="020B0604020202020204" pitchFamily="34" charset="0"/>
+              <a:buChar char="•"/>
+            </a:pPr>
+            <a:r>
+              <a:rPr lang="en-US" sz="3600" dirty="0">
+                <a:solidFill>
+                  <a:schemeClr val="tx1"/>
+                </a:solidFill>
+                <a:effectLst/>
+                <a:latin typeface="+mn-lt"/>
+                <a:ea typeface="Cascadia Mono SemiLight" panose="020B0609020000020004" pitchFamily="49" charset="0"/>
+                <a:cs typeface="Cascadia Mono SemiLight" panose="020B0609020000020004" pitchFamily="49" charset="0"/>
+              </a:rPr>
+              <a:t>Filter-feeding invertebrate found in intertidal zones</a:t>
+            </a:r>
+          </a:p>
+          <a:p>
+            <a:pPr marL="571500" indent="-571500">
+              <a:spcAft>
+                <a:spcPts val="500"/>
+              </a:spcAft>
+              <a:buFont typeface="Arial" panose="020B0604020202020204" pitchFamily="34" charset="0"/>
+              <a:buChar char="•"/>
+            </a:pPr>
+            <a:r>
+              <a:rPr lang="en-US" sz="3600" dirty="0">
+                <a:solidFill>
+                  <a:schemeClr val="tx1"/>
+                </a:solidFill>
+                <a:latin typeface="+mn-lt"/>
+                <a:ea typeface="Cascadia Mono SemiLight" panose="020B0609020000020004" pitchFamily="49" charset="0"/>
+                <a:cs typeface="Cascadia Mono SemiLight" panose="020B0609020000020004" pitchFamily="49" charset="0"/>
+              </a:rPr>
+              <a:t>Undergoes planktonic larval stage, and sessile juveniles and adult stages</a:t>
+            </a:r>
+            <a:endParaRPr lang="en-US" sz="3600" dirty="0">
+              <a:solidFill>
+                <a:schemeClr val="tx1"/>
+              </a:solidFill>
+              <a:effectLst/>
+              <a:latin typeface="+mn-lt"/>
+              <a:ea typeface="Cascadia Mono SemiLight" panose="020B0609020000020004" pitchFamily="49" charset="0"/>
+              <a:cs typeface="Cascadia Mono SemiLight" panose="020B0609020000020004" pitchFamily="49" charset="0"/>
+            </a:endParaRPr>
+          </a:p>
+        </p:txBody>
+      </p:sp>
+      <p:sp>
+        <p:nvSpPr>
+          <p:cNvPr id="42" name="TextBox 41">
+            <a:extLst>
+              <a:ext uri="{FF2B5EF4-FFF2-40B4-BE49-F238E27FC236}">
+                <a16:creationId xmlns:a16="http://schemas.microsoft.com/office/drawing/2014/main" id="{D0FC9A06-0773-6F5F-8AB3-E787E0903388}"/>
+              </a:ext>
+            </a:extLst>
+          </p:cNvPr>
+          <p:cNvSpPr txBox="1"/>
+          <p:nvPr/>
+        </p:nvSpPr>
+        <p:spPr>
+          <a:xfrm>
+            <a:off x="228600" y="22980096"/>
+            <a:ext cx="5943600" cy="6345327"/>
+          </a:xfrm>
+          <a:prstGeom prst="rect">
+            <a:avLst/>
+          </a:prstGeom>
+          <a:solidFill>
+            <a:srgbClr val="F2F6EA"/>
           </a:solidFill>
           <a:ln w="12700">
             <a:solidFill>
@@ -24958,22 +22810,386 @@
                 <a:solidFill>
                   <a:srgbClr val="616A4E"/>
                 </a:solidFill>
-                <a:effectLst/>
                 <a:latin typeface="+mn-lt"/>
                 <a:ea typeface="Cascadia Mono SemiLight" panose="020B0609020000020004" pitchFamily="49" charset="0"/>
                 <a:cs typeface="Cascadia Mono SemiLight" panose="020B0609020000020004" pitchFamily="49" charset="0"/>
               </a:rPr>
-              <a:t>What: the Pacific acorn barnacle</a:t>
+              <a:t>How: </a:t>
+            </a:r>
+            <a:r>
+              <a:rPr lang="en-US" sz="4000" b="1" dirty="0" err="1">
+                <a:solidFill>
+                  <a:srgbClr val="616A4E"/>
+                </a:solidFill>
+                <a:latin typeface="+mn-lt"/>
+                <a:ea typeface="Cascadia Mono SemiLight" panose="020B0609020000020004" pitchFamily="49" charset="0"/>
+                <a:cs typeface="Cascadia Mono SemiLight" panose="020B0609020000020004" pitchFamily="49" charset="0"/>
+              </a:rPr>
+              <a:t>SLiM</a:t>
+            </a:r>
+            <a:r>
+              <a:rPr lang="en-US" sz="4000" b="1" dirty="0">
+                <a:solidFill>
+                  <a:srgbClr val="616A4E"/>
+                </a:solidFill>
+                <a:latin typeface="+mn-lt"/>
+                <a:ea typeface="Cascadia Mono SemiLight" panose="020B0609020000020004" pitchFamily="49" charset="0"/>
+                <a:cs typeface="Cascadia Mono SemiLight" panose="020B0609020000020004" pitchFamily="49" charset="0"/>
+              </a:rPr>
+              <a:t> simulation of Coos Bay, OR</a:t>
+            </a:r>
+          </a:p>
+          <a:p>
+            <a:pPr marL="571500" indent="-571500">
+              <a:spcAft>
+                <a:spcPts val="500"/>
+              </a:spcAft>
+              <a:buFont typeface="Arial" panose="020B0604020202020204" pitchFamily="34" charset="0"/>
+              <a:buChar char="•"/>
+            </a:pPr>
+            <a:r>
+              <a:rPr lang="en-US" sz="3600" dirty="0" err="1">
+                <a:solidFill>
+                  <a:schemeClr val="tx1"/>
+                </a:solidFill>
+                <a:latin typeface="+mn-lt"/>
+                <a:ea typeface="Cascadia Mono SemiLight" panose="020B0609020000020004" pitchFamily="49" charset="0"/>
+                <a:cs typeface="Cascadia Mono SemiLight" panose="020B0609020000020004" pitchFamily="49" charset="0"/>
+              </a:rPr>
+              <a:t>SLiM</a:t>
+            </a:r>
+            <a:r>
+              <a:rPr lang="en-US" sz="3600" dirty="0">
+                <a:solidFill>
+                  <a:schemeClr val="tx1"/>
+                </a:solidFill>
+                <a:latin typeface="+mn-lt"/>
+                <a:ea typeface="Cascadia Mono SemiLight" panose="020B0609020000020004" pitchFamily="49" charset="0"/>
+                <a:cs typeface="Cascadia Mono SemiLight" panose="020B0609020000020004" pitchFamily="49" charset="0"/>
+              </a:rPr>
+              <a:t> is a software developed by the Messer Lab to build genetically explicit evolutionary models</a:t>
+            </a:r>
+          </a:p>
+          <a:p>
+            <a:pPr marL="571500" indent="-571500">
+              <a:spcAft>
+                <a:spcPts val="500"/>
+              </a:spcAft>
+              <a:buFont typeface="Arial" panose="020B0604020202020204" pitchFamily="34" charset="0"/>
+              <a:buChar char="•"/>
+            </a:pPr>
+            <a:r>
+              <a:rPr lang="en-US" sz="3600" dirty="0">
+                <a:solidFill>
+                  <a:schemeClr val="tx1"/>
+                </a:solidFill>
+                <a:latin typeface="+mn-lt"/>
+                <a:ea typeface="Cascadia Mono SemiLight" panose="020B0609020000020004" pitchFamily="49" charset="0"/>
+                <a:cs typeface="Cascadia Mono SemiLight" panose="020B0609020000020004" pitchFamily="49" charset="0"/>
+              </a:rPr>
+              <a:t>Scan the QR code to see this project’s  GitHub repository</a:t>
             </a:r>
           </a:p>
         </p:txBody>
       </p:sp>
+      <p:pic>
+        <p:nvPicPr>
+          <p:cNvPr id="46" name="Picture 45" descr="A green and black logo&#10;&#10;Description automatically generated">
+            <a:extLst>
+              <a:ext uri="{FF2B5EF4-FFF2-40B4-BE49-F238E27FC236}">
+                <a16:creationId xmlns:a16="http://schemas.microsoft.com/office/drawing/2014/main" id="{531548A0-8995-48D2-B386-FA09C06F8AA5}"/>
+              </a:ext>
+            </a:extLst>
+          </p:cNvPr>
+          <p:cNvPicPr>
+            <a:picLocks noChangeAspect="1"/>
+          </p:cNvPicPr>
+          <p:nvPr/>
+        </p:nvPicPr>
+        <p:blipFill>
+          <a:blip r:embed="rId9"/>
+          <a:stretch>
+            <a:fillRect/>
+          </a:stretch>
+        </p:blipFill>
+        <p:spPr>
+          <a:xfrm>
+            <a:off x="240441" y="224375"/>
+            <a:ext cx="3179873" cy="3657600"/>
+          </a:xfrm>
+          <a:prstGeom prst="rect">
+            <a:avLst/>
+          </a:prstGeom>
+        </p:spPr>
+      </p:pic>
+      <p:grpSp>
+        <p:nvGrpSpPr>
+          <p:cNvPr id="209" name="Group 208">
+            <a:extLst>
+              <a:ext uri="{FF2B5EF4-FFF2-40B4-BE49-F238E27FC236}">
+                <a16:creationId xmlns:a16="http://schemas.microsoft.com/office/drawing/2014/main" id="{2AEB074D-6137-F638-0A22-18AB12896BE0}"/>
+              </a:ext>
+            </a:extLst>
+          </p:cNvPr>
+          <p:cNvGrpSpPr/>
+          <p:nvPr/>
+        </p:nvGrpSpPr>
+        <p:grpSpPr>
+          <a:xfrm>
+            <a:off x="290355" y="29520004"/>
+            <a:ext cx="5889064" cy="2933207"/>
+            <a:chOff x="290355" y="29520004"/>
+            <a:chExt cx="5889064" cy="2933207"/>
+          </a:xfrm>
+        </p:grpSpPr>
+        <p:pic>
+          <p:nvPicPr>
+            <p:cNvPr id="19" name="Picture 18" descr="A qr code on a white background&#10;&#10;Description automatically generated">
+              <a:extLst>
+                <a:ext uri="{FF2B5EF4-FFF2-40B4-BE49-F238E27FC236}">
+                  <a16:creationId xmlns:a16="http://schemas.microsoft.com/office/drawing/2014/main" id="{E846D174-FE32-2954-A5B6-A9092EF63FD3}"/>
+                </a:ext>
+              </a:extLst>
+            </p:cNvPr>
+            <p:cNvPicPr>
+              <a:picLocks noChangeAspect="1"/>
+            </p:cNvPicPr>
+            <p:nvPr/>
+          </p:nvPicPr>
+          <p:blipFill rotWithShape="1">
+            <a:blip r:embed="rId10"/>
+            <a:srcRect l="3887" t="4909" r="4220" b="4390"/>
+            <a:stretch/>
+          </p:blipFill>
+          <p:spPr>
+            <a:xfrm>
+              <a:off x="290355" y="29520004"/>
+              <a:ext cx="2971800" cy="2933207"/>
+            </a:xfrm>
+            <a:prstGeom prst="rect">
+              <a:avLst/>
+            </a:prstGeom>
+          </p:spPr>
+        </p:pic>
+        <p:pic>
+          <p:nvPicPr>
+            <p:cNvPr id="57" name="Picture 56">
+              <a:extLst>
+                <a:ext uri="{FF2B5EF4-FFF2-40B4-BE49-F238E27FC236}">
+                  <a16:creationId xmlns:a16="http://schemas.microsoft.com/office/drawing/2014/main" id="{250F206C-26A4-F596-CDE4-B0E2A59F2F1A}"/>
+                </a:ext>
+              </a:extLst>
+            </p:cNvPr>
+            <p:cNvPicPr>
+              <a:picLocks noChangeAspect="1"/>
+            </p:cNvPicPr>
+            <p:nvPr/>
+          </p:nvPicPr>
+          <p:blipFill>
+            <a:blip r:embed="rId11"/>
+            <a:stretch>
+              <a:fillRect/>
+            </a:stretch>
+          </p:blipFill>
+          <p:spPr>
+            <a:xfrm>
+              <a:off x="3436219" y="29615007"/>
+              <a:ext cx="2743200" cy="2743200"/>
+            </a:xfrm>
+            <a:custGeom>
+              <a:avLst/>
+              <a:gdLst>
+                <a:gd name="connsiteX0" fmla="*/ 67 w 3316224"/>
+                <a:gd name="connsiteY0" fmla="*/ -312 h 3316224"/>
+                <a:gd name="connsiteX1" fmla="*/ 3316291 w 3316224"/>
+                <a:gd name="connsiteY1" fmla="*/ -312 h 3316224"/>
+                <a:gd name="connsiteX2" fmla="*/ 3316291 w 3316224"/>
+                <a:gd name="connsiteY2" fmla="*/ 3315912 h 3316224"/>
+                <a:gd name="connsiteX3" fmla="*/ 67 w 3316224"/>
+                <a:gd name="connsiteY3" fmla="*/ 3315912 h 3316224"/>
+              </a:gdLst>
+              <a:ahLst/>
+              <a:cxnLst>
+                <a:cxn ang="0">
+                  <a:pos x="connsiteX0" y="connsiteY0"/>
+                </a:cxn>
+                <a:cxn ang="0">
+                  <a:pos x="connsiteX1" y="connsiteY1"/>
+                </a:cxn>
+                <a:cxn ang="0">
+                  <a:pos x="connsiteX2" y="connsiteY2"/>
+                </a:cxn>
+                <a:cxn ang="0">
+                  <a:pos x="connsiteX3" y="connsiteY3"/>
+                </a:cxn>
+              </a:cxnLst>
+              <a:rect l="l" t="t" r="r" b="b"/>
+              <a:pathLst>
+                <a:path w="3316224" h="3316224">
+                  <a:moveTo>
+                    <a:pt x="67" y="-312"/>
+                  </a:moveTo>
+                  <a:lnTo>
+                    <a:pt x="3316291" y="-312"/>
+                  </a:lnTo>
+                  <a:lnTo>
+                    <a:pt x="3316291" y="3315912"/>
+                  </a:lnTo>
+                  <a:lnTo>
+                    <a:pt x="67" y="3315912"/>
+                  </a:lnTo>
+                  <a:close/>
+                </a:path>
+              </a:pathLst>
+            </a:custGeom>
+          </p:spPr>
+        </p:pic>
+      </p:grpSp>
+      <p:pic>
+        <p:nvPicPr>
+          <p:cNvPr id="59" name="Picture 58" descr="A chart of different colors&#10;&#10;Description automatically generated with medium confidence">
+            <a:extLst>
+              <a:ext uri="{FF2B5EF4-FFF2-40B4-BE49-F238E27FC236}">
+                <a16:creationId xmlns:a16="http://schemas.microsoft.com/office/drawing/2014/main" id="{18C6C8CB-EE61-626F-AB3D-8B1739B7BC4E}"/>
+              </a:ext>
+            </a:extLst>
+          </p:cNvPr>
+          <p:cNvPicPr>
+            <a:picLocks noChangeAspect="1"/>
+          </p:cNvPicPr>
+          <p:nvPr/>
+        </p:nvPicPr>
+        <p:blipFill>
+          <a:blip r:embed="rId12"/>
+          <a:srcRect l="2318"/>
+          <a:stretch/>
+        </p:blipFill>
+        <p:spPr>
+          <a:xfrm>
+            <a:off x="6362772" y="14645044"/>
+            <a:ext cx="5825993" cy="11928517"/>
+          </a:xfrm>
+          <a:prstGeom prst="rect">
+            <a:avLst/>
+          </a:prstGeom>
+          <a:ln>
+            <a:solidFill>
+              <a:schemeClr val="tx1"/>
+            </a:solidFill>
+          </a:ln>
+        </p:spPr>
+      </p:pic>
+      <p:pic>
+        <p:nvPicPr>
+          <p:cNvPr id="180" name="Picture 179" descr="A graph of a number of people&#10;&#10;Description automatically generated">
+            <a:extLst>
+              <a:ext uri="{FF2B5EF4-FFF2-40B4-BE49-F238E27FC236}">
+                <a16:creationId xmlns:a16="http://schemas.microsoft.com/office/drawing/2014/main" id="{4FC43DE7-B4A4-4DF6-681E-0C12F4C1D95B}"/>
+              </a:ext>
+            </a:extLst>
+          </p:cNvPr>
+          <p:cNvPicPr>
+            <a:picLocks noChangeAspect="1"/>
+          </p:cNvPicPr>
+          <p:nvPr/>
+        </p:nvPicPr>
+        <p:blipFill>
+          <a:blip r:embed="rId13"/>
+          <a:stretch>
+            <a:fillRect/>
+          </a:stretch>
+        </p:blipFill>
+        <p:spPr>
+          <a:xfrm>
+            <a:off x="12573000" y="9985248"/>
+            <a:ext cx="9258318" cy="6912878"/>
+          </a:xfrm>
+          <a:prstGeom prst="rect">
+            <a:avLst/>
+          </a:prstGeom>
+          <a:ln>
+            <a:solidFill>
+              <a:schemeClr val="tx1"/>
+            </a:solidFill>
+          </a:ln>
+        </p:spPr>
+      </p:pic>
+      <p:pic>
+        <p:nvPicPr>
+          <p:cNvPr id="185" name="Picture 184" descr="A graph of different colored lines&#10;&#10;Description automatically generated">
+            <a:extLst>
+              <a:ext uri="{FF2B5EF4-FFF2-40B4-BE49-F238E27FC236}">
+                <a16:creationId xmlns:a16="http://schemas.microsoft.com/office/drawing/2014/main" id="{5E0357E3-07CB-A063-4DB2-2E67C035E16E}"/>
+              </a:ext>
+            </a:extLst>
+          </p:cNvPr>
+          <p:cNvPicPr>
+            <a:picLocks noChangeAspect="1"/>
+          </p:cNvPicPr>
+          <p:nvPr/>
+        </p:nvPicPr>
+        <p:blipFill>
+          <a:blip r:embed="rId14"/>
+          <a:stretch>
+            <a:fillRect/>
+          </a:stretch>
+        </p:blipFill>
+        <p:spPr>
+          <a:xfrm>
+            <a:off x="22064472" y="8988552"/>
+            <a:ext cx="9258318" cy="6912878"/>
+          </a:xfrm>
+          <a:prstGeom prst="rect">
+            <a:avLst/>
+          </a:prstGeom>
+          <a:ln>
+            <a:solidFill>
+              <a:schemeClr val="tx1"/>
+            </a:solidFill>
+          </a:ln>
+        </p:spPr>
+      </p:pic>
+      <p:pic>
+        <p:nvPicPr>
+          <p:cNvPr id="187" name="Picture 186" descr="A graph of a bar graph&#10;&#10;Description automatically generated">
+            <a:extLst>
+              <a:ext uri="{FF2B5EF4-FFF2-40B4-BE49-F238E27FC236}">
+                <a16:creationId xmlns:a16="http://schemas.microsoft.com/office/drawing/2014/main" id="{854CDC4B-E79D-91EF-6E45-CF51936393ED}"/>
+              </a:ext>
+            </a:extLst>
+          </p:cNvPr>
+          <p:cNvPicPr>
+            <a:picLocks noChangeAspect="1"/>
+          </p:cNvPicPr>
+          <p:nvPr/>
+        </p:nvPicPr>
+        <p:blipFill>
+          <a:blip r:embed="rId15"/>
+          <a:stretch>
+            <a:fillRect/>
+          </a:stretch>
+        </p:blipFill>
+        <p:spPr>
+          <a:xfrm>
+            <a:off x="22064472" y="25831800"/>
+            <a:ext cx="9258318" cy="6912878"/>
+          </a:xfrm>
+          <a:prstGeom prst="rect">
+            <a:avLst/>
+          </a:prstGeom>
+          <a:ln>
+            <a:solidFill>
+              <a:schemeClr val="tx1"/>
+            </a:solidFill>
+          </a:ln>
+        </p:spPr>
+      </p:pic>
       <p:sp>
         <p:nvSpPr>
-          <p:cNvPr id="31" name="TextBox 30">
+          <p:cNvPr id="2" name="TextBox 1">
             <a:extLst>
               <a:ext uri="{FF2B5EF4-FFF2-40B4-BE49-F238E27FC236}">
-                <a16:creationId xmlns:a16="http://schemas.microsoft.com/office/drawing/2014/main" id="{4A1F699E-13E4-E0DF-1E54-AC33C9B1861D}"/>
+                <a16:creationId xmlns:a16="http://schemas.microsoft.com/office/drawing/2014/main" id="{D108878F-4C1C-2AED-CE1A-994D8C6300EF}"/>
               </a:ext>
             </a:extLst>
           </p:cNvPr>
@@ -24982,45 +23198,291 @@
         </p:nvSpPr>
         <p:spPr>
           <a:xfrm>
-            <a:off x="228600" y="24693027"/>
-            <a:ext cx="11887200" cy="2277547"/>
+            <a:off x="12573000" y="17355312"/>
+            <a:ext cx="9262872" cy="3511218"/>
           </a:xfrm>
           <a:prstGeom prst="rect">
             <a:avLst/>
           </a:prstGeom>
           <a:solidFill>
-            <a:srgbClr val="E8EFD9"/>
+            <a:srgbClr val="F2F6EA"/>
           </a:solidFill>
+          <a:ln w="12700">
+            <a:solidFill>
+              <a:schemeClr val="tx1"/>
+            </a:solidFill>
+          </a:ln>
+        </p:spPr>
+        <p:txBody>
+          <a:bodyPr wrap="square" lIns="274320" tIns="274320" rIns="274320" bIns="274320" anchor="ctr">
+            <a:spAutoFit/>
+          </a:bodyPr>
+          <a:lstStyle/>
+          <a:p>
+            <a:pPr marL="0" marR="0" lvl="0" indent="0" algn="l" defTabSz="914400" rtl="0" eaLnBrk="1" fontAlgn="auto" latinLnBrk="0" hangingPunct="1">
+              <a:lnSpc>
+                <a:spcPct val="100000"/>
+              </a:lnSpc>
+              <a:spcBef>
+                <a:spcPts val="0"/>
+              </a:spcBef>
+              <a:spcAft>
+                <a:spcPts val="500"/>
+              </a:spcAft>
+              <a:buClr>
+                <a:srgbClr val="000000"/>
+              </a:buClr>
+              <a:buSzTx/>
+              <a:buFont typeface="Arial"/>
+              <a:buNone/>
+              <a:tabLst/>
+              <a:defRPr/>
+            </a:pPr>
+            <a:r>
+              <a:rPr kumimoji="0" lang="en-US" sz="4000" b="1" i="0" u="none" strike="noStrike" kern="0" cap="none" spc="0" normalizeH="0" baseline="0" noProof="0" dirty="0">
+                <a:ln>
+                  <a:noFill/>
+                </a:ln>
+                <a:solidFill>
+                  <a:srgbClr val="616A4E"/>
+                </a:solidFill>
+                <a:effectLst/>
+                <a:uLnTx/>
+                <a:uFillTx/>
+                <a:latin typeface="Arial"/>
+                <a:ea typeface="Cascadia Mono SemiLight" panose="020B0609020000020004" pitchFamily="49" charset="0"/>
+                <a:cs typeface="Cascadia Mono SemiLight" panose="020B0609020000020004" pitchFamily="49" charset="0"/>
+                <a:sym typeface="Arial"/>
+              </a:rPr>
+              <a:t>The Effects of Environmental Variables </a:t>
+            </a:r>
+          </a:p>
+          <a:p>
+            <a:pPr marL="457200" marR="0" lvl="0" indent="-457200" algn="l" defTabSz="914400" rtl="0" eaLnBrk="1" fontAlgn="auto" latinLnBrk="0" hangingPunct="1">
+              <a:lnSpc>
+                <a:spcPct val="100000"/>
+              </a:lnSpc>
+              <a:spcBef>
+                <a:spcPts val="0"/>
+              </a:spcBef>
+              <a:spcAft>
+                <a:spcPts val="500"/>
+              </a:spcAft>
+              <a:buClr>
+                <a:srgbClr val="000000"/>
+              </a:buClr>
+              <a:buSzTx/>
+              <a:buFont typeface="Arial" panose="020B0604020202020204" pitchFamily="34" charset="0"/>
+              <a:buChar char="•"/>
+              <a:tabLst/>
+              <a:defRPr/>
+            </a:pPr>
+            <a:r>
+              <a:rPr kumimoji="0" lang="en-US" sz="3600" b="0" i="0" u="none" strike="noStrike" kern="0" cap="none" spc="0" normalizeH="0" baseline="0" noProof="0" dirty="0">
+                <a:ln>
+                  <a:noFill/>
+                </a:ln>
+                <a:solidFill>
+                  <a:srgbClr val="000000"/>
+                </a:solidFill>
+                <a:effectLst/>
+                <a:uLnTx/>
+                <a:uFillTx/>
+                <a:latin typeface="Arial"/>
+                <a:ea typeface="Cascadia Mono SemiLight" panose="020B0609020000020004" pitchFamily="49" charset="0"/>
+                <a:cs typeface="Cascadia Mono SemiLight" panose="020B0609020000020004" pitchFamily="49" charset="0"/>
+                <a:sym typeface="Arial"/>
+              </a:rPr>
+              <a:t>Juvenile (recently settled) barnacles </a:t>
+            </a:r>
+            <a:r>
+              <a:rPr lang="en-US" sz="3600" dirty="0">
+                <a:ea typeface="Cascadia Mono SemiLight" panose="020B0609020000020004" pitchFamily="49" charset="0"/>
+                <a:cs typeface="Cascadia Mono SemiLight" panose="020B0609020000020004" pitchFamily="49" charset="0"/>
+              </a:rPr>
+              <a:t>have higher survival </a:t>
+            </a:r>
+            <a:r>
+              <a:rPr kumimoji="0" lang="en-US" sz="3600" b="0" i="0" u="none" strike="noStrike" kern="0" cap="none" spc="0" normalizeH="0" baseline="0" noProof="0" dirty="0">
+                <a:ln>
+                  <a:noFill/>
+                </a:ln>
+                <a:solidFill>
+                  <a:srgbClr val="000000"/>
+                </a:solidFill>
+                <a:effectLst/>
+                <a:uLnTx/>
+                <a:uFillTx/>
+                <a:latin typeface="Arial"/>
+                <a:ea typeface="Cascadia Mono SemiLight" panose="020B0609020000020004" pitchFamily="49" charset="0"/>
+                <a:cs typeface="Cascadia Mono SemiLight" panose="020B0609020000020004" pitchFamily="49" charset="0"/>
+                <a:sym typeface="Arial"/>
+              </a:rPr>
+              <a:t>at moderate to high salinities</a:t>
+            </a:r>
+          </a:p>
+        </p:txBody>
+      </p:sp>
+      <p:sp>
+        <p:nvSpPr>
+          <p:cNvPr id="7" name="TextBox 6">
+            <a:extLst>
+              <a:ext uri="{FF2B5EF4-FFF2-40B4-BE49-F238E27FC236}">
+                <a16:creationId xmlns:a16="http://schemas.microsoft.com/office/drawing/2014/main" id="{84A23FC0-499A-6473-50C4-B0F84E5391A9}"/>
+              </a:ext>
+            </a:extLst>
+          </p:cNvPr>
+          <p:cNvSpPr txBox="1">
+            <a:spLocks/>
+          </p:cNvSpPr>
+          <p:nvPr/>
+        </p:nvSpPr>
+        <p:spPr>
+          <a:xfrm>
+            <a:off x="12573000" y="28221768"/>
+            <a:ext cx="9262872" cy="4522905"/>
+          </a:xfrm>
+          <a:prstGeom prst="rect">
+            <a:avLst/>
+          </a:prstGeom>
+          <a:solidFill>
+            <a:srgbClr val="F2F6EA"/>
+          </a:solidFill>
+          <a:ln w="12700">
+            <a:solidFill>
+              <a:schemeClr val="tx1"/>
+            </a:solidFill>
+          </a:ln>
+        </p:spPr>
+        <p:txBody>
+          <a:bodyPr wrap="square" lIns="274320" tIns="274320" rIns="274320" bIns="274320" anchor="ctr">
+            <a:noAutofit/>
+          </a:bodyPr>
+          <a:lstStyle/>
+          <a:p>
+            <a:pPr>
+              <a:spcAft>
+                <a:spcPts val="500"/>
+              </a:spcAft>
+            </a:pPr>
+            <a:r>
+              <a:rPr lang="en-US" sz="4000" b="1" dirty="0">
+                <a:solidFill>
+                  <a:srgbClr val="616A4E"/>
+                </a:solidFill>
+                <a:latin typeface="+mn-lt"/>
+                <a:ea typeface="Cascadia Mono SemiLight" panose="020B0609020000020004" pitchFamily="49" charset="0"/>
+                <a:cs typeface="Cascadia Mono SemiLight" panose="020B0609020000020004" pitchFamily="49" charset="0"/>
+              </a:rPr>
+              <a:t>Modeling Population Fitness</a:t>
+            </a:r>
+            <a:endParaRPr lang="en-US" sz="4000" dirty="0">
+              <a:solidFill>
+                <a:srgbClr val="616A4E"/>
+              </a:solidFill>
+              <a:effectLst/>
+              <a:latin typeface="+mn-lt"/>
+              <a:ea typeface="Cascadia Mono SemiLight" panose="020B0609020000020004" pitchFamily="49" charset="0"/>
+              <a:cs typeface="Cascadia Mono SemiLight" panose="020B0609020000020004" pitchFamily="49" charset="0"/>
+            </a:endParaRPr>
+          </a:p>
+          <a:p>
+            <a:pPr marL="457200" indent="-457200">
+              <a:spcAft>
+                <a:spcPts val="500"/>
+              </a:spcAft>
+              <a:buFont typeface="Arial" panose="020B0604020202020204" pitchFamily="34" charset="0"/>
+              <a:buChar char="•"/>
+            </a:pPr>
+            <a:r>
+              <a:rPr lang="en-US" sz="3600" dirty="0">
+                <a:solidFill>
+                  <a:schemeClr val="tx1"/>
+                </a:solidFill>
+                <a:latin typeface="+mn-lt"/>
+                <a:ea typeface="Cascadia Mono SemiLight" panose="020B0609020000020004" pitchFamily="49" charset="0"/>
+                <a:cs typeface="Cascadia Mono SemiLight" panose="020B0609020000020004" pitchFamily="49" charset="0"/>
+              </a:rPr>
+              <a:t>Density-Dependent Selection, Environmental Gradients, and Local Adaptation impact the fitness of our population</a:t>
+            </a:r>
+          </a:p>
+        </p:txBody>
+      </p:sp>
+      <p:pic>
+        <p:nvPicPr>
+          <p:cNvPr id="192" name="Picture 191" descr="A graph of a curve&#10;&#10;Description automatically generated">
+            <a:extLst>
+              <a:ext uri="{FF2B5EF4-FFF2-40B4-BE49-F238E27FC236}">
+                <a16:creationId xmlns:a16="http://schemas.microsoft.com/office/drawing/2014/main" id="{AF6080EE-7EB9-76C0-F14C-00DCFD4797A0}"/>
+              </a:ext>
+            </a:extLst>
+          </p:cNvPr>
+          <p:cNvPicPr>
+            <a:picLocks noChangeAspect="1"/>
+          </p:cNvPicPr>
+          <p:nvPr/>
+        </p:nvPicPr>
+        <p:blipFill>
+          <a:blip r:embed="rId16"/>
+          <a:stretch>
+            <a:fillRect/>
+          </a:stretch>
+        </p:blipFill>
+        <p:spPr>
+          <a:xfrm>
+            <a:off x="12573000" y="21022056"/>
+            <a:ext cx="9258318" cy="6912878"/>
+          </a:xfrm>
+          <a:prstGeom prst="rect">
+            <a:avLst/>
+          </a:prstGeom>
           <a:ln>
             <a:solidFill>
               <a:schemeClr val="tx1"/>
             </a:solidFill>
           </a:ln>
         </p:spPr>
-        <p:txBody>
-          <a:bodyPr wrap="square" lIns="320040" tIns="274320" rIns="320040" bIns="274320" rtlCol="0" anchor="ctr">
-            <a:spAutoFit/>
-          </a:bodyPr>
-          <a:lstStyle/>
-          <a:p>
-            <a:pPr algn="ctr"/>
-            <a:r>
-              <a:rPr lang="en-US" sz="5600" b="1" dirty="0">
-                <a:solidFill>
-                  <a:srgbClr val="616A4E"/>
-                </a:solidFill>
-              </a:rPr>
-              <a:t>How do we develop our simulation?</a:t>
-            </a:r>
-          </a:p>
-        </p:txBody>
-      </p:sp>
+      </p:pic>
+      <p:pic>
+        <p:nvPicPr>
+          <p:cNvPr id="196" name="Picture 195">
+            <a:extLst>
+              <a:ext uri="{FF2B5EF4-FFF2-40B4-BE49-F238E27FC236}">
+                <a16:creationId xmlns:a16="http://schemas.microsoft.com/office/drawing/2014/main" id="{05E03358-19C1-2BCA-728D-2959A20B0E3E}"/>
+              </a:ext>
+            </a:extLst>
+          </p:cNvPr>
+          <p:cNvPicPr>
+            <a:picLocks noChangeAspect="1"/>
+          </p:cNvPicPr>
+          <p:nvPr/>
+        </p:nvPicPr>
+        <p:blipFill rotWithShape="1">
+          <a:blip r:embed="rId17"/>
+          <a:srcRect t="385" b="385"/>
+          <a:stretch/>
+        </p:blipFill>
+        <p:spPr>
+          <a:xfrm>
+            <a:off x="22062195" y="16332636"/>
+            <a:ext cx="9262872" cy="9262872"/>
+          </a:xfrm>
+          <a:prstGeom prst="rect">
+            <a:avLst/>
+          </a:prstGeom>
+          <a:ln>
+            <a:solidFill>
+              <a:schemeClr val="tx1"/>
+            </a:solidFill>
+          </a:ln>
+        </p:spPr>
+      </p:pic>
       <p:sp>
         <p:nvSpPr>
-          <p:cNvPr id="34" name="TextBox 33">
+          <p:cNvPr id="201" name="TextBox 200">
             <a:extLst>
               <a:ext uri="{FF2B5EF4-FFF2-40B4-BE49-F238E27FC236}">
-                <a16:creationId xmlns:a16="http://schemas.microsoft.com/office/drawing/2014/main" id="{7CFCF7E1-8828-A8B2-6B24-918BCCC9DD8F}"/>
+                <a16:creationId xmlns:a16="http://schemas.microsoft.com/office/drawing/2014/main" id="{41311C5C-0F05-952E-DF7A-37A5C5B90FAA}"/>
               </a:ext>
             </a:extLst>
           </p:cNvPr>
@@ -25029,14 +23491,14 @@
         </p:nvSpPr>
         <p:spPr>
           <a:xfrm>
-            <a:off x="31775399" y="5943601"/>
-            <a:ext cx="11887197" cy="2898229"/>
+            <a:off x="31775400" y="5971336"/>
+            <a:ext cx="11887200" cy="2405787"/>
           </a:xfrm>
           <a:prstGeom prst="rect">
             <a:avLst/>
           </a:prstGeom>
           <a:solidFill>
-            <a:srgbClr val="E8EFD9"/>
+            <a:srgbClr val="F2F6EA"/>
           </a:solidFill>
           <a:ln w="12700">
             <a:solidFill>
@@ -25050,6 +23512,25 @@
           </a:bodyPr>
           <a:lstStyle/>
           <a:p>
+            <a:pPr>
+              <a:spcAft>
+                <a:spcPts val="500"/>
+              </a:spcAft>
+            </a:pPr>
+            <a:r>
+              <a:rPr lang="en-US" sz="4000" b="1" dirty="0">
+                <a:solidFill>
+                  <a:srgbClr val="616A4E"/>
+                </a:solidFill>
+                <a:effectLst/>
+                <a:latin typeface="+mn-lt"/>
+                <a:ea typeface="Cascadia Mono SemiLight" panose="020B0609020000020004" pitchFamily="49" charset="0"/>
+                <a:cs typeface="Cascadia Mono SemiLight" panose="020B0609020000020004" pitchFamily="49" charset="0"/>
+              </a:rPr>
+              <a:t>More Environmental Variables</a:t>
+            </a:r>
+          </a:p>
+          <a:p>
             <a:pPr marL="457200" indent="-457200">
               <a:spcAft>
                 <a:spcPts val="500"/>
@@ -25066,18 +23547,7 @@
                 <a:ea typeface="Cascadia Mono SemiLight" panose="020B0609020000020004" pitchFamily="49" charset="0"/>
                 <a:cs typeface="Cascadia Mono SemiLight" panose="020B0609020000020004" pitchFamily="49" charset="0"/>
               </a:rPr>
-              <a:t>Model the life cycle and reproduction of </a:t>
-            </a:r>
-            <a:r>
-              <a:rPr lang="en-US" sz="3600" i="1" dirty="0">
-                <a:solidFill>
-                  <a:schemeClr val="tx1"/>
-                </a:solidFill>
-                <a:latin typeface="+mn-lt"/>
-                <a:ea typeface="Cascadia Mono SemiLight" panose="020B0609020000020004" pitchFamily="49" charset="0"/>
-                <a:cs typeface="Cascadia Mono SemiLight" panose="020B0609020000020004" pitchFamily="49" charset="0"/>
-              </a:rPr>
-              <a:t>B. glandula </a:t>
+              <a:t>Add temperature in addition to salinity</a:t>
             </a:r>
           </a:p>
           <a:p>
@@ -25097,265 +23567,7 @@
                 <a:ea typeface="Cascadia Mono SemiLight" panose="020B0609020000020004" pitchFamily="49" charset="0"/>
                 <a:cs typeface="Cascadia Mono SemiLight" panose="020B0609020000020004" pitchFamily="49" charset="0"/>
               </a:rPr>
-              <a:t>Model the fitness effects of environmental variables</a:t>
-            </a:r>
-          </a:p>
-          <a:p>
-            <a:pPr marL="457200" indent="-457200">
-              <a:spcAft>
-                <a:spcPts val="500"/>
-              </a:spcAft>
-              <a:buFont typeface="Arial" panose="020B0604020202020204" pitchFamily="34" charset="0"/>
-              <a:buChar char="•"/>
-            </a:pPr>
-            <a:r>
-              <a:rPr lang="en-US" sz="3600" dirty="0">
-                <a:solidFill>
-                  <a:schemeClr val="tx1"/>
-                </a:solidFill>
-                <a:latin typeface="+mn-lt"/>
-                <a:ea typeface="Cascadia Mono SemiLight" panose="020B0609020000020004" pitchFamily="49" charset="0"/>
-                <a:cs typeface="Cascadia Mono SemiLight" panose="020B0609020000020004" pitchFamily="49" charset="0"/>
-              </a:rPr>
-              <a:t>Developed the platform to conduct research on </a:t>
-            </a:r>
-            <a:r>
-              <a:rPr lang="en-US" sz="3600" i="1" dirty="0">
-                <a:solidFill>
-                  <a:schemeClr val="tx1"/>
-                </a:solidFill>
-                <a:latin typeface="+mn-lt"/>
-                <a:ea typeface="Cascadia Mono SemiLight" panose="020B0609020000020004" pitchFamily="49" charset="0"/>
-                <a:cs typeface="Cascadia Mono SemiLight" panose="020B0609020000020004" pitchFamily="49" charset="0"/>
-              </a:rPr>
-              <a:t>B. glandula </a:t>
-            </a:r>
-            <a:r>
-              <a:rPr lang="en-US" sz="3600" dirty="0">
-                <a:solidFill>
-                  <a:schemeClr val="tx1"/>
-                </a:solidFill>
-                <a:latin typeface="+mn-lt"/>
-                <a:ea typeface="Cascadia Mono SemiLight" panose="020B0609020000020004" pitchFamily="49" charset="0"/>
-                <a:cs typeface="Cascadia Mono SemiLight" panose="020B0609020000020004" pitchFamily="49" charset="0"/>
-              </a:rPr>
-              <a:t>in estuarine settings</a:t>
-            </a:r>
-          </a:p>
-        </p:txBody>
-      </p:sp>
-      <p:sp>
-        <p:nvSpPr>
-          <p:cNvPr id="35" name="TextBox 34">
-            <a:extLst>
-              <a:ext uri="{FF2B5EF4-FFF2-40B4-BE49-F238E27FC236}">
-                <a16:creationId xmlns:a16="http://schemas.microsoft.com/office/drawing/2014/main" id="{1B6C9604-070B-96E3-D588-589B43D8202B}"/>
-              </a:ext>
-            </a:extLst>
-          </p:cNvPr>
-          <p:cNvSpPr txBox="1">
-            <a:spLocks/>
-          </p:cNvSpPr>
-          <p:nvPr/>
-        </p:nvSpPr>
-        <p:spPr>
-          <a:xfrm>
-            <a:off x="31775399" y="10168949"/>
-            <a:ext cx="11887200" cy="2277547"/>
-          </a:xfrm>
-          <a:prstGeom prst="rect">
-            <a:avLst/>
-          </a:prstGeom>
-          <a:solidFill>
-            <a:srgbClr val="E8EFD9"/>
-          </a:solidFill>
-          <a:ln>
-            <a:solidFill>
-              <a:schemeClr val="tx1"/>
-            </a:solidFill>
-          </a:ln>
-        </p:spPr>
-        <p:txBody>
-          <a:bodyPr wrap="square" lIns="320040" tIns="274320" rIns="320040" bIns="274320" rtlCol="0" anchor="t">
-            <a:spAutoFit/>
-          </a:bodyPr>
-          <a:lstStyle/>
-          <a:p>
-            <a:pPr algn="ctr"/>
-            <a:r>
-              <a:rPr lang="en-US" sz="5600" b="1" dirty="0">
-                <a:solidFill>
-                  <a:srgbClr val="616A4E"/>
-                </a:solidFill>
-              </a:rPr>
-              <a:t>Now that we have a working simulation, what comes next?</a:t>
-            </a:r>
-          </a:p>
-        </p:txBody>
-      </p:sp>
-      <p:cxnSp>
-        <p:nvCxnSpPr>
-          <p:cNvPr id="36" name="Google Shape;97;p1">
-            <a:extLst>
-              <a:ext uri="{FF2B5EF4-FFF2-40B4-BE49-F238E27FC236}">
-                <a16:creationId xmlns:a16="http://schemas.microsoft.com/office/drawing/2014/main" id="{37D1EC0A-E809-77AC-B11C-72154660D6A6}"/>
-              </a:ext>
-            </a:extLst>
-          </p:cNvPr>
-          <p:cNvCxnSpPr/>
-          <p:nvPr/>
-        </p:nvCxnSpPr>
-        <p:spPr>
-          <a:xfrm>
-            <a:off x="31546800" y="9766072"/>
-            <a:ext cx="12344400" cy="0"/>
-          </a:xfrm>
-          <a:prstGeom prst="straightConnector1">
-            <a:avLst/>
-          </a:prstGeom>
-          <a:noFill/>
-          <a:ln w="25400" cap="flat" cmpd="sng">
-            <a:solidFill>
-              <a:schemeClr val="dk1"/>
-            </a:solidFill>
-            <a:prstDash val="solid"/>
-            <a:round/>
-            <a:headEnd type="none" w="sm" len="sm"/>
-            <a:tailEnd type="none" w="sm" len="sm"/>
-          </a:ln>
-          <a:effectLst>
-            <a:outerShdw blurRad="40000" dist="20000" dir="5400000" rotWithShape="0">
-              <a:srgbClr val="000000">
-                <a:alpha val="36470"/>
-              </a:srgbClr>
-            </a:outerShdw>
-          </a:effectLst>
-        </p:spPr>
-      </p:cxnSp>
-      <p:pic>
-        <p:nvPicPr>
-          <p:cNvPr id="38" name="Picture 37">
-            <a:extLst>
-              <a:ext uri="{FF2B5EF4-FFF2-40B4-BE49-F238E27FC236}">
-                <a16:creationId xmlns:a16="http://schemas.microsoft.com/office/drawing/2014/main" id="{6299D172-E7B6-7473-84D9-5E30A2617E96}"/>
-              </a:ext>
-            </a:extLst>
-          </p:cNvPr>
-          <p:cNvPicPr>
-            <a:picLocks noChangeAspect="1"/>
-          </p:cNvPicPr>
-          <p:nvPr/>
-        </p:nvPicPr>
-        <p:blipFill>
-          <a:blip r:embed="rId24"/>
-          <a:stretch>
-            <a:fillRect/>
-          </a:stretch>
-        </p:blipFill>
-        <p:spPr>
-          <a:xfrm>
-            <a:off x="12957234" y="10060314"/>
-            <a:ext cx="8229600" cy="8229600"/>
-          </a:xfrm>
-          <a:prstGeom prst="rect">
-            <a:avLst/>
-          </a:prstGeom>
-        </p:spPr>
-      </p:pic>
-      <p:sp>
-        <p:nvSpPr>
-          <p:cNvPr id="42" name="TextBox 41">
-            <a:extLst>
-              <a:ext uri="{FF2B5EF4-FFF2-40B4-BE49-F238E27FC236}">
-                <a16:creationId xmlns:a16="http://schemas.microsoft.com/office/drawing/2014/main" id="{D0FC9A06-0773-6F5F-8AB3-E787E0903388}"/>
-              </a:ext>
-            </a:extLst>
-          </p:cNvPr>
-          <p:cNvSpPr txBox="1"/>
-          <p:nvPr/>
-        </p:nvSpPr>
-        <p:spPr>
-          <a:xfrm>
-            <a:off x="228600" y="27312988"/>
-            <a:ext cx="6168660" cy="5029200"/>
-          </a:xfrm>
-          <a:prstGeom prst="rect">
-            <a:avLst/>
-          </a:prstGeom>
-          <a:solidFill>
-            <a:srgbClr val="E8EFD9"/>
-          </a:solidFill>
-          <a:ln w="12700">
-            <a:solidFill>
-              <a:schemeClr val="tx1"/>
-            </a:solidFill>
-          </a:ln>
-        </p:spPr>
-        <p:txBody>
-          <a:bodyPr wrap="square" lIns="274320" tIns="274320" rIns="274320" bIns="274320">
-            <a:spAutoFit/>
-          </a:bodyPr>
-          <a:lstStyle/>
-          <a:p>
-            <a:pPr marL="571500" indent="-571500">
-              <a:spcAft>
-                <a:spcPts val="500"/>
-              </a:spcAft>
-              <a:buFont typeface="Arial" panose="020B0604020202020204" pitchFamily="34" charset="0"/>
-              <a:buChar char="•"/>
-            </a:pPr>
-            <a:r>
-              <a:rPr lang="en-US" sz="3600" dirty="0">
-                <a:solidFill>
-                  <a:schemeClr val="tx1"/>
-                </a:solidFill>
-                <a:latin typeface="+mn-lt"/>
-                <a:ea typeface="Cascadia Mono SemiLight" panose="020B0609020000020004" pitchFamily="49" charset="0"/>
-                <a:cs typeface="Cascadia Mono SemiLight" panose="020B0609020000020004" pitchFamily="49" charset="0"/>
-              </a:rPr>
-              <a:t>We use </a:t>
-            </a:r>
-            <a:r>
-              <a:rPr lang="en-US" sz="3600" dirty="0" err="1">
-                <a:solidFill>
-                  <a:schemeClr val="tx1"/>
-                </a:solidFill>
-                <a:latin typeface="+mn-lt"/>
-                <a:ea typeface="Cascadia Mono SemiLight" panose="020B0609020000020004" pitchFamily="49" charset="0"/>
-                <a:cs typeface="Cascadia Mono SemiLight" panose="020B0609020000020004" pitchFamily="49" charset="0"/>
-              </a:rPr>
-              <a:t>SLiM</a:t>
-            </a:r>
-            <a:r>
-              <a:rPr lang="en-US" sz="3600" dirty="0">
-                <a:solidFill>
-                  <a:schemeClr val="tx1"/>
-                </a:solidFill>
-                <a:latin typeface="+mn-lt"/>
-                <a:ea typeface="Cascadia Mono SemiLight" panose="020B0609020000020004" pitchFamily="49" charset="0"/>
-                <a:cs typeface="Cascadia Mono SemiLight" panose="020B0609020000020004" pitchFamily="49" charset="0"/>
-              </a:rPr>
-              <a:t>, a software developed by the Messer Lab, to build simulations</a:t>
-            </a:r>
-          </a:p>
-          <a:p>
-            <a:pPr marL="571500" indent="-571500">
-              <a:spcAft>
-                <a:spcPts val="500"/>
-              </a:spcAft>
-              <a:buFont typeface="Arial" panose="020B0604020202020204" pitchFamily="34" charset="0"/>
-              <a:buChar char="•"/>
-            </a:pPr>
-            <a:r>
-              <a:rPr lang="en-US" sz="3600" dirty="0">
-                <a:solidFill>
-                  <a:schemeClr val="tx1"/>
-                </a:solidFill>
-                <a:latin typeface="+mn-lt"/>
-                <a:ea typeface="Cascadia Mono SemiLight" panose="020B0609020000020004" pitchFamily="49" charset="0"/>
-                <a:cs typeface="Cascadia Mono SemiLight" panose="020B0609020000020004" pitchFamily="49" charset="0"/>
-              </a:rPr>
-              <a:t>Scan the QR code on the right to see this project’s GitHub repository </a:t>
+              <a:t>Add seasonal variation of environmental variables </a:t>
             </a:r>
           </a:p>
         </p:txBody>

--- a/Poster Files/Alex Bangs - Poster Current Draft.pptx
+++ b/Poster Files/Alex Bangs - Poster Current Draft.pptx
@@ -242,6 +242,15 @@
     </a:lvl9pPr>
   </p:defaultTextStyle>
   <p:extLst>
+    <p:ext uri="{521415D9-36F7-43E2-AB2F-B90AF26B5E84}">
+      <p14:sectionLst xmlns:p14="http://schemas.microsoft.com/office/powerpoint/2010/main">
+        <p14:section name="Untitled Section" id="{7D9FE6F5-5364-4438-88DD-886FE2CDFA83}">
+          <p14:sldIdLst>
+            <p14:sldId id="256"/>
+          </p14:sldIdLst>
+        </p14:section>
+      </p14:sectionLst>
+    </p:ext>
     <p:ext uri="{EFAFB233-063F-42B5-8137-9DF3F51BA10A}">
       <p15:sldGuideLst xmlns:p15="http://schemas.microsoft.com/office/powerpoint/2012/main">
         <p15:guide id="1" orient="horz" pos="10368">
@@ -260,7 +269,7 @@
       <p15:notesGuideLst xmlns:p15="http://schemas.microsoft.com/office/powerpoint/2012/main"/>
     </p:ext>
     <p:ext uri="http://customooxmlschemas.google.com/">
-      <go:slidesCustomData xmlns:go="http://customooxmlschemas.google.com/" xmlns:ahyp="http://schemas.microsoft.com/office/drawing/2018/hyperlinkcolor" xmlns:p15="http://schemas.microsoft.com/office/powerpoint/2012/main" xmlns:p14="http://schemas.microsoft.com/office/powerpoint/2010/main" xmlns:com="http://schemas.openxmlformats.org/drawingml/2006/compatibility" xmlns:pvml="urn:schemas-microsoft-com:office:powerpoint" xmlns:v="urn:schemas-microsoft-com:vml" xmlns:o="urn:schemas-microsoft-com:office:office" xmlns:dgm="http://schemas.openxmlformats.org/drawingml/2006/diagram" xmlns:c="http://schemas.openxmlformats.org/drawingml/2006/chart" xmlns:mv="urn:schemas-microsoft-com:mac:vml" xmlns:mc="http://schemas.openxmlformats.org/markup-compatibility/2006" xmlns="" r:id="rId8" roundtripDataSignature="AMtx7mi/h82vb4vaiyJxrkkTqy2IKs11OQ=="/>
+      <go:slidesCustomData xmlns="" xmlns:mc="http://schemas.openxmlformats.org/markup-compatibility/2006" xmlns:mv="urn:schemas-microsoft-com:mac:vml" xmlns:c="http://schemas.openxmlformats.org/drawingml/2006/chart" xmlns:dgm="http://schemas.openxmlformats.org/drawingml/2006/diagram" xmlns:o="urn:schemas-microsoft-com:office:office" xmlns:v="urn:schemas-microsoft-com:vml" xmlns:pvml="urn:schemas-microsoft-com:office:powerpoint" xmlns:com="http://schemas.openxmlformats.org/drawingml/2006/compatibility" xmlns:p14="http://schemas.microsoft.com/office/powerpoint/2010/main" xmlns:p15="http://schemas.microsoft.com/office/powerpoint/2012/main" xmlns:ahyp="http://schemas.microsoft.com/office/drawing/2018/hyperlinkcolor" xmlns:go="http://customooxmlschemas.google.com/" r:id="rId8" roundtripDataSignature="AMtx7mi/h82vb4vaiyJxrkkTqy2IKs11OQ=="/>
     </p:ext>
   </p:extLst>
 </p:presentation>
@@ -19895,36 +19904,170 @@
           <a:chExt cx="0" cy="0"/>
         </a:xfrm>
       </p:grpSpPr>
-      <p:pic>
-        <p:nvPicPr>
-          <p:cNvPr id="206" name="Picture 205" descr="A red and white map&#10;&#10;Description automatically generated">
+      <p:cxnSp>
+        <p:nvCxnSpPr>
+          <p:cNvPr id="25" name="Google Shape;98;p1">
             <a:extLst>
               <a:ext uri="{FF2B5EF4-FFF2-40B4-BE49-F238E27FC236}">
-                <a16:creationId xmlns:a16="http://schemas.microsoft.com/office/drawing/2014/main" id="{ED3AD138-2F0F-F5E5-B991-C862CC38757D}"/>
+                <a16:creationId xmlns:a16="http://schemas.microsoft.com/office/drawing/2014/main" id="{4C1337A3-BBFD-5B2C-00AF-35D9573EF437}"/>
               </a:ext>
             </a:extLst>
           </p:cNvPr>
-          <p:cNvPicPr>
-            <a:picLocks noChangeAspect="1"/>
-          </p:cNvPicPr>
+          <p:cNvCxnSpPr>
+            <a:cxnSpLocks/>
+          </p:cNvCxnSpPr>
           <p:nvPr/>
-        </p:nvPicPr>
-        <p:blipFill>
-          <a:blip r:embed="rId3"/>
-          <a:stretch>
-            <a:fillRect/>
-          </a:stretch>
-        </p:blipFill>
+        </p:nvCxnSpPr>
         <p:spPr>
-          <a:xfrm>
-            <a:off x="37828724" y="8531079"/>
-            <a:ext cx="5833872" cy="5833872"/>
+          <a:xfrm rot="5400000">
+            <a:off x="34471190" y="8990557"/>
+            <a:ext cx="457200" cy="0"/>
           </a:xfrm>
-          <a:prstGeom prst="rect">
+          <a:prstGeom prst="straightConnector1">
             <a:avLst/>
           </a:prstGeom>
+          <a:noFill/>
+          <a:ln w="12700" cap="flat" cmpd="sng">
+            <a:solidFill>
+              <a:schemeClr val="dk1"/>
+            </a:solidFill>
+            <a:prstDash val="solid"/>
+            <a:round/>
+            <a:headEnd type="none" w="sm" len="sm"/>
+            <a:tailEnd type="none" w="sm" len="sm"/>
+          </a:ln>
+          <a:effectLst>
+            <a:outerShdw blurRad="40000" dist="20000" dir="5400000" rotWithShape="0">
+              <a:srgbClr val="000000">
+                <a:alpha val="36470"/>
+              </a:srgbClr>
+            </a:outerShdw>
+          </a:effectLst>
         </p:spPr>
-      </p:pic>
+      </p:cxnSp>
+      <p:cxnSp>
+        <p:nvCxnSpPr>
+          <p:cNvPr id="29" name="Google Shape;98;p1">
+            <a:extLst>
+              <a:ext uri="{FF2B5EF4-FFF2-40B4-BE49-F238E27FC236}">
+                <a16:creationId xmlns:a16="http://schemas.microsoft.com/office/drawing/2014/main" id="{4D345503-8AE5-4EA8-C8A1-A272B88BF8BC}"/>
+              </a:ext>
+            </a:extLst>
+          </p:cNvPr>
+          <p:cNvCxnSpPr>
+            <a:cxnSpLocks/>
+          </p:cNvCxnSpPr>
+          <p:nvPr/>
+        </p:nvCxnSpPr>
+        <p:spPr>
+          <a:xfrm rot="5400000">
+            <a:off x="40511881" y="8990557"/>
+            <a:ext cx="457200" cy="0"/>
+          </a:xfrm>
+          <a:prstGeom prst="straightConnector1">
+            <a:avLst/>
+          </a:prstGeom>
+          <a:noFill/>
+          <a:ln w="12700" cap="flat" cmpd="sng">
+            <a:solidFill>
+              <a:schemeClr val="dk1"/>
+            </a:solidFill>
+            <a:prstDash val="solid"/>
+            <a:round/>
+            <a:headEnd type="none" w="sm" len="sm"/>
+            <a:tailEnd type="none" w="sm" len="sm"/>
+          </a:ln>
+          <a:effectLst>
+            <a:outerShdw blurRad="40000" dist="20000" dir="5400000" rotWithShape="0">
+              <a:srgbClr val="000000">
+                <a:alpha val="36470"/>
+              </a:srgbClr>
+            </a:outerShdw>
+          </a:effectLst>
+        </p:spPr>
+      </p:cxnSp>
+      <p:cxnSp>
+        <p:nvCxnSpPr>
+          <p:cNvPr id="23" name="Google Shape;98;p1">
+            <a:extLst>
+              <a:ext uri="{FF2B5EF4-FFF2-40B4-BE49-F238E27FC236}">
+                <a16:creationId xmlns:a16="http://schemas.microsoft.com/office/drawing/2014/main" id="{F235E7E4-E44E-B32E-C564-DC6E3EA700B1}"/>
+              </a:ext>
+            </a:extLst>
+          </p:cNvPr>
+          <p:cNvCxnSpPr>
+            <a:cxnSpLocks/>
+          </p:cNvCxnSpPr>
+          <p:nvPr/>
+        </p:nvCxnSpPr>
+        <p:spPr>
+          <a:xfrm rot="5400000">
+            <a:off x="21877875" y="29059639"/>
+            <a:ext cx="0" cy="457200"/>
+          </a:xfrm>
+          <a:prstGeom prst="straightConnector1">
+            <a:avLst/>
+          </a:prstGeom>
+          <a:noFill/>
+          <a:ln w="12700" cap="flat" cmpd="sng">
+            <a:solidFill>
+              <a:schemeClr val="dk1"/>
+            </a:solidFill>
+            <a:prstDash val="solid"/>
+            <a:round/>
+            <a:headEnd type="none" w="sm" len="sm"/>
+            <a:tailEnd type="none" w="sm" len="sm"/>
+          </a:ln>
+          <a:effectLst>
+            <a:outerShdw blurRad="40000" dist="20000" dir="5400000" rotWithShape="0">
+              <a:srgbClr val="000000">
+                <a:alpha val="36470"/>
+              </a:srgbClr>
+            </a:outerShdw>
+          </a:effectLst>
+        </p:spPr>
+      </p:cxnSp>
+      <p:cxnSp>
+        <p:nvCxnSpPr>
+          <p:cNvPr id="20" name="Google Shape;98;p1">
+            <a:extLst>
+              <a:ext uri="{FF2B5EF4-FFF2-40B4-BE49-F238E27FC236}">
+                <a16:creationId xmlns:a16="http://schemas.microsoft.com/office/drawing/2014/main" id="{F1F199A0-CA19-F9FD-DF5E-2F0D93622C40}"/>
+              </a:ext>
+            </a:extLst>
+          </p:cNvPr>
+          <p:cNvCxnSpPr>
+            <a:cxnSpLocks/>
+          </p:cNvCxnSpPr>
+          <p:nvPr/>
+        </p:nvCxnSpPr>
+        <p:spPr>
+          <a:xfrm rot="5400000">
+            <a:off x="16973559" y="21000890"/>
+            <a:ext cx="457200" cy="0"/>
+          </a:xfrm>
+          <a:prstGeom prst="straightConnector1">
+            <a:avLst/>
+          </a:prstGeom>
+          <a:noFill/>
+          <a:ln w="12700" cap="flat" cmpd="sng">
+            <a:solidFill>
+              <a:schemeClr val="dk1"/>
+            </a:solidFill>
+            <a:prstDash val="solid"/>
+            <a:round/>
+            <a:headEnd type="none" w="sm" len="sm"/>
+            <a:tailEnd type="none" w="sm" len="sm"/>
+          </a:ln>
+          <a:effectLst>
+            <a:outerShdw blurRad="40000" dist="20000" dir="5400000" rotWithShape="0">
+              <a:srgbClr val="000000">
+                <a:alpha val="36470"/>
+              </a:srgbClr>
+            </a:outerShdw>
+          </a:effectLst>
+        </p:spPr>
+      </p:cxnSp>
       <p:cxnSp>
         <p:nvCxnSpPr>
           <p:cNvPr id="219" name="Google Shape;98;p1">
@@ -20558,7 +20701,7 @@
             <p:nvPr/>
           </p:nvPicPr>
           <p:blipFill rotWithShape="1">
-            <a:blip r:embed="rId4"/>
+            <a:blip r:embed="rId3"/>
             <a:srcRect l="36237" t="4333" b="-75"/>
             <a:stretch/>
           </p:blipFill>
@@ -20677,7 +20820,7 @@
           <p:nvPr/>
         </p:nvPicPr>
         <p:blipFill>
-          <a:blip r:embed="rId5"/>
+          <a:blip r:embed="rId4"/>
           <a:srcRect l="7353" r="5862"/>
           <a:stretch/>
         </p:blipFill>
@@ -21041,7 +21184,7 @@
                 <a:cs typeface="Arial"/>
                 <a:sym typeface="Arial"/>
               </a:rPr>
-              <a:t>1</a:t>
+              <a:t>1,2</a:t>
             </a:r>
             <a:r>
               <a:rPr lang="en-US" sz="5000" i="0" u="none" strike="noStrike" cap="none" dirty="0">
@@ -21065,7 +21208,7 @@
                 <a:cs typeface="Arial"/>
                 <a:sym typeface="Arial"/>
               </a:rPr>
-              <a:t>1,2</a:t>
+              <a:t>1,3</a:t>
             </a:r>
             <a:endParaRPr sz="5000" i="0" u="none" strike="noStrike" cap="none" dirty="0">
               <a:solidFill>
@@ -21129,7 +21272,31 @@
                 <a:cs typeface="Arial"/>
                 <a:sym typeface="Arial"/>
               </a:rPr>
-              <a:t>2 </a:t>
+              <a:t>2</a:t>
+            </a:r>
+            <a:r>
+              <a:rPr lang="en-US" sz="3200" i="0" u="none" strike="noStrike" cap="none" dirty="0">
+                <a:solidFill>
+                  <a:schemeClr val="dk1"/>
+                </a:solidFill>
+                <a:latin typeface="Arial"/>
+                <a:ea typeface="Arial"/>
+                <a:cs typeface="Arial"/>
+                <a:sym typeface="Arial"/>
+              </a:rPr>
+              <a:t>a</a:t>
+            </a:r>
+            <a:r>
+              <a:rPr lang="en-US" sz="3200" i="0" u="none" strike="noStrike" cap="none" baseline="30000" dirty="0">
+                <a:solidFill>
+                  <a:schemeClr val="dk1"/>
+                </a:solidFill>
+                <a:latin typeface="Arial"/>
+                <a:ea typeface="Arial"/>
+                <a:cs typeface="Arial"/>
+                <a:sym typeface="Arial"/>
+              </a:rPr>
+              <a:t> </a:t>
             </a:r>
             <a:r>
               <a:rPr lang="en-US" sz="3200" i="0" u="none" strike="noStrike" cap="none" dirty="0">
@@ -21169,7 +21336,7 @@
           <p:nvPr/>
         </p:nvPicPr>
         <p:blipFill>
-          <a:blip r:embed="rId6"/>
+          <a:blip r:embed="rId5"/>
           <a:srcRect t="1" b="15698"/>
           <a:stretch/>
         </p:blipFill>
@@ -21241,7 +21408,7 @@
           <p:nvPr/>
         </p:nvPicPr>
         <p:blipFill rotWithShape="1">
-          <a:blip r:embed="rId7"/>
+          <a:blip r:embed="rId6"/>
           <a:srcRect r="297"/>
           <a:stretch/>
         </p:blipFill>
@@ -21399,10 +21566,10 @@
       </p:sp>
       <p:grpSp>
         <p:nvGrpSpPr>
-          <p:cNvPr id="220" name="Group 219">
+          <p:cNvPr id="158" name="Group 157">
             <a:extLst>
               <a:ext uri="{FF2B5EF4-FFF2-40B4-BE49-F238E27FC236}">
-                <a16:creationId xmlns:a16="http://schemas.microsoft.com/office/drawing/2014/main" id="{6CA89709-F71B-8E3C-5412-FEBBA9620998}"/>
+                <a16:creationId xmlns:a16="http://schemas.microsoft.com/office/drawing/2014/main" id="{808CCF02-E6C6-E681-D019-5CCB1524E8FB}"/>
               </a:ext>
             </a:extLst>
           </p:cNvPr>
@@ -21411,95 +21578,56 @@
         </p:nvGrpSpPr>
         <p:grpSpPr>
           <a:xfrm>
-            <a:off x="31546800" y="24250656"/>
-            <a:ext cx="12344400" cy="4428310"/>
-            <a:chOff x="31546800" y="24460200"/>
-            <a:chExt cx="12344400" cy="4218765"/>
+            <a:off x="31768534" y="24499964"/>
+            <a:ext cx="11887200" cy="4303638"/>
+            <a:chOff x="31953484" y="26517599"/>
+            <a:chExt cx="11887200" cy="4099992"/>
           </a:xfrm>
         </p:grpSpPr>
-        <p:grpSp>
-          <p:nvGrpSpPr>
-            <p:cNvPr id="158" name="Group 157">
-              <a:extLst>
-                <a:ext uri="{FF2B5EF4-FFF2-40B4-BE49-F238E27FC236}">
-                  <a16:creationId xmlns:a16="http://schemas.microsoft.com/office/drawing/2014/main" id="{808CCF02-E6C6-E681-D019-5CCB1524E8FB}"/>
-                </a:ext>
-              </a:extLst>
-            </p:cNvPr>
-            <p:cNvGrpSpPr/>
+        <p:sp>
+          <p:nvSpPr>
+            <p:cNvPr id="114" name="Google Shape;114;p1"/>
+            <p:cNvSpPr txBox="1"/>
             <p:nvPr/>
-          </p:nvGrpSpPr>
-          <p:grpSpPr>
+          </p:nvSpPr>
+          <p:spPr>
             <a:xfrm>
-              <a:off x="31768534" y="24697708"/>
-              <a:ext cx="11894062" cy="3981257"/>
-              <a:chOff x="31953484" y="26517599"/>
-              <a:chExt cx="11894062" cy="3981257"/>
+              <a:off x="31953484" y="27660599"/>
+              <a:ext cx="11887200" cy="2956992"/>
             </a:xfrm>
-          </p:grpSpPr>
-          <p:sp>
-            <p:nvSpPr>
-              <p:cNvPr id="96" name="Google Shape;96;p1"/>
-              <p:cNvSpPr txBox="1"/>
-              <p:nvPr/>
-            </p:nvSpPr>
-            <p:spPr>
-              <a:xfrm>
-                <a:off x="32874750" y="26517599"/>
-                <a:ext cx="10058400" cy="1143000"/>
-              </a:xfrm>
-              <a:prstGeom prst="rect">
-                <a:avLst/>
-              </a:prstGeom>
-              <a:solidFill>
-                <a:srgbClr val="FFFFFF"/>
-              </a:solidFill>
-              <a:ln w="9525" cap="flat" cmpd="sng">
-                <a:solidFill>
-                  <a:srgbClr val="FFFFFF"/>
-                </a:solidFill>
-                <a:prstDash val="solid"/>
-                <a:round/>
-                <a:headEnd type="none" w="sm" len="sm"/>
-                <a:tailEnd type="none" w="sm" len="sm"/>
-              </a:ln>
-            </p:spPr>
-            <p:txBody>
-              <a:bodyPr spcFirstLastPara="1" wrap="square" lIns="104475" tIns="52250" rIns="104475" bIns="52250" anchor="t" anchorCtr="0">
-                <a:noAutofit/>
-              </a:bodyPr>
-              <a:lstStyle/>
-              <a:p>
-                <a:pPr marL="0" marR="0" lvl="0" indent="0" algn="ctr" rtl="0">
-                  <a:lnSpc>
-                    <a:spcPct val="100000"/>
-                  </a:lnSpc>
-                  <a:spcBef>
-                    <a:spcPts val="0"/>
-                  </a:spcBef>
-                  <a:spcAft>
-                    <a:spcPts val="0"/>
-                  </a:spcAft>
-                  <a:buClr>
-                    <a:srgbClr val="000000"/>
-                  </a:buClr>
-                  <a:buSzPts val="6800"/>
-                  <a:buFont typeface="Arial"/>
-                  <a:buNone/>
-                </a:pPr>
-                <a:r>
-                  <a:rPr lang="en-US" sz="6800" b="1" i="0" u="none" strike="noStrike" cap="none" dirty="0">
-                    <a:solidFill>
-                      <a:srgbClr val="77933C"/>
-                    </a:solidFill>
-                    <a:latin typeface="Arial"/>
-                    <a:ea typeface="Arial"/>
-                    <a:cs typeface="Arial"/>
-                    <a:sym typeface="Arial"/>
-                  </a:rPr>
-                  <a:t>Acknowledgments</a:t>
-                </a:r>
-                <a:endParaRPr sz="2267" b="0" i="0" u="none" strike="noStrike" cap="none" dirty="0">
+            <a:prstGeom prst="rect">
+              <a:avLst/>
+            </a:prstGeom>
+            <a:noFill/>
+            <a:ln>
+              <a:noFill/>
+            </a:ln>
+          </p:spPr>
+          <p:txBody>
+            <a:bodyPr spcFirstLastPara="1" wrap="square" lIns="91425" tIns="45700" rIns="91425" bIns="45700" anchor="t" anchorCtr="0">
+              <a:normAutofit fontScale="92500" lnSpcReduction="20000"/>
+            </a:bodyPr>
+            <a:lstStyle/>
+            <a:p>
+              <a:pPr marL="342900" marR="0" lvl="0" indent="-342900" algn="l" rtl="0">
+                <a:lnSpc>
+                  <a:spcPct val="100000"/>
+                </a:lnSpc>
+                <a:spcBef>
+                  <a:spcPts val="0"/>
+                </a:spcBef>
+                <a:spcAft>
+                  <a:spcPts val="600"/>
+                </a:spcAft>
+                <a:buClr>
+                  <a:srgbClr val="000000"/>
+                </a:buClr>
+                <a:buSzPts val="1800"/>
+                <a:buFont typeface="Arial" panose="020B0604020202020204" pitchFamily="34" charset="0"/>
+                <a:buChar char="•"/>
+              </a:pPr>
+              <a:r>
+                <a:rPr lang="en-US" sz="2400" b="0" i="0" u="none" strike="noStrike" cap="none" dirty="0">
                   <a:solidFill>
                     <a:schemeClr val="dk1"/>
                   </a:solidFill>
@@ -21507,59 +21635,11 @@
                   <a:ea typeface="Arial"/>
                   <a:cs typeface="Arial"/>
                   <a:sym typeface="Arial"/>
-                </a:endParaRPr>
-              </a:p>
-            </p:txBody>
-          </p:sp>
-          <p:sp>
-            <p:nvSpPr>
-              <p:cNvPr id="105" name="Google Shape;105;p1"/>
-              <p:cNvSpPr/>
-              <p:nvPr/>
-            </p:nvSpPr>
-            <p:spPr>
-              <a:xfrm>
-                <a:off x="32883600" y="27660600"/>
-                <a:ext cx="10040700" cy="1828800"/>
-              </a:xfrm>
-              <a:prstGeom prst="rect">
-                <a:avLst/>
-              </a:prstGeom>
-              <a:noFill/>
-              <a:ln w="9525" cap="flat" cmpd="sng">
-                <a:solidFill>
-                  <a:srgbClr val="D8D8D8"/>
-                </a:solidFill>
-                <a:prstDash val="solid"/>
-                <a:round/>
-                <a:headEnd type="none" w="sm" len="sm"/>
-                <a:tailEnd type="none" w="sm" len="sm"/>
-              </a:ln>
-            </p:spPr>
-            <p:txBody>
-              <a:bodyPr spcFirstLastPara="1" wrap="square" lIns="91425" tIns="45700" rIns="91425" bIns="45700" anchor="ctr" anchorCtr="0">
-                <a:noAutofit/>
-              </a:bodyPr>
-              <a:lstStyle/>
-              <a:p>
-                <a:pPr marL="0" marR="0" lvl="0" indent="0" algn="ctr" rtl="0">
-                  <a:lnSpc>
-                    <a:spcPct val="100000"/>
-                  </a:lnSpc>
-                  <a:spcBef>
-                    <a:spcPts val="0"/>
-                  </a:spcBef>
-                  <a:spcAft>
-                    <a:spcPts val="0"/>
-                  </a:spcAft>
-                  <a:buClr>
-                    <a:srgbClr val="000000"/>
-                  </a:buClr>
-                  <a:buSzPts val="13950"/>
-                  <a:buFont typeface="Arial"/>
-                  <a:buNone/>
-                </a:pPr>
-                <a:endParaRPr sz="13950" b="0" i="0" u="none" strike="noStrike" cap="none">
+                </a:rPr>
+                <a:t>Thank you to Erin Jesuit of the </a:t>
+              </a:r>
+              <a:r>
+                <a:rPr lang="en-US" sz="2400" b="0" i="0" u="none" strike="noStrike" cap="none" dirty="0" err="1">
                   <a:solidFill>
                     <a:schemeClr val="dk1"/>
                   </a:solidFill>
@@ -21567,161 +21647,11 @@
                   <a:ea typeface="Arial"/>
                   <a:cs typeface="Arial"/>
                   <a:sym typeface="Arial"/>
-                </a:endParaRPr>
-              </a:p>
-            </p:txBody>
-          </p:sp>
-          <p:sp>
-            <p:nvSpPr>
-              <p:cNvPr id="114" name="Google Shape;114;p1"/>
-              <p:cNvSpPr txBox="1"/>
-              <p:nvPr/>
-            </p:nvSpPr>
-            <p:spPr>
-              <a:xfrm>
-                <a:off x="31953484" y="27660599"/>
-                <a:ext cx="11894062" cy="2838257"/>
-              </a:xfrm>
-              <a:prstGeom prst="rect">
-                <a:avLst/>
-              </a:prstGeom>
-              <a:noFill/>
-              <a:ln>
-                <a:noFill/>
-              </a:ln>
-            </p:spPr>
-            <p:txBody>
-              <a:bodyPr spcFirstLastPara="1" wrap="square" lIns="91425" tIns="45700" rIns="91425" bIns="45700" anchor="t" anchorCtr="0">
-                <a:noAutofit/>
-              </a:bodyPr>
-              <a:lstStyle/>
-              <a:p>
-                <a:pPr marL="0" marR="0" lvl="0" indent="0" algn="l" rtl="0">
-                  <a:lnSpc>
-                    <a:spcPct val="100000"/>
-                  </a:lnSpc>
-                  <a:spcBef>
-                    <a:spcPts val="0"/>
-                  </a:spcBef>
-                  <a:spcAft>
-                    <a:spcPts val="0"/>
-                  </a:spcAft>
-                  <a:buClr>
-                    <a:srgbClr val="000000"/>
-                  </a:buClr>
-                  <a:buSzPts val="1800"/>
-                  <a:buFont typeface="Arial"/>
-                  <a:buNone/>
-                </a:pPr>
-                <a:r>
-                  <a:rPr lang="en-US" sz="2400" b="0" i="0" u="none" strike="noStrike" cap="none" dirty="0">
-                    <a:solidFill>
-                      <a:schemeClr val="dk1"/>
-                    </a:solidFill>
-                    <a:latin typeface="Arial"/>
-                    <a:ea typeface="Arial"/>
-                    <a:cs typeface="Arial"/>
-                    <a:sym typeface="Arial"/>
-                  </a:rPr>
-                  <a:t>Thank you to Erin Jesuit of the </a:t>
-                </a:r>
-                <a:r>
-                  <a:rPr lang="en-US" sz="2400" b="0" i="0" u="none" strike="noStrike" cap="none" dirty="0" err="1">
-                    <a:solidFill>
-                      <a:schemeClr val="dk1"/>
-                    </a:solidFill>
-                    <a:latin typeface="Arial"/>
-                    <a:ea typeface="Arial"/>
-                    <a:cs typeface="Arial"/>
-                    <a:sym typeface="Arial"/>
-                  </a:rPr>
-                  <a:t>VonDassow</a:t>
-                </a:r>
-                <a:r>
-                  <a:rPr lang="en-US" sz="2400" b="0" i="0" u="none" strike="noStrike" cap="none" dirty="0">
-                    <a:solidFill>
-                      <a:schemeClr val="dk1"/>
-                    </a:solidFill>
-                    <a:latin typeface="Arial"/>
-                    <a:ea typeface="Arial"/>
-                    <a:cs typeface="Arial"/>
-                    <a:sym typeface="Arial"/>
-                  </a:rPr>
-                  <a:t> Lab at OIMB for your help collecting and analyzing </a:t>
-                </a:r>
-                <a:r>
-                  <a:rPr lang="en-US" sz="2400" b="0" i="1" u="none" strike="noStrike" cap="none" dirty="0">
-                    <a:solidFill>
-                      <a:schemeClr val="dk1"/>
-                    </a:solidFill>
-                    <a:latin typeface="Arial"/>
-                    <a:ea typeface="Arial"/>
-                    <a:cs typeface="Arial"/>
-                    <a:sym typeface="Arial"/>
-                  </a:rPr>
-                  <a:t>B. glandula</a:t>
-                </a:r>
-                <a:r>
-                  <a:rPr lang="en-US" sz="2400" b="0" u="none" strike="noStrike" cap="none" dirty="0">
-                    <a:solidFill>
-                      <a:schemeClr val="dk1"/>
-                    </a:solidFill>
-                    <a:latin typeface="Arial"/>
-                    <a:ea typeface="Arial"/>
-                    <a:cs typeface="Arial"/>
-                    <a:sym typeface="Arial"/>
-                  </a:rPr>
-                  <a:t> samples. To Dave Sutherland for providing environmental models of Coos Bay, OR, produced by the Sutherland Lab. To </a:t>
-                </a:r>
-                <a:r>
-                  <a:rPr lang="en-US" sz="2400" b="0" i="0" u="none" strike="noStrike" cap="none" dirty="0">
-                    <a:solidFill>
-                      <a:schemeClr val="dk1"/>
-                    </a:solidFill>
-                    <a:latin typeface="Arial"/>
-                    <a:ea typeface="Arial"/>
-                    <a:cs typeface="Arial"/>
-                    <a:sym typeface="Arial"/>
-                  </a:rPr>
-                  <a:t>the entirety of the Kern Ralph Co-Lab for being a wonderful group to collaborate and research with. To Ben Haller and Philipp Messer for the development </a:t>
-                </a:r>
-                <a:r>
-                  <a:rPr lang="en-US" sz="2400" dirty="0">
-                    <a:solidFill>
-                      <a:schemeClr val="dk1"/>
-                    </a:solidFill>
-                  </a:rPr>
-                  <a:t>of </a:t>
-                </a:r>
-                <a:r>
-                  <a:rPr lang="en-US" sz="2400" dirty="0" err="1">
-                    <a:solidFill>
-                      <a:schemeClr val="dk1"/>
-                    </a:solidFill>
-                  </a:rPr>
-                  <a:t>SLiM</a:t>
-                </a:r>
-                <a:r>
-                  <a:rPr lang="en-US" sz="2400" dirty="0">
-                    <a:solidFill>
-                      <a:schemeClr val="dk1"/>
-                    </a:solidFill>
-                  </a:rPr>
-                  <a:t>: An Evolutionary Simulation Framework. </a:t>
-                </a:r>
-                <a:r>
-                  <a:rPr lang="en-US" sz="2400" b="0" i="0" u="none" strike="noStrike" cap="none" dirty="0">
-                    <a:solidFill>
-                      <a:schemeClr val="dk1"/>
-                    </a:solidFill>
-                    <a:latin typeface="Arial"/>
-                    <a:ea typeface="Arial"/>
-                    <a:cs typeface="Arial"/>
-                    <a:sym typeface="Arial"/>
-                  </a:rPr>
-                  <a:t>And to the University of Oregon Summer Program for Undergraduate Research and the Mary G. Alden Fellowship for the opportunity to pursue summer research.</a:t>
-                </a:r>
-                <a:endParaRPr sz="2400" b="0" i="0" u="none" strike="noStrike" cap="none" dirty="0">
+                </a:rPr>
+                <a:t>VonDassow</a:t>
+              </a:r>
+              <a:r>
+                <a:rPr lang="en-US" sz="2400" b="0" i="0" u="none" strike="noStrike" cap="none" dirty="0">
                   <a:solidFill>
                     <a:schemeClr val="dk1"/>
                   </a:solidFill>
@@ -21729,125 +21659,266 @@
                   <a:ea typeface="Arial"/>
                   <a:cs typeface="Arial"/>
                   <a:sym typeface="Arial"/>
-                </a:endParaRPr>
-              </a:p>
-            </p:txBody>
-          </p:sp>
-        </p:grpSp>
-        <p:cxnSp>
-          <p:nvCxnSpPr>
-            <p:cNvPr id="148" name="Google Shape;97;p1">
-              <a:extLst>
-                <a:ext uri="{FF2B5EF4-FFF2-40B4-BE49-F238E27FC236}">
-                  <a16:creationId xmlns:a16="http://schemas.microsoft.com/office/drawing/2014/main" id="{88B21156-FAE5-A48F-2424-C5492DBA0907}"/>
-                </a:ext>
-              </a:extLst>
-            </p:cNvPr>
-            <p:cNvCxnSpPr/>
-            <p:nvPr/>
-          </p:nvCxnSpPr>
-          <p:spPr>
-            <a:xfrm>
-              <a:off x="31546800" y="24460200"/>
-              <a:ext cx="12344400" cy="0"/>
-            </a:xfrm>
-            <a:prstGeom prst="straightConnector1">
-              <a:avLst/>
-            </a:prstGeom>
-            <a:noFill/>
-            <a:ln w="25400" cap="flat" cmpd="sng">
-              <a:solidFill>
-                <a:schemeClr val="dk1"/>
-              </a:solidFill>
-              <a:prstDash val="solid"/>
-              <a:round/>
-              <a:headEnd type="none" w="sm" len="sm"/>
-              <a:tailEnd type="none" w="sm" len="sm"/>
-            </a:ln>
-            <a:effectLst>
-              <a:outerShdw blurRad="40000" dist="20000" dir="5400000" rotWithShape="0">
-                <a:srgbClr val="000000">
-                  <a:alpha val="36470"/>
-                </a:srgbClr>
-              </a:outerShdw>
-            </a:effectLst>
-          </p:spPr>
-        </p:cxnSp>
-      </p:grpSp>
-      <p:cxnSp>
-        <p:nvCxnSpPr>
-          <p:cNvPr id="150" name="Google Shape;97;p1">
-            <a:extLst>
-              <a:ext uri="{FF2B5EF4-FFF2-40B4-BE49-F238E27FC236}">
-                <a16:creationId xmlns:a16="http://schemas.microsoft.com/office/drawing/2014/main" id="{634446FE-9F35-55A5-80FF-45EDDF19EED1}"/>
-              </a:ext>
-            </a:extLst>
-          </p:cNvPr>
-          <p:cNvCxnSpPr/>
-          <p:nvPr/>
-        </p:nvCxnSpPr>
-        <p:spPr>
-          <a:xfrm>
-            <a:off x="31546800" y="28803600"/>
-            <a:ext cx="12344400" cy="0"/>
-          </a:xfrm>
-          <a:prstGeom prst="straightConnector1">
-            <a:avLst/>
-          </a:prstGeom>
-          <a:noFill/>
-          <a:ln w="25400" cap="flat" cmpd="sng">
-            <a:solidFill>
-              <a:schemeClr val="dk1"/>
-            </a:solidFill>
-            <a:prstDash val="solid"/>
-            <a:round/>
-            <a:headEnd type="none" w="sm" len="sm"/>
-            <a:tailEnd type="none" w="sm" len="sm"/>
-          </a:ln>
-          <a:effectLst>
-            <a:outerShdw blurRad="40000" dist="20000" dir="5400000" rotWithShape="0">
-              <a:srgbClr val="000000">
-                <a:alpha val="36470"/>
-              </a:srgbClr>
-            </a:outerShdw>
-          </a:effectLst>
-        </p:spPr>
-      </p:cxnSp>
-      <p:grpSp>
-        <p:nvGrpSpPr>
-          <p:cNvPr id="157" name="Group 156">
-            <a:extLst>
-              <a:ext uri="{FF2B5EF4-FFF2-40B4-BE49-F238E27FC236}">
-                <a16:creationId xmlns:a16="http://schemas.microsoft.com/office/drawing/2014/main" id="{4596EA19-3F70-21AF-1C99-78574F6137A5}"/>
-              </a:ext>
-            </a:extLst>
-          </p:cNvPr>
-          <p:cNvGrpSpPr/>
-          <p:nvPr/>
-        </p:nvGrpSpPr>
-        <p:grpSpPr>
-          <a:xfrm>
-            <a:off x="32689800" y="28928228"/>
-            <a:ext cx="10058400" cy="3816446"/>
-            <a:chOff x="33229800" y="26669999"/>
-            <a:chExt cx="10131900" cy="4134485"/>
-          </a:xfrm>
-        </p:grpSpPr>
+                </a:rPr>
+                <a:t> Lab at OIMB for your help collecting and analyzing </a:t>
+              </a:r>
+              <a:r>
+                <a:rPr lang="en-US" sz="2400" b="0" i="1" u="none" strike="noStrike" cap="none" dirty="0">
+                  <a:solidFill>
+                    <a:schemeClr val="dk1"/>
+                  </a:solidFill>
+                  <a:latin typeface="Arial"/>
+                  <a:ea typeface="Arial"/>
+                  <a:cs typeface="Arial"/>
+                  <a:sym typeface="Arial"/>
+                </a:rPr>
+                <a:t>B. glandula</a:t>
+              </a:r>
+              <a:r>
+                <a:rPr lang="en-US" sz="2400" b="0" u="none" strike="noStrike" cap="none" dirty="0">
+                  <a:solidFill>
+                    <a:schemeClr val="dk1"/>
+                  </a:solidFill>
+                  <a:latin typeface="Arial"/>
+                  <a:ea typeface="Arial"/>
+                  <a:cs typeface="Arial"/>
+                  <a:sym typeface="Arial"/>
+                </a:rPr>
+                <a:t> samples. </a:t>
+              </a:r>
+            </a:p>
+            <a:p>
+              <a:pPr marL="342900" marR="0" lvl="0" indent="-342900" algn="l" rtl="0">
+                <a:lnSpc>
+                  <a:spcPct val="100000"/>
+                </a:lnSpc>
+                <a:spcBef>
+                  <a:spcPts val="0"/>
+                </a:spcBef>
+                <a:spcAft>
+                  <a:spcPts val="600"/>
+                </a:spcAft>
+                <a:buClr>
+                  <a:srgbClr val="000000"/>
+                </a:buClr>
+                <a:buSzPts val="1800"/>
+                <a:buFont typeface="Arial" panose="020B0604020202020204" pitchFamily="34" charset="0"/>
+                <a:buChar char="•"/>
+              </a:pPr>
+              <a:r>
+                <a:rPr lang="en-US" sz="2400" b="0" u="none" strike="noStrike" cap="none" dirty="0">
+                  <a:solidFill>
+                    <a:schemeClr val="dk1"/>
+                  </a:solidFill>
+                  <a:latin typeface="Arial"/>
+                  <a:ea typeface="Arial"/>
+                  <a:cs typeface="Arial"/>
+                  <a:sym typeface="Arial"/>
+                </a:rPr>
+                <a:t>To Dave Sutherland for providing environmental models of Coos Bay, OR</a:t>
+              </a:r>
+              <a:r>
+                <a:rPr lang="en-US" sz="2400" dirty="0">
+                  <a:solidFill>
+                    <a:schemeClr val="dk1"/>
+                  </a:solidFill>
+                </a:rPr>
+                <a:t>.</a:t>
+              </a:r>
+              <a:endParaRPr lang="en-US" sz="2400" b="0" u="none" strike="noStrike" cap="none" dirty="0">
+                <a:solidFill>
+                  <a:schemeClr val="dk1"/>
+                </a:solidFill>
+                <a:latin typeface="Arial"/>
+                <a:ea typeface="Arial"/>
+                <a:cs typeface="Arial"/>
+                <a:sym typeface="Arial"/>
+              </a:endParaRPr>
+            </a:p>
+            <a:p>
+              <a:pPr marL="342900" marR="0" lvl="0" indent="-342900" algn="l" rtl="0">
+                <a:lnSpc>
+                  <a:spcPct val="100000"/>
+                </a:lnSpc>
+                <a:spcBef>
+                  <a:spcPts val="0"/>
+                </a:spcBef>
+                <a:spcAft>
+                  <a:spcPts val="600"/>
+                </a:spcAft>
+                <a:buClr>
+                  <a:srgbClr val="000000"/>
+                </a:buClr>
+                <a:buSzPts val="1800"/>
+                <a:buFont typeface="Arial" panose="020B0604020202020204" pitchFamily="34" charset="0"/>
+                <a:buChar char="•"/>
+              </a:pPr>
+              <a:r>
+                <a:rPr lang="en-US" sz="2400" b="0" u="none" strike="noStrike" cap="none" dirty="0">
+                  <a:solidFill>
+                    <a:schemeClr val="dk1"/>
+                  </a:solidFill>
+                  <a:latin typeface="Arial"/>
+                  <a:ea typeface="Arial"/>
+                  <a:cs typeface="Arial"/>
+                  <a:sym typeface="Arial"/>
+                </a:rPr>
+                <a:t>To </a:t>
+              </a:r>
+              <a:r>
+                <a:rPr lang="en-US" sz="2400" b="0" i="0" u="none" strike="noStrike" cap="none" dirty="0">
+                  <a:solidFill>
+                    <a:schemeClr val="dk1"/>
+                  </a:solidFill>
+                  <a:latin typeface="Arial"/>
+                  <a:ea typeface="Arial"/>
+                  <a:cs typeface="Arial"/>
+                  <a:sym typeface="Arial"/>
+                </a:rPr>
+                <a:t>the Kern Ralph Co-Lab for being a wonderful group to collaborate and learn with.</a:t>
+              </a:r>
+            </a:p>
+            <a:p>
+              <a:pPr marL="342900" marR="0" lvl="0" indent="-342900" algn="l" rtl="0">
+                <a:lnSpc>
+                  <a:spcPct val="100000"/>
+                </a:lnSpc>
+                <a:spcBef>
+                  <a:spcPts val="0"/>
+                </a:spcBef>
+                <a:spcAft>
+                  <a:spcPts val="600"/>
+                </a:spcAft>
+                <a:buClr>
+                  <a:srgbClr val="000000"/>
+                </a:buClr>
+                <a:buSzPts val="1800"/>
+                <a:buFont typeface="Arial" panose="020B0604020202020204" pitchFamily="34" charset="0"/>
+                <a:buChar char="•"/>
+              </a:pPr>
+              <a:r>
+                <a:rPr lang="en-US" sz="2400" b="0" i="0" u="none" strike="noStrike" cap="none" dirty="0">
+                  <a:solidFill>
+                    <a:schemeClr val="dk1"/>
+                  </a:solidFill>
+                  <a:latin typeface="Arial"/>
+                  <a:ea typeface="Arial"/>
+                  <a:cs typeface="Arial"/>
+                  <a:sym typeface="Arial"/>
+                </a:rPr>
+                <a:t>To Ben Haller and Philipp Messer for the development </a:t>
+              </a:r>
+              <a:r>
+                <a:rPr lang="en-US" sz="2400" dirty="0">
+                  <a:solidFill>
+                    <a:schemeClr val="dk1"/>
+                  </a:solidFill>
+                </a:rPr>
+                <a:t>of </a:t>
+              </a:r>
+              <a:r>
+                <a:rPr lang="en-US" sz="2400" dirty="0" err="1">
+                  <a:solidFill>
+                    <a:schemeClr val="dk1"/>
+                  </a:solidFill>
+                </a:rPr>
+                <a:t>SLiM</a:t>
+              </a:r>
+              <a:r>
+                <a:rPr lang="en-US" sz="2400" dirty="0">
+                  <a:solidFill>
+                    <a:schemeClr val="dk1"/>
+                  </a:solidFill>
+                </a:rPr>
+                <a:t>: An Evolutionary Simulation Framework. </a:t>
+              </a:r>
+            </a:p>
+            <a:p>
+              <a:pPr marL="342900" marR="0" lvl="0" indent="-342900" algn="l" rtl="0">
+                <a:lnSpc>
+                  <a:spcPct val="100000"/>
+                </a:lnSpc>
+                <a:spcBef>
+                  <a:spcPts val="0"/>
+                </a:spcBef>
+                <a:spcAft>
+                  <a:spcPts val="600"/>
+                </a:spcAft>
+                <a:buClr>
+                  <a:srgbClr val="000000"/>
+                </a:buClr>
+                <a:buSzPts val="1800"/>
+                <a:buFont typeface="Arial" panose="020B0604020202020204" pitchFamily="34" charset="0"/>
+                <a:buChar char="•"/>
+              </a:pPr>
+              <a:r>
+                <a:rPr lang="en-US" sz="2400" dirty="0">
+                  <a:solidFill>
+                    <a:schemeClr val="dk1"/>
+                  </a:solidFill>
+                </a:rPr>
+                <a:t>T</a:t>
+              </a:r>
+              <a:r>
+                <a:rPr lang="en-US" sz="2400" b="0" i="0" u="none" strike="noStrike" cap="none" dirty="0">
+                  <a:solidFill>
+                    <a:schemeClr val="dk1"/>
+                  </a:solidFill>
+                  <a:latin typeface="Arial"/>
+                  <a:ea typeface="Arial"/>
+                  <a:cs typeface="Arial"/>
+                  <a:sym typeface="Arial"/>
+                </a:rPr>
+                <a:t>o the University of Oregon Summer Program for Undergraduate Research and the Mary G. Alden Fellowship for the funding to pursue summer research.</a:t>
+              </a:r>
+            </a:p>
+            <a:p>
+              <a:pPr marL="342900" marR="0" lvl="0" indent="-342900" algn="l" rtl="0">
+                <a:lnSpc>
+                  <a:spcPct val="100000"/>
+                </a:lnSpc>
+                <a:spcBef>
+                  <a:spcPts val="0"/>
+                </a:spcBef>
+                <a:spcAft>
+                  <a:spcPts val="600"/>
+                </a:spcAft>
+                <a:buClr>
+                  <a:srgbClr val="000000"/>
+                </a:buClr>
+                <a:buSzPts val="1800"/>
+                <a:buFont typeface="Arial" panose="020B0604020202020204" pitchFamily="34" charset="0"/>
+                <a:buChar char="•"/>
+              </a:pPr>
+              <a:r>
+                <a:rPr lang="en-US" sz="2400" dirty="0">
+                  <a:solidFill>
+                    <a:schemeClr val="dk1"/>
+                  </a:solidFill>
+                </a:rPr>
+                <a:t>And to ASM for providing a travel award to attend ABRCMS 2024</a:t>
+              </a:r>
+              <a:endParaRPr sz="2400" b="0" i="0" u="none" strike="noStrike" cap="none" dirty="0">
+                <a:solidFill>
+                  <a:schemeClr val="dk1"/>
+                </a:solidFill>
+                <a:latin typeface="Arial"/>
+                <a:ea typeface="Arial"/>
+                <a:cs typeface="Arial"/>
+                <a:sym typeface="Arial"/>
+              </a:endParaRPr>
+            </a:p>
+          </p:txBody>
+        </p:sp>
         <p:sp>
           <p:nvSpPr>
-            <p:cNvPr id="153" name="Google Shape;96;p1">
-              <a:extLst>
-                <a:ext uri="{FF2B5EF4-FFF2-40B4-BE49-F238E27FC236}">
-                  <a16:creationId xmlns:a16="http://schemas.microsoft.com/office/drawing/2014/main" id="{31FBF473-4E2F-0DFE-912B-26CFEC75EDC7}"/>
-                </a:ext>
-              </a:extLst>
-            </p:cNvPr>
+            <p:cNvPr id="96" name="Google Shape;96;p1"/>
             <p:cNvSpPr txBox="1"/>
             <p:nvPr/>
           </p:nvSpPr>
           <p:spPr>
             <a:xfrm>
-              <a:off x="33303300" y="26669999"/>
+              <a:off x="32874750" y="26517599"/>
               <a:ext cx="10058400" cy="1143000"/>
             </a:xfrm>
             <a:prstGeom prst="rect">
@@ -21890,7 +21961,7 @@
                 <a:buNone/>
               </a:pPr>
               <a:r>
-                <a:rPr lang="en-US" sz="4500" b="1" i="0" u="none" strike="noStrike" cap="none" dirty="0">
+                <a:rPr lang="en-US" sz="6800" b="1" i="0" u="none" strike="noStrike" cap="none" dirty="0">
                   <a:solidFill>
                     <a:srgbClr val="77933C"/>
                   </a:solidFill>
@@ -21899,147 +21970,9 @@
                   <a:cs typeface="Arial"/>
                   <a:sym typeface="Arial"/>
                 </a:rPr>
-                <a:t>References</a:t>
+                <a:t>Acknowledgments</a:t>
               </a:r>
-              <a:endParaRPr sz="4500" b="0" i="0" u="none" strike="noStrike" cap="none" dirty="0">
-                <a:solidFill>
-                  <a:schemeClr val="dk1"/>
-                </a:solidFill>
-                <a:latin typeface="Arial"/>
-                <a:ea typeface="Arial"/>
-                <a:cs typeface="Arial"/>
-                <a:sym typeface="Arial"/>
-              </a:endParaRPr>
-            </a:p>
-          </p:txBody>
-        </p:sp>
-        <p:sp>
-          <p:nvSpPr>
-            <p:cNvPr id="155" name="Google Shape;105;p1">
-              <a:extLst>
-                <a:ext uri="{FF2B5EF4-FFF2-40B4-BE49-F238E27FC236}">
-                  <a16:creationId xmlns:a16="http://schemas.microsoft.com/office/drawing/2014/main" id="{C4EBDE09-DC0D-8803-AC90-900CE332CB71}"/>
-                </a:ext>
-              </a:extLst>
-            </p:cNvPr>
-            <p:cNvSpPr/>
-            <p:nvPr/>
-          </p:nvSpPr>
-          <p:spPr>
-            <a:xfrm>
-              <a:off x="33229800" y="27415957"/>
-              <a:ext cx="10040700" cy="2225843"/>
-            </a:xfrm>
-            <a:prstGeom prst="rect">
-              <a:avLst/>
-            </a:prstGeom>
-            <a:noFill/>
-            <a:ln w="9525" cap="flat" cmpd="sng">
-              <a:solidFill>
-                <a:srgbClr val="D8D8D8"/>
-              </a:solidFill>
-              <a:prstDash val="solid"/>
-              <a:round/>
-              <a:headEnd type="none" w="sm" len="sm"/>
-              <a:tailEnd type="none" w="sm" len="sm"/>
-            </a:ln>
-          </p:spPr>
-          <p:txBody>
-            <a:bodyPr spcFirstLastPara="1" wrap="square" lIns="91425" tIns="45700" rIns="91425" bIns="45700" anchor="ctr" anchorCtr="0">
-              <a:noAutofit/>
-            </a:bodyPr>
-            <a:lstStyle/>
-            <a:p>
-              <a:pPr marL="0" marR="0" lvl="0" indent="0" algn="ctr" rtl="0">
-                <a:lnSpc>
-                  <a:spcPct val="100000"/>
-                </a:lnSpc>
-                <a:spcBef>
-                  <a:spcPts val="0"/>
-                </a:spcBef>
-                <a:spcAft>
-                  <a:spcPts val="0"/>
-                </a:spcAft>
-                <a:buClr>
-                  <a:srgbClr val="000000"/>
-                </a:buClr>
-                <a:buSzPts val="13950"/>
-                <a:buFont typeface="Arial"/>
-                <a:buNone/>
-              </a:pPr>
-              <a:endParaRPr sz="13950" b="0" i="0" u="none" strike="noStrike" cap="none">
-                <a:solidFill>
-                  <a:schemeClr val="dk1"/>
-                </a:solidFill>
-                <a:latin typeface="Arial"/>
-                <a:ea typeface="Arial"/>
-                <a:cs typeface="Arial"/>
-                <a:sym typeface="Arial"/>
-              </a:endParaRPr>
-            </a:p>
-          </p:txBody>
-        </p:sp>
-        <p:sp>
-          <p:nvSpPr>
-            <p:cNvPr id="156" name="Google Shape;114;p1">
-              <a:extLst>
-                <a:ext uri="{FF2B5EF4-FFF2-40B4-BE49-F238E27FC236}">
-                  <a16:creationId xmlns:a16="http://schemas.microsoft.com/office/drawing/2014/main" id="{E23C6F3B-144A-BE51-A5DF-21E43D2B5DC4}"/>
-                </a:ext>
-              </a:extLst>
-            </p:cNvPr>
-            <p:cNvSpPr txBox="1"/>
-            <p:nvPr/>
-          </p:nvSpPr>
-          <p:spPr>
-            <a:xfrm>
-              <a:off x="33303300" y="27415956"/>
-              <a:ext cx="9897600" cy="3388528"/>
-            </a:xfrm>
-            <a:prstGeom prst="rect">
-              <a:avLst/>
-            </a:prstGeom>
-            <a:noFill/>
-            <a:ln>
-              <a:noFill/>
-            </a:ln>
-          </p:spPr>
-          <p:txBody>
-            <a:bodyPr spcFirstLastPara="1" wrap="square" lIns="91425" tIns="45700" rIns="91425" bIns="45700" anchor="t" anchorCtr="0">
-              <a:noAutofit/>
-            </a:bodyPr>
-            <a:lstStyle/>
-            <a:p>
-              <a:pPr marL="0" marR="0" lvl="0" indent="0" algn="l" rtl="0">
-                <a:lnSpc>
-                  <a:spcPct val="100000"/>
-                </a:lnSpc>
-                <a:spcBef>
-                  <a:spcPts val="0"/>
-                </a:spcBef>
-                <a:spcAft>
-                  <a:spcPts val="0"/>
-                </a:spcAft>
-                <a:buClr>
-                  <a:srgbClr val="000000"/>
-                </a:buClr>
-                <a:buSzPts val="1800"/>
-                <a:buFont typeface="Arial"/>
-                <a:buNone/>
-              </a:pPr>
-              <a:r>
-                <a:rPr lang="en-US" sz="1800" b="0" i="0" u="none" strike="noStrike" cap="none" dirty="0">
-                  <a:solidFill>
-                    <a:schemeClr val="dk1"/>
-                  </a:solidFill>
-                  <a:latin typeface="Arial"/>
-                  <a:ea typeface="Arial"/>
-                  <a:cs typeface="Arial"/>
-                  <a:sym typeface="Arial"/>
-                </a:rPr>
-                <a:t>To Be Added</a:t>
-              </a:r>
-              <a:endParaRPr sz="1800" b="0" i="0" u="none" strike="noStrike" cap="none" dirty="0">
+              <a:endParaRPr sz="2267" b="0" i="0" u="none" strike="noStrike" cap="none" dirty="0">
                 <a:solidFill>
                   <a:schemeClr val="dk1"/>
                 </a:solidFill>
@@ -22052,6 +21985,164 @@
           </p:txBody>
         </p:sp>
       </p:grpSp>
+      <p:cxnSp>
+        <p:nvCxnSpPr>
+          <p:cNvPr id="148" name="Google Shape;97;p1">
+            <a:extLst>
+              <a:ext uri="{FF2B5EF4-FFF2-40B4-BE49-F238E27FC236}">
+                <a16:creationId xmlns:a16="http://schemas.microsoft.com/office/drawing/2014/main" id="{88B21156-FAE5-A48F-2424-C5492DBA0907}"/>
+              </a:ext>
+            </a:extLst>
+          </p:cNvPr>
+          <p:cNvCxnSpPr/>
+          <p:nvPr/>
+        </p:nvCxnSpPr>
+        <p:spPr>
+          <a:xfrm>
+            <a:off x="31546800" y="24250656"/>
+            <a:ext cx="12344400" cy="0"/>
+          </a:xfrm>
+          <a:prstGeom prst="straightConnector1">
+            <a:avLst/>
+          </a:prstGeom>
+          <a:noFill/>
+          <a:ln w="25400" cap="flat" cmpd="sng">
+            <a:solidFill>
+              <a:schemeClr val="dk1"/>
+            </a:solidFill>
+            <a:prstDash val="solid"/>
+            <a:round/>
+            <a:headEnd type="none" w="sm" len="sm"/>
+            <a:tailEnd type="none" w="sm" len="sm"/>
+          </a:ln>
+          <a:effectLst>
+            <a:outerShdw blurRad="40000" dist="20000" dir="5400000" rotWithShape="0">
+              <a:srgbClr val="000000">
+                <a:alpha val="36470"/>
+              </a:srgbClr>
+            </a:outerShdw>
+          </a:effectLst>
+        </p:spPr>
+      </p:cxnSp>
+      <p:cxnSp>
+        <p:nvCxnSpPr>
+          <p:cNvPr id="150" name="Google Shape;97;p1">
+            <a:extLst>
+              <a:ext uri="{FF2B5EF4-FFF2-40B4-BE49-F238E27FC236}">
+                <a16:creationId xmlns:a16="http://schemas.microsoft.com/office/drawing/2014/main" id="{634446FE-9F35-55A5-80FF-45EDDF19EED1}"/>
+              </a:ext>
+            </a:extLst>
+          </p:cNvPr>
+          <p:cNvCxnSpPr/>
+          <p:nvPr/>
+        </p:nvCxnSpPr>
+        <p:spPr>
+          <a:xfrm>
+            <a:off x="31546800" y="28803600"/>
+            <a:ext cx="12344400" cy="0"/>
+          </a:xfrm>
+          <a:prstGeom prst="straightConnector1">
+            <a:avLst/>
+          </a:prstGeom>
+          <a:noFill/>
+          <a:ln w="25400" cap="flat" cmpd="sng">
+            <a:solidFill>
+              <a:schemeClr val="dk1"/>
+            </a:solidFill>
+            <a:prstDash val="solid"/>
+            <a:round/>
+            <a:headEnd type="none" w="sm" len="sm"/>
+            <a:tailEnd type="none" w="sm" len="sm"/>
+          </a:ln>
+          <a:effectLst>
+            <a:outerShdw blurRad="40000" dist="20000" dir="5400000" rotWithShape="0">
+              <a:srgbClr val="000000">
+                <a:alpha val="36470"/>
+              </a:srgbClr>
+            </a:outerShdw>
+          </a:effectLst>
+        </p:spPr>
+      </p:cxnSp>
+      <p:sp>
+        <p:nvSpPr>
+          <p:cNvPr id="153" name="Google Shape;96;p1">
+            <a:extLst>
+              <a:ext uri="{FF2B5EF4-FFF2-40B4-BE49-F238E27FC236}">
+                <a16:creationId xmlns:a16="http://schemas.microsoft.com/office/drawing/2014/main" id="{31FBF473-4E2F-0DFE-912B-26CFEC75EDC7}"/>
+              </a:ext>
+            </a:extLst>
+          </p:cNvPr>
+          <p:cNvSpPr txBox="1"/>
+          <p:nvPr/>
+        </p:nvSpPr>
+        <p:spPr>
+          <a:xfrm>
+            <a:off x="32762767" y="28928228"/>
+            <a:ext cx="9985433" cy="1055076"/>
+          </a:xfrm>
+          <a:prstGeom prst="rect">
+            <a:avLst/>
+          </a:prstGeom>
+          <a:solidFill>
+            <a:srgbClr val="FFFFFF"/>
+          </a:solidFill>
+          <a:ln w="9525" cap="flat" cmpd="sng">
+            <a:solidFill>
+              <a:srgbClr val="FFFFFF"/>
+            </a:solidFill>
+            <a:prstDash val="solid"/>
+            <a:round/>
+            <a:headEnd type="none" w="sm" len="sm"/>
+            <a:tailEnd type="none" w="sm" len="sm"/>
+          </a:ln>
+        </p:spPr>
+        <p:txBody>
+          <a:bodyPr spcFirstLastPara="1" wrap="square" lIns="104475" tIns="52250" rIns="104475" bIns="52250" anchor="t" anchorCtr="0">
+            <a:noAutofit/>
+          </a:bodyPr>
+          <a:lstStyle/>
+          <a:p>
+            <a:pPr marL="0" marR="0" lvl="0" indent="0" algn="ctr" rtl="0">
+              <a:lnSpc>
+                <a:spcPct val="100000"/>
+              </a:lnSpc>
+              <a:spcBef>
+                <a:spcPts val="0"/>
+              </a:spcBef>
+              <a:spcAft>
+                <a:spcPts val="0"/>
+              </a:spcAft>
+              <a:buClr>
+                <a:srgbClr val="000000"/>
+              </a:buClr>
+              <a:buSzPts val="6800"/>
+              <a:buFont typeface="Arial"/>
+              <a:buNone/>
+            </a:pPr>
+            <a:r>
+              <a:rPr lang="en-US" sz="4500" b="1" i="0" u="none" strike="noStrike" cap="none" dirty="0">
+                <a:solidFill>
+                  <a:srgbClr val="77933C"/>
+                </a:solidFill>
+                <a:latin typeface="Arial"/>
+                <a:ea typeface="Arial"/>
+                <a:cs typeface="Arial"/>
+                <a:sym typeface="Arial"/>
+              </a:rPr>
+              <a:t>References</a:t>
+            </a:r>
+            <a:endParaRPr sz="4500" b="0" i="0" u="none" strike="noStrike" cap="none" dirty="0">
+              <a:solidFill>
+                <a:schemeClr val="dk1"/>
+              </a:solidFill>
+              <a:latin typeface="Arial"/>
+              <a:ea typeface="Arial"/>
+              <a:cs typeface="Arial"/>
+              <a:sym typeface="Arial"/>
+            </a:endParaRPr>
+          </a:p>
+        </p:txBody>
+      </p:sp>
       <p:sp>
         <p:nvSpPr>
           <p:cNvPr id="176" name="TextBox 175">
@@ -22101,122 +22192,6 @@
           </a:p>
         </p:txBody>
       </p:sp>
-      <p:sp>
-        <p:nvSpPr>
-          <p:cNvPr id="3" name="TextBox 2">
-            <a:extLst>
-              <a:ext uri="{FF2B5EF4-FFF2-40B4-BE49-F238E27FC236}">
-                <a16:creationId xmlns:a16="http://schemas.microsoft.com/office/drawing/2014/main" id="{28A47484-EC7A-FCC1-3F0B-081CE98F86E5}"/>
-              </a:ext>
-            </a:extLst>
-          </p:cNvPr>
-          <p:cNvSpPr txBox="1"/>
-          <p:nvPr/>
-        </p:nvSpPr>
-        <p:spPr>
-          <a:xfrm>
-            <a:off x="31768534" y="18416250"/>
-            <a:ext cx="11887196" cy="2895664"/>
-          </a:xfrm>
-          <a:prstGeom prst="rect">
-            <a:avLst/>
-          </a:prstGeom>
-          <a:solidFill>
-            <a:srgbClr val="F2F6EA"/>
-          </a:solidFill>
-          <a:ln w="12700">
-            <a:solidFill>
-              <a:schemeClr val="tx1"/>
-            </a:solidFill>
-          </a:ln>
-        </p:spPr>
-        <p:txBody>
-          <a:bodyPr wrap="square" lIns="274320" tIns="274320" rIns="274320" bIns="274320">
-            <a:spAutoFit/>
-          </a:bodyPr>
-          <a:lstStyle/>
-          <a:p>
-            <a:pPr>
-              <a:spcAft>
-                <a:spcPts val="500"/>
-              </a:spcAft>
-            </a:pPr>
-            <a:r>
-              <a:rPr lang="en-US" sz="4000" b="1" dirty="0">
-                <a:solidFill>
-                  <a:srgbClr val="616A4E"/>
-                </a:solidFill>
-                <a:latin typeface="+mn-lt"/>
-                <a:ea typeface="Cascadia Mono SemiLight" panose="020B0609020000020004" pitchFamily="49" charset="0"/>
-                <a:cs typeface="Cascadia Mono SemiLight" panose="020B0609020000020004" pitchFamily="49" charset="0"/>
-              </a:rPr>
-              <a:t>Adapting to </a:t>
-            </a:r>
-            <a:r>
-              <a:rPr lang="en-US" sz="4000" b="1" dirty="0">
-                <a:solidFill>
-                  <a:srgbClr val="616A4E"/>
-                </a:solidFill>
-                <a:effectLst/>
-                <a:latin typeface="+mn-lt"/>
-                <a:ea typeface="Cascadia Mono SemiLight" panose="020B0609020000020004" pitchFamily="49" charset="0"/>
-                <a:cs typeface="Cascadia Mono SemiLight" panose="020B0609020000020004" pitchFamily="49" charset="0"/>
-              </a:rPr>
-              <a:t>Climate Change</a:t>
-            </a:r>
-          </a:p>
-          <a:p>
-            <a:pPr marL="457200" indent="-457200">
-              <a:spcAft>
-                <a:spcPts val="500"/>
-              </a:spcAft>
-              <a:buFont typeface="Arial" panose="020B0604020202020204" pitchFamily="34" charset="0"/>
-              <a:buChar char="•"/>
-            </a:pPr>
-            <a:r>
-              <a:rPr lang="en-US" sz="3600" dirty="0">
-                <a:solidFill>
-                  <a:schemeClr val="tx1"/>
-                </a:solidFill>
-                <a:latin typeface="+mn-lt"/>
-                <a:ea typeface="Cascadia Mono SemiLight" panose="020B0609020000020004" pitchFamily="49" charset="0"/>
-                <a:cs typeface="Cascadia Mono SemiLight" panose="020B0609020000020004" pitchFamily="49" charset="0"/>
-              </a:rPr>
-              <a:t>Investigate how changes in ocean temperature and salinity may impact population size, migration, and adaptation in Pacific acorn barnacle populations</a:t>
-            </a:r>
-          </a:p>
-        </p:txBody>
-      </p:sp>
-      <p:pic>
-        <p:nvPicPr>
-          <p:cNvPr id="134" name="Picture 133" descr="A rainbow colored map of a river&#10;&#10;Description automatically generated">
-            <a:extLst>
-              <a:ext uri="{FF2B5EF4-FFF2-40B4-BE49-F238E27FC236}">
-                <a16:creationId xmlns:a16="http://schemas.microsoft.com/office/drawing/2014/main" id="{72050FB8-50F0-45D9-4BB7-5332F27D1891}"/>
-              </a:ext>
-            </a:extLst>
-          </p:cNvPr>
-          <p:cNvPicPr>
-            <a:picLocks noChangeAspect="1"/>
-          </p:cNvPicPr>
-          <p:nvPr/>
-        </p:nvPicPr>
-        <p:blipFill>
-          <a:blip r:embed="rId8"/>
-          <a:stretch>
-            <a:fillRect/>
-          </a:stretch>
-        </p:blipFill>
-        <p:spPr>
-          <a:xfrm>
-            <a:off x="31784546" y="8531079"/>
-            <a:ext cx="5833872" cy="5833872"/>
-          </a:xfrm>
-          <a:prstGeom prst="rect">
-            <a:avLst/>
-          </a:prstGeom>
-        </p:spPr>
-      </p:pic>
       <p:sp>
         <p:nvSpPr>
           <p:cNvPr id="4" name="TextBox 3">
@@ -22554,9 +22529,186 @@
               </a:rPr>
               <a:t>Why: The Pacific Coast Range</a:t>
             </a:r>
+            <a:r>
+              <a:rPr lang="en-US" sz="4000" b="1" baseline="30000" dirty="0">
+                <a:solidFill>
+                  <a:srgbClr val="616A4E"/>
+                </a:solidFill>
+                <a:effectLst/>
+                <a:latin typeface="+mn-lt"/>
+                <a:ea typeface="Cascadia Mono SemiLight" panose="020B0609020000020004" pitchFamily="49" charset="0"/>
+                <a:cs typeface="Cascadia Mono SemiLight" panose="020B0609020000020004" pitchFamily="49" charset="0"/>
+              </a:rPr>
+              <a:t>2</a:t>
+            </a:r>
+            <a:endParaRPr lang="en-US" sz="4000" b="1" dirty="0">
+              <a:solidFill>
+                <a:srgbClr val="616A4E"/>
+              </a:solidFill>
+              <a:effectLst/>
+              <a:latin typeface="+mn-lt"/>
+              <a:ea typeface="Cascadia Mono SemiLight" panose="020B0609020000020004" pitchFamily="49" charset="0"/>
+              <a:cs typeface="Cascadia Mono SemiLight" panose="020B0609020000020004" pitchFamily="49" charset="0"/>
+            </a:endParaRPr>
           </a:p>
         </p:txBody>
       </p:sp>
+      <p:pic>
+        <p:nvPicPr>
+          <p:cNvPr id="206" name="Picture 205" descr="A red and white map&#10;&#10;Description automatically generated">
+            <a:extLst>
+              <a:ext uri="{FF2B5EF4-FFF2-40B4-BE49-F238E27FC236}">
+                <a16:creationId xmlns:a16="http://schemas.microsoft.com/office/drawing/2014/main" id="{ED3AD138-2F0F-F5E5-B991-C862CC38757D}"/>
+              </a:ext>
+            </a:extLst>
+          </p:cNvPr>
+          <p:cNvPicPr>
+            <a:picLocks noChangeAspect="1"/>
+          </p:cNvPicPr>
+          <p:nvPr/>
+        </p:nvPicPr>
+        <p:blipFill>
+          <a:blip r:embed="rId7"/>
+          <a:stretch>
+            <a:fillRect/>
+          </a:stretch>
+        </p:blipFill>
+        <p:spPr>
+          <a:xfrm>
+            <a:off x="37825228" y="9162288"/>
+            <a:ext cx="5830506" cy="5833872"/>
+          </a:xfrm>
+          <a:prstGeom prst="rect">
+            <a:avLst/>
+          </a:prstGeom>
+          <a:ln>
+            <a:solidFill>
+              <a:schemeClr val="tx1"/>
+            </a:solidFill>
+          </a:ln>
+        </p:spPr>
+      </p:pic>
+      <p:sp>
+        <p:nvSpPr>
+          <p:cNvPr id="3" name="TextBox 2">
+            <a:extLst>
+              <a:ext uri="{FF2B5EF4-FFF2-40B4-BE49-F238E27FC236}">
+                <a16:creationId xmlns:a16="http://schemas.microsoft.com/office/drawing/2014/main" id="{28A47484-EC7A-FCC1-3F0B-081CE98F86E5}"/>
+              </a:ext>
+            </a:extLst>
+          </p:cNvPr>
+          <p:cNvSpPr txBox="1"/>
+          <p:nvPr/>
+        </p:nvSpPr>
+        <p:spPr>
+          <a:xfrm>
+            <a:off x="31768534" y="19047459"/>
+            <a:ext cx="11880338" cy="3449662"/>
+          </a:xfrm>
+          <a:prstGeom prst="rect">
+            <a:avLst/>
+          </a:prstGeom>
+          <a:solidFill>
+            <a:srgbClr val="F2F6EA"/>
+          </a:solidFill>
+          <a:ln w="12700">
+            <a:solidFill>
+              <a:schemeClr val="tx1"/>
+            </a:solidFill>
+          </a:ln>
+        </p:spPr>
+        <p:txBody>
+          <a:bodyPr wrap="square" lIns="274320" tIns="274320" rIns="274320" bIns="274320">
+            <a:spAutoFit/>
+          </a:bodyPr>
+          <a:lstStyle/>
+          <a:p>
+            <a:pPr>
+              <a:spcAft>
+                <a:spcPts val="500"/>
+              </a:spcAft>
+            </a:pPr>
+            <a:r>
+              <a:rPr lang="en-US" sz="4000" b="1" dirty="0">
+                <a:solidFill>
+                  <a:srgbClr val="616A4E"/>
+                </a:solidFill>
+                <a:latin typeface="+mn-lt"/>
+                <a:ea typeface="Cascadia Mono SemiLight" panose="020B0609020000020004" pitchFamily="49" charset="0"/>
+                <a:cs typeface="Cascadia Mono SemiLight" panose="020B0609020000020004" pitchFamily="49" charset="0"/>
+              </a:rPr>
+              <a:t>Adapting to </a:t>
+            </a:r>
+            <a:r>
+              <a:rPr lang="en-US" sz="4000" b="1" dirty="0">
+                <a:solidFill>
+                  <a:srgbClr val="616A4E"/>
+                </a:solidFill>
+                <a:effectLst/>
+                <a:latin typeface="+mn-lt"/>
+                <a:ea typeface="Cascadia Mono SemiLight" panose="020B0609020000020004" pitchFamily="49" charset="0"/>
+                <a:cs typeface="Cascadia Mono SemiLight" panose="020B0609020000020004" pitchFamily="49" charset="0"/>
+              </a:rPr>
+              <a:t>Climate Change</a:t>
+            </a:r>
+          </a:p>
+          <a:p>
+            <a:pPr marL="457200" indent="-457200">
+              <a:spcAft>
+                <a:spcPts val="500"/>
+              </a:spcAft>
+              <a:buFont typeface="Arial" panose="020B0604020202020204" pitchFamily="34" charset="0"/>
+              <a:buChar char="•"/>
+            </a:pPr>
+            <a:r>
+              <a:rPr lang="en-US" sz="3600" dirty="0">
+                <a:solidFill>
+                  <a:schemeClr val="tx1"/>
+                </a:solidFill>
+                <a:latin typeface="+mn-lt"/>
+                <a:ea typeface="Cascadia Mono SemiLight" panose="020B0609020000020004" pitchFamily="49" charset="0"/>
+                <a:cs typeface="Cascadia Mono SemiLight" panose="020B0609020000020004" pitchFamily="49" charset="0"/>
+              </a:rPr>
+              <a:t>Investigate how changes in ocean temperature and salinity may impact population size, adaptation, and population structure across the native range of the Pacific acorn barnacle</a:t>
+            </a:r>
+          </a:p>
+        </p:txBody>
+      </p:sp>
+      <p:pic>
+        <p:nvPicPr>
+          <p:cNvPr id="134" name="Picture 133" descr="A rainbow colored map of a river&#10;&#10;Description automatically generated">
+            <a:extLst>
+              <a:ext uri="{FF2B5EF4-FFF2-40B4-BE49-F238E27FC236}">
+                <a16:creationId xmlns:a16="http://schemas.microsoft.com/office/drawing/2014/main" id="{72050FB8-50F0-45D9-4BB7-5332F27D1891}"/>
+              </a:ext>
+            </a:extLst>
+          </p:cNvPr>
+          <p:cNvPicPr>
+            <a:picLocks noChangeAspect="1"/>
+          </p:cNvPicPr>
+          <p:nvPr/>
+        </p:nvPicPr>
+        <p:blipFill>
+          <a:blip r:embed="rId8"/>
+          <a:stretch>
+            <a:fillRect/>
+          </a:stretch>
+        </p:blipFill>
+        <p:spPr>
+          <a:xfrm>
+            <a:off x="31784537" y="9162288"/>
+            <a:ext cx="5830506" cy="5833872"/>
+          </a:xfrm>
+          <a:prstGeom prst="rect">
+            <a:avLst/>
+          </a:prstGeom>
+          <a:ln>
+            <a:solidFill>
+              <a:schemeClr val="tx1"/>
+            </a:solidFill>
+          </a:ln>
+        </p:spPr>
+      </p:pic>
       <p:sp>
         <p:nvSpPr>
           <p:cNvPr id="22" name="TextBox 21">
@@ -22571,8 +22723,8 @@
         </p:nvSpPr>
         <p:spPr>
           <a:xfrm>
-            <a:off x="31775396" y="14664961"/>
-            <a:ext cx="11887200" cy="3513782"/>
+            <a:off x="31775392" y="15296170"/>
+            <a:ext cx="11880342" cy="3513782"/>
           </a:xfrm>
           <a:prstGeom prst="rect">
             <a:avLst/>
@@ -23198,8 +23350,8 @@
         </p:nvSpPr>
         <p:spPr>
           <a:xfrm>
-            <a:off x="12573000" y="17355312"/>
-            <a:ext cx="9262872" cy="3511218"/>
+            <a:off x="12573000" y="17324535"/>
+            <a:ext cx="9262872" cy="3572773"/>
           </a:xfrm>
           <a:prstGeom prst="rect">
             <a:avLst/>
@@ -23254,7 +23406,7 @@
                 <a:cs typeface="Cascadia Mono SemiLight" panose="020B0609020000020004" pitchFamily="49" charset="0"/>
                 <a:sym typeface="Arial"/>
               </a:rPr>
-              <a:t>The Effects of Environmental Variables </a:t>
+              <a:t>The Effects of Environmental Variables</a:t>
             </a:r>
           </a:p>
           <a:p>
@@ -23430,7 +23582,7 @@
         </p:blipFill>
         <p:spPr>
           <a:xfrm>
-            <a:off x="12573000" y="21022056"/>
+            <a:off x="12573000" y="21131784"/>
             <a:ext cx="9258318" cy="6912878"/>
           </a:xfrm>
           <a:prstGeom prst="rect">
@@ -23492,7 +23644,7 @@
         <p:spPr>
           <a:xfrm>
             <a:off x="31775400" y="5971336"/>
-            <a:ext cx="11887200" cy="2405787"/>
+            <a:ext cx="11887200" cy="2959785"/>
           </a:xfrm>
           <a:prstGeom prst="rect">
             <a:avLst/>
@@ -23547,7 +23699,7 @@
                 <a:ea typeface="Cascadia Mono SemiLight" panose="020B0609020000020004" pitchFamily="49" charset="0"/>
                 <a:cs typeface="Cascadia Mono SemiLight" panose="020B0609020000020004" pitchFamily="49" charset="0"/>
               </a:rPr>
-              <a:t>Add temperature in addition to salinity</a:t>
+              <a:t>Add other environmental conditions that impact the Pacific acorn barnacle such as temperature and tides</a:t>
             </a:r>
           </a:p>
           <a:p>
@@ -23572,6 +23724,814 @@
           </a:p>
         </p:txBody>
       </p:sp>
+      <p:sp>
+        <p:nvSpPr>
+          <p:cNvPr id="156" name="Google Shape;114;p1">
+            <a:extLst>
+              <a:ext uri="{FF2B5EF4-FFF2-40B4-BE49-F238E27FC236}">
+                <a16:creationId xmlns:a16="http://schemas.microsoft.com/office/drawing/2014/main" id="{E23C6F3B-144A-BE51-A5DF-21E43D2B5DC4}"/>
+              </a:ext>
+            </a:extLst>
+          </p:cNvPr>
+          <p:cNvSpPr txBox="1"/>
+          <p:nvPr/>
+        </p:nvSpPr>
+        <p:spPr>
+          <a:xfrm>
+            <a:off x="31674818" y="29604771"/>
+            <a:ext cx="11887200" cy="3127871"/>
+          </a:xfrm>
+          <a:prstGeom prst="rect">
+            <a:avLst/>
+          </a:prstGeom>
+          <a:noFill/>
+          <a:ln>
+            <a:noFill/>
+          </a:ln>
+        </p:spPr>
+        <p:txBody>
+          <a:bodyPr spcFirstLastPara="1" wrap="square" lIns="91425" tIns="45700" rIns="91425" bIns="45700" anchor="t" anchorCtr="0">
+            <a:noAutofit/>
+          </a:bodyPr>
+          <a:lstStyle/>
+          <a:p>
+            <a:pPr algn="r"/>
+            <a:r>
+              <a:rPr lang="en-US" sz="1100" dirty="0">
+                <a:effectLst/>
+                <a:latin typeface="+mj-lt"/>
+              </a:rPr>
+              <a:t>1.</a:t>
+            </a:r>
+          </a:p>
+          <a:p>
+            <a:r>
+              <a:rPr lang="en-US" sz="1100" b="0" i="0" dirty="0" err="1">
+                <a:solidFill>
+                  <a:srgbClr val="000000"/>
+                </a:solidFill>
+                <a:effectLst/>
+                <a:latin typeface="+mj-lt"/>
+              </a:rPr>
+              <a:t>iNaturalist</a:t>
+            </a:r>
+            <a:r>
+              <a:rPr lang="en-US" sz="1100" b="0" i="0" dirty="0">
+                <a:solidFill>
+                  <a:srgbClr val="000000"/>
+                </a:solidFill>
+                <a:effectLst/>
+                <a:latin typeface="+mj-lt"/>
+              </a:rPr>
+              <a:t> community. Observations of </a:t>
+            </a:r>
+            <a:r>
+              <a:rPr lang="en-US" sz="1100" b="0" i="1" dirty="0">
+                <a:solidFill>
+                  <a:srgbClr val="000000"/>
+                </a:solidFill>
+                <a:effectLst/>
+                <a:latin typeface="+mj-lt"/>
+              </a:rPr>
+              <a:t>Balanus glandula</a:t>
+            </a:r>
+            <a:r>
+              <a:rPr lang="en-US" sz="1100" b="0" i="0" dirty="0">
+                <a:solidFill>
+                  <a:srgbClr val="000000"/>
+                </a:solidFill>
+                <a:effectLst/>
+                <a:latin typeface="+mj-lt"/>
+              </a:rPr>
+              <a:t> from Mar del Plata, Provincia de Buenos Aires, Argentina observed on Nov 6, 2021. Exported from https://www.inaturalist.org on 11/6/2024</a:t>
+            </a:r>
+            <a:endParaRPr lang="en-US" sz="1100" b="0" i="0" u="none" strike="noStrike" cap="none" dirty="0">
+              <a:solidFill>
+                <a:schemeClr val="dk1"/>
+              </a:solidFill>
+              <a:latin typeface="+mj-lt"/>
+              <a:ea typeface="Arial"/>
+              <a:cs typeface="Arial"/>
+              <a:sym typeface="Arial"/>
+            </a:endParaRPr>
+          </a:p>
+          <a:p>
+            <a:pPr algn="r"/>
+            <a:r>
+              <a:rPr lang="en-US" sz="1100" dirty="0">
+                <a:effectLst/>
+                <a:latin typeface="+mj-lt"/>
+              </a:rPr>
+              <a:t>2.</a:t>
+            </a:r>
+          </a:p>
+          <a:p>
+            <a:r>
+              <a:rPr lang="en-US" sz="1100" dirty="0">
+                <a:effectLst/>
+                <a:latin typeface="+mj-lt"/>
+              </a:rPr>
+              <a:t>Wares, J. P., Strand, A. E. &amp; </a:t>
+            </a:r>
+            <a:r>
+              <a:rPr lang="en-US" sz="1100" dirty="0" err="1">
+                <a:effectLst/>
+                <a:latin typeface="+mj-lt"/>
+              </a:rPr>
+              <a:t>Sotka</a:t>
+            </a:r>
+            <a:r>
+              <a:rPr lang="en-US" sz="1100" dirty="0">
+                <a:effectLst/>
+                <a:latin typeface="+mj-lt"/>
+              </a:rPr>
+              <a:t>, E. E. Diversity, divergence and density: How habitat and hybrid zone dynamics maintain a genomic cline in an intertidal barnacle. </a:t>
+            </a:r>
+            <a:r>
+              <a:rPr lang="en-US" sz="1100" i="1" dirty="0">
+                <a:effectLst/>
+                <a:latin typeface="+mj-lt"/>
+              </a:rPr>
+              <a:t>Journal of Biogeography</a:t>
+            </a:r>
+            <a:r>
+              <a:rPr lang="en-US" sz="1100" dirty="0">
+                <a:effectLst/>
+                <a:latin typeface="+mj-lt"/>
+              </a:rPr>
+              <a:t> </a:t>
+            </a:r>
+            <a:r>
+              <a:rPr lang="en-US" sz="1100" b="1" dirty="0">
+                <a:effectLst/>
+                <a:latin typeface="+mj-lt"/>
+              </a:rPr>
+              <a:t>48</a:t>
+            </a:r>
+            <a:r>
+              <a:rPr lang="en-US" sz="1100" dirty="0">
+                <a:effectLst/>
+                <a:latin typeface="+mj-lt"/>
+              </a:rPr>
+              <a:t>, 2174–2185 (2021).</a:t>
+            </a:r>
+          </a:p>
+          <a:p>
+            <a:pPr algn="r"/>
+            <a:r>
+              <a:rPr lang="en-US" sz="1100" dirty="0">
+                <a:effectLst/>
+                <a:latin typeface="+mj-lt"/>
+              </a:rPr>
+              <a:t>3.</a:t>
+            </a:r>
+          </a:p>
+          <a:p>
+            <a:r>
+              <a:rPr lang="en-US" sz="1100" dirty="0">
+                <a:effectLst/>
+                <a:latin typeface="+mj-lt"/>
+              </a:rPr>
+              <a:t>Haller, B. C. &amp; Messer, P. W. </a:t>
+            </a:r>
+            <a:r>
+              <a:rPr lang="en-US" sz="1100" dirty="0" err="1">
+                <a:effectLst/>
+                <a:latin typeface="+mj-lt"/>
+              </a:rPr>
+              <a:t>SLiM</a:t>
+            </a:r>
+            <a:r>
+              <a:rPr lang="en-US" sz="1100" dirty="0">
+                <a:effectLst/>
+                <a:latin typeface="+mj-lt"/>
+              </a:rPr>
+              <a:t> 4: Multispecies Eco-Evolutionary Modeling. </a:t>
+            </a:r>
+            <a:r>
+              <a:rPr lang="en-US" sz="1100" i="1" dirty="0">
+                <a:effectLst/>
+                <a:latin typeface="+mj-lt"/>
+              </a:rPr>
+              <a:t>The American Naturalist</a:t>
+            </a:r>
+            <a:r>
+              <a:rPr lang="en-US" sz="1100" dirty="0">
+                <a:effectLst/>
+                <a:latin typeface="+mj-lt"/>
+              </a:rPr>
+              <a:t> </a:t>
+            </a:r>
+            <a:r>
+              <a:rPr lang="en-US" sz="1100" b="1" dirty="0">
+                <a:effectLst/>
+                <a:latin typeface="+mj-lt"/>
+              </a:rPr>
+              <a:t>201</a:t>
+            </a:r>
+            <a:r>
+              <a:rPr lang="en-US" sz="1100" dirty="0">
+                <a:effectLst/>
+                <a:latin typeface="+mj-lt"/>
+              </a:rPr>
+              <a:t>, E127–E139 (2023).</a:t>
+            </a:r>
+          </a:p>
+          <a:p>
+            <a:pPr algn="r"/>
+            <a:r>
+              <a:rPr lang="en-US" sz="1100" dirty="0">
+                <a:effectLst/>
+                <a:latin typeface="+mj-lt"/>
+              </a:rPr>
+              <a:t>4.</a:t>
+            </a:r>
+          </a:p>
+          <a:p>
+            <a:r>
+              <a:rPr lang="en-US" sz="1100" dirty="0">
+                <a:effectLst/>
+                <a:latin typeface="+mj-lt"/>
+              </a:rPr>
+              <a:t>Berger, M. S., Darrah, A. J. &amp; </a:t>
+            </a:r>
+            <a:r>
+              <a:rPr lang="en-US" sz="1100" dirty="0" err="1">
+                <a:effectLst/>
+                <a:latin typeface="+mj-lt"/>
+              </a:rPr>
+              <a:t>Emlet</a:t>
+            </a:r>
+            <a:r>
+              <a:rPr lang="en-US" sz="1100" dirty="0">
+                <a:effectLst/>
+                <a:latin typeface="+mj-lt"/>
+              </a:rPr>
+              <a:t>, R. B. Spatial and temporal variability of early post-settlement survivorship and growth in the barnacle Balanus glandula along an estuarine gradient. </a:t>
+            </a:r>
+            <a:r>
+              <a:rPr lang="en-US" sz="1100" i="1" dirty="0">
+                <a:effectLst/>
+                <a:latin typeface="+mj-lt"/>
+              </a:rPr>
+              <a:t>Journal of Experimental Marine Biology and Ecology</a:t>
+            </a:r>
+            <a:r>
+              <a:rPr lang="en-US" sz="1100" dirty="0">
+                <a:effectLst/>
+                <a:latin typeface="+mj-lt"/>
+              </a:rPr>
+              <a:t> </a:t>
+            </a:r>
+            <a:r>
+              <a:rPr lang="en-US" sz="1100" b="1" dirty="0">
+                <a:effectLst/>
+                <a:latin typeface="+mj-lt"/>
+              </a:rPr>
+              <a:t>336</a:t>
+            </a:r>
+            <a:r>
+              <a:rPr lang="en-US" sz="1100" dirty="0">
+                <a:effectLst/>
+                <a:latin typeface="+mj-lt"/>
+              </a:rPr>
+              <a:t>, 74–87 (2006).</a:t>
+            </a:r>
+          </a:p>
+          <a:p>
+            <a:pPr algn="r"/>
+            <a:r>
+              <a:rPr lang="en-US" sz="1100" dirty="0">
+                <a:effectLst/>
+                <a:latin typeface="+mj-lt"/>
+              </a:rPr>
+              <a:t>5.</a:t>
+            </a:r>
+          </a:p>
+          <a:p>
+            <a:r>
+              <a:rPr lang="en-US" sz="1100" dirty="0">
+                <a:effectLst/>
+                <a:latin typeface="+mj-lt"/>
+              </a:rPr>
+              <a:t>Berger, M. Reproduction of the intertidal barnacle Balanus glandula along an estuarine gradient. </a:t>
+            </a:r>
+            <a:r>
+              <a:rPr lang="en-US" sz="1100" i="1" dirty="0">
+                <a:effectLst/>
+                <a:latin typeface="+mj-lt"/>
+              </a:rPr>
+              <a:t>Marine Ecology</a:t>
+            </a:r>
+            <a:r>
+              <a:rPr lang="en-US" sz="1100" dirty="0">
+                <a:effectLst/>
+                <a:latin typeface="+mj-lt"/>
+              </a:rPr>
+              <a:t> </a:t>
+            </a:r>
+            <a:r>
+              <a:rPr lang="en-US" sz="1100" b="1" dirty="0">
+                <a:effectLst/>
+                <a:latin typeface="+mj-lt"/>
+              </a:rPr>
+              <a:t>30</a:t>
+            </a:r>
+            <a:r>
+              <a:rPr lang="en-US" sz="1100" dirty="0">
+                <a:effectLst/>
+                <a:latin typeface="+mj-lt"/>
+              </a:rPr>
+              <a:t>, 346–353 (2009).</a:t>
+            </a:r>
+          </a:p>
+          <a:p>
+            <a:pPr algn="r"/>
+            <a:r>
+              <a:rPr lang="en-US" sz="1100" dirty="0">
+                <a:latin typeface="+mj-lt"/>
+              </a:rPr>
+              <a:t>6</a:t>
+            </a:r>
+            <a:r>
+              <a:rPr lang="en-US" sz="1100" dirty="0">
+                <a:effectLst/>
+                <a:latin typeface="+mj-lt"/>
+              </a:rPr>
+              <a:t>.</a:t>
+            </a:r>
+          </a:p>
+          <a:p>
+            <a:r>
+              <a:rPr lang="en-US" sz="1100" dirty="0">
+                <a:effectLst/>
+                <a:latin typeface="+mj-lt"/>
+              </a:rPr>
+              <a:t>Conroy, T., Sutherland, D. A. &amp; Ralston, D. K. Estuarine Exchange Flow Variability in a Seasonal, Segmented Estuary. </a:t>
+            </a:r>
+            <a:r>
+              <a:rPr lang="en-US" sz="1100" i="1" dirty="0">
+                <a:effectLst/>
+                <a:latin typeface="+mj-lt"/>
+              </a:rPr>
+              <a:t>Journal of Physical Oceanography, 50(3), 595-613</a:t>
+            </a:r>
+            <a:r>
+              <a:rPr lang="en-US" sz="1100" dirty="0">
+                <a:effectLst/>
+                <a:latin typeface="+mj-lt"/>
+              </a:rPr>
+              <a:t> </a:t>
+            </a:r>
+            <a:r>
+              <a:rPr lang="en-US" sz="1100" b="1" dirty="0">
+                <a:effectLst/>
+                <a:latin typeface="+mj-lt"/>
+              </a:rPr>
+              <a:t>50</a:t>
+            </a:r>
+            <a:r>
+              <a:rPr lang="en-US" sz="1100" dirty="0">
+                <a:effectLst/>
+                <a:latin typeface="+mj-lt"/>
+              </a:rPr>
+              <a:t>, 595–613 (2020).</a:t>
+            </a:r>
+          </a:p>
+          <a:p>
+            <a:pPr algn="r"/>
+            <a:r>
+              <a:rPr lang="en-US" sz="1100" dirty="0">
+                <a:effectLst/>
+                <a:latin typeface="+mj-lt"/>
+              </a:rPr>
+              <a:t>7.</a:t>
+            </a:r>
+          </a:p>
+          <a:p>
+            <a:r>
+              <a:rPr lang="en-US" sz="1100" dirty="0">
+                <a:effectLst/>
+                <a:latin typeface="+mj-lt"/>
+              </a:rPr>
+              <a:t>Chevy, E. T. </a:t>
+            </a:r>
+            <a:r>
+              <a:rPr lang="en-US" sz="1100" i="1" dirty="0">
+                <a:effectLst/>
+                <a:latin typeface="+mj-lt"/>
+              </a:rPr>
+              <a:t>et al.</a:t>
+            </a:r>
+            <a:r>
+              <a:rPr lang="en-US" sz="1100" dirty="0">
+                <a:effectLst/>
+                <a:latin typeface="+mj-lt"/>
+              </a:rPr>
+              <a:t> Population genetics meets ecology: a guide to individual-based simulations in continuous landscapes. Preprint at </a:t>
+            </a:r>
+            <a:r>
+              <a:rPr lang="en-US" sz="1100" dirty="0">
+                <a:effectLst/>
+                <a:latin typeface="+mj-lt"/>
+                <a:hlinkClick r:id="rId18"/>
+              </a:rPr>
+              <a:t>https://doi.org/10.1101/2024.07.24.604988</a:t>
+            </a:r>
+            <a:r>
+              <a:rPr lang="en-US" sz="1100" dirty="0">
+                <a:effectLst/>
+                <a:latin typeface="+mj-lt"/>
+              </a:rPr>
+              <a:t> (2024)</a:t>
+            </a:r>
+          </a:p>
+        </p:txBody>
+      </p:sp>
+      <p:sp>
+        <p:nvSpPr>
+          <p:cNvPr id="10" name="Rectangle 2">
+            <a:extLst>
+              <a:ext uri="{FF2B5EF4-FFF2-40B4-BE49-F238E27FC236}">
+                <a16:creationId xmlns:a16="http://schemas.microsoft.com/office/drawing/2014/main" id="{C1272931-4D3B-945E-B8CD-067E72189DFF}"/>
+              </a:ext>
+            </a:extLst>
+          </p:cNvPr>
+          <p:cNvSpPr>
+            <a:spLocks noChangeArrowheads="1"/>
+          </p:cNvSpPr>
+          <p:nvPr/>
+        </p:nvSpPr>
+        <p:spPr bwMode="auto">
+          <a:xfrm>
+            <a:off x="0" y="0"/>
+            <a:ext cx="43891200" cy="0"/>
+          </a:xfrm>
+          <a:prstGeom prst="rect">
+            <a:avLst/>
+          </a:prstGeom>
+          <a:solidFill>
+            <a:srgbClr val="FFFFFF"/>
+          </a:solidFill>
+          <a:ln>
+            <a:noFill/>
+          </a:ln>
+          <a:effectLst/>
+          <a:extLst>
+            <a:ext uri="{91240B29-F687-4F45-9708-019B960494DF}">
+              <a14:hiddenLine xmlns:a14="http://schemas.microsoft.com/office/drawing/2010/main" w="9525">
+                <a:solidFill>
+                  <a:schemeClr val="tx1"/>
+                </a:solidFill>
+                <a:miter lim="800000"/>
+                <a:headEnd/>
+                <a:tailEnd/>
+              </a14:hiddenLine>
+            </a:ext>
+            <a:ext uri="{AF507438-7753-43E0-B8FC-AC1667EBCBE1}">
+              <a14:hiddenEffects xmlns:a14="http://schemas.microsoft.com/office/drawing/2010/main">
+                <a:effectLst>
+                  <a:outerShdw dist="35921" dir="2700000" algn="ctr" rotWithShape="0">
+                    <a:schemeClr val="bg2"/>
+                  </a:outerShdw>
+                </a:effectLst>
+              </a14:hiddenEffects>
+            </a:ext>
+          </a:extLst>
+        </p:spPr>
+        <p:txBody>
+          <a:bodyPr vert="horz" wrap="none" lIns="91440" tIns="45720" rIns="91440" bIns="45720" numCol="1" anchor="ctr" anchorCtr="0" compatLnSpc="1">
+            <a:prstTxWarp prst="textNoShape">
+              <a:avLst/>
+            </a:prstTxWarp>
+            <a:spAutoFit/>
+          </a:bodyPr>
+          <a:lstStyle>
+            <a:lvl1pPr eaLnBrk="0" fontAlgn="base" hangingPunct="0">
+              <a:spcBef>
+                <a:spcPct val="0"/>
+              </a:spcBef>
+              <a:spcAft>
+                <a:spcPct val="0"/>
+              </a:spcAft>
+              <a:defRPr>
+                <a:solidFill>
+                  <a:schemeClr val="tx1"/>
+                </a:solidFill>
+                <a:latin typeface="Arial" panose="020B0604020202020204" pitchFamily="34" charset="0"/>
+              </a:defRPr>
+            </a:lvl1pPr>
+            <a:lvl2pPr marL="457200" eaLnBrk="0" fontAlgn="base" hangingPunct="0">
+              <a:spcBef>
+                <a:spcPct val="0"/>
+              </a:spcBef>
+              <a:spcAft>
+                <a:spcPct val="0"/>
+              </a:spcAft>
+              <a:defRPr>
+                <a:solidFill>
+                  <a:schemeClr val="tx1"/>
+                </a:solidFill>
+                <a:latin typeface="Arial" panose="020B0604020202020204" pitchFamily="34" charset="0"/>
+              </a:defRPr>
+            </a:lvl2pPr>
+            <a:lvl3pPr marL="914400" eaLnBrk="0" fontAlgn="base" hangingPunct="0">
+              <a:spcBef>
+                <a:spcPct val="0"/>
+              </a:spcBef>
+              <a:spcAft>
+                <a:spcPct val="0"/>
+              </a:spcAft>
+              <a:defRPr>
+                <a:solidFill>
+                  <a:schemeClr val="tx1"/>
+                </a:solidFill>
+                <a:latin typeface="Arial" panose="020B0604020202020204" pitchFamily="34" charset="0"/>
+              </a:defRPr>
+            </a:lvl3pPr>
+            <a:lvl4pPr marL="1371600" eaLnBrk="0" fontAlgn="base" hangingPunct="0">
+              <a:spcBef>
+                <a:spcPct val="0"/>
+              </a:spcBef>
+              <a:spcAft>
+                <a:spcPct val="0"/>
+              </a:spcAft>
+              <a:defRPr>
+                <a:solidFill>
+                  <a:schemeClr val="tx1"/>
+                </a:solidFill>
+                <a:latin typeface="Arial" panose="020B0604020202020204" pitchFamily="34" charset="0"/>
+              </a:defRPr>
+            </a:lvl4pPr>
+            <a:lvl5pPr marL="1828800" eaLnBrk="0" fontAlgn="base" hangingPunct="0">
+              <a:spcBef>
+                <a:spcPct val="0"/>
+              </a:spcBef>
+              <a:spcAft>
+                <a:spcPct val="0"/>
+              </a:spcAft>
+              <a:defRPr>
+                <a:solidFill>
+                  <a:schemeClr val="tx1"/>
+                </a:solidFill>
+                <a:latin typeface="Arial" panose="020B0604020202020204" pitchFamily="34" charset="0"/>
+              </a:defRPr>
+            </a:lvl5pPr>
+            <a:lvl6pPr marL="2286000" eaLnBrk="0" fontAlgn="base" hangingPunct="0">
+              <a:spcBef>
+                <a:spcPct val="0"/>
+              </a:spcBef>
+              <a:spcAft>
+                <a:spcPct val="0"/>
+              </a:spcAft>
+              <a:defRPr>
+                <a:solidFill>
+                  <a:schemeClr val="tx1"/>
+                </a:solidFill>
+                <a:latin typeface="Arial" panose="020B0604020202020204" pitchFamily="34" charset="0"/>
+              </a:defRPr>
+            </a:lvl6pPr>
+            <a:lvl7pPr marL="2743200" eaLnBrk="0" fontAlgn="base" hangingPunct="0">
+              <a:spcBef>
+                <a:spcPct val="0"/>
+              </a:spcBef>
+              <a:spcAft>
+                <a:spcPct val="0"/>
+              </a:spcAft>
+              <a:defRPr>
+                <a:solidFill>
+                  <a:schemeClr val="tx1"/>
+                </a:solidFill>
+                <a:latin typeface="Arial" panose="020B0604020202020204" pitchFamily="34" charset="0"/>
+              </a:defRPr>
+            </a:lvl7pPr>
+            <a:lvl8pPr marL="3200400" eaLnBrk="0" fontAlgn="base" hangingPunct="0">
+              <a:spcBef>
+                <a:spcPct val="0"/>
+              </a:spcBef>
+              <a:spcAft>
+                <a:spcPct val="0"/>
+              </a:spcAft>
+              <a:defRPr>
+                <a:solidFill>
+                  <a:schemeClr val="tx1"/>
+                </a:solidFill>
+                <a:latin typeface="Arial" panose="020B0604020202020204" pitchFamily="34" charset="0"/>
+              </a:defRPr>
+            </a:lvl8pPr>
+            <a:lvl9pPr marL="3657600" eaLnBrk="0" fontAlgn="base" hangingPunct="0">
+              <a:spcBef>
+                <a:spcPct val="0"/>
+              </a:spcBef>
+              <a:spcAft>
+                <a:spcPct val="0"/>
+              </a:spcAft>
+              <a:defRPr>
+                <a:solidFill>
+                  <a:schemeClr val="tx1"/>
+                </a:solidFill>
+                <a:latin typeface="Arial" panose="020B0604020202020204" pitchFamily="34" charset="0"/>
+              </a:defRPr>
+            </a:lvl9pPr>
+          </a:lstStyle>
+          <a:p>
+            <a:pPr marL="0" marR="0" lvl="0" indent="0" algn="l" defTabSz="914400" rtl="0" eaLnBrk="0" fontAlgn="base" latinLnBrk="0" hangingPunct="0">
+              <a:lnSpc>
+                <a:spcPct val="100000"/>
+              </a:lnSpc>
+              <a:spcBef>
+                <a:spcPct val="0"/>
+              </a:spcBef>
+              <a:spcAft>
+                <a:spcPct val="0"/>
+              </a:spcAft>
+              <a:buClrTx/>
+              <a:buSzTx/>
+              <a:buFontTx/>
+              <a:buNone/>
+              <a:tabLst/>
+            </a:pPr>
+            <a:r>
+              <a:rPr kumimoji="0" lang="en-US" altLang="en-US" sz="1000" b="0" i="0" u="none" strike="noStrike" cap="none" normalizeH="0" baseline="0">
+                <a:ln>
+                  <a:noFill/>
+                </a:ln>
+                <a:solidFill>
+                  <a:srgbClr val="333333"/>
+                </a:solidFill>
+                <a:effectLst/>
+                <a:latin typeface="Lato" panose="020F0502020204030203" pitchFamily="34" charset="0"/>
+              </a:rPr>
+              <a:t>Mar del Plata, Provincia de Buenos Aires, Argentina</a:t>
+            </a:r>
+          </a:p>
+          <a:p>
+            <a:pPr marL="0" marR="0" lvl="0" indent="0" algn="l" defTabSz="914400" rtl="0" eaLnBrk="0" fontAlgn="base" latinLnBrk="0" hangingPunct="0">
+              <a:lnSpc>
+                <a:spcPct val="100000"/>
+              </a:lnSpc>
+              <a:spcBef>
+                <a:spcPct val="0"/>
+              </a:spcBef>
+              <a:spcAft>
+                <a:spcPct val="0"/>
+              </a:spcAft>
+              <a:buClrTx/>
+              <a:buSzTx/>
+              <a:buFontTx/>
+              <a:buNone/>
+              <a:tabLst/>
+            </a:pPr>
+            <a:br>
+              <a:rPr kumimoji="0" lang="en-US" altLang="en-US" sz="1000" b="0" i="0" u="none" strike="noStrike" cap="none" normalizeH="0" baseline="0">
+                <a:ln>
+                  <a:noFill/>
+                </a:ln>
+                <a:solidFill>
+                  <a:srgbClr val="333333"/>
+                </a:solidFill>
+                <a:effectLst/>
+                <a:latin typeface="Lato" panose="020F0502020204030203" pitchFamily="34" charset="0"/>
+              </a:rPr>
+            </a:br>
+            <a:endParaRPr kumimoji="0" lang="en-US" altLang="en-US" sz="1800" b="0" i="0" u="none" strike="noStrike" cap="none" normalizeH="0" baseline="0">
+              <a:ln>
+                <a:noFill/>
+              </a:ln>
+              <a:solidFill>
+                <a:schemeClr val="tx1"/>
+              </a:solidFill>
+              <a:effectLst/>
+              <a:latin typeface="Arial" panose="020B0604020202020204" pitchFamily="34" charset="0"/>
+            </a:endParaRPr>
+          </a:p>
+        </p:txBody>
+      </p:sp>
+      <p:sp>
+        <p:nvSpPr>
+          <p:cNvPr id="11" name="TextBox 10">
+            <a:extLst>
+              <a:ext uri="{FF2B5EF4-FFF2-40B4-BE49-F238E27FC236}">
+                <a16:creationId xmlns:a16="http://schemas.microsoft.com/office/drawing/2014/main" id="{DC1FDF56-11EB-E851-9055-018BF81BB6DF}"/>
+              </a:ext>
+            </a:extLst>
+          </p:cNvPr>
+          <p:cNvSpPr txBox="1"/>
+          <p:nvPr/>
+        </p:nvSpPr>
+        <p:spPr>
+          <a:xfrm>
+            <a:off x="11542005" y="11763460"/>
+            <a:ext cx="457200" cy="457200"/>
+          </a:xfrm>
+          <a:prstGeom prst="rect">
+            <a:avLst/>
+          </a:prstGeom>
+          <a:solidFill>
+            <a:srgbClr val="D7E4BD">
+              <a:alpha val="69804"/>
+            </a:srgbClr>
+          </a:solidFill>
+          <a:ln w="25400">
+            <a:solidFill>
+              <a:schemeClr val="tx1"/>
+            </a:solidFill>
+          </a:ln>
+        </p:spPr>
+        <p:txBody>
+          <a:bodyPr wrap="square" lIns="91440" tIns="91440" rIns="91440" bIns="91440" anchor="b">
+            <a:noAutofit/>
+          </a:bodyPr>
+          <a:lstStyle/>
+          <a:p>
+            <a:pPr marL="0" marR="0" lvl="0" indent="0" algn="ctr" defTabSz="914400" rtl="0" eaLnBrk="1" fontAlgn="auto" latinLnBrk="0" hangingPunct="1">
+              <a:lnSpc>
+                <a:spcPct val="100000"/>
+              </a:lnSpc>
+              <a:spcBef>
+                <a:spcPts val="0"/>
+              </a:spcBef>
+              <a:spcAft>
+                <a:spcPts val="500"/>
+              </a:spcAft>
+              <a:buClr>
+                <a:srgbClr val="000000"/>
+              </a:buClr>
+              <a:buSzTx/>
+              <a:buFont typeface="Arial"/>
+              <a:buNone/>
+              <a:tabLst/>
+              <a:defRPr/>
+            </a:pPr>
+            <a:r>
+              <a:rPr lang="en-US" sz="2000" dirty="0">
+                <a:solidFill>
+                  <a:schemeClr val="tx1"/>
+                </a:solidFill>
+                <a:ea typeface="Cascadia Mono SemiLight" panose="020B0609020000020004" pitchFamily="49" charset="0"/>
+                <a:cs typeface="Cascadia Mono SemiLight" panose="020B0609020000020004" pitchFamily="49" charset="0"/>
+              </a:rPr>
+              <a:t>1</a:t>
+            </a:r>
+            <a:endParaRPr kumimoji="0" lang="en-US" sz="2000" i="0" u="none" strike="noStrike" kern="0" cap="none" spc="0" normalizeH="0" baseline="0" noProof="0" dirty="0">
+              <a:ln>
+                <a:noFill/>
+              </a:ln>
+              <a:solidFill>
+                <a:schemeClr val="tx1"/>
+              </a:solidFill>
+              <a:effectLst/>
+              <a:uLnTx/>
+              <a:uFillTx/>
+              <a:latin typeface="Arial"/>
+              <a:ea typeface="Cascadia Mono SemiLight" panose="020B0609020000020004" pitchFamily="49" charset="0"/>
+              <a:cs typeface="Cascadia Mono SemiLight" panose="020B0609020000020004" pitchFamily="49" charset="0"/>
+              <a:sym typeface="Arial"/>
+            </a:endParaRPr>
+          </a:p>
+        </p:txBody>
+      </p:sp>
+      <p:cxnSp>
+        <p:nvCxnSpPr>
+          <p:cNvPr id="18" name="Google Shape;98;p1">
+            <a:extLst>
+              <a:ext uri="{FF2B5EF4-FFF2-40B4-BE49-F238E27FC236}">
+                <a16:creationId xmlns:a16="http://schemas.microsoft.com/office/drawing/2014/main" id="{1081D4A6-B13A-D419-5DE1-97540CC763C7}"/>
+              </a:ext>
+            </a:extLst>
+          </p:cNvPr>
+          <p:cNvCxnSpPr>
+            <a:cxnSpLocks/>
+          </p:cNvCxnSpPr>
+          <p:nvPr/>
+        </p:nvCxnSpPr>
+        <p:spPr>
+          <a:xfrm rot="5400000">
+            <a:off x="22062194" y="18882321"/>
+            <a:ext cx="0" cy="457200"/>
+          </a:xfrm>
+          <a:prstGeom prst="straightConnector1">
+            <a:avLst/>
+          </a:prstGeom>
+          <a:noFill/>
+          <a:ln w="12700" cap="flat" cmpd="sng">
+            <a:solidFill>
+              <a:schemeClr val="dk1"/>
+            </a:solidFill>
+            <a:prstDash val="solid"/>
+            <a:round/>
+            <a:headEnd type="none" w="sm" len="sm"/>
+            <a:tailEnd type="none" w="sm" len="sm"/>
+          </a:ln>
+          <a:effectLst>
+            <a:outerShdw blurRad="40000" dist="20000" dir="5400000" rotWithShape="0">
+              <a:srgbClr val="000000">
+                <a:alpha val="36470"/>
+              </a:srgbClr>
+            </a:outerShdw>
+          </a:effectLst>
+        </p:spPr>
+      </p:cxnSp>
     </p:spTree>
   </p:cSld>
   <p:clrMapOvr>

--- a/Poster Files/Alex Bangs - Poster Current Draft.pptx
+++ b/Poster Files/Alex Bangs - Poster Current Draft.pptx
@@ -269,7 +269,7 @@
       <p15:notesGuideLst xmlns:p15="http://schemas.microsoft.com/office/powerpoint/2012/main"/>
     </p:ext>
     <p:ext uri="http://customooxmlschemas.google.com/">
-      <go:slidesCustomData xmlns="" xmlns:mc="http://schemas.openxmlformats.org/markup-compatibility/2006" xmlns:mv="urn:schemas-microsoft-com:mac:vml" xmlns:c="http://schemas.openxmlformats.org/drawingml/2006/chart" xmlns:dgm="http://schemas.openxmlformats.org/drawingml/2006/diagram" xmlns:o="urn:schemas-microsoft-com:office:office" xmlns:v="urn:schemas-microsoft-com:vml" xmlns:pvml="urn:schemas-microsoft-com:office:powerpoint" xmlns:com="http://schemas.openxmlformats.org/drawingml/2006/compatibility" xmlns:p14="http://schemas.microsoft.com/office/powerpoint/2010/main" xmlns:p15="http://schemas.microsoft.com/office/powerpoint/2012/main" xmlns:ahyp="http://schemas.microsoft.com/office/drawing/2018/hyperlinkcolor" xmlns:go="http://customooxmlschemas.google.com/" r:id="rId8" roundtripDataSignature="AMtx7mi/h82vb4vaiyJxrkkTqy2IKs11OQ=="/>
+      <go:slidesCustomData xmlns:go="http://customooxmlschemas.google.com/" xmlns:ahyp="http://schemas.microsoft.com/office/drawing/2018/hyperlinkcolor" xmlns:p15="http://schemas.microsoft.com/office/powerpoint/2012/main" xmlns:p14="http://schemas.microsoft.com/office/powerpoint/2010/main" xmlns:com="http://schemas.openxmlformats.org/drawingml/2006/compatibility" xmlns:pvml="urn:schemas-microsoft-com:office:powerpoint" xmlns:v="urn:schemas-microsoft-com:vml" xmlns:o="urn:schemas-microsoft-com:office:office" xmlns:dgm="http://schemas.openxmlformats.org/drawingml/2006/diagram" xmlns:c="http://schemas.openxmlformats.org/drawingml/2006/chart" xmlns:mv="urn:schemas-microsoft-com:mac:vml" xmlns:mc="http://schemas.openxmlformats.org/markup-compatibility/2006" xmlns="" r:id="rId8" roundtripDataSignature="AMtx7mi/h82vb4vaiyJxrkkTqy2IKs11OQ=="/>
     </p:ext>
   </p:extLst>
 </p:presentation>
@@ -4605,1216 +4605,6 @@
 </file>
 
 <file path=ppt/slideLayouts/slideLayout10.xml><?xml version="1.0" encoding="utf-8"?>
-<p:sldLayout xmlns:a="http://schemas.openxmlformats.org/drawingml/2006/main" xmlns:r="http://schemas.openxmlformats.org/officeDocument/2006/relationships" xmlns:p="http://schemas.openxmlformats.org/presentationml/2006/main" matchingName="Title and Vertical Text" type="vertTx">
-  <p:cSld name="VERTICAL_TEXT">
-    <p:spTree>
-      <p:nvGrpSpPr>
-        <p:cNvPr id="1" name="Shape 72"/>
-        <p:cNvGrpSpPr/>
-        <p:nvPr/>
-      </p:nvGrpSpPr>
-      <p:grpSpPr>
-        <a:xfrm>
-          <a:off x="0" y="0"/>
-          <a:ext cx="0" cy="0"/>
-          <a:chOff x="0" y="0"/>
-          <a:chExt cx="0" cy="0"/>
-        </a:xfrm>
-      </p:grpSpPr>
-      <p:sp>
-        <p:nvSpPr>
-          <p:cNvPr id="73" name="Google Shape;73;p12"/>
-          <p:cNvSpPr txBox="1">
-            <a:spLocks noGrp="1"/>
-          </p:cNvSpPr>
-          <p:nvPr>
-            <p:ph type="title"/>
-          </p:nvPr>
-        </p:nvSpPr>
-        <p:spPr>
-          <a:xfrm>
-            <a:off x="2194560" y="1318263"/>
-            <a:ext cx="39502081" cy="5486400"/>
-          </a:xfrm>
-          <a:prstGeom prst="rect">
-            <a:avLst/>
-          </a:prstGeom>
-          <a:noFill/>
-          <a:ln>
-            <a:noFill/>
-          </a:ln>
-        </p:spPr>
-        <p:txBody>
-          <a:bodyPr spcFirstLastPara="1" wrap="square" lIns="313475" tIns="156725" rIns="313475" bIns="156725" anchor="ctr" anchorCtr="0">
-            <a:noAutofit/>
-          </a:bodyPr>
-          <a:lstStyle>
-            <a:lvl1pPr marR="0" lvl="0" algn="ctr">
-              <a:lnSpc>
-                <a:spcPct val="100000"/>
-              </a:lnSpc>
-              <a:spcBef>
-                <a:spcPts val="0"/>
-              </a:spcBef>
-              <a:spcAft>
-                <a:spcPts val="0"/>
-              </a:spcAft>
-              <a:buClr>
-                <a:schemeClr val="dk1"/>
-              </a:buClr>
-              <a:buSzPts val="20133"/>
-              <a:buFont typeface="Arial"/>
-              <a:buNone/>
-              <a:defRPr sz="20133" b="0" i="0" u="none" strike="noStrike" cap="none">
-                <a:solidFill>
-                  <a:schemeClr val="dk1"/>
-                </a:solidFill>
-                <a:latin typeface="Arial"/>
-                <a:ea typeface="Arial"/>
-                <a:cs typeface="Arial"/>
-                <a:sym typeface="Arial"/>
-              </a:defRPr>
-            </a:lvl1pPr>
-            <a:lvl2pPr lvl="1" algn="l">
-              <a:lnSpc>
-                <a:spcPct val="100000"/>
-              </a:lnSpc>
-              <a:spcBef>
-                <a:spcPts val="0"/>
-              </a:spcBef>
-              <a:spcAft>
-                <a:spcPts val="0"/>
-              </a:spcAft>
-              <a:buSzPts val="1400"/>
-              <a:buNone/>
-              <a:defRPr sz="1800"/>
-            </a:lvl2pPr>
-            <a:lvl3pPr lvl="2" algn="l">
-              <a:lnSpc>
-                <a:spcPct val="100000"/>
-              </a:lnSpc>
-              <a:spcBef>
-                <a:spcPts val="0"/>
-              </a:spcBef>
-              <a:spcAft>
-                <a:spcPts val="0"/>
-              </a:spcAft>
-              <a:buSzPts val="1400"/>
-              <a:buNone/>
-              <a:defRPr sz="1800"/>
-            </a:lvl3pPr>
-            <a:lvl4pPr lvl="3" algn="l">
-              <a:lnSpc>
-                <a:spcPct val="100000"/>
-              </a:lnSpc>
-              <a:spcBef>
-                <a:spcPts val="0"/>
-              </a:spcBef>
-              <a:spcAft>
-                <a:spcPts val="0"/>
-              </a:spcAft>
-              <a:buSzPts val="1400"/>
-              <a:buNone/>
-              <a:defRPr sz="1800"/>
-            </a:lvl4pPr>
-            <a:lvl5pPr lvl="4" algn="l">
-              <a:lnSpc>
-                <a:spcPct val="100000"/>
-              </a:lnSpc>
-              <a:spcBef>
-                <a:spcPts val="0"/>
-              </a:spcBef>
-              <a:spcAft>
-                <a:spcPts val="0"/>
-              </a:spcAft>
-              <a:buSzPts val="1400"/>
-              <a:buNone/>
-              <a:defRPr sz="1800"/>
-            </a:lvl5pPr>
-            <a:lvl6pPr lvl="5" algn="l">
-              <a:lnSpc>
-                <a:spcPct val="100000"/>
-              </a:lnSpc>
-              <a:spcBef>
-                <a:spcPts val="0"/>
-              </a:spcBef>
-              <a:spcAft>
-                <a:spcPts val="0"/>
-              </a:spcAft>
-              <a:buSzPts val="1400"/>
-              <a:buNone/>
-              <a:defRPr sz="1800"/>
-            </a:lvl6pPr>
-            <a:lvl7pPr lvl="6" algn="l">
-              <a:lnSpc>
-                <a:spcPct val="100000"/>
-              </a:lnSpc>
-              <a:spcBef>
-                <a:spcPts val="0"/>
-              </a:spcBef>
-              <a:spcAft>
-                <a:spcPts val="0"/>
-              </a:spcAft>
-              <a:buSzPts val="1400"/>
-              <a:buNone/>
-              <a:defRPr sz="1800"/>
-            </a:lvl7pPr>
-            <a:lvl8pPr lvl="7" algn="l">
-              <a:lnSpc>
-                <a:spcPct val="100000"/>
-              </a:lnSpc>
-              <a:spcBef>
-                <a:spcPts val="0"/>
-              </a:spcBef>
-              <a:spcAft>
-                <a:spcPts val="0"/>
-              </a:spcAft>
-              <a:buSzPts val="1400"/>
-              <a:buNone/>
-              <a:defRPr sz="1800"/>
-            </a:lvl8pPr>
-            <a:lvl9pPr lvl="8" algn="l">
-              <a:lnSpc>
-                <a:spcPct val="100000"/>
-              </a:lnSpc>
-              <a:spcBef>
-                <a:spcPts val="0"/>
-              </a:spcBef>
-              <a:spcAft>
-                <a:spcPts val="0"/>
-              </a:spcAft>
-              <a:buSzPts val="1400"/>
-              <a:buNone/>
-              <a:defRPr sz="1800"/>
-            </a:lvl9pPr>
-          </a:lstStyle>
-          <a:p>
-            <a:endParaRPr/>
-          </a:p>
-        </p:txBody>
-      </p:sp>
-      <p:sp>
-        <p:nvSpPr>
-          <p:cNvPr id="74" name="Google Shape;74;p12"/>
-          <p:cNvSpPr txBox="1">
-            <a:spLocks noGrp="1"/>
-          </p:cNvSpPr>
-          <p:nvPr>
-            <p:ph type="body" idx="1"/>
-          </p:nvPr>
-        </p:nvSpPr>
-        <p:spPr>
-          <a:xfrm rot="5400000">
-            <a:off x="11083289" y="-1207757"/>
-            <a:ext cx="21724623" cy="39502081"/>
-          </a:xfrm>
-          <a:prstGeom prst="rect">
-            <a:avLst/>
-          </a:prstGeom>
-          <a:noFill/>
-          <a:ln>
-            <a:noFill/>
-          </a:ln>
-        </p:spPr>
-        <p:txBody>
-          <a:bodyPr spcFirstLastPara="1" wrap="square" lIns="313475" tIns="156725" rIns="313475" bIns="156725" anchor="t" anchorCtr="0">
-            <a:noAutofit/>
-          </a:bodyPr>
-          <a:lstStyle>
-            <a:lvl1pPr marL="457200" marR="0" lvl="0" indent="-1159954" algn="l">
-              <a:lnSpc>
-                <a:spcPct val="100000"/>
-              </a:lnSpc>
-              <a:spcBef>
-                <a:spcPts val="2933"/>
-              </a:spcBef>
-              <a:spcAft>
-                <a:spcPts val="0"/>
-              </a:spcAft>
-              <a:buClr>
-                <a:schemeClr val="dk1"/>
-              </a:buClr>
-              <a:buSzPts val="14667"/>
-              <a:buFont typeface="Arial"/>
-              <a:buChar char="•"/>
-              <a:defRPr sz="14667" b="0" i="0" u="none" strike="noStrike" cap="none">
-                <a:solidFill>
-                  <a:schemeClr val="dk1"/>
-                </a:solidFill>
-                <a:latin typeface="Arial"/>
-                <a:ea typeface="Arial"/>
-                <a:cs typeface="Arial"/>
-                <a:sym typeface="Arial"/>
-              </a:defRPr>
-            </a:lvl1pPr>
-            <a:lvl2pPr marL="914400" marR="0" lvl="1" indent="-1041400" algn="l">
-              <a:lnSpc>
-                <a:spcPct val="100000"/>
-              </a:lnSpc>
-              <a:spcBef>
-                <a:spcPts val="2560"/>
-              </a:spcBef>
-              <a:spcAft>
-                <a:spcPts val="0"/>
-              </a:spcAft>
-              <a:buClr>
-                <a:schemeClr val="dk1"/>
-              </a:buClr>
-              <a:buSzPts val="12800"/>
-              <a:buFont typeface="Arial"/>
-              <a:buChar char="–"/>
-              <a:defRPr sz="12800" b="0" i="0" u="none" strike="noStrike" cap="none">
-                <a:solidFill>
-                  <a:schemeClr val="dk1"/>
-                </a:solidFill>
-                <a:latin typeface="Arial"/>
-                <a:ea typeface="Arial"/>
-                <a:cs typeface="Arial"/>
-                <a:sym typeface="Arial"/>
-              </a:defRPr>
-            </a:lvl2pPr>
-            <a:lvl3pPr marL="1371600" marR="0" lvl="2" indent="-922909" algn="l">
-              <a:lnSpc>
-                <a:spcPct val="100000"/>
-              </a:lnSpc>
-              <a:spcBef>
-                <a:spcPts val="2187"/>
-              </a:spcBef>
-              <a:spcAft>
-                <a:spcPts val="0"/>
-              </a:spcAft>
-              <a:buClr>
-                <a:schemeClr val="dk1"/>
-              </a:buClr>
-              <a:buSzPts val="10934"/>
-              <a:buFont typeface="Arial"/>
-              <a:buChar char="•"/>
-              <a:defRPr sz="10934" b="0" i="0" u="none" strike="noStrike" cap="none">
-                <a:solidFill>
-                  <a:schemeClr val="dk1"/>
-                </a:solidFill>
-                <a:latin typeface="Arial"/>
-                <a:ea typeface="Arial"/>
-                <a:cs typeface="Arial"/>
-                <a:sym typeface="Arial"/>
-              </a:defRPr>
-            </a:lvl3pPr>
-            <a:lvl4pPr marL="1828800" marR="0" lvl="3" indent="-812800" algn="l">
-              <a:lnSpc>
-                <a:spcPct val="100000"/>
-              </a:lnSpc>
-              <a:spcBef>
-                <a:spcPts val="1840"/>
-              </a:spcBef>
-              <a:spcAft>
-                <a:spcPts val="0"/>
-              </a:spcAft>
-              <a:buClr>
-                <a:schemeClr val="dk1"/>
-              </a:buClr>
-              <a:buSzPts val="9200"/>
-              <a:buFont typeface="Arial"/>
-              <a:buChar char="–"/>
-              <a:defRPr sz="9200" b="0" i="0" u="none" strike="noStrike" cap="none">
-                <a:solidFill>
-                  <a:schemeClr val="dk1"/>
-                </a:solidFill>
-                <a:latin typeface="Arial"/>
-                <a:ea typeface="Arial"/>
-                <a:cs typeface="Arial"/>
-                <a:sym typeface="Arial"/>
-              </a:defRPr>
-            </a:lvl4pPr>
-            <a:lvl5pPr marL="2286000" marR="0" lvl="4" indent="-812800" algn="l">
-              <a:lnSpc>
-                <a:spcPct val="100000"/>
-              </a:lnSpc>
-              <a:spcBef>
-                <a:spcPts val="1840"/>
-              </a:spcBef>
-              <a:spcAft>
-                <a:spcPts val="0"/>
-              </a:spcAft>
-              <a:buClr>
-                <a:schemeClr val="dk1"/>
-              </a:buClr>
-              <a:buSzPts val="9200"/>
-              <a:buFont typeface="Arial"/>
-              <a:buChar char="»"/>
-              <a:defRPr sz="9200" b="0" i="0" u="none" strike="noStrike" cap="none">
-                <a:solidFill>
-                  <a:schemeClr val="dk1"/>
-                </a:solidFill>
-                <a:latin typeface="Arial"/>
-                <a:ea typeface="Arial"/>
-                <a:cs typeface="Arial"/>
-                <a:sym typeface="Arial"/>
-              </a:defRPr>
-            </a:lvl5pPr>
-            <a:lvl6pPr marL="2743200" marR="0" lvl="5" indent="-812800" algn="l">
-              <a:lnSpc>
-                <a:spcPct val="100000"/>
-              </a:lnSpc>
-              <a:spcBef>
-                <a:spcPts val="1840"/>
-              </a:spcBef>
-              <a:spcAft>
-                <a:spcPts val="0"/>
-              </a:spcAft>
-              <a:buClr>
-                <a:schemeClr val="dk1"/>
-              </a:buClr>
-              <a:buSzPts val="9200"/>
-              <a:buFont typeface="Arial"/>
-              <a:buChar char="•"/>
-              <a:defRPr sz="9200" b="0" i="0" u="none" strike="noStrike" cap="none">
-                <a:solidFill>
-                  <a:schemeClr val="dk1"/>
-                </a:solidFill>
-                <a:latin typeface="Arial"/>
-                <a:ea typeface="Arial"/>
-                <a:cs typeface="Arial"/>
-                <a:sym typeface="Arial"/>
-              </a:defRPr>
-            </a:lvl6pPr>
-            <a:lvl7pPr marL="3200400" marR="0" lvl="6" indent="-812800" algn="l">
-              <a:lnSpc>
-                <a:spcPct val="100000"/>
-              </a:lnSpc>
-              <a:spcBef>
-                <a:spcPts val="1840"/>
-              </a:spcBef>
-              <a:spcAft>
-                <a:spcPts val="0"/>
-              </a:spcAft>
-              <a:buClr>
-                <a:schemeClr val="dk1"/>
-              </a:buClr>
-              <a:buSzPts val="9200"/>
-              <a:buFont typeface="Arial"/>
-              <a:buChar char="•"/>
-              <a:defRPr sz="9200" b="0" i="0" u="none" strike="noStrike" cap="none">
-                <a:solidFill>
-                  <a:schemeClr val="dk1"/>
-                </a:solidFill>
-                <a:latin typeface="Arial"/>
-                <a:ea typeface="Arial"/>
-                <a:cs typeface="Arial"/>
-                <a:sym typeface="Arial"/>
-              </a:defRPr>
-            </a:lvl7pPr>
-            <a:lvl8pPr marL="3657600" marR="0" lvl="7" indent="-812800" algn="l">
-              <a:lnSpc>
-                <a:spcPct val="100000"/>
-              </a:lnSpc>
-              <a:spcBef>
-                <a:spcPts val="1840"/>
-              </a:spcBef>
-              <a:spcAft>
-                <a:spcPts val="0"/>
-              </a:spcAft>
-              <a:buClr>
-                <a:schemeClr val="dk1"/>
-              </a:buClr>
-              <a:buSzPts val="9200"/>
-              <a:buFont typeface="Arial"/>
-              <a:buChar char="•"/>
-              <a:defRPr sz="9200" b="0" i="0" u="none" strike="noStrike" cap="none">
-                <a:solidFill>
-                  <a:schemeClr val="dk1"/>
-                </a:solidFill>
-                <a:latin typeface="Arial"/>
-                <a:ea typeface="Arial"/>
-                <a:cs typeface="Arial"/>
-                <a:sym typeface="Arial"/>
-              </a:defRPr>
-            </a:lvl8pPr>
-            <a:lvl9pPr marL="4114800" marR="0" lvl="8" indent="-812800" algn="l">
-              <a:lnSpc>
-                <a:spcPct val="100000"/>
-              </a:lnSpc>
-              <a:spcBef>
-                <a:spcPts val="1840"/>
-              </a:spcBef>
-              <a:spcAft>
-                <a:spcPts val="0"/>
-              </a:spcAft>
-              <a:buClr>
-                <a:schemeClr val="dk1"/>
-              </a:buClr>
-              <a:buSzPts val="9200"/>
-              <a:buFont typeface="Arial"/>
-              <a:buChar char="•"/>
-              <a:defRPr sz="9200" b="0" i="0" u="none" strike="noStrike" cap="none">
-                <a:solidFill>
-                  <a:schemeClr val="dk1"/>
-                </a:solidFill>
-                <a:latin typeface="Arial"/>
-                <a:ea typeface="Arial"/>
-                <a:cs typeface="Arial"/>
-                <a:sym typeface="Arial"/>
-              </a:defRPr>
-            </a:lvl9pPr>
-          </a:lstStyle>
-          <a:p>
-            <a:endParaRPr/>
-          </a:p>
-        </p:txBody>
-      </p:sp>
-      <p:sp>
-        <p:nvSpPr>
-          <p:cNvPr id="75" name="Google Shape;75;p12"/>
-          <p:cNvSpPr txBox="1">
-            <a:spLocks noGrp="1"/>
-          </p:cNvSpPr>
-          <p:nvPr>
-            <p:ph type="dt" idx="10"/>
-          </p:nvPr>
-        </p:nvSpPr>
-        <p:spPr>
-          <a:xfrm>
-            <a:off x="2194560" y="30510491"/>
-            <a:ext cx="10241280" cy="1752600"/>
-          </a:xfrm>
-          <a:prstGeom prst="rect">
-            <a:avLst/>
-          </a:prstGeom>
-          <a:noFill/>
-          <a:ln>
-            <a:noFill/>
-          </a:ln>
-        </p:spPr>
-        <p:txBody>
-          <a:bodyPr spcFirstLastPara="1" wrap="square" lIns="313475" tIns="156725" rIns="313475" bIns="156725" anchor="ctr" anchorCtr="0">
-            <a:noAutofit/>
-          </a:bodyPr>
-          <a:lstStyle>
-            <a:lvl1pPr marR="0" lvl="0" algn="l">
-              <a:lnSpc>
-                <a:spcPct val="100000"/>
-              </a:lnSpc>
-              <a:spcBef>
-                <a:spcPts val="0"/>
-              </a:spcBef>
-              <a:spcAft>
-                <a:spcPts val="0"/>
-              </a:spcAft>
-              <a:buSzPts val="1400"/>
-              <a:buNone/>
-              <a:defRPr sz="5466">
-                <a:solidFill>
-                  <a:srgbClr val="888888"/>
-                </a:solidFill>
-                <a:latin typeface="Arial"/>
-                <a:ea typeface="Arial"/>
-                <a:cs typeface="Arial"/>
-                <a:sym typeface="Arial"/>
-              </a:defRPr>
-            </a:lvl1pPr>
-            <a:lvl2pPr marR="0" lvl="1" algn="l">
-              <a:lnSpc>
-                <a:spcPct val="100000"/>
-              </a:lnSpc>
-              <a:spcBef>
-                <a:spcPts val="0"/>
-              </a:spcBef>
-              <a:spcAft>
-                <a:spcPts val="0"/>
-              </a:spcAft>
-              <a:buSzPts val="1400"/>
-              <a:buNone/>
-              <a:defRPr sz="9300" b="0" i="0" u="none" strike="noStrike" cap="none">
-                <a:solidFill>
-                  <a:schemeClr val="dk1"/>
-                </a:solidFill>
-                <a:latin typeface="Arial"/>
-                <a:ea typeface="Arial"/>
-                <a:cs typeface="Arial"/>
-                <a:sym typeface="Arial"/>
-              </a:defRPr>
-            </a:lvl2pPr>
-            <a:lvl3pPr marR="0" lvl="2" algn="l">
-              <a:lnSpc>
-                <a:spcPct val="100000"/>
-              </a:lnSpc>
-              <a:spcBef>
-                <a:spcPts val="0"/>
-              </a:spcBef>
-              <a:spcAft>
-                <a:spcPts val="0"/>
-              </a:spcAft>
-              <a:buSzPts val="1400"/>
-              <a:buNone/>
-              <a:defRPr sz="9300" b="0" i="0" u="none" strike="noStrike" cap="none">
-                <a:solidFill>
-                  <a:schemeClr val="dk1"/>
-                </a:solidFill>
-                <a:latin typeface="Arial"/>
-                <a:ea typeface="Arial"/>
-                <a:cs typeface="Arial"/>
-                <a:sym typeface="Arial"/>
-              </a:defRPr>
-            </a:lvl3pPr>
-            <a:lvl4pPr marR="0" lvl="3" algn="l">
-              <a:lnSpc>
-                <a:spcPct val="100000"/>
-              </a:lnSpc>
-              <a:spcBef>
-                <a:spcPts val="0"/>
-              </a:spcBef>
-              <a:spcAft>
-                <a:spcPts val="0"/>
-              </a:spcAft>
-              <a:buSzPts val="1400"/>
-              <a:buNone/>
-              <a:defRPr sz="9300" b="0" i="0" u="none" strike="noStrike" cap="none">
-                <a:solidFill>
-                  <a:schemeClr val="dk1"/>
-                </a:solidFill>
-                <a:latin typeface="Arial"/>
-                <a:ea typeface="Arial"/>
-                <a:cs typeface="Arial"/>
-                <a:sym typeface="Arial"/>
-              </a:defRPr>
-            </a:lvl4pPr>
-            <a:lvl5pPr marR="0" lvl="4" algn="l">
-              <a:lnSpc>
-                <a:spcPct val="100000"/>
-              </a:lnSpc>
-              <a:spcBef>
-                <a:spcPts val="0"/>
-              </a:spcBef>
-              <a:spcAft>
-                <a:spcPts val="0"/>
-              </a:spcAft>
-              <a:buSzPts val="1400"/>
-              <a:buNone/>
-              <a:defRPr sz="9300" b="0" i="0" u="none" strike="noStrike" cap="none">
-                <a:solidFill>
-                  <a:schemeClr val="dk1"/>
-                </a:solidFill>
-                <a:latin typeface="Arial"/>
-                <a:ea typeface="Arial"/>
-                <a:cs typeface="Arial"/>
-                <a:sym typeface="Arial"/>
-              </a:defRPr>
-            </a:lvl5pPr>
-            <a:lvl6pPr marR="0" lvl="5" algn="l">
-              <a:lnSpc>
-                <a:spcPct val="100000"/>
-              </a:lnSpc>
-              <a:spcBef>
-                <a:spcPts val="0"/>
-              </a:spcBef>
-              <a:spcAft>
-                <a:spcPts val="0"/>
-              </a:spcAft>
-              <a:buSzPts val="1400"/>
-              <a:buNone/>
-              <a:defRPr sz="9300" b="0" i="0" u="none" strike="noStrike" cap="none">
-                <a:solidFill>
-                  <a:schemeClr val="dk1"/>
-                </a:solidFill>
-                <a:latin typeface="Arial"/>
-                <a:ea typeface="Arial"/>
-                <a:cs typeface="Arial"/>
-                <a:sym typeface="Arial"/>
-              </a:defRPr>
-            </a:lvl6pPr>
-            <a:lvl7pPr marR="0" lvl="6" algn="l">
-              <a:lnSpc>
-                <a:spcPct val="100000"/>
-              </a:lnSpc>
-              <a:spcBef>
-                <a:spcPts val="0"/>
-              </a:spcBef>
-              <a:spcAft>
-                <a:spcPts val="0"/>
-              </a:spcAft>
-              <a:buSzPts val="1400"/>
-              <a:buNone/>
-              <a:defRPr sz="9300" b="0" i="0" u="none" strike="noStrike" cap="none">
-                <a:solidFill>
-                  <a:schemeClr val="dk1"/>
-                </a:solidFill>
-                <a:latin typeface="Arial"/>
-                <a:ea typeface="Arial"/>
-                <a:cs typeface="Arial"/>
-                <a:sym typeface="Arial"/>
-              </a:defRPr>
-            </a:lvl7pPr>
-            <a:lvl8pPr marR="0" lvl="7" algn="l">
-              <a:lnSpc>
-                <a:spcPct val="100000"/>
-              </a:lnSpc>
-              <a:spcBef>
-                <a:spcPts val="0"/>
-              </a:spcBef>
-              <a:spcAft>
-                <a:spcPts val="0"/>
-              </a:spcAft>
-              <a:buSzPts val="1400"/>
-              <a:buNone/>
-              <a:defRPr sz="9300" b="0" i="0" u="none" strike="noStrike" cap="none">
-                <a:solidFill>
-                  <a:schemeClr val="dk1"/>
-                </a:solidFill>
-                <a:latin typeface="Arial"/>
-                <a:ea typeface="Arial"/>
-                <a:cs typeface="Arial"/>
-                <a:sym typeface="Arial"/>
-              </a:defRPr>
-            </a:lvl8pPr>
-            <a:lvl9pPr marR="0" lvl="8" algn="l">
-              <a:lnSpc>
-                <a:spcPct val="100000"/>
-              </a:lnSpc>
-              <a:spcBef>
-                <a:spcPts val="0"/>
-              </a:spcBef>
-              <a:spcAft>
-                <a:spcPts val="0"/>
-              </a:spcAft>
-              <a:buSzPts val="1400"/>
-              <a:buNone/>
-              <a:defRPr sz="9300" b="0" i="0" u="none" strike="noStrike" cap="none">
-                <a:solidFill>
-                  <a:schemeClr val="dk1"/>
-                </a:solidFill>
-                <a:latin typeface="Arial"/>
-                <a:ea typeface="Arial"/>
-                <a:cs typeface="Arial"/>
-                <a:sym typeface="Arial"/>
-              </a:defRPr>
-            </a:lvl9pPr>
-          </a:lstStyle>
-          <a:p>
-            <a:endParaRPr/>
-          </a:p>
-        </p:txBody>
-      </p:sp>
-      <p:sp>
-        <p:nvSpPr>
-          <p:cNvPr id="76" name="Google Shape;76;p12"/>
-          <p:cNvSpPr txBox="1">
-            <a:spLocks noGrp="1"/>
-          </p:cNvSpPr>
-          <p:nvPr>
-            <p:ph type="ftr" idx="11"/>
-          </p:nvPr>
-        </p:nvSpPr>
-        <p:spPr>
-          <a:xfrm>
-            <a:off x="14996159" y="30510491"/>
-            <a:ext cx="13898880" cy="1752600"/>
-          </a:xfrm>
-          <a:prstGeom prst="rect">
-            <a:avLst/>
-          </a:prstGeom>
-          <a:noFill/>
-          <a:ln>
-            <a:noFill/>
-          </a:ln>
-        </p:spPr>
-        <p:txBody>
-          <a:bodyPr spcFirstLastPara="1" wrap="square" lIns="313475" tIns="156725" rIns="313475" bIns="156725" anchor="ctr" anchorCtr="0">
-            <a:noAutofit/>
-          </a:bodyPr>
-          <a:lstStyle>
-            <a:lvl1pPr marR="0" lvl="0" algn="ctr">
-              <a:lnSpc>
-                <a:spcPct val="100000"/>
-              </a:lnSpc>
-              <a:spcBef>
-                <a:spcPts val="0"/>
-              </a:spcBef>
-              <a:spcAft>
-                <a:spcPts val="0"/>
-              </a:spcAft>
-              <a:buSzPts val="1400"/>
-              <a:buNone/>
-              <a:defRPr sz="5466">
-                <a:solidFill>
-                  <a:srgbClr val="888888"/>
-                </a:solidFill>
-                <a:latin typeface="Arial"/>
-                <a:ea typeface="Arial"/>
-                <a:cs typeface="Arial"/>
-                <a:sym typeface="Arial"/>
-              </a:defRPr>
-            </a:lvl1pPr>
-            <a:lvl2pPr marR="0" lvl="1" algn="l">
-              <a:lnSpc>
-                <a:spcPct val="100000"/>
-              </a:lnSpc>
-              <a:spcBef>
-                <a:spcPts val="0"/>
-              </a:spcBef>
-              <a:spcAft>
-                <a:spcPts val="0"/>
-              </a:spcAft>
-              <a:buSzPts val="1400"/>
-              <a:buNone/>
-              <a:defRPr sz="9300" b="0" i="0" u="none" strike="noStrike" cap="none">
-                <a:solidFill>
-                  <a:schemeClr val="dk1"/>
-                </a:solidFill>
-                <a:latin typeface="Arial"/>
-                <a:ea typeface="Arial"/>
-                <a:cs typeface="Arial"/>
-                <a:sym typeface="Arial"/>
-              </a:defRPr>
-            </a:lvl2pPr>
-            <a:lvl3pPr marR="0" lvl="2" algn="l">
-              <a:lnSpc>
-                <a:spcPct val="100000"/>
-              </a:lnSpc>
-              <a:spcBef>
-                <a:spcPts val="0"/>
-              </a:spcBef>
-              <a:spcAft>
-                <a:spcPts val="0"/>
-              </a:spcAft>
-              <a:buSzPts val="1400"/>
-              <a:buNone/>
-              <a:defRPr sz="9300" b="0" i="0" u="none" strike="noStrike" cap="none">
-                <a:solidFill>
-                  <a:schemeClr val="dk1"/>
-                </a:solidFill>
-                <a:latin typeface="Arial"/>
-                <a:ea typeface="Arial"/>
-                <a:cs typeface="Arial"/>
-                <a:sym typeface="Arial"/>
-              </a:defRPr>
-            </a:lvl3pPr>
-            <a:lvl4pPr marR="0" lvl="3" algn="l">
-              <a:lnSpc>
-                <a:spcPct val="100000"/>
-              </a:lnSpc>
-              <a:spcBef>
-                <a:spcPts val="0"/>
-              </a:spcBef>
-              <a:spcAft>
-                <a:spcPts val="0"/>
-              </a:spcAft>
-              <a:buSzPts val="1400"/>
-              <a:buNone/>
-              <a:defRPr sz="9300" b="0" i="0" u="none" strike="noStrike" cap="none">
-                <a:solidFill>
-                  <a:schemeClr val="dk1"/>
-                </a:solidFill>
-                <a:latin typeface="Arial"/>
-                <a:ea typeface="Arial"/>
-                <a:cs typeface="Arial"/>
-                <a:sym typeface="Arial"/>
-              </a:defRPr>
-            </a:lvl4pPr>
-            <a:lvl5pPr marR="0" lvl="4" algn="l">
-              <a:lnSpc>
-                <a:spcPct val="100000"/>
-              </a:lnSpc>
-              <a:spcBef>
-                <a:spcPts val="0"/>
-              </a:spcBef>
-              <a:spcAft>
-                <a:spcPts val="0"/>
-              </a:spcAft>
-              <a:buSzPts val="1400"/>
-              <a:buNone/>
-              <a:defRPr sz="9300" b="0" i="0" u="none" strike="noStrike" cap="none">
-                <a:solidFill>
-                  <a:schemeClr val="dk1"/>
-                </a:solidFill>
-                <a:latin typeface="Arial"/>
-                <a:ea typeface="Arial"/>
-                <a:cs typeface="Arial"/>
-                <a:sym typeface="Arial"/>
-              </a:defRPr>
-            </a:lvl5pPr>
-            <a:lvl6pPr marR="0" lvl="5" algn="l">
-              <a:lnSpc>
-                <a:spcPct val="100000"/>
-              </a:lnSpc>
-              <a:spcBef>
-                <a:spcPts val="0"/>
-              </a:spcBef>
-              <a:spcAft>
-                <a:spcPts val="0"/>
-              </a:spcAft>
-              <a:buSzPts val="1400"/>
-              <a:buNone/>
-              <a:defRPr sz="9300" b="0" i="0" u="none" strike="noStrike" cap="none">
-                <a:solidFill>
-                  <a:schemeClr val="dk1"/>
-                </a:solidFill>
-                <a:latin typeface="Arial"/>
-                <a:ea typeface="Arial"/>
-                <a:cs typeface="Arial"/>
-                <a:sym typeface="Arial"/>
-              </a:defRPr>
-            </a:lvl6pPr>
-            <a:lvl7pPr marR="0" lvl="6" algn="l">
-              <a:lnSpc>
-                <a:spcPct val="100000"/>
-              </a:lnSpc>
-              <a:spcBef>
-                <a:spcPts val="0"/>
-              </a:spcBef>
-              <a:spcAft>
-                <a:spcPts val="0"/>
-              </a:spcAft>
-              <a:buSzPts val="1400"/>
-              <a:buNone/>
-              <a:defRPr sz="9300" b="0" i="0" u="none" strike="noStrike" cap="none">
-                <a:solidFill>
-                  <a:schemeClr val="dk1"/>
-                </a:solidFill>
-                <a:latin typeface="Arial"/>
-                <a:ea typeface="Arial"/>
-                <a:cs typeface="Arial"/>
-                <a:sym typeface="Arial"/>
-              </a:defRPr>
-            </a:lvl7pPr>
-            <a:lvl8pPr marR="0" lvl="7" algn="l">
-              <a:lnSpc>
-                <a:spcPct val="100000"/>
-              </a:lnSpc>
-              <a:spcBef>
-                <a:spcPts val="0"/>
-              </a:spcBef>
-              <a:spcAft>
-                <a:spcPts val="0"/>
-              </a:spcAft>
-              <a:buSzPts val="1400"/>
-              <a:buNone/>
-              <a:defRPr sz="9300" b="0" i="0" u="none" strike="noStrike" cap="none">
-                <a:solidFill>
-                  <a:schemeClr val="dk1"/>
-                </a:solidFill>
-                <a:latin typeface="Arial"/>
-                <a:ea typeface="Arial"/>
-                <a:cs typeface="Arial"/>
-                <a:sym typeface="Arial"/>
-              </a:defRPr>
-            </a:lvl8pPr>
-            <a:lvl9pPr marR="0" lvl="8" algn="l">
-              <a:lnSpc>
-                <a:spcPct val="100000"/>
-              </a:lnSpc>
-              <a:spcBef>
-                <a:spcPts val="0"/>
-              </a:spcBef>
-              <a:spcAft>
-                <a:spcPts val="0"/>
-              </a:spcAft>
-              <a:buSzPts val="1400"/>
-              <a:buNone/>
-              <a:defRPr sz="9300" b="0" i="0" u="none" strike="noStrike" cap="none">
-                <a:solidFill>
-                  <a:schemeClr val="dk1"/>
-                </a:solidFill>
-                <a:latin typeface="Arial"/>
-                <a:ea typeface="Arial"/>
-                <a:cs typeface="Arial"/>
-                <a:sym typeface="Arial"/>
-              </a:defRPr>
-            </a:lvl9pPr>
-          </a:lstStyle>
-          <a:p>
-            <a:endParaRPr/>
-          </a:p>
-        </p:txBody>
-      </p:sp>
-      <p:sp>
-        <p:nvSpPr>
-          <p:cNvPr id="77" name="Google Shape;77;p12"/>
-          <p:cNvSpPr txBox="1">
-            <a:spLocks noGrp="1"/>
-          </p:cNvSpPr>
-          <p:nvPr>
-            <p:ph type="sldNum" idx="12"/>
-          </p:nvPr>
-        </p:nvSpPr>
-        <p:spPr>
-          <a:xfrm>
-            <a:off x="31455359" y="30510491"/>
-            <a:ext cx="10241280" cy="1752600"/>
-          </a:xfrm>
-          <a:prstGeom prst="rect">
-            <a:avLst/>
-          </a:prstGeom>
-          <a:noFill/>
-          <a:ln>
-            <a:noFill/>
-          </a:ln>
-        </p:spPr>
-        <p:txBody>
-          <a:bodyPr spcFirstLastPara="1" wrap="square" lIns="313475" tIns="156725" rIns="313475" bIns="156725" anchor="ctr" anchorCtr="0">
-            <a:noAutofit/>
-          </a:bodyPr>
-          <a:lstStyle>
-            <a:lvl1pPr marL="0" marR="0" lvl="0" indent="0" algn="r">
-              <a:lnSpc>
-                <a:spcPct val="100000"/>
-              </a:lnSpc>
-              <a:spcBef>
-                <a:spcPts val="0"/>
-              </a:spcBef>
-              <a:spcAft>
-                <a:spcPts val="0"/>
-              </a:spcAft>
-              <a:buClr>
-                <a:srgbClr val="000000"/>
-              </a:buClr>
-              <a:buSzPts val="5466"/>
-              <a:buFont typeface="Arial"/>
-              <a:buNone/>
-              <a:defRPr sz="5466" b="0" i="0" u="none" strike="noStrike" cap="none">
-                <a:solidFill>
-                  <a:srgbClr val="888888"/>
-                </a:solidFill>
-                <a:latin typeface="Arial"/>
-                <a:ea typeface="Arial"/>
-                <a:cs typeface="Arial"/>
-                <a:sym typeface="Arial"/>
-              </a:defRPr>
-            </a:lvl1pPr>
-            <a:lvl2pPr marL="0" marR="0" lvl="1" indent="0" algn="r">
-              <a:lnSpc>
-                <a:spcPct val="100000"/>
-              </a:lnSpc>
-              <a:spcBef>
-                <a:spcPts val="0"/>
-              </a:spcBef>
-              <a:spcAft>
-                <a:spcPts val="0"/>
-              </a:spcAft>
-              <a:buClr>
-                <a:srgbClr val="000000"/>
-              </a:buClr>
-              <a:buSzPts val="5466"/>
-              <a:buFont typeface="Arial"/>
-              <a:buNone/>
-              <a:defRPr sz="5466" b="0" i="0" u="none" strike="noStrike" cap="none">
-                <a:solidFill>
-                  <a:srgbClr val="888888"/>
-                </a:solidFill>
-                <a:latin typeface="Arial"/>
-                <a:ea typeface="Arial"/>
-                <a:cs typeface="Arial"/>
-                <a:sym typeface="Arial"/>
-              </a:defRPr>
-            </a:lvl2pPr>
-            <a:lvl3pPr marL="0" marR="0" lvl="2" indent="0" algn="r">
-              <a:lnSpc>
-                <a:spcPct val="100000"/>
-              </a:lnSpc>
-              <a:spcBef>
-                <a:spcPts val="0"/>
-              </a:spcBef>
-              <a:spcAft>
-                <a:spcPts val="0"/>
-              </a:spcAft>
-              <a:buClr>
-                <a:srgbClr val="000000"/>
-              </a:buClr>
-              <a:buSzPts val="5466"/>
-              <a:buFont typeface="Arial"/>
-              <a:buNone/>
-              <a:defRPr sz="5466" b="0" i="0" u="none" strike="noStrike" cap="none">
-                <a:solidFill>
-                  <a:srgbClr val="888888"/>
-                </a:solidFill>
-                <a:latin typeface="Arial"/>
-                <a:ea typeface="Arial"/>
-                <a:cs typeface="Arial"/>
-                <a:sym typeface="Arial"/>
-              </a:defRPr>
-            </a:lvl3pPr>
-            <a:lvl4pPr marL="0" marR="0" lvl="3" indent="0" algn="r">
-              <a:lnSpc>
-                <a:spcPct val="100000"/>
-              </a:lnSpc>
-              <a:spcBef>
-                <a:spcPts val="0"/>
-              </a:spcBef>
-              <a:spcAft>
-                <a:spcPts val="0"/>
-              </a:spcAft>
-              <a:buClr>
-                <a:srgbClr val="000000"/>
-              </a:buClr>
-              <a:buSzPts val="5466"/>
-              <a:buFont typeface="Arial"/>
-              <a:buNone/>
-              <a:defRPr sz="5466" b="0" i="0" u="none" strike="noStrike" cap="none">
-                <a:solidFill>
-                  <a:srgbClr val="888888"/>
-                </a:solidFill>
-                <a:latin typeface="Arial"/>
-                <a:ea typeface="Arial"/>
-                <a:cs typeface="Arial"/>
-                <a:sym typeface="Arial"/>
-              </a:defRPr>
-            </a:lvl4pPr>
-            <a:lvl5pPr marL="0" marR="0" lvl="4" indent="0" algn="r">
-              <a:lnSpc>
-                <a:spcPct val="100000"/>
-              </a:lnSpc>
-              <a:spcBef>
-                <a:spcPts val="0"/>
-              </a:spcBef>
-              <a:spcAft>
-                <a:spcPts val="0"/>
-              </a:spcAft>
-              <a:buClr>
-                <a:srgbClr val="000000"/>
-              </a:buClr>
-              <a:buSzPts val="5466"/>
-              <a:buFont typeface="Arial"/>
-              <a:buNone/>
-              <a:defRPr sz="5466" b="0" i="0" u="none" strike="noStrike" cap="none">
-                <a:solidFill>
-                  <a:srgbClr val="888888"/>
-                </a:solidFill>
-                <a:latin typeface="Arial"/>
-                <a:ea typeface="Arial"/>
-                <a:cs typeface="Arial"/>
-                <a:sym typeface="Arial"/>
-              </a:defRPr>
-            </a:lvl5pPr>
-            <a:lvl6pPr marL="0" marR="0" lvl="5" indent="0" algn="r">
-              <a:lnSpc>
-                <a:spcPct val="100000"/>
-              </a:lnSpc>
-              <a:spcBef>
-                <a:spcPts val="0"/>
-              </a:spcBef>
-              <a:spcAft>
-                <a:spcPts val="0"/>
-              </a:spcAft>
-              <a:buClr>
-                <a:srgbClr val="000000"/>
-              </a:buClr>
-              <a:buSzPts val="5466"/>
-              <a:buFont typeface="Arial"/>
-              <a:buNone/>
-              <a:defRPr sz="5466" b="0" i="0" u="none" strike="noStrike" cap="none">
-                <a:solidFill>
-                  <a:srgbClr val="888888"/>
-                </a:solidFill>
-                <a:latin typeface="Arial"/>
-                <a:ea typeface="Arial"/>
-                <a:cs typeface="Arial"/>
-                <a:sym typeface="Arial"/>
-              </a:defRPr>
-            </a:lvl6pPr>
-            <a:lvl7pPr marL="0" marR="0" lvl="6" indent="0" algn="r">
-              <a:lnSpc>
-                <a:spcPct val="100000"/>
-              </a:lnSpc>
-              <a:spcBef>
-                <a:spcPts val="0"/>
-              </a:spcBef>
-              <a:spcAft>
-                <a:spcPts val="0"/>
-              </a:spcAft>
-              <a:buClr>
-                <a:srgbClr val="000000"/>
-              </a:buClr>
-              <a:buSzPts val="5466"/>
-              <a:buFont typeface="Arial"/>
-              <a:buNone/>
-              <a:defRPr sz="5466" b="0" i="0" u="none" strike="noStrike" cap="none">
-                <a:solidFill>
-                  <a:srgbClr val="888888"/>
-                </a:solidFill>
-                <a:latin typeface="Arial"/>
-                <a:ea typeface="Arial"/>
-                <a:cs typeface="Arial"/>
-                <a:sym typeface="Arial"/>
-              </a:defRPr>
-            </a:lvl7pPr>
-            <a:lvl8pPr marL="0" marR="0" lvl="7" indent="0" algn="r">
-              <a:lnSpc>
-                <a:spcPct val="100000"/>
-              </a:lnSpc>
-              <a:spcBef>
-                <a:spcPts val="0"/>
-              </a:spcBef>
-              <a:spcAft>
-                <a:spcPts val="0"/>
-              </a:spcAft>
-              <a:buClr>
-                <a:srgbClr val="000000"/>
-              </a:buClr>
-              <a:buSzPts val="5466"/>
-              <a:buFont typeface="Arial"/>
-              <a:buNone/>
-              <a:defRPr sz="5466" b="0" i="0" u="none" strike="noStrike" cap="none">
-                <a:solidFill>
-                  <a:srgbClr val="888888"/>
-                </a:solidFill>
-                <a:latin typeface="Arial"/>
-                <a:ea typeface="Arial"/>
-                <a:cs typeface="Arial"/>
-                <a:sym typeface="Arial"/>
-              </a:defRPr>
-            </a:lvl8pPr>
-            <a:lvl9pPr marL="0" marR="0" lvl="8" indent="0" algn="r">
-              <a:lnSpc>
-                <a:spcPct val="100000"/>
-              </a:lnSpc>
-              <a:spcBef>
-                <a:spcPts val="0"/>
-              </a:spcBef>
-              <a:spcAft>
-                <a:spcPts val="0"/>
-              </a:spcAft>
-              <a:buClr>
-                <a:srgbClr val="000000"/>
-              </a:buClr>
-              <a:buSzPts val="5466"/>
-              <a:buFont typeface="Arial"/>
-              <a:buNone/>
-              <a:defRPr sz="5466" b="0" i="0" u="none" strike="noStrike" cap="none">
-                <a:solidFill>
-                  <a:srgbClr val="888888"/>
-                </a:solidFill>
-                <a:latin typeface="Arial"/>
-                <a:ea typeface="Arial"/>
-                <a:cs typeface="Arial"/>
-                <a:sym typeface="Arial"/>
-              </a:defRPr>
-            </a:lvl9pPr>
-          </a:lstStyle>
-          <a:p>
-            <a:pPr marL="0" lvl="0" indent="0" algn="r" rtl="0">
-              <a:spcBef>
-                <a:spcPts val="0"/>
-              </a:spcBef>
-              <a:spcAft>
-                <a:spcPts val="0"/>
-              </a:spcAft>
-              <a:buNone/>
-            </a:pPr>
-            <a:fld id="{00000000-1234-1234-1234-123412341234}" type="slidenum">
-              <a:rPr lang="en-US"/>
-              <a:t>‹#›</a:t>
-            </a:fld>
-            <a:endParaRPr/>
-          </a:p>
-        </p:txBody>
-      </p:sp>
-    </p:spTree>
-  </p:cSld>
-  <p:clrMapOvr>
-    <a:masterClrMapping/>
-  </p:clrMapOvr>
-</p:sldLayout>
-</file>
-
-<file path=ppt/slideLayouts/slideLayout11.xml><?xml version="1.0" encoding="utf-8"?>
 <p:sldLayout xmlns:a="http://schemas.openxmlformats.org/drawingml/2006/main" xmlns:r="http://schemas.openxmlformats.org/officeDocument/2006/relationships" xmlns:p="http://schemas.openxmlformats.org/presentationml/2006/main" matchingName="Vertical Title and Text" type="vertTitleAndTx">
   <p:cSld name="VERTICAL_TITLE_AND_VERTICAL_TEXT">
     <p:spTree>
@@ -7025,1216 +5815,6 @@
 </file>
 
 <file path=ppt/slideLayouts/slideLayout2.xml><?xml version="1.0" encoding="utf-8"?>
-<p:sldLayout xmlns:a="http://schemas.openxmlformats.org/drawingml/2006/main" xmlns:r="http://schemas.openxmlformats.org/officeDocument/2006/relationships" xmlns:p="http://schemas.openxmlformats.org/presentationml/2006/main" matchingName="Title Slide" type="title">
-  <p:cSld name="TITLE">
-    <p:spTree>
-      <p:nvGrpSpPr>
-        <p:cNvPr id="1" name="Shape 19"/>
-        <p:cNvGrpSpPr/>
-        <p:nvPr/>
-      </p:nvGrpSpPr>
-      <p:grpSpPr>
-        <a:xfrm>
-          <a:off x="0" y="0"/>
-          <a:ext cx="0" cy="0"/>
-          <a:chOff x="0" y="0"/>
-          <a:chExt cx="0" cy="0"/>
-        </a:xfrm>
-      </p:grpSpPr>
-      <p:sp>
-        <p:nvSpPr>
-          <p:cNvPr id="20" name="Google Shape;20;p4"/>
-          <p:cNvSpPr txBox="1">
-            <a:spLocks noGrp="1"/>
-          </p:cNvSpPr>
-          <p:nvPr>
-            <p:ph type="ctrTitle"/>
-          </p:nvPr>
-        </p:nvSpPr>
-        <p:spPr>
-          <a:xfrm>
-            <a:off x="3291840" y="10226052"/>
-            <a:ext cx="37307519" cy="7056120"/>
-          </a:xfrm>
-          <a:prstGeom prst="rect">
-            <a:avLst/>
-          </a:prstGeom>
-          <a:noFill/>
-          <a:ln>
-            <a:noFill/>
-          </a:ln>
-        </p:spPr>
-        <p:txBody>
-          <a:bodyPr spcFirstLastPara="1" wrap="square" lIns="313475" tIns="156725" rIns="313475" bIns="156725" anchor="ctr" anchorCtr="0">
-            <a:noAutofit/>
-          </a:bodyPr>
-          <a:lstStyle>
-            <a:lvl1pPr marR="0" lvl="0" algn="ctr">
-              <a:lnSpc>
-                <a:spcPct val="100000"/>
-              </a:lnSpc>
-              <a:spcBef>
-                <a:spcPts val="0"/>
-              </a:spcBef>
-              <a:spcAft>
-                <a:spcPts val="0"/>
-              </a:spcAft>
-              <a:buClr>
-                <a:schemeClr val="dk1"/>
-              </a:buClr>
-              <a:buSzPts val="20133"/>
-              <a:buFont typeface="Arial"/>
-              <a:buNone/>
-              <a:defRPr sz="20133" b="0" i="0" u="none" strike="noStrike" cap="none">
-                <a:solidFill>
-                  <a:schemeClr val="dk1"/>
-                </a:solidFill>
-                <a:latin typeface="Arial"/>
-                <a:ea typeface="Arial"/>
-                <a:cs typeface="Arial"/>
-                <a:sym typeface="Arial"/>
-              </a:defRPr>
-            </a:lvl1pPr>
-            <a:lvl2pPr lvl="1" algn="l">
-              <a:lnSpc>
-                <a:spcPct val="100000"/>
-              </a:lnSpc>
-              <a:spcBef>
-                <a:spcPts val="0"/>
-              </a:spcBef>
-              <a:spcAft>
-                <a:spcPts val="0"/>
-              </a:spcAft>
-              <a:buSzPts val="1400"/>
-              <a:buNone/>
-              <a:defRPr sz="1800"/>
-            </a:lvl2pPr>
-            <a:lvl3pPr lvl="2" algn="l">
-              <a:lnSpc>
-                <a:spcPct val="100000"/>
-              </a:lnSpc>
-              <a:spcBef>
-                <a:spcPts val="0"/>
-              </a:spcBef>
-              <a:spcAft>
-                <a:spcPts val="0"/>
-              </a:spcAft>
-              <a:buSzPts val="1400"/>
-              <a:buNone/>
-              <a:defRPr sz="1800"/>
-            </a:lvl3pPr>
-            <a:lvl4pPr lvl="3" algn="l">
-              <a:lnSpc>
-                <a:spcPct val="100000"/>
-              </a:lnSpc>
-              <a:spcBef>
-                <a:spcPts val="0"/>
-              </a:spcBef>
-              <a:spcAft>
-                <a:spcPts val="0"/>
-              </a:spcAft>
-              <a:buSzPts val="1400"/>
-              <a:buNone/>
-              <a:defRPr sz="1800"/>
-            </a:lvl4pPr>
-            <a:lvl5pPr lvl="4" algn="l">
-              <a:lnSpc>
-                <a:spcPct val="100000"/>
-              </a:lnSpc>
-              <a:spcBef>
-                <a:spcPts val="0"/>
-              </a:spcBef>
-              <a:spcAft>
-                <a:spcPts val="0"/>
-              </a:spcAft>
-              <a:buSzPts val="1400"/>
-              <a:buNone/>
-              <a:defRPr sz="1800"/>
-            </a:lvl5pPr>
-            <a:lvl6pPr lvl="5" algn="l">
-              <a:lnSpc>
-                <a:spcPct val="100000"/>
-              </a:lnSpc>
-              <a:spcBef>
-                <a:spcPts val="0"/>
-              </a:spcBef>
-              <a:spcAft>
-                <a:spcPts val="0"/>
-              </a:spcAft>
-              <a:buSzPts val="1400"/>
-              <a:buNone/>
-              <a:defRPr sz="1800"/>
-            </a:lvl6pPr>
-            <a:lvl7pPr lvl="6" algn="l">
-              <a:lnSpc>
-                <a:spcPct val="100000"/>
-              </a:lnSpc>
-              <a:spcBef>
-                <a:spcPts val="0"/>
-              </a:spcBef>
-              <a:spcAft>
-                <a:spcPts val="0"/>
-              </a:spcAft>
-              <a:buSzPts val="1400"/>
-              <a:buNone/>
-              <a:defRPr sz="1800"/>
-            </a:lvl7pPr>
-            <a:lvl8pPr lvl="7" algn="l">
-              <a:lnSpc>
-                <a:spcPct val="100000"/>
-              </a:lnSpc>
-              <a:spcBef>
-                <a:spcPts val="0"/>
-              </a:spcBef>
-              <a:spcAft>
-                <a:spcPts val="0"/>
-              </a:spcAft>
-              <a:buSzPts val="1400"/>
-              <a:buNone/>
-              <a:defRPr sz="1800"/>
-            </a:lvl8pPr>
-            <a:lvl9pPr lvl="8" algn="l">
-              <a:lnSpc>
-                <a:spcPct val="100000"/>
-              </a:lnSpc>
-              <a:spcBef>
-                <a:spcPts val="0"/>
-              </a:spcBef>
-              <a:spcAft>
-                <a:spcPts val="0"/>
-              </a:spcAft>
-              <a:buSzPts val="1400"/>
-              <a:buNone/>
-              <a:defRPr sz="1800"/>
-            </a:lvl9pPr>
-          </a:lstStyle>
-          <a:p>
-            <a:endParaRPr/>
-          </a:p>
-        </p:txBody>
-      </p:sp>
-      <p:sp>
-        <p:nvSpPr>
-          <p:cNvPr id="21" name="Google Shape;21;p4"/>
-          <p:cNvSpPr txBox="1">
-            <a:spLocks noGrp="1"/>
-          </p:cNvSpPr>
-          <p:nvPr>
-            <p:ph type="subTitle" idx="1"/>
-          </p:nvPr>
-        </p:nvSpPr>
-        <p:spPr>
-          <a:xfrm>
-            <a:off x="6583680" y="18653759"/>
-            <a:ext cx="30723839" cy="8412480"/>
-          </a:xfrm>
-          <a:prstGeom prst="rect">
-            <a:avLst/>
-          </a:prstGeom>
-          <a:noFill/>
-          <a:ln>
-            <a:noFill/>
-          </a:ln>
-        </p:spPr>
-        <p:txBody>
-          <a:bodyPr spcFirstLastPara="1" wrap="square" lIns="313475" tIns="156725" rIns="313475" bIns="156725" anchor="t" anchorCtr="0">
-            <a:noAutofit/>
-          </a:bodyPr>
-          <a:lstStyle>
-            <a:lvl1pPr marR="0" lvl="0" algn="ctr">
-              <a:lnSpc>
-                <a:spcPct val="100000"/>
-              </a:lnSpc>
-              <a:spcBef>
-                <a:spcPts val="2933"/>
-              </a:spcBef>
-              <a:spcAft>
-                <a:spcPts val="0"/>
-              </a:spcAft>
-              <a:buClr>
-                <a:srgbClr val="888888"/>
-              </a:buClr>
-              <a:buSzPts val="14667"/>
-              <a:buFont typeface="Arial"/>
-              <a:buNone/>
-              <a:defRPr sz="14667" b="0" i="0" u="none" strike="noStrike" cap="none">
-                <a:solidFill>
-                  <a:srgbClr val="888888"/>
-                </a:solidFill>
-                <a:latin typeface="Arial"/>
-                <a:ea typeface="Arial"/>
-                <a:cs typeface="Arial"/>
-                <a:sym typeface="Arial"/>
-              </a:defRPr>
-            </a:lvl1pPr>
-            <a:lvl2pPr marR="0" lvl="1" algn="ctr">
-              <a:lnSpc>
-                <a:spcPct val="100000"/>
-              </a:lnSpc>
-              <a:spcBef>
-                <a:spcPts val="2560"/>
-              </a:spcBef>
-              <a:spcAft>
-                <a:spcPts val="0"/>
-              </a:spcAft>
-              <a:buClr>
-                <a:srgbClr val="888888"/>
-              </a:buClr>
-              <a:buSzPts val="12800"/>
-              <a:buFont typeface="Arial"/>
-              <a:buNone/>
-              <a:defRPr sz="12800" b="0" i="0" u="none" strike="noStrike" cap="none">
-                <a:solidFill>
-                  <a:srgbClr val="888888"/>
-                </a:solidFill>
-                <a:latin typeface="Arial"/>
-                <a:ea typeface="Arial"/>
-                <a:cs typeface="Arial"/>
-                <a:sym typeface="Arial"/>
-              </a:defRPr>
-            </a:lvl2pPr>
-            <a:lvl3pPr marR="0" lvl="2" algn="ctr">
-              <a:lnSpc>
-                <a:spcPct val="100000"/>
-              </a:lnSpc>
-              <a:spcBef>
-                <a:spcPts val="2187"/>
-              </a:spcBef>
-              <a:spcAft>
-                <a:spcPts val="0"/>
-              </a:spcAft>
-              <a:buClr>
-                <a:srgbClr val="888888"/>
-              </a:buClr>
-              <a:buSzPts val="10934"/>
-              <a:buFont typeface="Arial"/>
-              <a:buNone/>
-              <a:defRPr sz="10934" b="0" i="0" u="none" strike="noStrike" cap="none">
-                <a:solidFill>
-                  <a:srgbClr val="888888"/>
-                </a:solidFill>
-                <a:latin typeface="Arial"/>
-                <a:ea typeface="Arial"/>
-                <a:cs typeface="Arial"/>
-                <a:sym typeface="Arial"/>
-              </a:defRPr>
-            </a:lvl3pPr>
-            <a:lvl4pPr marR="0" lvl="3" algn="ctr">
-              <a:lnSpc>
-                <a:spcPct val="100000"/>
-              </a:lnSpc>
-              <a:spcBef>
-                <a:spcPts val="1840"/>
-              </a:spcBef>
-              <a:spcAft>
-                <a:spcPts val="0"/>
-              </a:spcAft>
-              <a:buClr>
-                <a:srgbClr val="888888"/>
-              </a:buClr>
-              <a:buSzPts val="9200"/>
-              <a:buFont typeface="Arial"/>
-              <a:buNone/>
-              <a:defRPr sz="9200" b="0" i="0" u="none" strike="noStrike" cap="none">
-                <a:solidFill>
-                  <a:srgbClr val="888888"/>
-                </a:solidFill>
-                <a:latin typeface="Arial"/>
-                <a:ea typeface="Arial"/>
-                <a:cs typeface="Arial"/>
-                <a:sym typeface="Arial"/>
-              </a:defRPr>
-            </a:lvl4pPr>
-            <a:lvl5pPr marR="0" lvl="4" algn="ctr">
-              <a:lnSpc>
-                <a:spcPct val="100000"/>
-              </a:lnSpc>
-              <a:spcBef>
-                <a:spcPts val="1840"/>
-              </a:spcBef>
-              <a:spcAft>
-                <a:spcPts val="0"/>
-              </a:spcAft>
-              <a:buClr>
-                <a:srgbClr val="888888"/>
-              </a:buClr>
-              <a:buSzPts val="9200"/>
-              <a:buFont typeface="Arial"/>
-              <a:buNone/>
-              <a:defRPr sz="9200" b="0" i="0" u="none" strike="noStrike" cap="none">
-                <a:solidFill>
-                  <a:srgbClr val="888888"/>
-                </a:solidFill>
-                <a:latin typeface="Arial"/>
-                <a:ea typeface="Arial"/>
-                <a:cs typeface="Arial"/>
-                <a:sym typeface="Arial"/>
-              </a:defRPr>
-            </a:lvl5pPr>
-            <a:lvl6pPr marR="0" lvl="5" algn="ctr">
-              <a:lnSpc>
-                <a:spcPct val="100000"/>
-              </a:lnSpc>
-              <a:spcBef>
-                <a:spcPts val="1840"/>
-              </a:spcBef>
-              <a:spcAft>
-                <a:spcPts val="0"/>
-              </a:spcAft>
-              <a:buClr>
-                <a:srgbClr val="888888"/>
-              </a:buClr>
-              <a:buSzPts val="9200"/>
-              <a:buFont typeface="Arial"/>
-              <a:buNone/>
-              <a:defRPr sz="9200" b="0" i="0" u="none" strike="noStrike" cap="none">
-                <a:solidFill>
-                  <a:srgbClr val="888888"/>
-                </a:solidFill>
-                <a:latin typeface="Arial"/>
-                <a:ea typeface="Arial"/>
-                <a:cs typeface="Arial"/>
-                <a:sym typeface="Arial"/>
-              </a:defRPr>
-            </a:lvl6pPr>
-            <a:lvl7pPr marR="0" lvl="6" algn="ctr">
-              <a:lnSpc>
-                <a:spcPct val="100000"/>
-              </a:lnSpc>
-              <a:spcBef>
-                <a:spcPts val="1840"/>
-              </a:spcBef>
-              <a:spcAft>
-                <a:spcPts val="0"/>
-              </a:spcAft>
-              <a:buClr>
-                <a:srgbClr val="888888"/>
-              </a:buClr>
-              <a:buSzPts val="9200"/>
-              <a:buFont typeface="Arial"/>
-              <a:buNone/>
-              <a:defRPr sz="9200" b="0" i="0" u="none" strike="noStrike" cap="none">
-                <a:solidFill>
-                  <a:srgbClr val="888888"/>
-                </a:solidFill>
-                <a:latin typeface="Arial"/>
-                <a:ea typeface="Arial"/>
-                <a:cs typeface="Arial"/>
-                <a:sym typeface="Arial"/>
-              </a:defRPr>
-            </a:lvl7pPr>
-            <a:lvl8pPr marR="0" lvl="7" algn="ctr">
-              <a:lnSpc>
-                <a:spcPct val="100000"/>
-              </a:lnSpc>
-              <a:spcBef>
-                <a:spcPts val="1840"/>
-              </a:spcBef>
-              <a:spcAft>
-                <a:spcPts val="0"/>
-              </a:spcAft>
-              <a:buClr>
-                <a:srgbClr val="888888"/>
-              </a:buClr>
-              <a:buSzPts val="9200"/>
-              <a:buFont typeface="Arial"/>
-              <a:buNone/>
-              <a:defRPr sz="9200" b="0" i="0" u="none" strike="noStrike" cap="none">
-                <a:solidFill>
-                  <a:srgbClr val="888888"/>
-                </a:solidFill>
-                <a:latin typeface="Arial"/>
-                <a:ea typeface="Arial"/>
-                <a:cs typeface="Arial"/>
-                <a:sym typeface="Arial"/>
-              </a:defRPr>
-            </a:lvl8pPr>
-            <a:lvl9pPr marR="0" lvl="8" algn="ctr">
-              <a:lnSpc>
-                <a:spcPct val="100000"/>
-              </a:lnSpc>
-              <a:spcBef>
-                <a:spcPts val="1840"/>
-              </a:spcBef>
-              <a:spcAft>
-                <a:spcPts val="0"/>
-              </a:spcAft>
-              <a:buClr>
-                <a:srgbClr val="888888"/>
-              </a:buClr>
-              <a:buSzPts val="9200"/>
-              <a:buFont typeface="Arial"/>
-              <a:buNone/>
-              <a:defRPr sz="9200" b="0" i="0" u="none" strike="noStrike" cap="none">
-                <a:solidFill>
-                  <a:srgbClr val="888888"/>
-                </a:solidFill>
-                <a:latin typeface="Arial"/>
-                <a:ea typeface="Arial"/>
-                <a:cs typeface="Arial"/>
-                <a:sym typeface="Arial"/>
-              </a:defRPr>
-            </a:lvl9pPr>
-          </a:lstStyle>
-          <a:p>
-            <a:endParaRPr/>
-          </a:p>
-        </p:txBody>
-      </p:sp>
-      <p:sp>
-        <p:nvSpPr>
-          <p:cNvPr id="22" name="Google Shape;22;p4"/>
-          <p:cNvSpPr txBox="1">
-            <a:spLocks noGrp="1"/>
-          </p:cNvSpPr>
-          <p:nvPr>
-            <p:ph type="dt" idx="10"/>
-          </p:nvPr>
-        </p:nvSpPr>
-        <p:spPr>
-          <a:xfrm>
-            <a:off x="2194560" y="30510491"/>
-            <a:ext cx="10241280" cy="1752600"/>
-          </a:xfrm>
-          <a:prstGeom prst="rect">
-            <a:avLst/>
-          </a:prstGeom>
-          <a:noFill/>
-          <a:ln>
-            <a:noFill/>
-          </a:ln>
-        </p:spPr>
-        <p:txBody>
-          <a:bodyPr spcFirstLastPara="1" wrap="square" lIns="313475" tIns="156725" rIns="313475" bIns="156725" anchor="ctr" anchorCtr="0">
-            <a:noAutofit/>
-          </a:bodyPr>
-          <a:lstStyle>
-            <a:lvl1pPr marR="0" lvl="0" algn="l">
-              <a:lnSpc>
-                <a:spcPct val="100000"/>
-              </a:lnSpc>
-              <a:spcBef>
-                <a:spcPts val="0"/>
-              </a:spcBef>
-              <a:spcAft>
-                <a:spcPts val="0"/>
-              </a:spcAft>
-              <a:buSzPts val="1400"/>
-              <a:buNone/>
-              <a:defRPr sz="5466">
-                <a:solidFill>
-                  <a:srgbClr val="888888"/>
-                </a:solidFill>
-                <a:latin typeface="Arial"/>
-                <a:ea typeface="Arial"/>
-                <a:cs typeface="Arial"/>
-                <a:sym typeface="Arial"/>
-              </a:defRPr>
-            </a:lvl1pPr>
-            <a:lvl2pPr marR="0" lvl="1" algn="l">
-              <a:lnSpc>
-                <a:spcPct val="100000"/>
-              </a:lnSpc>
-              <a:spcBef>
-                <a:spcPts val="0"/>
-              </a:spcBef>
-              <a:spcAft>
-                <a:spcPts val="0"/>
-              </a:spcAft>
-              <a:buSzPts val="1400"/>
-              <a:buNone/>
-              <a:defRPr sz="9300" b="0" i="0" u="none" strike="noStrike" cap="none">
-                <a:solidFill>
-                  <a:schemeClr val="dk1"/>
-                </a:solidFill>
-                <a:latin typeface="Arial"/>
-                <a:ea typeface="Arial"/>
-                <a:cs typeface="Arial"/>
-                <a:sym typeface="Arial"/>
-              </a:defRPr>
-            </a:lvl2pPr>
-            <a:lvl3pPr marR="0" lvl="2" algn="l">
-              <a:lnSpc>
-                <a:spcPct val="100000"/>
-              </a:lnSpc>
-              <a:spcBef>
-                <a:spcPts val="0"/>
-              </a:spcBef>
-              <a:spcAft>
-                <a:spcPts val="0"/>
-              </a:spcAft>
-              <a:buSzPts val="1400"/>
-              <a:buNone/>
-              <a:defRPr sz="9300" b="0" i="0" u="none" strike="noStrike" cap="none">
-                <a:solidFill>
-                  <a:schemeClr val="dk1"/>
-                </a:solidFill>
-                <a:latin typeface="Arial"/>
-                <a:ea typeface="Arial"/>
-                <a:cs typeface="Arial"/>
-                <a:sym typeface="Arial"/>
-              </a:defRPr>
-            </a:lvl3pPr>
-            <a:lvl4pPr marR="0" lvl="3" algn="l">
-              <a:lnSpc>
-                <a:spcPct val="100000"/>
-              </a:lnSpc>
-              <a:spcBef>
-                <a:spcPts val="0"/>
-              </a:spcBef>
-              <a:spcAft>
-                <a:spcPts val="0"/>
-              </a:spcAft>
-              <a:buSzPts val="1400"/>
-              <a:buNone/>
-              <a:defRPr sz="9300" b="0" i="0" u="none" strike="noStrike" cap="none">
-                <a:solidFill>
-                  <a:schemeClr val="dk1"/>
-                </a:solidFill>
-                <a:latin typeface="Arial"/>
-                <a:ea typeface="Arial"/>
-                <a:cs typeface="Arial"/>
-                <a:sym typeface="Arial"/>
-              </a:defRPr>
-            </a:lvl4pPr>
-            <a:lvl5pPr marR="0" lvl="4" algn="l">
-              <a:lnSpc>
-                <a:spcPct val="100000"/>
-              </a:lnSpc>
-              <a:spcBef>
-                <a:spcPts val="0"/>
-              </a:spcBef>
-              <a:spcAft>
-                <a:spcPts val="0"/>
-              </a:spcAft>
-              <a:buSzPts val="1400"/>
-              <a:buNone/>
-              <a:defRPr sz="9300" b="0" i="0" u="none" strike="noStrike" cap="none">
-                <a:solidFill>
-                  <a:schemeClr val="dk1"/>
-                </a:solidFill>
-                <a:latin typeface="Arial"/>
-                <a:ea typeface="Arial"/>
-                <a:cs typeface="Arial"/>
-                <a:sym typeface="Arial"/>
-              </a:defRPr>
-            </a:lvl5pPr>
-            <a:lvl6pPr marR="0" lvl="5" algn="l">
-              <a:lnSpc>
-                <a:spcPct val="100000"/>
-              </a:lnSpc>
-              <a:spcBef>
-                <a:spcPts val="0"/>
-              </a:spcBef>
-              <a:spcAft>
-                <a:spcPts val="0"/>
-              </a:spcAft>
-              <a:buSzPts val="1400"/>
-              <a:buNone/>
-              <a:defRPr sz="9300" b="0" i="0" u="none" strike="noStrike" cap="none">
-                <a:solidFill>
-                  <a:schemeClr val="dk1"/>
-                </a:solidFill>
-                <a:latin typeface="Arial"/>
-                <a:ea typeface="Arial"/>
-                <a:cs typeface="Arial"/>
-                <a:sym typeface="Arial"/>
-              </a:defRPr>
-            </a:lvl6pPr>
-            <a:lvl7pPr marR="0" lvl="6" algn="l">
-              <a:lnSpc>
-                <a:spcPct val="100000"/>
-              </a:lnSpc>
-              <a:spcBef>
-                <a:spcPts val="0"/>
-              </a:spcBef>
-              <a:spcAft>
-                <a:spcPts val="0"/>
-              </a:spcAft>
-              <a:buSzPts val="1400"/>
-              <a:buNone/>
-              <a:defRPr sz="9300" b="0" i="0" u="none" strike="noStrike" cap="none">
-                <a:solidFill>
-                  <a:schemeClr val="dk1"/>
-                </a:solidFill>
-                <a:latin typeface="Arial"/>
-                <a:ea typeface="Arial"/>
-                <a:cs typeface="Arial"/>
-                <a:sym typeface="Arial"/>
-              </a:defRPr>
-            </a:lvl7pPr>
-            <a:lvl8pPr marR="0" lvl="7" algn="l">
-              <a:lnSpc>
-                <a:spcPct val="100000"/>
-              </a:lnSpc>
-              <a:spcBef>
-                <a:spcPts val="0"/>
-              </a:spcBef>
-              <a:spcAft>
-                <a:spcPts val="0"/>
-              </a:spcAft>
-              <a:buSzPts val="1400"/>
-              <a:buNone/>
-              <a:defRPr sz="9300" b="0" i="0" u="none" strike="noStrike" cap="none">
-                <a:solidFill>
-                  <a:schemeClr val="dk1"/>
-                </a:solidFill>
-                <a:latin typeface="Arial"/>
-                <a:ea typeface="Arial"/>
-                <a:cs typeface="Arial"/>
-                <a:sym typeface="Arial"/>
-              </a:defRPr>
-            </a:lvl8pPr>
-            <a:lvl9pPr marR="0" lvl="8" algn="l">
-              <a:lnSpc>
-                <a:spcPct val="100000"/>
-              </a:lnSpc>
-              <a:spcBef>
-                <a:spcPts val="0"/>
-              </a:spcBef>
-              <a:spcAft>
-                <a:spcPts val="0"/>
-              </a:spcAft>
-              <a:buSzPts val="1400"/>
-              <a:buNone/>
-              <a:defRPr sz="9300" b="0" i="0" u="none" strike="noStrike" cap="none">
-                <a:solidFill>
-                  <a:schemeClr val="dk1"/>
-                </a:solidFill>
-                <a:latin typeface="Arial"/>
-                <a:ea typeface="Arial"/>
-                <a:cs typeface="Arial"/>
-                <a:sym typeface="Arial"/>
-              </a:defRPr>
-            </a:lvl9pPr>
-          </a:lstStyle>
-          <a:p>
-            <a:endParaRPr/>
-          </a:p>
-        </p:txBody>
-      </p:sp>
-      <p:sp>
-        <p:nvSpPr>
-          <p:cNvPr id="23" name="Google Shape;23;p4"/>
-          <p:cNvSpPr txBox="1">
-            <a:spLocks noGrp="1"/>
-          </p:cNvSpPr>
-          <p:nvPr>
-            <p:ph type="ftr" idx="11"/>
-          </p:nvPr>
-        </p:nvSpPr>
-        <p:spPr>
-          <a:xfrm>
-            <a:off x="14996159" y="30510491"/>
-            <a:ext cx="13898880" cy="1752600"/>
-          </a:xfrm>
-          <a:prstGeom prst="rect">
-            <a:avLst/>
-          </a:prstGeom>
-          <a:noFill/>
-          <a:ln>
-            <a:noFill/>
-          </a:ln>
-        </p:spPr>
-        <p:txBody>
-          <a:bodyPr spcFirstLastPara="1" wrap="square" lIns="313475" tIns="156725" rIns="313475" bIns="156725" anchor="ctr" anchorCtr="0">
-            <a:noAutofit/>
-          </a:bodyPr>
-          <a:lstStyle>
-            <a:lvl1pPr marR="0" lvl="0" algn="ctr">
-              <a:lnSpc>
-                <a:spcPct val="100000"/>
-              </a:lnSpc>
-              <a:spcBef>
-                <a:spcPts val="0"/>
-              </a:spcBef>
-              <a:spcAft>
-                <a:spcPts val="0"/>
-              </a:spcAft>
-              <a:buSzPts val="1400"/>
-              <a:buNone/>
-              <a:defRPr sz="5466">
-                <a:solidFill>
-                  <a:srgbClr val="888888"/>
-                </a:solidFill>
-                <a:latin typeface="Arial"/>
-                <a:ea typeface="Arial"/>
-                <a:cs typeface="Arial"/>
-                <a:sym typeface="Arial"/>
-              </a:defRPr>
-            </a:lvl1pPr>
-            <a:lvl2pPr marR="0" lvl="1" algn="l">
-              <a:lnSpc>
-                <a:spcPct val="100000"/>
-              </a:lnSpc>
-              <a:spcBef>
-                <a:spcPts val="0"/>
-              </a:spcBef>
-              <a:spcAft>
-                <a:spcPts val="0"/>
-              </a:spcAft>
-              <a:buSzPts val="1400"/>
-              <a:buNone/>
-              <a:defRPr sz="9300" b="0" i="0" u="none" strike="noStrike" cap="none">
-                <a:solidFill>
-                  <a:schemeClr val="dk1"/>
-                </a:solidFill>
-                <a:latin typeface="Arial"/>
-                <a:ea typeface="Arial"/>
-                <a:cs typeface="Arial"/>
-                <a:sym typeface="Arial"/>
-              </a:defRPr>
-            </a:lvl2pPr>
-            <a:lvl3pPr marR="0" lvl="2" algn="l">
-              <a:lnSpc>
-                <a:spcPct val="100000"/>
-              </a:lnSpc>
-              <a:spcBef>
-                <a:spcPts val="0"/>
-              </a:spcBef>
-              <a:spcAft>
-                <a:spcPts val="0"/>
-              </a:spcAft>
-              <a:buSzPts val="1400"/>
-              <a:buNone/>
-              <a:defRPr sz="9300" b="0" i="0" u="none" strike="noStrike" cap="none">
-                <a:solidFill>
-                  <a:schemeClr val="dk1"/>
-                </a:solidFill>
-                <a:latin typeface="Arial"/>
-                <a:ea typeface="Arial"/>
-                <a:cs typeface="Arial"/>
-                <a:sym typeface="Arial"/>
-              </a:defRPr>
-            </a:lvl3pPr>
-            <a:lvl4pPr marR="0" lvl="3" algn="l">
-              <a:lnSpc>
-                <a:spcPct val="100000"/>
-              </a:lnSpc>
-              <a:spcBef>
-                <a:spcPts val="0"/>
-              </a:spcBef>
-              <a:spcAft>
-                <a:spcPts val="0"/>
-              </a:spcAft>
-              <a:buSzPts val="1400"/>
-              <a:buNone/>
-              <a:defRPr sz="9300" b="0" i="0" u="none" strike="noStrike" cap="none">
-                <a:solidFill>
-                  <a:schemeClr val="dk1"/>
-                </a:solidFill>
-                <a:latin typeface="Arial"/>
-                <a:ea typeface="Arial"/>
-                <a:cs typeface="Arial"/>
-                <a:sym typeface="Arial"/>
-              </a:defRPr>
-            </a:lvl4pPr>
-            <a:lvl5pPr marR="0" lvl="4" algn="l">
-              <a:lnSpc>
-                <a:spcPct val="100000"/>
-              </a:lnSpc>
-              <a:spcBef>
-                <a:spcPts val="0"/>
-              </a:spcBef>
-              <a:spcAft>
-                <a:spcPts val="0"/>
-              </a:spcAft>
-              <a:buSzPts val="1400"/>
-              <a:buNone/>
-              <a:defRPr sz="9300" b="0" i="0" u="none" strike="noStrike" cap="none">
-                <a:solidFill>
-                  <a:schemeClr val="dk1"/>
-                </a:solidFill>
-                <a:latin typeface="Arial"/>
-                <a:ea typeface="Arial"/>
-                <a:cs typeface="Arial"/>
-                <a:sym typeface="Arial"/>
-              </a:defRPr>
-            </a:lvl5pPr>
-            <a:lvl6pPr marR="0" lvl="5" algn="l">
-              <a:lnSpc>
-                <a:spcPct val="100000"/>
-              </a:lnSpc>
-              <a:spcBef>
-                <a:spcPts val="0"/>
-              </a:spcBef>
-              <a:spcAft>
-                <a:spcPts val="0"/>
-              </a:spcAft>
-              <a:buSzPts val="1400"/>
-              <a:buNone/>
-              <a:defRPr sz="9300" b="0" i="0" u="none" strike="noStrike" cap="none">
-                <a:solidFill>
-                  <a:schemeClr val="dk1"/>
-                </a:solidFill>
-                <a:latin typeface="Arial"/>
-                <a:ea typeface="Arial"/>
-                <a:cs typeface="Arial"/>
-                <a:sym typeface="Arial"/>
-              </a:defRPr>
-            </a:lvl6pPr>
-            <a:lvl7pPr marR="0" lvl="6" algn="l">
-              <a:lnSpc>
-                <a:spcPct val="100000"/>
-              </a:lnSpc>
-              <a:spcBef>
-                <a:spcPts val="0"/>
-              </a:spcBef>
-              <a:spcAft>
-                <a:spcPts val="0"/>
-              </a:spcAft>
-              <a:buSzPts val="1400"/>
-              <a:buNone/>
-              <a:defRPr sz="9300" b="0" i="0" u="none" strike="noStrike" cap="none">
-                <a:solidFill>
-                  <a:schemeClr val="dk1"/>
-                </a:solidFill>
-                <a:latin typeface="Arial"/>
-                <a:ea typeface="Arial"/>
-                <a:cs typeface="Arial"/>
-                <a:sym typeface="Arial"/>
-              </a:defRPr>
-            </a:lvl7pPr>
-            <a:lvl8pPr marR="0" lvl="7" algn="l">
-              <a:lnSpc>
-                <a:spcPct val="100000"/>
-              </a:lnSpc>
-              <a:spcBef>
-                <a:spcPts val="0"/>
-              </a:spcBef>
-              <a:spcAft>
-                <a:spcPts val="0"/>
-              </a:spcAft>
-              <a:buSzPts val="1400"/>
-              <a:buNone/>
-              <a:defRPr sz="9300" b="0" i="0" u="none" strike="noStrike" cap="none">
-                <a:solidFill>
-                  <a:schemeClr val="dk1"/>
-                </a:solidFill>
-                <a:latin typeface="Arial"/>
-                <a:ea typeface="Arial"/>
-                <a:cs typeface="Arial"/>
-                <a:sym typeface="Arial"/>
-              </a:defRPr>
-            </a:lvl8pPr>
-            <a:lvl9pPr marR="0" lvl="8" algn="l">
-              <a:lnSpc>
-                <a:spcPct val="100000"/>
-              </a:lnSpc>
-              <a:spcBef>
-                <a:spcPts val="0"/>
-              </a:spcBef>
-              <a:spcAft>
-                <a:spcPts val="0"/>
-              </a:spcAft>
-              <a:buSzPts val="1400"/>
-              <a:buNone/>
-              <a:defRPr sz="9300" b="0" i="0" u="none" strike="noStrike" cap="none">
-                <a:solidFill>
-                  <a:schemeClr val="dk1"/>
-                </a:solidFill>
-                <a:latin typeface="Arial"/>
-                <a:ea typeface="Arial"/>
-                <a:cs typeface="Arial"/>
-                <a:sym typeface="Arial"/>
-              </a:defRPr>
-            </a:lvl9pPr>
-          </a:lstStyle>
-          <a:p>
-            <a:endParaRPr/>
-          </a:p>
-        </p:txBody>
-      </p:sp>
-      <p:sp>
-        <p:nvSpPr>
-          <p:cNvPr id="24" name="Google Shape;24;p4"/>
-          <p:cNvSpPr txBox="1">
-            <a:spLocks noGrp="1"/>
-          </p:cNvSpPr>
-          <p:nvPr>
-            <p:ph type="sldNum" idx="12"/>
-          </p:nvPr>
-        </p:nvSpPr>
-        <p:spPr>
-          <a:xfrm>
-            <a:off x="31455359" y="30510491"/>
-            <a:ext cx="10241280" cy="1752600"/>
-          </a:xfrm>
-          <a:prstGeom prst="rect">
-            <a:avLst/>
-          </a:prstGeom>
-          <a:noFill/>
-          <a:ln>
-            <a:noFill/>
-          </a:ln>
-        </p:spPr>
-        <p:txBody>
-          <a:bodyPr spcFirstLastPara="1" wrap="square" lIns="313475" tIns="156725" rIns="313475" bIns="156725" anchor="ctr" anchorCtr="0">
-            <a:noAutofit/>
-          </a:bodyPr>
-          <a:lstStyle>
-            <a:lvl1pPr marL="0" marR="0" lvl="0" indent="0" algn="r">
-              <a:lnSpc>
-                <a:spcPct val="100000"/>
-              </a:lnSpc>
-              <a:spcBef>
-                <a:spcPts val="0"/>
-              </a:spcBef>
-              <a:spcAft>
-                <a:spcPts val="0"/>
-              </a:spcAft>
-              <a:buClr>
-                <a:srgbClr val="000000"/>
-              </a:buClr>
-              <a:buSzPts val="5466"/>
-              <a:buFont typeface="Arial"/>
-              <a:buNone/>
-              <a:defRPr sz="5466" b="0" i="0" u="none" strike="noStrike" cap="none">
-                <a:solidFill>
-                  <a:srgbClr val="888888"/>
-                </a:solidFill>
-                <a:latin typeface="Arial"/>
-                <a:ea typeface="Arial"/>
-                <a:cs typeface="Arial"/>
-                <a:sym typeface="Arial"/>
-              </a:defRPr>
-            </a:lvl1pPr>
-            <a:lvl2pPr marL="0" marR="0" lvl="1" indent="0" algn="r">
-              <a:lnSpc>
-                <a:spcPct val="100000"/>
-              </a:lnSpc>
-              <a:spcBef>
-                <a:spcPts val="0"/>
-              </a:spcBef>
-              <a:spcAft>
-                <a:spcPts val="0"/>
-              </a:spcAft>
-              <a:buClr>
-                <a:srgbClr val="000000"/>
-              </a:buClr>
-              <a:buSzPts val="5466"/>
-              <a:buFont typeface="Arial"/>
-              <a:buNone/>
-              <a:defRPr sz="5466" b="0" i="0" u="none" strike="noStrike" cap="none">
-                <a:solidFill>
-                  <a:srgbClr val="888888"/>
-                </a:solidFill>
-                <a:latin typeface="Arial"/>
-                <a:ea typeface="Arial"/>
-                <a:cs typeface="Arial"/>
-                <a:sym typeface="Arial"/>
-              </a:defRPr>
-            </a:lvl2pPr>
-            <a:lvl3pPr marL="0" marR="0" lvl="2" indent="0" algn="r">
-              <a:lnSpc>
-                <a:spcPct val="100000"/>
-              </a:lnSpc>
-              <a:spcBef>
-                <a:spcPts val="0"/>
-              </a:spcBef>
-              <a:spcAft>
-                <a:spcPts val="0"/>
-              </a:spcAft>
-              <a:buClr>
-                <a:srgbClr val="000000"/>
-              </a:buClr>
-              <a:buSzPts val="5466"/>
-              <a:buFont typeface="Arial"/>
-              <a:buNone/>
-              <a:defRPr sz="5466" b="0" i="0" u="none" strike="noStrike" cap="none">
-                <a:solidFill>
-                  <a:srgbClr val="888888"/>
-                </a:solidFill>
-                <a:latin typeface="Arial"/>
-                <a:ea typeface="Arial"/>
-                <a:cs typeface="Arial"/>
-                <a:sym typeface="Arial"/>
-              </a:defRPr>
-            </a:lvl3pPr>
-            <a:lvl4pPr marL="0" marR="0" lvl="3" indent="0" algn="r">
-              <a:lnSpc>
-                <a:spcPct val="100000"/>
-              </a:lnSpc>
-              <a:spcBef>
-                <a:spcPts val="0"/>
-              </a:spcBef>
-              <a:spcAft>
-                <a:spcPts val="0"/>
-              </a:spcAft>
-              <a:buClr>
-                <a:srgbClr val="000000"/>
-              </a:buClr>
-              <a:buSzPts val="5466"/>
-              <a:buFont typeface="Arial"/>
-              <a:buNone/>
-              <a:defRPr sz="5466" b="0" i="0" u="none" strike="noStrike" cap="none">
-                <a:solidFill>
-                  <a:srgbClr val="888888"/>
-                </a:solidFill>
-                <a:latin typeface="Arial"/>
-                <a:ea typeface="Arial"/>
-                <a:cs typeface="Arial"/>
-                <a:sym typeface="Arial"/>
-              </a:defRPr>
-            </a:lvl4pPr>
-            <a:lvl5pPr marL="0" marR="0" lvl="4" indent="0" algn="r">
-              <a:lnSpc>
-                <a:spcPct val="100000"/>
-              </a:lnSpc>
-              <a:spcBef>
-                <a:spcPts val="0"/>
-              </a:spcBef>
-              <a:spcAft>
-                <a:spcPts val="0"/>
-              </a:spcAft>
-              <a:buClr>
-                <a:srgbClr val="000000"/>
-              </a:buClr>
-              <a:buSzPts val="5466"/>
-              <a:buFont typeface="Arial"/>
-              <a:buNone/>
-              <a:defRPr sz="5466" b="0" i="0" u="none" strike="noStrike" cap="none">
-                <a:solidFill>
-                  <a:srgbClr val="888888"/>
-                </a:solidFill>
-                <a:latin typeface="Arial"/>
-                <a:ea typeface="Arial"/>
-                <a:cs typeface="Arial"/>
-                <a:sym typeface="Arial"/>
-              </a:defRPr>
-            </a:lvl5pPr>
-            <a:lvl6pPr marL="0" marR="0" lvl="5" indent="0" algn="r">
-              <a:lnSpc>
-                <a:spcPct val="100000"/>
-              </a:lnSpc>
-              <a:spcBef>
-                <a:spcPts val="0"/>
-              </a:spcBef>
-              <a:spcAft>
-                <a:spcPts val="0"/>
-              </a:spcAft>
-              <a:buClr>
-                <a:srgbClr val="000000"/>
-              </a:buClr>
-              <a:buSzPts val="5466"/>
-              <a:buFont typeface="Arial"/>
-              <a:buNone/>
-              <a:defRPr sz="5466" b="0" i="0" u="none" strike="noStrike" cap="none">
-                <a:solidFill>
-                  <a:srgbClr val="888888"/>
-                </a:solidFill>
-                <a:latin typeface="Arial"/>
-                <a:ea typeface="Arial"/>
-                <a:cs typeface="Arial"/>
-                <a:sym typeface="Arial"/>
-              </a:defRPr>
-            </a:lvl6pPr>
-            <a:lvl7pPr marL="0" marR="0" lvl="6" indent="0" algn="r">
-              <a:lnSpc>
-                <a:spcPct val="100000"/>
-              </a:lnSpc>
-              <a:spcBef>
-                <a:spcPts val="0"/>
-              </a:spcBef>
-              <a:spcAft>
-                <a:spcPts val="0"/>
-              </a:spcAft>
-              <a:buClr>
-                <a:srgbClr val="000000"/>
-              </a:buClr>
-              <a:buSzPts val="5466"/>
-              <a:buFont typeface="Arial"/>
-              <a:buNone/>
-              <a:defRPr sz="5466" b="0" i="0" u="none" strike="noStrike" cap="none">
-                <a:solidFill>
-                  <a:srgbClr val="888888"/>
-                </a:solidFill>
-                <a:latin typeface="Arial"/>
-                <a:ea typeface="Arial"/>
-                <a:cs typeface="Arial"/>
-                <a:sym typeface="Arial"/>
-              </a:defRPr>
-            </a:lvl7pPr>
-            <a:lvl8pPr marL="0" marR="0" lvl="7" indent="0" algn="r">
-              <a:lnSpc>
-                <a:spcPct val="100000"/>
-              </a:lnSpc>
-              <a:spcBef>
-                <a:spcPts val="0"/>
-              </a:spcBef>
-              <a:spcAft>
-                <a:spcPts val="0"/>
-              </a:spcAft>
-              <a:buClr>
-                <a:srgbClr val="000000"/>
-              </a:buClr>
-              <a:buSzPts val="5466"/>
-              <a:buFont typeface="Arial"/>
-              <a:buNone/>
-              <a:defRPr sz="5466" b="0" i="0" u="none" strike="noStrike" cap="none">
-                <a:solidFill>
-                  <a:srgbClr val="888888"/>
-                </a:solidFill>
-                <a:latin typeface="Arial"/>
-                <a:ea typeface="Arial"/>
-                <a:cs typeface="Arial"/>
-                <a:sym typeface="Arial"/>
-              </a:defRPr>
-            </a:lvl8pPr>
-            <a:lvl9pPr marL="0" marR="0" lvl="8" indent="0" algn="r">
-              <a:lnSpc>
-                <a:spcPct val="100000"/>
-              </a:lnSpc>
-              <a:spcBef>
-                <a:spcPts val="0"/>
-              </a:spcBef>
-              <a:spcAft>
-                <a:spcPts val="0"/>
-              </a:spcAft>
-              <a:buClr>
-                <a:srgbClr val="000000"/>
-              </a:buClr>
-              <a:buSzPts val="5466"/>
-              <a:buFont typeface="Arial"/>
-              <a:buNone/>
-              <a:defRPr sz="5466" b="0" i="0" u="none" strike="noStrike" cap="none">
-                <a:solidFill>
-                  <a:srgbClr val="888888"/>
-                </a:solidFill>
-                <a:latin typeface="Arial"/>
-                <a:ea typeface="Arial"/>
-                <a:cs typeface="Arial"/>
-                <a:sym typeface="Arial"/>
-              </a:defRPr>
-            </a:lvl9pPr>
-          </a:lstStyle>
-          <a:p>
-            <a:pPr marL="0" lvl="0" indent="0" algn="r" rtl="0">
-              <a:spcBef>
-                <a:spcPts val="0"/>
-              </a:spcBef>
-              <a:spcAft>
-                <a:spcPts val="0"/>
-              </a:spcAft>
-              <a:buNone/>
-            </a:pPr>
-            <a:fld id="{00000000-1234-1234-1234-123412341234}" type="slidenum">
-              <a:rPr lang="en-US"/>
-              <a:t>‹#›</a:t>
-            </a:fld>
-            <a:endParaRPr/>
-          </a:p>
-        </p:txBody>
-      </p:sp>
-    </p:spTree>
-  </p:cSld>
-  <p:clrMapOvr>
-    <a:masterClrMapping/>
-  </p:clrMapOvr>
-</p:sldLayout>
-</file>
-
-<file path=ppt/slideLayouts/slideLayout3.xml><?xml version="1.0" encoding="utf-8"?>
 <p:sldLayout xmlns:a="http://schemas.openxmlformats.org/drawingml/2006/main" xmlns:r="http://schemas.openxmlformats.org/officeDocument/2006/relationships" xmlns:p="http://schemas.openxmlformats.org/presentationml/2006/main" matchingName="Title and Content" type="obj">
   <p:cSld name="OBJECT">
     <p:spTree>
@@ -9444,7 +7024,7 @@
 </p:sldLayout>
 </file>
 
-<file path=ppt/slideLayouts/slideLayout4.xml><?xml version="1.0" encoding="utf-8"?>
+<file path=ppt/slideLayouts/slideLayout3.xml><?xml version="1.0" encoding="utf-8"?>
 <p:sldLayout xmlns:a="http://schemas.openxmlformats.org/drawingml/2006/main" xmlns:r="http://schemas.openxmlformats.org/officeDocument/2006/relationships" xmlns:p="http://schemas.openxmlformats.org/presentationml/2006/main" matchingName="Section Header" type="secHead">
   <p:cSld name="SECTION_HEADER">
     <p:spTree>
@@ -10654,7 +8234,7 @@
 </p:sldLayout>
 </file>
 
-<file path=ppt/slideLayouts/slideLayout5.xml><?xml version="1.0" encoding="utf-8"?>
+<file path=ppt/slideLayouts/slideLayout4.xml><?xml version="1.0" encoding="utf-8"?>
 <p:sldLayout xmlns:a="http://schemas.openxmlformats.org/drawingml/2006/main" xmlns:r="http://schemas.openxmlformats.org/officeDocument/2006/relationships" xmlns:p="http://schemas.openxmlformats.org/presentationml/2006/main" matchingName="Two Content" type="twoObj">
   <p:cSld name="TWO_OBJECTS">
     <p:spTree>
@@ -12132,7 +9712,7 @@
 </p:sldLayout>
 </file>
 
-<file path=ppt/slideLayouts/slideLayout6.xml><?xml version="1.0" encoding="utf-8"?>
+<file path=ppt/slideLayouts/slideLayout5.xml><?xml version="1.0" encoding="utf-8"?>
 <p:sldLayout xmlns:a="http://schemas.openxmlformats.org/drawingml/2006/main" xmlns:r="http://schemas.openxmlformats.org/officeDocument/2006/relationships" xmlns:p="http://schemas.openxmlformats.org/presentationml/2006/main" matchingName="Comparison" type="twoTxTwoObj">
   <p:cSld name="TWO_OBJECTS_WITH_TEXT">
     <p:spTree>
@@ -14146,7 +11726,7 @@
 </p:sldLayout>
 </file>
 
-<file path=ppt/slideLayouts/slideLayout7.xml><?xml version="1.0" encoding="utf-8"?>
+<file path=ppt/slideLayouts/slideLayout6.xml><?xml version="1.0" encoding="utf-8"?>
 <p:sldLayout xmlns:a="http://schemas.openxmlformats.org/drawingml/2006/main" xmlns:r="http://schemas.openxmlformats.org/officeDocument/2006/relationships" xmlns:p="http://schemas.openxmlformats.org/presentationml/2006/main" matchingName="Title Only" type="titleOnly">
   <p:cSld name="TITLE_ONLY">
     <p:spTree>
@@ -15088,7 +12668,7 @@
 </p:sldLayout>
 </file>
 
-<file path=ppt/slideLayouts/slideLayout8.xml><?xml version="1.0" encoding="utf-8"?>
+<file path=ppt/slideLayouts/slideLayout7.xml><?xml version="1.0" encoding="utf-8"?>
 <p:sldLayout xmlns:a="http://schemas.openxmlformats.org/drawingml/2006/main" xmlns:r="http://schemas.openxmlformats.org/officeDocument/2006/relationships" xmlns:p="http://schemas.openxmlformats.org/presentationml/2006/main" matchingName="Content with Caption" type="objTx">
   <p:cSld name="OBJECT_WITH_CAPTION_TEXT">
     <p:spTree>
@@ -16566,7 +14146,7 @@
 </p:sldLayout>
 </file>
 
-<file path=ppt/slideLayouts/slideLayout9.xml><?xml version="1.0" encoding="utf-8"?>
+<file path=ppt/slideLayouts/slideLayout8.xml><?xml version="1.0" encoding="utf-8"?>
 <p:sldLayout xmlns:a="http://schemas.openxmlformats.org/drawingml/2006/main" xmlns:r="http://schemas.openxmlformats.org/officeDocument/2006/relationships" xmlns:p="http://schemas.openxmlformats.org/presentationml/2006/main" matchingName="Picture with Caption" type="picTx">
   <p:cSld name="PICTURE_WITH_CAPTION_TEXT">
     <p:spTree>
@@ -17514,6 +15094,1216 @@
       <p:sp>
         <p:nvSpPr>
           <p:cNvPr id="71" name="Google Shape;71;p11"/>
+          <p:cNvSpPr txBox="1">
+            <a:spLocks noGrp="1"/>
+          </p:cNvSpPr>
+          <p:nvPr>
+            <p:ph type="sldNum" idx="12"/>
+          </p:nvPr>
+        </p:nvSpPr>
+        <p:spPr>
+          <a:xfrm>
+            <a:off x="31455359" y="30510491"/>
+            <a:ext cx="10241280" cy="1752600"/>
+          </a:xfrm>
+          <a:prstGeom prst="rect">
+            <a:avLst/>
+          </a:prstGeom>
+          <a:noFill/>
+          <a:ln>
+            <a:noFill/>
+          </a:ln>
+        </p:spPr>
+        <p:txBody>
+          <a:bodyPr spcFirstLastPara="1" wrap="square" lIns="313475" tIns="156725" rIns="313475" bIns="156725" anchor="ctr" anchorCtr="0">
+            <a:noAutofit/>
+          </a:bodyPr>
+          <a:lstStyle>
+            <a:lvl1pPr marL="0" marR="0" lvl="0" indent="0" algn="r">
+              <a:lnSpc>
+                <a:spcPct val="100000"/>
+              </a:lnSpc>
+              <a:spcBef>
+                <a:spcPts val="0"/>
+              </a:spcBef>
+              <a:spcAft>
+                <a:spcPts val="0"/>
+              </a:spcAft>
+              <a:buClr>
+                <a:srgbClr val="000000"/>
+              </a:buClr>
+              <a:buSzPts val="5466"/>
+              <a:buFont typeface="Arial"/>
+              <a:buNone/>
+              <a:defRPr sz="5466" b="0" i="0" u="none" strike="noStrike" cap="none">
+                <a:solidFill>
+                  <a:srgbClr val="888888"/>
+                </a:solidFill>
+                <a:latin typeface="Arial"/>
+                <a:ea typeface="Arial"/>
+                <a:cs typeface="Arial"/>
+                <a:sym typeface="Arial"/>
+              </a:defRPr>
+            </a:lvl1pPr>
+            <a:lvl2pPr marL="0" marR="0" lvl="1" indent="0" algn="r">
+              <a:lnSpc>
+                <a:spcPct val="100000"/>
+              </a:lnSpc>
+              <a:spcBef>
+                <a:spcPts val="0"/>
+              </a:spcBef>
+              <a:spcAft>
+                <a:spcPts val="0"/>
+              </a:spcAft>
+              <a:buClr>
+                <a:srgbClr val="000000"/>
+              </a:buClr>
+              <a:buSzPts val="5466"/>
+              <a:buFont typeface="Arial"/>
+              <a:buNone/>
+              <a:defRPr sz="5466" b="0" i="0" u="none" strike="noStrike" cap="none">
+                <a:solidFill>
+                  <a:srgbClr val="888888"/>
+                </a:solidFill>
+                <a:latin typeface="Arial"/>
+                <a:ea typeface="Arial"/>
+                <a:cs typeface="Arial"/>
+                <a:sym typeface="Arial"/>
+              </a:defRPr>
+            </a:lvl2pPr>
+            <a:lvl3pPr marL="0" marR="0" lvl="2" indent="0" algn="r">
+              <a:lnSpc>
+                <a:spcPct val="100000"/>
+              </a:lnSpc>
+              <a:spcBef>
+                <a:spcPts val="0"/>
+              </a:spcBef>
+              <a:spcAft>
+                <a:spcPts val="0"/>
+              </a:spcAft>
+              <a:buClr>
+                <a:srgbClr val="000000"/>
+              </a:buClr>
+              <a:buSzPts val="5466"/>
+              <a:buFont typeface="Arial"/>
+              <a:buNone/>
+              <a:defRPr sz="5466" b="0" i="0" u="none" strike="noStrike" cap="none">
+                <a:solidFill>
+                  <a:srgbClr val="888888"/>
+                </a:solidFill>
+                <a:latin typeface="Arial"/>
+                <a:ea typeface="Arial"/>
+                <a:cs typeface="Arial"/>
+                <a:sym typeface="Arial"/>
+              </a:defRPr>
+            </a:lvl3pPr>
+            <a:lvl4pPr marL="0" marR="0" lvl="3" indent="0" algn="r">
+              <a:lnSpc>
+                <a:spcPct val="100000"/>
+              </a:lnSpc>
+              <a:spcBef>
+                <a:spcPts val="0"/>
+              </a:spcBef>
+              <a:spcAft>
+                <a:spcPts val="0"/>
+              </a:spcAft>
+              <a:buClr>
+                <a:srgbClr val="000000"/>
+              </a:buClr>
+              <a:buSzPts val="5466"/>
+              <a:buFont typeface="Arial"/>
+              <a:buNone/>
+              <a:defRPr sz="5466" b="0" i="0" u="none" strike="noStrike" cap="none">
+                <a:solidFill>
+                  <a:srgbClr val="888888"/>
+                </a:solidFill>
+                <a:latin typeface="Arial"/>
+                <a:ea typeface="Arial"/>
+                <a:cs typeface="Arial"/>
+                <a:sym typeface="Arial"/>
+              </a:defRPr>
+            </a:lvl4pPr>
+            <a:lvl5pPr marL="0" marR="0" lvl="4" indent="0" algn="r">
+              <a:lnSpc>
+                <a:spcPct val="100000"/>
+              </a:lnSpc>
+              <a:spcBef>
+                <a:spcPts val="0"/>
+              </a:spcBef>
+              <a:spcAft>
+                <a:spcPts val="0"/>
+              </a:spcAft>
+              <a:buClr>
+                <a:srgbClr val="000000"/>
+              </a:buClr>
+              <a:buSzPts val="5466"/>
+              <a:buFont typeface="Arial"/>
+              <a:buNone/>
+              <a:defRPr sz="5466" b="0" i="0" u="none" strike="noStrike" cap="none">
+                <a:solidFill>
+                  <a:srgbClr val="888888"/>
+                </a:solidFill>
+                <a:latin typeface="Arial"/>
+                <a:ea typeface="Arial"/>
+                <a:cs typeface="Arial"/>
+                <a:sym typeface="Arial"/>
+              </a:defRPr>
+            </a:lvl5pPr>
+            <a:lvl6pPr marL="0" marR="0" lvl="5" indent="0" algn="r">
+              <a:lnSpc>
+                <a:spcPct val="100000"/>
+              </a:lnSpc>
+              <a:spcBef>
+                <a:spcPts val="0"/>
+              </a:spcBef>
+              <a:spcAft>
+                <a:spcPts val="0"/>
+              </a:spcAft>
+              <a:buClr>
+                <a:srgbClr val="000000"/>
+              </a:buClr>
+              <a:buSzPts val="5466"/>
+              <a:buFont typeface="Arial"/>
+              <a:buNone/>
+              <a:defRPr sz="5466" b="0" i="0" u="none" strike="noStrike" cap="none">
+                <a:solidFill>
+                  <a:srgbClr val="888888"/>
+                </a:solidFill>
+                <a:latin typeface="Arial"/>
+                <a:ea typeface="Arial"/>
+                <a:cs typeface="Arial"/>
+                <a:sym typeface="Arial"/>
+              </a:defRPr>
+            </a:lvl6pPr>
+            <a:lvl7pPr marL="0" marR="0" lvl="6" indent="0" algn="r">
+              <a:lnSpc>
+                <a:spcPct val="100000"/>
+              </a:lnSpc>
+              <a:spcBef>
+                <a:spcPts val="0"/>
+              </a:spcBef>
+              <a:spcAft>
+                <a:spcPts val="0"/>
+              </a:spcAft>
+              <a:buClr>
+                <a:srgbClr val="000000"/>
+              </a:buClr>
+              <a:buSzPts val="5466"/>
+              <a:buFont typeface="Arial"/>
+              <a:buNone/>
+              <a:defRPr sz="5466" b="0" i="0" u="none" strike="noStrike" cap="none">
+                <a:solidFill>
+                  <a:srgbClr val="888888"/>
+                </a:solidFill>
+                <a:latin typeface="Arial"/>
+                <a:ea typeface="Arial"/>
+                <a:cs typeface="Arial"/>
+                <a:sym typeface="Arial"/>
+              </a:defRPr>
+            </a:lvl7pPr>
+            <a:lvl8pPr marL="0" marR="0" lvl="7" indent="0" algn="r">
+              <a:lnSpc>
+                <a:spcPct val="100000"/>
+              </a:lnSpc>
+              <a:spcBef>
+                <a:spcPts val="0"/>
+              </a:spcBef>
+              <a:spcAft>
+                <a:spcPts val="0"/>
+              </a:spcAft>
+              <a:buClr>
+                <a:srgbClr val="000000"/>
+              </a:buClr>
+              <a:buSzPts val="5466"/>
+              <a:buFont typeface="Arial"/>
+              <a:buNone/>
+              <a:defRPr sz="5466" b="0" i="0" u="none" strike="noStrike" cap="none">
+                <a:solidFill>
+                  <a:srgbClr val="888888"/>
+                </a:solidFill>
+                <a:latin typeface="Arial"/>
+                <a:ea typeface="Arial"/>
+                <a:cs typeface="Arial"/>
+                <a:sym typeface="Arial"/>
+              </a:defRPr>
+            </a:lvl8pPr>
+            <a:lvl9pPr marL="0" marR="0" lvl="8" indent="0" algn="r">
+              <a:lnSpc>
+                <a:spcPct val="100000"/>
+              </a:lnSpc>
+              <a:spcBef>
+                <a:spcPts val="0"/>
+              </a:spcBef>
+              <a:spcAft>
+                <a:spcPts val="0"/>
+              </a:spcAft>
+              <a:buClr>
+                <a:srgbClr val="000000"/>
+              </a:buClr>
+              <a:buSzPts val="5466"/>
+              <a:buFont typeface="Arial"/>
+              <a:buNone/>
+              <a:defRPr sz="5466" b="0" i="0" u="none" strike="noStrike" cap="none">
+                <a:solidFill>
+                  <a:srgbClr val="888888"/>
+                </a:solidFill>
+                <a:latin typeface="Arial"/>
+                <a:ea typeface="Arial"/>
+                <a:cs typeface="Arial"/>
+                <a:sym typeface="Arial"/>
+              </a:defRPr>
+            </a:lvl9pPr>
+          </a:lstStyle>
+          <a:p>
+            <a:pPr marL="0" lvl="0" indent="0" algn="r" rtl="0">
+              <a:spcBef>
+                <a:spcPts val="0"/>
+              </a:spcBef>
+              <a:spcAft>
+                <a:spcPts val="0"/>
+              </a:spcAft>
+              <a:buNone/>
+            </a:pPr>
+            <a:fld id="{00000000-1234-1234-1234-123412341234}" type="slidenum">
+              <a:rPr lang="en-US"/>
+              <a:t>‹#›</a:t>
+            </a:fld>
+            <a:endParaRPr/>
+          </a:p>
+        </p:txBody>
+      </p:sp>
+    </p:spTree>
+  </p:cSld>
+  <p:clrMapOvr>
+    <a:masterClrMapping/>
+  </p:clrMapOvr>
+</p:sldLayout>
+</file>
+
+<file path=ppt/slideLayouts/slideLayout9.xml><?xml version="1.0" encoding="utf-8"?>
+<p:sldLayout xmlns:a="http://schemas.openxmlformats.org/drawingml/2006/main" xmlns:r="http://schemas.openxmlformats.org/officeDocument/2006/relationships" xmlns:p="http://schemas.openxmlformats.org/presentationml/2006/main" matchingName="Title and Vertical Text" type="vertTx">
+  <p:cSld name="VERTICAL_TEXT">
+    <p:spTree>
+      <p:nvGrpSpPr>
+        <p:cNvPr id="1" name="Shape 72"/>
+        <p:cNvGrpSpPr/>
+        <p:nvPr/>
+      </p:nvGrpSpPr>
+      <p:grpSpPr>
+        <a:xfrm>
+          <a:off x="0" y="0"/>
+          <a:ext cx="0" cy="0"/>
+          <a:chOff x="0" y="0"/>
+          <a:chExt cx="0" cy="0"/>
+        </a:xfrm>
+      </p:grpSpPr>
+      <p:sp>
+        <p:nvSpPr>
+          <p:cNvPr id="73" name="Google Shape;73;p12"/>
+          <p:cNvSpPr txBox="1">
+            <a:spLocks noGrp="1"/>
+          </p:cNvSpPr>
+          <p:nvPr>
+            <p:ph type="title"/>
+          </p:nvPr>
+        </p:nvSpPr>
+        <p:spPr>
+          <a:xfrm>
+            <a:off x="2194560" y="1318263"/>
+            <a:ext cx="39502081" cy="5486400"/>
+          </a:xfrm>
+          <a:prstGeom prst="rect">
+            <a:avLst/>
+          </a:prstGeom>
+          <a:noFill/>
+          <a:ln>
+            <a:noFill/>
+          </a:ln>
+        </p:spPr>
+        <p:txBody>
+          <a:bodyPr spcFirstLastPara="1" wrap="square" lIns="313475" tIns="156725" rIns="313475" bIns="156725" anchor="ctr" anchorCtr="0">
+            <a:noAutofit/>
+          </a:bodyPr>
+          <a:lstStyle>
+            <a:lvl1pPr marR="0" lvl="0" algn="ctr">
+              <a:lnSpc>
+                <a:spcPct val="100000"/>
+              </a:lnSpc>
+              <a:spcBef>
+                <a:spcPts val="0"/>
+              </a:spcBef>
+              <a:spcAft>
+                <a:spcPts val="0"/>
+              </a:spcAft>
+              <a:buClr>
+                <a:schemeClr val="dk1"/>
+              </a:buClr>
+              <a:buSzPts val="20133"/>
+              <a:buFont typeface="Arial"/>
+              <a:buNone/>
+              <a:defRPr sz="20133" b="0" i="0" u="none" strike="noStrike" cap="none">
+                <a:solidFill>
+                  <a:schemeClr val="dk1"/>
+                </a:solidFill>
+                <a:latin typeface="Arial"/>
+                <a:ea typeface="Arial"/>
+                <a:cs typeface="Arial"/>
+                <a:sym typeface="Arial"/>
+              </a:defRPr>
+            </a:lvl1pPr>
+            <a:lvl2pPr lvl="1" algn="l">
+              <a:lnSpc>
+                <a:spcPct val="100000"/>
+              </a:lnSpc>
+              <a:spcBef>
+                <a:spcPts val="0"/>
+              </a:spcBef>
+              <a:spcAft>
+                <a:spcPts val="0"/>
+              </a:spcAft>
+              <a:buSzPts val="1400"/>
+              <a:buNone/>
+              <a:defRPr sz="1800"/>
+            </a:lvl2pPr>
+            <a:lvl3pPr lvl="2" algn="l">
+              <a:lnSpc>
+                <a:spcPct val="100000"/>
+              </a:lnSpc>
+              <a:spcBef>
+                <a:spcPts val="0"/>
+              </a:spcBef>
+              <a:spcAft>
+                <a:spcPts val="0"/>
+              </a:spcAft>
+              <a:buSzPts val="1400"/>
+              <a:buNone/>
+              <a:defRPr sz="1800"/>
+            </a:lvl3pPr>
+            <a:lvl4pPr lvl="3" algn="l">
+              <a:lnSpc>
+                <a:spcPct val="100000"/>
+              </a:lnSpc>
+              <a:spcBef>
+                <a:spcPts val="0"/>
+              </a:spcBef>
+              <a:spcAft>
+                <a:spcPts val="0"/>
+              </a:spcAft>
+              <a:buSzPts val="1400"/>
+              <a:buNone/>
+              <a:defRPr sz="1800"/>
+            </a:lvl4pPr>
+            <a:lvl5pPr lvl="4" algn="l">
+              <a:lnSpc>
+                <a:spcPct val="100000"/>
+              </a:lnSpc>
+              <a:spcBef>
+                <a:spcPts val="0"/>
+              </a:spcBef>
+              <a:spcAft>
+                <a:spcPts val="0"/>
+              </a:spcAft>
+              <a:buSzPts val="1400"/>
+              <a:buNone/>
+              <a:defRPr sz="1800"/>
+            </a:lvl5pPr>
+            <a:lvl6pPr lvl="5" algn="l">
+              <a:lnSpc>
+                <a:spcPct val="100000"/>
+              </a:lnSpc>
+              <a:spcBef>
+                <a:spcPts val="0"/>
+              </a:spcBef>
+              <a:spcAft>
+                <a:spcPts val="0"/>
+              </a:spcAft>
+              <a:buSzPts val="1400"/>
+              <a:buNone/>
+              <a:defRPr sz="1800"/>
+            </a:lvl6pPr>
+            <a:lvl7pPr lvl="6" algn="l">
+              <a:lnSpc>
+                <a:spcPct val="100000"/>
+              </a:lnSpc>
+              <a:spcBef>
+                <a:spcPts val="0"/>
+              </a:spcBef>
+              <a:spcAft>
+                <a:spcPts val="0"/>
+              </a:spcAft>
+              <a:buSzPts val="1400"/>
+              <a:buNone/>
+              <a:defRPr sz="1800"/>
+            </a:lvl7pPr>
+            <a:lvl8pPr lvl="7" algn="l">
+              <a:lnSpc>
+                <a:spcPct val="100000"/>
+              </a:lnSpc>
+              <a:spcBef>
+                <a:spcPts val="0"/>
+              </a:spcBef>
+              <a:spcAft>
+                <a:spcPts val="0"/>
+              </a:spcAft>
+              <a:buSzPts val="1400"/>
+              <a:buNone/>
+              <a:defRPr sz="1800"/>
+            </a:lvl8pPr>
+            <a:lvl9pPr lvl="8" algn="l">
+              <a:lnSpc>
+                <a:spcPct val="100000"/>
+              </a:lnSpc>
+              <a:spcBef>
+                <a:spcPts val="0"/>
+              </a:spcBef>
+              <a:spcAft>
+                <a:spcPts val="0"/>
+              </a:spcAft>
+              <a:buSzPts val="1400"/>
+              <a:buNone/>
+              <a:defRPr sz="1800"/>
+            </a:lvl9pPr>
+          </a:lstStyle>
+          <a:p>
+            <a:endParaRPr/>
+          </a:p>
+        </p:txBody>
+      </p:sp>
+      <p:sp>
+        <p:nvSpPr>
+          <p:cNvPr id="74" name="Google Shape;74;p12"/>
+          <p:cNvSpPr txBox="1">
+            <a:spLocks noGrp="1"/>
+          </p:cNvSpPr>
+          <p:nvPr>
+            <p:ph type="body" idx="1"/>
+          </p:nvPr>
+        </p:nvSpPr>
+        <p:spPr>
+          <a:xfrm rot="5400000">
+            <a:off x="11083289" y="-1207757"/>
+            <a:ext cx="21724623" cy="39502081"/>
+          </a:xfrm>
+          <a:prstGeom prst="rect">
+            <a:avLst/>
+          </a:prstGeom>
+          <a:noFill/>
+          <a:ln>
+            <a:noFill/>
+          </a:ln>
+        </p:spPr>
+        <p:txBody>
+          <a:bodyPr spcFirstLastPara="1" wrap="square" lIns="313475" tIns="156725" rIns="313475" bIns="156725" anchor="t" anchorCtr="0">
+            <a:noAutofit/>
+          </a:bodyPr>
+          <a:lstStyle>
+            <a:lvl1pPr marL="457200" marR="0" lvl="0" indent="-1159954" algn="l">
+              <a:lnSpc>
+                <a:spcPct val="100000"/>
+              </a:lnSpc>
+              <a:spcBef>
+                <a:spcPts val="2933"/>
+              </a:spcBef>
+              <a:spcAft>
+                <a:spcPts val="0"/>
+              </a:spcAft>
+              <a:buClr>
+                <a:schemeClr val="dk1"/>
+              </a:buClr>
+              <a:buSzPts val="14667"/>
+              <a:buFont typeface="Arial"/>
+              <a:buChar char="•"/>
+              <a:defRPr sz="14667" b="0" i="0" u="none" strike="noStrike" cap="none">
+                <a:solidFill>
+                  <a:schemeClr val="dk1"/>
+                </a:solidFill>
+                <a:latin typeface="Arial"/>
+                <a:ea typeface="Arial"/>
+                <a:cs typeface="Arial"/>
+                <a:sym typeface="Arial"/>
+              </a:defRPr>
+            </a:lvl1pPr>
+            <a:lvl2pPr marL="914400" marR="0" lvl="1" indent="-1041400" algn="l">
+              <a:lnSpc>
+                <a:spcPct val="100000"/>
+              </a:lnSpc>
+              <a:spcBef>
+                <a:spcPts val="2560"/>
+              </a:spcBef>
+              <a:spcAft>
+                <a:spcPts val="0"/>
+              </a:spcAft>
+              <a:buClr>
+                <a:schemeClr val="dk1"/>
+              </a:buClr>
+              <a:buSzPts val="12800"/>
+              <a:buFont typeface="Arial"/>
+              <a:buChar char="–"/>
+              <a:defRPr sz="12800" b="0" i="0" u="none" strike="noStrike" cap="none">
+                <a:solidFill>
+                  <a:schemeClr val="dk1"/>
+                </a:solidFill>
+                <a:latin typeface="Arial"/>
+                <a:ea typeface="Arial"/>
+                <a:cs typeface="Arial"/>
+                <a:sym typeface="Arial"/>
+              </a:defRPr>
+            </a:lvl2pPr>
+            <a:lvl3pPr marL="1371600" marR="0" lvl="2" indent="-922909" algn="l">
+              <a:lnSpc>
+                <a:spcPct val="100000"/>
+              </a:lnSpc>
+              <a:spcBef>
+                <a:spcPts val="2187"/>
+              </a:spcBef>
+              <a:spcAft>
+                <a:spcPts val="0"/>
+              </a:spcAft>
+              <a:buClr>
+                <a:schemeClr val="dk1"/>
+              </a:buClr>
+              <a:buSzPts val="10934"/>
+              <a:buFont typeface="Arial"/>
+              <a:buChar char="•"/>
+              <a:defRPr sz="10934" b="0" i="0" u="none" strike="noStrike" cap="none">
+                <a:solidFill>
+                  <a:schemeClr val="dk1"/>
+                </a:solidFill>
+                <a:latin typeface="Arial"/>
+                <a:ea typeface="Arial"/>
+                <a:cs typeface="Arial"/>
+                <a:sym typeface="Arial"/>
+              </a:defRPr>
+            </a:lvl3pPr>
+            <a:lvl4pPr marL="1828800" marR="0" lvl="3" indent="-812800" algn="l">
+              <a:lnSpc>
+                <a:spcPct val="100000"/>
+              </a:lnSpc>
+              <a:spcBef>
+                <a:spcPts val="1840"/>
+              </a:spcBef>
+              <a:spcAft>
+                <a:spcPts val="0"/>
+              </a:spcAft>
+              <a:buClr>
+                <a:schemeClr val="dk1"/>
+              </a:buClr>
+              <a:buSzPts val="9200"/>
+              <a:buFont typeface="Arial"/>
+              <a:buChar char="–"/>
+              <a:defRPr sz="9200" b="0" i="0" u="none" strike="noStrike" cap="none">
+                <a:solidFill>
+                  <a:schemeClr val="dk1"/>
+                </a:solidFill>
+                <a:latin typeface="Arial"/>
+                <a:ea typeface="Arial"/>
+                <a:cs typeface="Arial"/>
+                <a:sym typeface="Arial"/>
+              </a:defRPr>
+            </a:lvl4pPr>
+            <a:lvl5pPr marL="2286000" marR="0" lvl="4" indent="-812800" algn="l">
+              <a:lnSpc>
+                <a:spcPct val="100000"/>
+              </a:lnSpc>
+              <a:spcBef>
+                <a:spcPts val="1840"/>
+              </a:spcBef>
+              <a:spcAft>
+                <a:spcPts val="0"/>
+              </a:spcAft>
+              <a:buClr>
+                <a:schemeClr val="dk1"/>
+              </a:buClr>
+              <a:buSzPts val="9200"/>
+              <a:buFont typeface="Arial"/>
+              <a:buChar char="»"/>
+              <a:defRPr sz="9200" b="0" i="0" u="none" strike="noStrike" cap="none">
+                <a:solidFill>
+                  <a:schemeClr val="dk1"/>
+                </a:solidFill>
+                <a:latin typeface="Arial"/>
+                <a:ea typeface="Arial"/>
+                <a:cs typeface="Arial"/>
+                <a:sym typeface="Arial"/>
+              </a:defRPr>
+            </a:lvl5pPr>
+            <a:lvl6pPr marL="2743200" marR="0" lvl="5" indent="-812800" algn="l">
+              <a:lnSpc>
+                <a:spcPct val="100000"/>
+              </a:lnSpc>
+              <a:spcBef>
+                <a:spcPts val="1840"/>
+              </a:spcBef>
+              <a:spcAft>
+                <a:spcPts val="0"/>
+              </a:spcAft>
+              <a:buClr>
+                <a:schemeClr val="dk1"/>
+              </a:buClr>
+              <a:buSzPts val="9200"/>
+              <a:buFont typeface="Arial"/>
+              <a:buChar char="•"/>
+              <a:defRPr sz="9200" b="0" i="0" u="none" strike="noStrike" cap="none">
+                <a:solidFill>
+                  <a:schemeClr val="dk1"/>
+                </a:solidFill>
+                <a:latin typeface="Arial"/>
+                <a:ea typeface="Arial"/>
+                <a:cs typeface="Arial"/>
+                <a:sym typeface="Arial"/>
+              </a:defRPr>
+            </a:lvl6pPr>
+            <a:lvl7pPr marL="3200400" marR="0" lvl="6" indent="-812800" algn="l">
+              <a:lnSpc>
+                <a:spcPct val="100000"/>
+              </a:lnSpc>
+              <a:spcBef>
+                <a:spcPts val="1840"/>
+              </a:spcBef>
+              <a:spcAft>
+                <a:spcPts val="0"/>
+              </a:spcAft>
+              <a:buClr>
+                <a:schemeClr val="dk1"/>
+              </a:buClr>
+              <a:buSzPts val="9200"/>
+              <a:buFont typeface="Arial"/>
+              <a:buChar char="•"/>
+              <a:defRPr sz="9200" b="0" i="0" u="none" strike="noStrike" cap="none">
+                <a:solidFill>
+                  <a:schemeClr val="dk1"/>
+                </a:solidFill>
+                <a:latin typeface="Arial"/>
+                <a:ea typeface="Arial"/>
+                <a:cs typeface="Arial"/>
+                <a:sym typeface="Arial"/>
+              </a:defRPr>
+            </a:lvl7pPr>
+            <a:lvl8pPr marL="3657600" marR="0" lvl="7" indent="-812800" algn="l">
+              <a:lnSpc>
+                <a:spcPct val="100000"/>
+              </a:lnSpc>
+              <a:spcBef>
+                <a:spcPts val="1840"/>
+              </a:spcBef>
+              <a:spcAft>
+                <a:spcPts val="0"/>
+              </a:spcAft>
+              <a:buClr>
+                <a:schemeClr val="dk1"/>
+              </a:buClr>
+              <a:buSzPts val="9200"/>
+              <a:buFont typeface="Arial"/>
+              <a:buChar char="•"/>
+              <a:defRPr sz="9200" b="0" i="0" u="none" strike="noStrike" cap="none">
+                <a:solidFill>
+                  <a:schemeClr val="dk1"/>
+                </a:solidFill>
+                <a:latin typeface="Arial"/>
+                <a:ea typeface="Arial"/>
+                <a:cs typeface="Arial"/>
+                <a:sym typeface="Arial"/>
+              </a:defRPr>
+            </a:lvl8pPr>
+            <a:lvl9pPr marL="4114800" marR="0" lvl="8" indent="-812800" algn="l">
+              <a:lnSpc>
+                <a:spcPct val="100000"/>
+              </a:lnSpc>
+              <a:spcBef>
+                <a:spcPts val="1840"/>
+              </a:spcBef>
+              <a:spcAft>
+                <a:spcPts val="0"/>
+              </a:spcAft>
+              <a:buClr>
+                <a:schemeClr val="dk1"/>
+              </a:buClr>
+              <a:buSzPts val="9200"/>
+              <a:buFont typeface="Arial"/>
+              <a:buChar char="•"/>
+              <a:defRPr sz="9200" b="0" i="0" u="none" strike="noStrike" cap="none">
+                <a:solidFill>
+                  <a:schemeClr val="dk1"/>
+                </a:solidFill>
+                <a:latin typeface="Arial"/>
+                <a:ea typeface="Arial"/>
+                <a:cs typeface="Arial"/>
+                <a:sym typeface="Arial"/>
+              </a:defRPr>
+            </a:lvl9pPr>
+          </a:lstStyle>
+          <a:p>
+            <a:endParaRPr/>
+          </a:p>
+        </p:txBody>
+      </p:sp>
+      <p:sp>
+        <p:nvSpPr>
+          <p:cNvPr id="75" name="Google Shape;75;p12"/>
+          <p:cNvSpPr txBox="1">
+            <a:spLocks noGrp="1"/>
+          </p:cNvSpPr>
+          <p:nvPr>
+            <p:ph type="dt" idx="10"/>
+          </p:nvPr>
+        </p:nvSpPr>
+        <p:spPr>
+          <a:xfrm>
+            <a:off x="2194560" y="30510491"/>
+            <a:ext cx="10241280" cy="1752600"/>
+          </a:xfrm>
+          <a:prstGeom prst="rect">
+            <a:avLst/>
+          </a:prstGeom>
+          <a:noFill/>
+          <a:ln>
+            <a:noFill/>
+          </a:ln>
+        </p:spPr>
+        <p:txBody>
+          <a:bodyPr spcFirstLastPara="1" wrap="square" lIns="313475" tIns="156725" rIns="313475" bIns="156725" anchor="ctr" anchorCtr="0">
+            <a:noAutofit/>
+          </a:bodyPr>
+          <a:lstStyle>
+            <a:lvl1pPr marR="0" lvl="0" algn="l">
+              <a:lnSpc>
+                <a:spcPct val="100000"/>
+              </a:lnSpc>
+              <a:spcBef>
+                <a:spcPts val="0"/>
+              </a:spcBef>
+              <a:spcAft>
+                <a:spcPts val="0"/>
+              </a:spcAft>
+              <a:buSzPts val="1400"/>
+              <a:buNone/>
+              <a:defRPr sz="5466">
+                <a:solidFill>
+                  <a:srgbClr val="888888"/>
+                </a:solidFill>
+                <a:latin typeface="Arial"/>
+                <a:ea typeface="Arial"/>
+                <a:cs typeface="Arial"/>
+                <a:sym typeface="Arial"/>
+              </a:defRPr>
+            </a:lvl1pPr>
+            <a:lvl2pPr marR="0" lvl="1" algn="l">
+              <a:lnSpc>
+                <a:spcPct val="100000"/>
+              </a:lnSpc>
+              <a:spcBef>
+                <a:spcPts val="0"/>
+              </a:spcBef>
+              <a:spcAft>
+                <a:spcPts val="0"/>
+              </a:spcAft>
+              <a:buSzPts val="1400"/>
+              <a:buNone/>
+              <a:defRPr sz="9300" b="0" i="0" u="none" strike="noStrike" cap="none">
+                <a:solidFill>
+                  <a:schemeClr val="dk1"/>
+                </a:solidFill>
+                <a:latin typeface="Arial"/>
+                <a:ea typeface="Arial"/>
+                <a:cs typeface="Arial"/>
+                <a:sym typeface="Arial"/>
+              </a:defRPr>
+            </a:lvl2pPr>
+            <a:lvl3pPr marR="0" lvl="2" algn="l">
+              <a:lnSpc>
+                <a:spcPct val="100000"/>
+              </a:lnSpc>
+              <a:spcBef>
+                <a:spcPts val="0"/>
+              </a:spcBef>
+              <a:spcAft>
+                <a:spcPts val="0"/>
+              </a:spcAft>
+              <a:buSzPts val="1400"/>
+              <a:buNone/>
+              <a:defRPr sz="9300" b="0" i="0" u="none" strike="noStrike" cap="none">
+                <a:solidFill>
+                  <a:schemeClr val="dk1"/>
+                </a:solidFill>
+                <a:latin typeface="Arial"/>
+                <a:ea typeface="Arial"/>
+                <a:cs typeface="Arial"/>
+                <a:sym typeface="Arial"/>
+              </a:defRPr>
+            </a:lvl3pPr>
+            <a:lvl4pPr marR="0" lvl="3" algn="l">
+              <a:lnSpc>
+                <a:spcPct val="100000"/>
+              </a:lnSpc>
+              <a:spcBef>
+                <a:spcPts val="0"/>
+              </a:spcBef>
+              <a:spcAft>
+                <a:spcPts val="0"/>
+              </a:spcAft>
+              <a:buSzPts val="1400"/>
+              <a:buNone/>
+              <a:defRPr sz="9300" b="0" i="0" u="none" strike="noStrike" cap="none">
+                <a:solidFill>
+                  <a:schemeClr val="dk1"/>
+                </a:solidFill>
+                <a:latin typeface="Arial"/>
+                <a:ea typeface="Arial"/>
+                <a:cs typeface="Arial"/>
+                <a:sym typeface="Arial"/>
+              </a:defRPr>
+            </a:lvl4pPr>
+            <a:lvl5pPr marR="0" lvl="4" algn="l">
+              <a:lnSpc>
+                <a:spcPct val="100000"/>
+              </a:lnSpc>
+              <a:spcBef>
+                <a:spcPts val="0"/>
+              </a:spcBef>
+              <a:spcAft>
+                <a:spcPts val="0"/>
+              </a:spcAft>
+              <a:buSzPts val="1400"/>
+              <a:buNone/>
+              <a:defRPr sz="9300" b="0" i="0" u="none" strike="noStrike" cap="none">
+                <a:solidFill>
+                  <a:schemeClr val="dk1"/>
+                </a:solidFill>
+                <a:latin typeface="Arial"/>
+                <a:ea typeface="Arial"/>
+                <a:cs typeface="Arial"/>
+                <a:sym typeface="Arial"/>
+              </a:defRPr>
+            </a:lvl5pPr>
+            <a:lvl6pPr marR="0" lvl="5" algn="l">
+              <a:lnSpc>
+                <a:spcPct val="100000"/>
+              </a:lnSpc>
+              <a:spcBef>
+                <a:spcPts val="0"/>
+              </a:spcBef>
+              <a:spcAft>
+                <a:spcPts val="0"/>
+              </a:spcAft>
+              <a:buSzPts val="1400"/>
+              <a:buNone/>
+              <a:defRPr sz="9300" b="0" i="0" u="none" strike="noStrike" cap="none">
+                <a:solidFill>
+                  <a:schemeClr val="dk1"/>
+                </a:solidFill>
+                <a:latin typeface="Arial"/>
+                <a:ea typeface="Arial"/>
+                <a:cs typeface="Arial"/>
+                <a:sym typeface="Arial"/>
+              </a:defRPr>
+            </a:lvl6pPr>
+            <a:lvl7pPr marR="0" lvl="6" algn="l">
+              <a:lnSpc>
+                <a:spcPct val="100000"/>
+              </a:lnSpc>
+              <a:spcBef>
+                <a:spcPts val="0"/>
+              </a:spcBef>
+              <a:spcAft>
+                <a:spcPts val="0"/>
+              </a:spcAft>
+              <a:buSzPts val="1400"/>
+              <a:buNone/>
+              <a:defRPr sz="9300" b="0" i="0" u="none" strike="noStrike" cap="none">
+                <a:solidFill>
+                  <a:schemeClr val="dk1"/>
+                </a:solidFill>
+                <a:latin typeface="Arial"/>
+                <a:ea typeface="Arial"/>
+                <a:cs typeface="Arial"/>
+                <a:sym typeface="Arial"/>
+              </a:defRPr>
+            </a:lvl7pPr>
+            <a:lvl8pPr marR="0" lvl="7" algn="l">
+              <a:lnSpc>
+                <a:spcPct val="100000"/>
+              </a:lnSpc>
+              <a:spcBef>
+                <a:spcPts val="0"/>
+              </a:spcBef>
+              <a:spcAft>
+                <a:spcPts val="0"/>
+              </a:spcAft>
+              <a:buSzPts val="1400"/>
+              <a:buNone/>
+              <a:defRPr sz="9300" b="0" i="0" u="none" strike="noStrike" cap="none">
+                <a:solidFill>
+                  <a:schemeClr val="dk1"/>
+                </a:solidFill>
+                <a:latin typeface="Arial"/>
+                <a:ea typeface="Arial"/>
+                <a:cs typeface="Arial"/>
+                <a:sym typeface="Arial"/>
+              </a:defRPr>
+            </a:lvl8pPr>
+            <a:lvl9pPr marR="0" lvl="8" algn="l">
+              <a:lnSpc>
+                <a:spcPct val="100000"/>
+              </a:lnSpc>
+              <a:spcBef>
+                <a:spcPts val="0"/>
+              </a:spcBef>
+              <a:spcAft>
+                <a:spcPts val="0"/>
+              </a:spcAft>
+              <a:buSzPts val="1400"/>
+              <a:buNone/>
+              <a:defRPr sz="9300" b="0" i="0" u="none" strike="noStrike" cap="none">
+                <a:solidFill>
+                  <a:schemeClr val="dk1"/>
+                </a:solidFill>
+                <a:latin typeface="Arial"/>
+                <a:ea typeface="Arial"/>
+                <a:cs typeface="Arial"/>
+                <a:sym typeface="Arial"/>
+              </a:defRPr>
+            </a:lvl9pPr>
+          </a:lstStyle>
+          <a:p>
+            <a:endParaRPr/>
+          </a:p>
+        </p:txBody>
+      </p:sp>
+      <p:sp>
+        <p:nvSpPr>
+          <p:cNvPr id="76" name="Google Shape;76;p12"/>
+          <p:cNvSpPr txBox="1">
+            <a:spLocks noGrp="1"/>
+          </p:cNvSpPr>
+          <p:nvPr>
+            <p:ph type="ftr" idx="11"/>
+          </p:nvPr>
+        </p:nvSpPr>
+        <p:spPr>
+          <a:xfrm>
+            <a:off x="14996159" y="30510491"/>
+            <a:ext cx="13898880" cy="1752600"/>
+          </a:xfrm>
+          <a:prstGeom prst="rect">
+            <a:avLst/>
+          </a:prstGeom>
+          <a:noFill/>
+          <a:ln>
+            <a:noFill/>
+          </a:ln>
+        </p:spPr>
+        <p:txBody>
+          <a:bodyPr spcFirstLastPara="1" wrap="square" lIns="313475" tIns="156725" rIns="313475" bIns="156725" anchor="ctr" anchorCtr="0">
+            <a:noAutofit/>
+          </a:bodyPr>
+          <a:lstStyle>
+            <a:lvl1pPr marR="0" lvl="0" algn="ctr">
+              <a:lnSpc>
+                <a:spcPct val="100000"/>
+              </a:lnSpc>
+              <a:spcBef>
+                <a:spcPts val="0"/>
+              </a:spcBef>
+              <a:spcAft>
+                <a:spcPts val="0"/>
+              </a:spcAft>
+              <a:buSzPts val="1400"/>
+              <a:buNone/>
+              <a:defRPr sz="5466">
+                <a:solidFill>
+                  <a:srgbClr val="888888"/>
+                </a:solidFill>
+                <a:latin typeface="Arial"/>
+                <a:ea typeface="Arial"/>
+                <a:cs typeface="Arial"/>
+                <a:sym typeface="Arial"/>
+              </a:defRPr>
+            </a:lvl1pPr>
+            <a:lvl2pPr marR="0" lvl="1" algn="l">
+              <a:lnSpc>
+                <a:spcPct val="100000"/>
+              </a:lnSpc>
+              <a:spcBef>
+                <a:spcPts val="0"/>
+              </a:spcBef>
+              <a:spcAft>
+                <a:spcPts val="0"/>
+              </a:spcAft>
+              <a:buSzPts val="1400"/>
+              <a:buNone/>
+              <a:defRPr sz="9300" b="0" i="0" u="none" strike="noStrike" cap="none">
+                <a:solidFill>
+                  <a:schemeClr val="dk1"/>
+                </a:solidFill>
+                <a:latin typeface="Arial"/>
+                <a:ea typeface="Arial"/>
+                <a:cs typeface="Arial"/>
+                <a:sym typeface="Arial"/>
+              </a:defRPr>
+            </a:lvl2pPr>
+            <a:lvl3pPr marR="0" lvl="2" algn="l">
+              <a:lnSpc>
+                <a:spcPct val="100000"/>
+              </a:lnSpc>
+              <a:spcBef>
+                <a:spcPts val="0"/>
+              </a:spcBef>
+              <a:spcAft>
+                <a:spcPts val="0"/>
+              </a:spcAft>
+              <a:buSzPts val="1400"/>
+              <a:buNone/>
+              <a:defRPr sz="9300" b="0" i="0" u="none" strike="noStrike" cap="none">
+                <a:solidFill>
+                  <a:schemeClr val="dk1"/>
+                </a:solidFill>
+                <a:latin typeface="Arial"/>
+                <a:ea typeface="Arial"/>
+                <a:cs typeface="Arial"/>
+                <a:sym typeface="Arial"/>
+              </a:defRPr>
+            </a:lvl3pPr>
+            <a:lvl4pPr marR="0" lvl="3" algn="l">
+              <a:lnSpc>
+                <a:spcPct val="100000"/>
+              </a:lnSpc>
+              <a:spcBef>
+                <a:spcPts val="0"/>
+              </a:spcBef>
+              <a:spcAft>
+                <a:spcPts val="0"/>
+              </a:spcAft>
+              <a:buSzPts val="1400"/>
+              <a:buNone/>
+              <a:defRPr sz="9300" b="0" i="0" u="none" strike="noStrike" cap="none">
+                <a:solidFill>
+                  <a:schemeClr val="dk1"/>
+                </a:solidFill>
+                <a:latin typeface="Arial"/>
+                <a:ea typeface="Arial"/>
+                <a:cs typeface="Arial"/>
+                <a:sym typeface="Arial"/>
+              </a:defRPr>
+            </a:lvl4pPr>
+            <a:lvl5pPr marR="0" lvl="4" algn="l">
+              <a:lnSpc>
+                <a:spcPct val="100000"/>
+              </a:lnSpc>
+              <a:spcBef>
+                <a:spcPts val="0"/>
+              </a:spcBef>
+              <a:spcAft>
+                <a:spcPts val="0"/>
+              </a:spcAft>
+              <a:buSzPts val="1400"/>
+              <a:buNone/>
+              <a:defRPr sz="9300" b="0" i="0" u="none" strike="noStrike" cap="none">
+                <a:solidFill>
+                  <a:schemeClr val="dk1"/>
+                </a:solidFill>
+                <a:latin typeface="Arial"/>
+                <a:ea typeface="Arial"/>
+                <a:cs typeface="Arial"/>
+                <a:sym typeface="Arial"/>
+              </a:defRPr>
+            </a:lvl5pPr>
+            <a:lvl6pPr marR="0" lvl="5" algn="l">
+              <a:lnSpc>
+                <a:spcPct val="100000"/>
+              </a:lnSpc>
+              <a:spcBef>
+                <a:spcPts val="0"/>
+              </a:spcBef>
+              <a:spcAft>
+                <a:spcPts val="0"/>
+              </a:spcAft>
+              <a:buSzPts val="1400"/>
+              <a:buNone/>
+              <a:defRPr sz="9300" b="0" i="0" u="none" strike="noStrike" cap="none">
+                <a:solidFill>
+                  <a:schemeClr val="dk1"/>
+                </a:solidFill>
+                <a:latin typeface="Arial"/>
+                <a:ea typeface="Arial"/>
+                <a:cs typeface="Arial"/>
+                <a:sym typeface="Arial"/>
+              </a:defRPr>
+            </a:lvl6pPr>
+            <a:lvl7pPr marR="0" lvl="6" algn="l">
+              <a:lnSpc>
+                <a:spcPct val="100000"/>
+              </a:lnSpc>
+              <a:spcBef>
+                <a:spcPts val="0"/>
+              </a:spcBef>
+              <a:spcAft>
+                <a:spcPts val="0"/>
+              </a:spcAft>
+              <a:buSzPts val="1400"/>
+              <a:buNone/>
+              <a:defRPr sz="9300" b="0" i="0" u="none" strike="noStrike" cap="none">
+                <a:solidFill>
+                  <a:schemeClr val="dk1"/>
+                </a:solidFill>
+                <a:latin typeface="Arial"/>
+                <a:ea typeface="Arial"/>
+                <a:cs typeface="Arial"/>
+                <a:sym typeface="Arial"/>
+              </a:defRPr>
+            </a:lvl7pPr>
+            <a:lvl8pPr marR="0" lvl="7" algn="l">
+              <a:lnSpc>
+                <a:spcPct val="100000"/>
+              </a:lnSpc>
+              <a:spcBef>
+                <a:spcPts val="0"/>
+              </a:spcBef>
+              <a:spcAft>
+                <a:spcPts val="0"/>
+              </a:spcAft>
+              <a:buSzPts val="1400"/>
+              <a:buNone/>
+              <a:defRPr sz="9300" b="0" i="0" u="none" strike="noStrike" cap="none">
+                <a:solidFill>
+                  <a:schemeClr val="dk1"/>
+                </a:solidFill>
+                <a:latin typeface="Arial"/>
+                <a:ea typeface="Arial"/>
+                <a:cs typeface="Arial"/>
+                <a:sym typeface="Arial"/>
+              </a:defRPr>
+            </a:lvl8pPr>
+            <a:lvl9pPr marR="0" lvl="8" algn="l">
+              <a:lnSpc>
+                <a:spcPct val="100000"/>
+              </a:lnSpc>
+              <a:spcBef>
+                <a:spcPts val="0"/>
+              </a:spcBef>
+              <a:spcAft>
+                <a:spcPts val="0"/>
+              </a:spcAft>
+              <a:buSzPts val="1400"/>
+              <a:buNone/>
+              <a:defRPr sz="9300" b="0" i="0" u="none" strike="noStrike" cap="none">
+                <a:solidFill>
+                  <a:schemeClr val="dk1"/>
+                </a:solidFill>
+                <a:latin typeface="Arial"/>
+                <a:ea typeface="Arial"/>
+                <a:cs typeface="Arial"/>
+                <a:sym typeface="Arial"/>
+              </a:defRPr>
+            </a:lvl9pPr>
+          </a:lstStyle>
+          <a:p>
+            <a:endParaRPr/>
+          </a:p>
+        </p:txBody>
+      </p:sp>
+      <p:sp>
+        <p:nvSpPr>
+          <p:cNvPr id="77" name="Google Shape;77;p12"/>
           <p:cNvSpPr txBox="1">
             <a:spLocks noGrp="1"/>
           </p:cNvSpPr>
@@ -19183,16 +17973,15 @@
   <p:clrMap bg1="lt1" tx1="dk1" bg2="dk2" tx2="lt2" accent1="accent1" accent2="accent2" accent3="accent3" accent4="accent4" accent5="accent5" accent6="accent6" hlink="hlink" folHlink="folHlink"/>
   <p:sldLayoutIdLst>
     <p:sldLayoutId id="2147483649" r:id="rId1"/>
-    <p:sldLayoutId id="2147483650" r:id="rId2"/>
-    <p:sldLayoutId id="2147483651" r:id="rId3"/>
-    <p:sldLayoutId id="2147483652" r:id="rId4"/>
-    <p:sldLayoutId id="2147483653" r:id="rId5"/>
-    <p:sldLayoutId id="2147483654" r:id="rId6"/>
-    <p:sldLayoutId id="2147483655" r:id="rId7"/>
-    <p:sldLayoutId id="2147483656" r:id="rId8"/>
-    <p:sldLayoutId id="2147483657" r:id="rId9"/>
-    <p:sldLayoutId id="2147483658" r:id="rId10"/>
-    <p:sldLayoutId id="2147483659" r:id="rId11"/>
+    <p:sldLayoutId id="2147483651" r:id="rId2"/>
+    <p:sldLayoutId id="2147483652" r:id="rId3"/>
+    <p:sldLayoutId id="2147483653" r:id="rId4"/>
+    <p:sldLayoutId id="2147483654" r:id="rId5"/>
+    <p:sldLayoutId id="2147483655" r:id="rId6"/>
+    <p:sldLayoutId id="2147483656" r:id="rId7"/>
+    <p:sldLayoutId id="2147483657" r:id="rId8"/>
+    <p:sldLayoutId id="2147483658" r:id="rId9"/>
+    <p:sldLayoutId id="2147483659" r:id="rId10"/>
   </p:sldLayoutIdLst>
   <p:hf sldNum="0" hdr="0" ftr="0" dt="0"/>
   <p:txStyles>
@@ -19904,88 +18693,89 @@
           <a:chExt cx="0" cy="0"/>
         </a:xfrm>
       </p:grpSpPr>
-      <p:cxnSp>
-        <p:nvCxnSpPr>
-          <p:cNvPr id="25" name="Google Shape;98;p1">
+      <p:pic>
+        <p:nvPicPr>
+          <p:cNvPr id="19" name="Picture 18" descr="A qr code on a white background&#10;&#10;Description automatically generated">
             <a:extLst>
               <a:ext uri="{FF2B5EF4-FFF2-40B4-BE49-F238E27FC236}">
-                <a16:creationId xmlns:a16="http://schemas.microsoft.com/office/drawing/2014/main" id="{4C1337A3-BBFD-5B2C-00AF-35D9573EF437}"/>
+                <a16:creationId xmlns:a16="http://schemas.microsoft.com/office/drawing/2014/main" id="{E846D174-FE32-2954-A5B6-A9092EF63FD3}"/>
               </a:ext>
             </a:extLst>
           </p:cNvPr>
-          <p:cNvCxnSpPr>
-            <a:cxnSpLocks/>
-          </p:cNvCxnSpPr>
+          <p:cNvPicPr>
+            <a:picLocks noChangeAspect="1"/>
+          </p:cNvPicPr>
           <p:nvPr/>
-        </p:nvCxnSpPr>
+        </p:nvPicPr>
+        <p:blipFill rotWithShape="1">
+          <a:blip r:embed="rId3"/>
+          <a:srcRect l="3887" t="4909" r="4220" b="4390"/>
+          <a:stretch/>
+        </p:blipFill>
         <p:spPr>
-          <a:xfrm rot="5400000">
-            <a:off x="34471190" y="8990557"/>
-            <a:ext cx="457200" cy="0"/>
+          <a:xfrm>
+            <a:off x="10262938" y="30861000"/>
+            <a:ext cx="1852862" cy="1828800"/>
           </a:xfrm>
-          <a:prstGeom prst="straightConnector1">
+          <a:prstGeom prst="rect">
             <a:avLst/>
           </a:prstGeom>
-          <a:noFill/>
-          <a:ln w="12700" cap="flat" cmpd="sng">
-            <a:solidFill>
-              <a:schemeClr val="dk1"/>
-            </a:solidFill>
-            <a:prstDash val="solid"/>
-            <a:round/>
-            <a:headEnd type="none" w="sm" len="sm"/>
-            <a:tailEnd type="none" w="sm" len="sm"/>
-          </a:ln>
-          <a:effectLst>
-            <a:outerShdw blurRad="40000" dist="20000" dir="5400000" rotWithShape="0">
-              <a:srgbClr val="000000">
-                <a:alpha val="36470"/>
-              </a:srgbClr>
-            </a:outerShdw>
-          </a:effectLst>
         </p:spPr>
-      </p:cxnSp>
-      <p:cxnSp>
-        <p:nvCxnSpPr>
-          <p:cNvPr id="29" name="Google Shape;98;p1">
+      </p:pic>
+      <p:sp>
+        <p:nvSpPr>
+          <p:cNvPr id="41" name="TextBox 40">
             <a:extLst>
               <a:ext uri="{FF2B5EF4-FFF2-40B4-BE49-F238E27FC236}">
-                <a16:creationId xmlns:a16="http://schemas.microsoft.com/office/drawing/2014/main" id="{4D345503-8AE5-4EA8-C8A1-A272B88BF8BC}"/>
+                <a16:creationId xmlns:a16="http://schemas.microsoft.com/office/drawing/2014/main" id="{AFDAF03E-1C28-162C-AF18-A65606466F12}"/>
               </a:ext>
             </a:extLst>
           </p:cNvPr>
-          <p:cNvCxnSpPr>
-            <a:cxnSpLocks/>
-          </p:cNvCxnSpPr>
+          <p:cNvSpPr txBox="1"/>
           <p:nvPr/>
-        </p:nvCxnSpPr>
+        </p:nvSpPr>
         <p:spPr>
-          <a:xfrm rot="5400000">
-            <a:off x="40511881" y="8990557"/>
-            <a:ext cx="457200" cy="0"/>
+          <a:xfrm>
+            <a:off x="8299824" y="30861000"/>
+            <a:ext cx="1852862" cy="1828800"/>
           </a:xfrm>
-          <a:prstGeom prst="straightConnector1">
+          <a:prstGeom prst="rect">
             <a:avLst/>
           </a:prstGeom>
-          <a:noFill/>
-          <a:ln w="12700" cap="flat" cmpd="sng">
+          <a:solidFill>
+            <a:schemeClr val="bg1"/>
+          </a:solidFill>
+          <a:ln w="12700">
             <a:solidFill>
-              <a:schemeClr val="dk1"/>
+              <a:schemeClr val="tx1"/>
             </a:solidFill>
-            <a:prstDash val="solid"/>
-            <a:round/>
-            <a:headEnd type="none" w="sm" len="sm"/>
-            <a:tailEnd type="none" w="sm" len="sm"/>
           </a:ln>
-          <a:effectLst>
-            <a:outerShdw blurRad="40000" dist="20000" dir="5400000" rotWithShape="0">
-              <a:srgbClr val="000000">
-                <a:alpha val="36470"/>
-              </a:srgbClr>
-            </a:outerShdw>
-          </a:effectLst>
         </p:spPr>
-      </p:cxnSp>
+        <p:txBody>
+          <a:bodyPr wrap="square" lIns="91440" tIns="91440" rIns="91440" bIns="91440">
+            <a:spAutoFit/>
+          </a:bodyPr>
+          <a:lstStyle/>
+          <a:p>
+            <a:pPr>
+              <a:spcAft>
+                <a:spcPts val="500"/>
+              </a:spcAft>
+            </a:pPr>
+            <a:r>
+              <a:rPr lang="en-US" sz="2200" dirty="0">
+                <a:solidFill>
+                  <a:schemeClr val="tx1"/>
+                </a:solidFill>
+                <a:latin typeface="+mn-lt"/>
+                <a:ea typeface="Cascadia Mono SemiLight" panose="020B0609020000020004" pitchFamily="49" charset="0"/>
+                <a:cs typeface="Cascadia Mono SemiLight" panose="020B0609020000020004" pitchFamily="49" charset="0"/>
+              </a:rPr>
+              <a:t>Scan the QR code to see this project’s GitHub repository!</a:t>
+            </a:r>
+          </a:p>
+        </p:txBody>
+      </p:sp>
       <p:cxnSp>
         <p:nvCxnSpPr>
           <p:cNvPr id="23" name="Google Shape;98;p1">
@@ -20043,7 +18833,7 @@
         </p:nvCxnSpPr>
         <p:spPr>
           <a:xfrm rot="5400000">
-            <a:off x="16973559" y="21000890"/>
+            <a:off x="16973559" y="20756880"/>
             <a:ext cx="457200" cy="0"/>
           </a:xfrm>
           <a:prstGeom prst="straightConnector1">
@@ -20207,14 +18997,14 @@
         </p:nvSpPr>
         <p:spPr>
           <a:xfrm>
-            <a:off x="12572996" y="6858000"/>
-            <a:ext cx="9262872" cy="2895664"/>
+            <a:off x="12572996" y="6827222"/>
+            <a:ext cx="9262872" cy="2957220"/>
           </a:xfrm>
           <a:prstGeom prst="rect">
             <a:avLst/>
           </a:prstGeom>
           <a:solidFill>
-            <a:srgbClr val="F2F6EA"/>
+            <a:schemeClr val="bg1"/>
           </a:solidFill>
           <a:ln w="12700">
             <a:solidFill>
@@ -20234,7 +19024,7 @@
               </a:spcAft>
             </a:pPr>
             <a:r>
-              <a:rPr lang="en-US" sz="4000" b="1" dirty="0">
+              <a:rPr lang="en-US" sz="4400" b="1" dirty="0">
                 <a:solidFill>
                   <a:srgbClr val="616A4E"/>
                 </a:solidFill>
@@ -20245,7 +19035,7 @@
               </a:rPr>
               <a:t>Reproduction and life stages</a:t>
             </a:r>
-            <a:endParaRPr lang="en-US" sz="4000" dirty="0">
+            <a:endParaRPr lang="en-US" sz="4400" dirty="0">
               <a:solidFill>
                 <a:srgbClr val="616A4E"/>
               </a:solidFill>
@@ -20348,7 +19138,7 @@
                 <a:ea typeface="Cascadia Mono SemiLight" panose="020B0609020000020004" pitchFamily="49" charset="0"/>
                 <a:cs typeface="Cascadia Mono SemiLight" panose="020B0609020000020004" pitchFamily="49" charset="0"/>
               </a:rPr>
-              <a:t>Life Stages</a:t>
+              <a:t>Barnacle Life Stages</a:t>
             </a:r>
           </a:p>
           <a:p>
@@ -20362,6 +19152,11 @@
             </a:pPr>
             <a:r>
               <a:rPr lang="en-US" sz="3600" b="1" dirty="0">
+                <a:ln>
+                  <a:solidFill>
+                    <a:srgbClr val="E69F00"/>
+                  </a:solidFill>
+                </a:ln>
                 <a:solidFill>
                   <a:srgbClr val="E69F00"/>
                 </a:solidFill>
@@ -20370,7 +19165,19 @@
                 <a:ea typeface="Cascadia Mono SemiLight" panose="020B0609020000020004" pitchFamily="49" charset="0"/>
                 <a:cs typeface="Cascadia Mono SemiLight" panose="020B0609020000020004" pitchFamily="49" charset="0"/>
               </a:rPr>
-              <a:t>— </a:t>
+              <a:t>—</a:t>
+            </a:r>
+            <a:r>
+              <a:rPr lang="en-US" sz="3600" b="1" dirty="0">
+                <a:solidFill>
+                  <a:srgbClr val="E69F00"/>
+                </a:solidFill>
+                <a:effectLst/>
+                <a:latin typeface="+mn-lt"/>
+                <a:ea typeface="Cascadia Mono SemiLight" panose="020B0609020000020004" pitchFamily="49" charset="0"/>
+                <a:cs typeface="Cascadia Mono SemiLight" panose="020B0609020000020004" pitchFamily="49" charset="0"/>
+              </a:rPr>
+              <a:t> </a:t>
             </a:r>
             <a:r>
               <a:rPr lang="en-US" sz="3600" dirty="0">
@@ -20386,6 +19193,11 @@
             </a:r>
             <a:r>
               <a:rPr lang="en-US" sz="3600" b="1" dirty="0">
+                <a:ln w="38100">
+                  <a:solidFill>
+                    <a:srgbClr val="56B4E9"/>
+                  </a:solidFill>
+                </a:ln>
                 <a:solidFill>
                   <a:srgbClr val="56B4E9"/>
                 </a:solidFill>
@@ -20421,6 +19233,11 @@
             </a:r>
             <a:r>
               <a:rPr lang="en-US" sz="3600" b="1" dirty="0">
+                <a:ln>
+                  <a:solidFill>
+                    <a:srgbClr val="009E73"/>
+                  </a:solidFill>
+                </a:ln>
                 <a:solidFill>
                   <a:srgbClr val="009E73"/>
                 </a:solidFill>
@@ -20457,6 +19274,11 @@
             </a:r>
             <a:r>
               <a:rPr lang="en-US" sz="3600" b="1" dirty="0">
+                <a:ln>
+                  <a:solidFill>
+                    <a:srgbClr val="000000"/>
+                  </a:solidFill>
+                </a:ln>
                 <a:solidFill>
                   <a:schemeClr val="tx1"/>
                 </a:solidFill>
@@ -20518,7 +19340,7 @@
         </p:nvCxnSpPr>
         <p:spPr>
           <a:xfrm rot="5400000">
-            <a:off x="9047168" y="14532114"/>
+            <a:off x="2880873" y="16184880"/>
             <a:ext cx="457200" cy="0"/>
           </a:xfrm>
           <a:prstGeom prst="straightConnector1">
@@ -20701,7 +19523,7 @@
             <p:nvPr/>
           </p:nvPicPr>
           <p:blipFill rotWithShape="1">
-            <a:blip r:embed="rId3"/>
+            <a:blip r:embed="rId4"/>
             <a:srcRect l="36237" t="4333" b="-75"/>
             <a:stretch/>
           </p:blipFill>
@@ -20820,14 +19642,14 @@
           <p:nvPr/>
         </p:nvPicPr>
         <p:blipFill>
-          <a:blip r:embed="rId4"/>
+          <a:blip r:embed="rId5"/>
           <a:srcRect l="7353" r="5862"/>
           <a:stretch/>
         </p:blipFill>
         <p:spPr>
           <a:xfrm>
-            <a:off x="228600" y="12568773"/>
-            <a:ext cx="5950820" cy="10285267"/>
+            <a:off x="228600" y="16279471"/>
+            <a:ext cx="5950820" cy="9890598"/>
           </a:xfrm>
           <a:prstGeom prst="rect">
             <a:avLst/>
@@ -20883,7 +19705,7 @@
                   <a:srgbClr val="616A4E"/>
                 </a:solidFill>
               </a:rPr>
-              <a:t>Conclusion and Next Steps</a:t>
+              <a:t>Conclusion</a:t>
             </a:r>
           </a:p>
         </p:txBody>
@@ -21184,7 +20006,7 @@
                 <a:cs typeface="Arial"/>
                 <a:sym typeface="Arial"/>
               </a:rPr>
-              <a:t>1,2</a:t>
+              <a:t>1</a:t>
             </a:r>
             <a:r>
               <a:rPr lang="en-US" sz="5000" i="0" u="none" strike="noStrike" cap="none" dirty="0">
@@ -21208,7 +20030,15 @@
                 <a:cs typeface="Arial"/>
                 <a:sym typeface="Arial"/>
               </a:rPr>
-              <a:t>1,3</a:t>
+              <a:t>1,</a:t>
+            </a:r>
+            <a:r>
+              <a:rPr lang="en-US" sz="5000" baseline="30000" dirty="0">
+                <a:solidFill>
+                  <a:schemeClr val="dk1"/>
+                </a:solidFill>
+              </a:rPr>
+              <a:t>2</a:t>
             </a:r>
             <a:endParaRPr sz="5000" i="0" u="none" strike="noStrike" cap="none" dirty="0">
               <a:solidFill>
@@ -21273,30 +20103,6 @@
                 <a:sym typeface="Arial"/>
               </a:rPr>
               <a:t>2</a:t>
-            </a:r>
-            <a:r>
-              <a:rPr lang="en-US" sz="3200" i="0" u="none" strike="noStrike" cap="none" dirty="0">
-                <a:solidFill>
-                  <a:schemeClr val="dk1"/>
-                </a:solidFill>
-                <a:latin typeface="Arial"/>
-                <a:ea typeface="Arial"/>
-                <a:cs typeface="Arial"/>
-                <a:sym typeface="Arial"/>
-              </a:rPr>
-              <a:t>a</a:t>
-            </a:r>
-            <a:r>
-              <a:rPr lang="en-US" sz="3200" i="0" u="none" strike="noStrike" cap="none" baseline="30000" dirty="0">
-                <a:solidFill>
-                  <a:schemeClr val="dk1"/>
-                </a:solidFill>
-                <a:latin typeface="Arial"/>
-                <a:ea typeface="Arial"/>
-                <a:cs typeface="Arial"/>
-                <a:sym typeface="Arial"/>
-              </a:rPr>
-              <a:t> </a:t>
             </a:r>
             <a:r>
               <a:rPr lang="en-US" sz="3200" i="0" u="none" strike="noStrike" cap="none" dirty="0">
@@ -21336,7 +20142,7 @@
           <p:nvPr/>
         </p:nvPicPr>
         <p:blipFill>
-          <a:blip r:embed="rId5"/>
+          <a:blip r:embed="rId6"/>
           <a:srcRect t="1" b="15698"/>
           <a:stretch/>
         </p:blipFill>
@@ -21408,14 +20214,14 @@
           <p:nvPr/>
         </p:nvPicPr>
         <p:blipFill rotWithShape="1">
-          <a:blip r:embed="rId6"/>
+          <a:blip r:embed="rId7"/>
           <a:srcRect r="297"/>
           <a:stretch/>
         </p:blipFill>
         <p:spPr>
           <a:xfrm>
-            <a:off x="6362772" y="26860500"/>
-            <a:ext cx="5715000" cy="5715000"/>
+            <a:off x="6355560" y="24746052"/>
+            <a:ext cx="5825991" cy="5825991"/>
           </a:xfrm>
           <a:prstGeom prst="rect">
             <a:avLst/>
@@ -21578,10 +20384,10 @@
         </p:nvGrpSpPr>
         <p:grpSpPr>
           <a:xfrm>
-            <a:off x="31768534" y="24499964"/>
-            <a:ext cx="11887200" cy="4303638"/>
-            <a:chOff x="31953484" y="26517599"/>
-            <a:chExt cx="11887200" cy="4099992"/>
+            <a:off x="31768534" y="26106116"/>
+            <a:ext cx="11903210" cy="3112785"/>
+            <a:chOff x="31953484" y="27913079"/>
+            <a:chExt cx="11903210" cy="2704508"/>
           </a:xfrm>
         </p:grpSpPr>
         <p:sp>
@@ -21592,8 +20398,8 @@
           </p:nvSpPr>
           <p:spPr>
             <a:xfrm>
-              <a:off x="31953484" y="27660599"/>
-              <a:ext cx="11887200" cy="2956992"/>
+              <a:off x="31953484" y="28612060"/>
+              <a:ext cx="11887200" cy="2005527"/>
             </a:xfrm>
             <a:prstGeom prst="rect">
               <a:avLst/>
@@ -21604,8 +20410,8 @@
             </a:ln>
           </p:spPr>
           <p:txBody>
-            <a:bodyPr spcFirstLastPara="1" wrap="square" lIns="91425" tIns="45700" rIns="91425" bIns="45700" anchor="t" anchorCtr="0">
-              <a:normAutofit fontScale="92500" lnSpcReduction="20000"/>
+            <a:bodyPr spcFirstLastPara="1" wrap="square" lIns="91425" tIns="45700" rIns="91425" bIns="45700" anchor="b" anchorCtr="0">
+              <a:spAutoFit/>
             </a:bodyPr>
             <a:lstStyle/>
             <a:p>
@@ -21616,9 +20422,6 @@
                 <a:spcBef>
                   <a:spcPts val="0"/>
                 </a:spcBef>
-                <a:spcAft>
-                  <a:spcPts val="600"/>
-                </a:spcAft>
                 <a:buClr>
                   <a:srgbClr val="000000"/>
                 </a:buClr>
@@ -21627,7 +20430,7 @@
                 <a:buChar char="•"/>
               </a:pPr>
               <a:r>
-                <a:rPr lang="en-US" sz="2400" b="0" i="0" u="none" strike="noStrike" cap="none" dirty="0">
+                <a:rPr lang="en-US" sz="1800" b="0" i="0" u="none" strike="noStrike" cap="none" dirty="0">
                   <a:solidFill>
                     <a:schemeClr val="dk1"/>
                   </a:solidFill>
@@ -21639,7 +20442,7 @@
                 <a:t>Thank you to Erin Jesuit of the </a:t>
               </a:r>
               <a:r>
-                <a:rPr lang="en-US" sz="2400" b="0" i="0" u="none" strike="noStrike" cap="none" dirty="0" err="1">
+                <a:rPr lang="en-US" sz="1800" b="0" i="0" u="none" strike="noStrike" cap="none" dirty="0" err="1">
                   <a:solidFill>
                     <a:schemeClr val="dk1"/>
                   </a:solidFill>
@@ -21651,7 +20454,7 @@
                 <a:t>VonDassow</a:t>
               </a:r>
               <a:r>
-                <a:rPr lang="en-US" sz="2400" b="0" i="0" u="none" strike="noStrike" cap="none" dirty="0">
+                <a:rPr lang="en-US" sz="1800" b="0" i="0" u="none" strike="noStrike" cap="none" dirty="0">
                   <a:solidFill>
                     <a:schemeClr val="dk1"/>
                   </a:solidFill>
@@ -21663,7 +20466,7 @@
                 <a:t> Lab at OIMB for your help collecting and analyzing </a:t>
               </a:r>
               <a:r>
-                <a:rPr lang="en-US" sz="2400" b="0" i="1" u="none" strike="noStrike" cap="none" dirty="0">
+                <a:rPr lang="en-US" sz="1800" b="0" i="1" u="none" strike="noStrike" cap="none" dirty="0">
                   <a:solidFill>
                     <a:schemeClr val="dk1"/>
                   </a:solidFill>
@@ -21675,7 +20478,7 @@
                 <a:t>B. glandula</a:t>
               </a:r>
               <a:r>
-                <a:rPr lang="en-US" sz="2400" b="0" u="none" strike="noStrike" cap="none" dirty="0">
+                <a:rPr lang="en-US" sz="1800" b="0" u="none" strike="noStrike" cap="none" dirty="0">
                   <a:solidFill>
                     <a:schemeClr val="dk1"/>
                   </a:solidFill>
@@ -21695,9 +20498,6 @@
                 <a:spcBef>
                   <a:spcPts val="0"/>
                 </a:spcBef>
-                <a:spcAft>
-                  <a:spcPts val="600"/>
-                </a:spcAft>
                 <a:buClr>
                   <a:srgbClr val="000000"/>
                 </a:buClr>
@@ -21706,7 +20506,7 @@
                 <a:buChar char="•"/>
               </a:pPr>
               <a:r>
-                <a:rPr lang="en-US" sz="2400" b="0" u="none" strike="noStrike" cap="none" dirty="0">
+                <a:rPr lang="en-US" sz="1800" b="0" u="none" strike="noStrike" cap="none" dirty="0">
                   <a:solidFill>
                     <a:schemeClr val="dk1"/>
                   </a:solidFill>
@@ -21718,14 +20518,14 @@
                 <a:t>To Dave Sutherland for providing environmental models of Coos Bay, OR</a:t>
               </a:r>
               <a:r>
-                <a:rPr lang="en-US" sz="2400" dirty="0">
+                <a:rPr lang="en-US" sz="1800" dirty="0">
                   <a:solidFill>
                     <a:schemeClr val="dk1"/>
                   </a:solidFill>
                 </a:rPr>
                 <a:t>.</a:t>
               </a:r>
-              <a:endParaRPr lang="en-US" sz="2400" b="0" u="none" strike="noStrike" cap="none" dirty="0">
+              <a:endParaRPr lang="en-US" sz="1800" b="0" u="none" strike="noStrike" cap="none" dirty="0">
                 <a:solidFill>
                   <a:schemeClr val="dk1"/>
                 </a:solidFill>
@@ -21743,9 +20543,6 @@
                 <a:spcBef>
                   <a:spcPts val="0"/>
                 </a:spcBef>
-                <a:spcAft>
-                  <a:spcPts val="600"/>
-                </a:spcAft>
                 <a:buClr>
                   <a:srgbClr val="000000"/>
                 </a:buClr>
@@ -21754,7 +20551,7 @@
                 <a:buChar char="•"/>
               </a:pPr>
               <a:r>
-                <a:rPr lang="en-US" sz="2400" b="0" u="none" strike="noStrike" cap="none" dirty="0">
+                <a:rPr lang="en-US" sz="1800" b="0" u="none" strike="noStrike" cap="none" dirty="0">
                   <a:solidFill>
                     <a:schemeClr val="dk1"/>
                   </a:solidFill>
@@ -21766,7 +20563,7 @@
                 <a:t>To </a:t>
               </a:r>
               <a:r>
-                <a:rPr lang="en-US" sz="2400" b="0" i="0" u="none" strike="noStrike" cap="none" dirty="0">
+                <a:rPr lang="en-US" sz="1800" b="0" i="0" u="none" strike="noStrike" cap="none" dirty="0">
                   <a:solidFill>
                     <a:schemeClr val="dk1"/>
                   </a:solidFill>
@@ -21786,9 +20583,6 @@
                 <a:spcBef>
                   <a:spcPts val="0"/>
                 </a:spcBef>
-                <a:spcAft>
-                  <a:spcPts val="600"/>
-                </a:spcAft>
                 <a:buClr>
                   <a:srgbClr val="000000"/>
                 </a:buClr>
@@ -21797,7 +20591,7 @@
                 <a:buChar char="•"/>
               </a:pPr>
               <a:r>
-                <a:rPr lang="en-US" sz="2400" b="0" i="0" u="none" strike="noStrike" cap="none" dirty="0">
+                <a:rPr lang="en-US" sz="1800" b="0" i="0" u="none" strike="noStrike" cap="none" dirty="0">
                   <a:solidFill>
                     <a:schemeClr val="dk1"/>
                   </a:solidFill>
@@ -21809,7 +20603,7 @@
                 <a:t>To Ben Haller and Philipp Messer for the development </a:t>
               </a:r>
               <a:r>
-                <a:rPr lang="en-US" sz="2400" dirty="0">
+                <a:rPr lang="en-US" sz="1800" dirty="0">
                   <a:solidFill>
                     <a:schemeClr val="dk1"/>
                   </a:solidFill>
@@ -21817,7 +20611,7 @@
                 <a:t>of </a:t>
               </a:r>
               <a:r>
-                <a:rPr lang="en-US" sz="2400" dirty="0" err="1">
+                <a:rPr lang="en-US" sz="1800" dirty="0" err="1">
                   <a:solidFill>
                     <a:schemeClr val="dk1"/>
                   </a:solidFill>
@@ -21825,7 +20619,7 @@
                 <a:t>SLiM</a:t>
               </a:r>
               <a:r>
-                <a:rPr lang="en-US" sz="2400" dirty="0">
+                <a:rPr lang="en-US" sz="1800" dirty="0">
                   <a:solidFill>
                     <a:schemeClr val="dk1"/>
                   </a:solidFill>
@@ -21841,9 +20635,6 @@
                 <a:spcBef>
                   <a:spcPts val="0"/>
                 </a:spcBef>
-                <a:spcAft>
-                  <a:spcPts val="600"/>
-                </a:spcAft>
                 <a:buClr>
                   <a:srgbClr val="000000"/>
                 </a:buClr>
@@ -21852,7 +20643,7 @@
                 <a:buChar char="•"/>
               </a:pPr>
               <a:r>
-                <a:rPr lang="en-US" sz="2400" dirty="0">
+                <a:rPr lang="en-US" sz="1800" dirty="0">
                   <a:solidFill>
                     <a:schemeClr val="dk1"/>
                   </a:solidFill>
@@ -21860,7 +20651,7 @@
                 <a:t>T</a:t>
               </a:r>
               <a:r>
-                <a:rPr lang="en-US" sz="2400" b="0" i="0" u="none" strike="noStrike" cap="none" dirty="0">
+                <a:rPr lang="en-US" sz="1800" b="0" i="0" u="none" strike="noStrike" cap="none" dirty="0">
                   <a:solidFill>
                     <a:schemeClr val="dk1"/>
                   </a:solidFill>
@@ -21880,9 +20671,6 @@
                 <a:spcBef>
                   <a:spcPts val="0"/>
                 </a:spcBef>
-                <a:spcAft>
-                  <a:spcPts val="600"/>
-                </a:spcAft>
                 <a:buClr>
                   <a:srgbClr val="000000"/>
                 </a:buClr>
@@ -21891,14 +20679,14 @@
                 <a:buChar char="•"/>
               </a:pPr>
               <a:r>
-                <a:rPr lang="en-US" sz="2400" dirty="0">
+                <a:rPr lang="en-US" sz="1800" dirty="0">
                   <a:solidFill>
                     <a:schemeClr val="dk1"/>
                   </a:solidFill>
                 </a:rPr>
                 <a:t>And to ASM for providing a travel award to attend ABRCMS 2024</a:t>
               </a:r>
-              <a:endParaRPr sz="2400" b="0" i="0" u="none" strike="noStrike" cap="none" dirty="0">
+              <a:endParaRPr sz="1800" b="0" i="0" u="none" strike="noStrike" cap="none" dirty="0">
                 <a:solidFill>
                   <a:schemeClr val="dk1"/>
                 </a:solidFill>
@@ -21918,18 +20706,18 @@
           </p:nvSpPr>
           <p:spPr>
             <a:xfrm>
-              <a:off x="32874750" y="26517599"/>
-              <a:ext cx="10058400" cy="1143000"/>
+              <a:off x="31969494" y="27913079"/>
+              <a:ext cx="11887200" cy="693349"/>
             </a:xfrm>
             <a:prstGeom prst="rect">
               <a:avLst/>
             </a:prstGeom>
             <a:solidFill>
-              <a:srgbClr val="FFFFFF"/>
+              <a:srgbClr val="E8EFD9"/>
             </a:solidFill>
             <a:ln w="9525" cap="flat" cmpd="sng">
               <a:solidFill>
-                <a:srgbClr val="FFFFFF"/>
+                <a:schemeClr val="tx1"/>
               </a:solidFill>
               <a:prstDash val="solid"/>
               <a:round/>
@@ -21938,8 +20726,8 @@
             </a:ln>
           </p:spPr>
           <p:txBody>
-            <a:bodyPr spcFirstLastPara="1" wrap="square" lIns="104475" tIns="52250" rIns="104475" bIns="52250" anchor="t" anchorCtr="0">
-              <a:noAutofit/>
+            <a:bodyPr spcFirstLastPara="1" wrap="square" lIns="104475" tIns="52250" rIns="104475" bIns="52250" anchor="ctr" anchorCtr="0">
+              <a:spAutoFit/>
             </a:bodyPr>
             <a:lstStyle/>
             <a:p>
@@ -21961,9 +20749,9 @@
                 <a:buNone/>
               </a:pPr>
               <a:r>
-                <a:rPr lang="en-US" sz="6800" b="1" i="0" u="none" strike="noStrike" cap="none" dirty="0">
+                <a:rPr lang="en-US" sz="4500" b="1" i="0" u="none" strike="noStrike" cap="none" dirty="0">
                   <a:solidFill>
-                    <a:srgbClr val="77933C"/>
+                    <a:srgbClr val="616A4E"/>
                   </a:solidFill>
                   <a:latin typeface="Arial"/>
                   <a:ea typeface="Arial"/>
@@ -21972,9 +20760,9 @@
                 </a:rPr>
                 <a:t>Acknowledgments</a:t>
               </a:r>
-              <a:endParaRPr sz="2267" b="0" i="0" u="none" strike="noStrike" cap="none" dirty="0">
-                <a:solidFill>
-                  <a:schemeClr val="dk1"/>
+              <a:endParaRPr sz="4500" b="0" i="0" u="none" strike="noStrike" cap="none" dirty="0">
+                <a:solidFill>
+                  <a:srgbClr val="616A4E"/>
                 </a:solidFill>
                 <a:latin typeface="Arial"/>
                 <a:ea typeface="Arial"/>
@@ -21999,7 +20787,7 @@
         </p:nvCxnSpPr>
         <p:spPr>
           <a:xfrm>
-            <a:off x="31546800" y="24250656"/>
+            <a:off x="31546800" y="25877520"/>
             <a:ext cx="12344400" cy="0"/>
           </a:xfrm>
           <a:prstGeom prst="straightConnector1">
@@ -22038,7 +20826,7 @@
         </p:nvCxnSpPr>
         <p:spPr>
           <a:xfrm>
-            <a:off x="31546800" y="28803600"/>
+            <a:off x="31546800" y="29415239"/>
             <a:ext cx="12344400" cy="0"/>
           </a:xfrm>
           <a:prstGeom prst="straightConnector1">
@@ -22077,18 +20865,18 @@
         </p:nvSpPr>
         <p:spPr>
           <a:xfrm>
-            <a:off x="32762767" y="28928228"/>
-            <a:ext cx="9985433" cy="1055076"/>
+            <a:off x="31784544" y="29626560"/>
+            <a:ext cx="11887200" cy="798018"/>
           </a:xfrm>
           <a:prstGeom prst="rect">
             <a:avLst/>
           </a:prstGeom>
           <a:solidFill>
-            <a:srgbClr val="FFFFFF"/>
+            <a:srgbClr val="E8EFD9"/>
           </a:solidFill>
           <a:ln w="9525" cap="flat" cmpd="sng">
             <a:solidFill>
-              <a:srgbClr val="FFFFFF"/>
+              <a:schemeClr val="tx1"/>
             </a:solidFill>
             <a:prstDash val="solid"/>
             <a:round/>
@@ -22098,7 +20886,7 @@
         </p:spPr>
         <p:txBody>
           <a:bodyPr spcFirstLastPara="1" wrap="square" lIns="104475" tIns="52250" rIns="104475" bIns="52250" anchor="t" anchorCtr="0">
-            <a:noAutofit/>
+            <a:spAutoFit/>
           </a:bodyPr>
           <a:lstStyle/>
           <a:p>
@@ -22122,7 +20910,7 @@
             <a:r>
               <a:rPr lang="en-US" sz="4500" b="1" i="0" u="none" strike="noStrike" cap="none" dirty="0">
                 <a:solidFill>
-                  <a:srgbClr val="77933C"/>
+                  <a:srgbClr val="616A4E"/>
                 </a:solidFill>
                 <a:latin typeface="Arial"/>
                 <a:ea typeface="Arial"/>
@@ -22133,7 +20921,7 @@
             </a:r>
             <a:endParaRPr sz="4500" b="0" i="0" u="none" strike="noStrike" cap="none" dirty="0">
               <a:solidFill>
-                <a:schemeClr val="dk1"/>
+                <a:srgbClr val="616A4E"/>
               </a:solidFill>
               <a:latin typeface="Arial"/>
               <a:ea typeface="Arial"/>
@@ -22194,196 +20982,6 @@
       </p:sp>
       <p:sp>
         <p:nvSpPr>
-          <p:cNvPr id="4" name="TextBox 3">
-            <a:extLst>
-              <a:ext uri="{FF2B5EF4-FFF2-40B4-BE49-F238E27FC236}">
-                <a16:creationId xmlns:a16="http://schemas.microsoft.com/office/drawing/2014/main" id="{E5C38AE9-4D98-2877-3D43-A2DCEE83276D}"/>
-              </a:ext>
-            </a:extLst>
-          </p:cNvPr>
-          <p:cNvSpPr txBox="1"/>
-          <p:nvPr/>
-        </p:nvSpPr>
-        <p:spPr>
-          <a:xfrm>
-            <a:off x="-8084041" y="11995756"/>
-            <a:ext cx="7512535" cy="3631763"/>
-          </a:xfrm>
-          <a:prstGeom prst="rect">
-            <a:avLst/>
-          </a:prstGeom>
-          <a:solidFill>
-            <a:srgbClr val="E8EFD9"/>
-          </a:solidFill>
-          <a:ln w="12700">
-            <a:solidFill>
-              <a:schemeClr val="tx1"/>
-            </a:solidFill>
-          </a:ln>
-        </p:spPr>
-        <p:txBody>
-          <a:bodyPr wrap="square" lIns="274320" tIns="274320" rIns="274320" bIns="274320">
-            <a:spAutoFit/>
-          </a:bodyPr>
-          <a:lstStyle/>
-          <a:p>
-            <a:pPr marL="0" marR="0" lvl="0" indent="0" algn="l" defTabSz="914400" rtl="0" eaLnBrk="1" fontAlgn="auto" latinLnBrk="0" hangingPunct="1">
-              <a:lnSpc>
-                <a:spcPct val="100000"/>
-              </a:lnSpc>
-              <a:spcBef>
-                <a:spcPts val="0"/>
-              </a:spcBef>
-              <a:spcAft>
-                <a:spcPts val="500"/>
-              </a:spcAft>
-              <a:buClr>
-                <a:srgbClr val="000000"/>
-              </a:buClr>
-              <a:buSzTx/>
-              <a:buFont typeface="Arial"/>
-              <a:buNone/>
-              <a:tabLst/>
-              <a:defRPr/>
-            </a:pPr>
-            <a:r>
-              <a:rPr kumimoji="0" lang="en-US" sz="4000" b="1" i="0" u="none" strike="noStrike" kern="0" cap="none" spc="0" normalizeH="0" baseline="0" noProof="0" dirty="0">
-                <a:ln>
-                  <a:noFill/>
-                </a:ln>
-                <a:solidFill>
-                  <a:srgbClr val="616A4E"/>
-                </a:solidFill>
-                <a:effectLst/>
-                <a:uLnTx/>
-                <a:uFillTx/>
-                <a:latin typeface="Arial"/>
-                <a:ea typeface="Cascadia Mono SemiLight" panose="020B0609020000020004" pitchFamily="49" charset="0"/>
-                <a:cs typeface="Cascadia Mono SemiLight" panose="020B0609020000020004" pitchFamily="49" charset="0"/>
-                <a:sym typeface="Arial"/>
-              </a:rPr>
-              <a:t>“As the sculptor carves a masterpiece out of stone, the computational biologist carves a barnacle out of a blob”</a:t>
-            </a:r>
-            <a:endParaRPr kumimoji="0" lang="en-US" sz="3600" b="0" i="0" u="none" strike="noStrike" kern="0" cap="none" spc="0" normalizeH="0" baseline="0" noProof="0" dirty="0">
-              <a:ln>
-                <a:noFill/>
-              </a:ln>
-              <a:solidFill>
-                <a:srgbClr val="000000"/>
-              </a:solidFill>
-              <a:effectLst/>
-              <a:uLnTx/>
-              <a:uFillTx/>
-              <a:latin typeface="Arial"/>
-              <a:ea typeface="Cascadia Mono SemiLight" panose="020B0609020000020004" pitchFamily="49" charset="0"/>
-              <a:cs typeface="Cascadia Mono SemiLight" panose="020B0609020000020004" pitchFamily="49" charset="0"/>
-              <a:sym typeface="Arial"/>
-            </a:endParaRPr>
-          </a:p>
-        </p:txBody>
-      </p:sp>
-      <p:sp>
-        <p:nvSpPr>
-          <p:cNvPr id="12" name="TextBox 11">
-            <a:extLst>
-              <a:ext uri="{FF2B5EF4-FFF2-40B4-BE49-F238E27FC236}">
-                <a16:creationId xmlns:a16="http://schemas.microsoft.com/office/drawing/2014/main" id="{8D2C62BA-2E13-8996-BF23-C074BE32CA0A}"/>
-              </a:ext>
-            </a:extLst>
-          </p:cNvPr>
-          <p:cNvSpPr txBox="1"/>
-          <p:nvPr/>
-        </p:nvSpPr>
-        <p:spPr>
-          <a:xfrm>
-            <a:off x="-8092804" y="7808978"/>
-            <a:ext cx="7521298" cy="3631763"/>
-          </a:xfrm>
-          <a:prstGeom prst="rect">
-            <a:avLst/>
-          </a:prstGeom>
-          <a:solidFill>
-            <a:srgbClr val="E8EFD9"/>
-          </a:solidFill>
-          <a:ln w="12700">
-            <a:solidFill>
-              <a:schemeClr val="tx1"/>
-            </a:solidFill>
-          </a:ln>
-        </p:spPr>
-        <p:txBody>
-          <a:bodyPr wrap="square" lIns="274320" tIns="274320" rIns="274320" bIns="274320">
-            <a:spAutoFit/>
-          </a:bodyPr>
-          <a:lstStyle/>
-          <a:p>
-            <a:pPr marL="0" marR="0" lvl="0" indent="0" algn="l" defTabSz="914400" rtl="0" eaLnBrk="1" fontAlgn="auto" latinLnBrk="0" hangingPunct="1">
-              <a:lnSpc>
-                <a:spcPct val="100000"/>
-              </a:lnSpc>
-              <a:spcBef>
-                <a:spcPts val="0"/>
-              </a:spcBef>
-              <a:spcAft>
-                <a:spcPts val="500"/>
-              </a:spcAft>
-              <a:buClr>
-                <a:srgbClr val="000000"/>
-              </a:buClr>
-              <a:buSzTx/>
-              <a:buFont typeface="Arial"/>
-              <a:buNone/>
-              <a:tabLst/>
-              <a:defRPr/>
-            </a:pPr>
-            <a:r>
-              <a:rPr lang="en-US" sz="4000" b="1" dirty="0">
-                <a:solidFill>
-                  <a:srgbClr val="616A4E"/>
-                </a:solidFill>
-                <a:ea typeface="Cascadia Mono SemiLight" panose="020B0609020000020004" pitchFamily="49" charset="0"/>
-                <a:cs typeface="Cascadia Mono SemiLight" panose="020B0609020000020004" pitchFamily="49" charset="0"/>
-              </a:rPr>
-              <a:t>“</a:t>
-            </a:r>
-            <a:r>
-              <a:rPr kumimoji="0" lang="en-US" sz="4000" b="1" i="0" u="none" strike="noStrike" kern="0" cap="none" spc="0" normalizeH="0" baseline="0" noProof="0" dirty="0">
-                <a:ln>
-                  <a:noFill/>
-                </a:ln>
-                <a:solidFill>
-                  <a:srgbClr val="616A4E"/>
-                </a:solidFill>
-                <a:effectLst/>
-                <a:uLnTx/>
-                <a:uFillTx/>
-                <a:latin typeface="Arial"/>
-                <a:ea typeface="Cascadia Mono SemiLight" panose="020B0609020000020004" pitchFamily="49" charset="0"/>
-                <a:cs typeface="Cascadia Mono SemiLight" panose="020B0609020000020004" pitchFamily="49" charset="0"/>
-                <a:sym typeface="Arial"/>
-              </a:rPr>
-              <a:t>We develop computational simulations of biological systems to expand our understanding of population genomics”</a:t>
-            </a:r>
-            <a:endParaRPr kumimoji="0" lang="en-US" sz="3600" b="0" i="0" u="none" strike="noStrike" kern="0" cap="none" spc="0" normalizeH="0" baseline="0" noProof="0" dirty="0">
-              <a:ln>
-                <a:noFill/>
-              </a:ln>
-              <a:solidFill>
-                <a:srgbClr val="000000"/>
-              </a:solidFill>
-              <a:effectLst/>
-              <a:uLnTx/>
-              <a:uFillTx/>
-              <a:latin typeface="Arial"/>
-              <a:ea typeface="Cascadia Mono SemiLight" panose="020B0609020000020004" pitchFamily="49" charset="0"/>
-              <a:cs typeface="Cascadia Mono SemiLight" panose="020B0609020000020004" pitchFamily="49" charset="0"/>
-              <a:sym typeface="Arial"/>
-            </a:endParaRPr>
-          </a:p>
-        </p:txBody>
-      </p:sp>
-      <p:sp>
-        <p:nvSpPr>
           <p:cNvPr id="13" name="TextBox 12">
             <a:extLst>
               <a:ext uri="{FF2B5EF4-FFF2-40B4-BE49-F238E27FC236}">
@@ -22396,7 +20994,7 @@
         </p:nvSpPr>
         <p:spPr>
           <a:xfrm>
-            <a:off x="46520100" y="13181074"/>
+            <a:off x="46520100" y="5092735"/>
             <a:ext cx="8458200" cy="6899325"/>
           </a:xfrm>
           <a:prstGeom prst="rect">
@@ -22479,10 +21077,10 @@
       </p:sp>
       <p:sp>
         <p:nvSpPr>
-          <p:cNvPr id="15" name="TextBox 14">
+          <p:cNvPr id="22" name="TextBox 21">
             <a:extLst>
               <a:ext uri="{FF2B5EF4-FFF2-40B4-BE49-F238E27FC236}">
-                <a16:creationId xmlns:a16="http://schemas.microsoft.com/office/drawing/2014/main" id="{BA3C8798-EFAE-39F9-5B59-BEBDE84F6C0E}"/>
+                <a16:creationId xmlns:a16="http://schemas.microsoft.com/office/drawing/2014/main" id="{40A3E798-DBFE-6092-BDE0-A81B5983849B}"/>
               </a:ext>
             </a:extLst>
           </p:cNvPr>
@@ -22491,14 +21089,14 @@
         </p:nvSpPr>
         <p:spPr>
           <a:xfrm>
-            <a:off x="6400800" y="12573000"/>
-            <a:ext cx="5715000" cy="1785104"/>
+            <a:off x="31793684" y="22167400"/>
+            <a:ext cx="11880342" cy="3575338"/>
           </a:xfrm>
           <a:prstGeom prst="rect">
             <a:avLst/>
           </a:prstGeom>
           <a:solidFill>
-            <a:srgbClr val="F2F6EA"/>
+            <a:schemeClr val="bg1"/>
           </a:solidFill>
           <a:ln w="12700">
             <a:solidFill>
@@ -22518,7 +21116,7 @@
               </a:spcAft>
             </a:pPr>
             <a:r>
-              <a:rPr lang="en-US" sz="4000" b="1" dirty="0">
+              <a:rPr lang="en-US" sz="4400" b="1" dirty="0">
                 <a:solidFill>
                   <a:srgbClr val="616A4E"/>
                 </a:solidFill>
@@ -22527,129 +21125,7 @@
                 <a:ea typeface="Cascadia Mono SemiLight" panose="020B0609020000020004" pitchFamily="49" charset="0"/>
                 <a:cs typeface="Cascadia Mono SemiLight" panose="020B0609020000020004" pitchFamily="49" charset="0"/>
               </a:rPr>
-              <a:t>Why: The Pacific Coast Range</a:t>
-            </a:r>
-            <a:r>
-              <a:rPr lang="en-US" sz="4000" b="1" baseline="30000" dirty="0">
-                <a:solidFill>
-                  <a:srgbClr val="616A4E"/>
-                </a:solidFill>
-                <a:effectLst/>
-                <a:latin typeface="+mn-lt"/>
-                <a:ea typeface="Cascadia Mono SemiLight" panose="020B0609020000020004" pitchFamily="49" charset="0"/>
-                <a:cs typeface="Cascadia Mono SemiLight" panose="020B0609020000020004" pitchFamily="49" charset="0"/>
-              </a:rPr>
-              <a:t>2</a:t>
-            </a:r>
-            <a:endParaRPr lang="en-US" sz="4000" b="1" dirty="0">
-              <a:solidFill>
-                <a:srgbClr val="616A4E"/>
-              </a:solidFill>
-              <a:effectLst/>
-              <a:latin typeface="+mn-lt"/>
-              <a:ea typeface="Cascadia Mono SemiLight" panose="020B0609020000020004" pitchFamily="49" charset="0"/>
-              <a:cs typeface="Cascadia Mono SemiLight" panose="020B0609020000020004" pitchFamily="49" charset="0"/>
-            </a:endParaRPr>
-          </a:p>
-        </p:txBody>
-      </p:sp>
-      <p:pic>
-        <p:nvPicPr>
-          <p:cNvPr id="206" name="Picture 205" descr="A red and white map&#10;&#10;Description automatically generated">
-            <a:extLst>
-              <a:ext uri="{FF2B5EF4-FFF2-40B4-BE49-F238E27FC236}">
-                <a16:creationId xmlns:a16="http://schemas.microsoft.com/office/drawing/2014/main" id="{ED3AD138-2F0F-F5E5-B991-C862CC38757D}"/>
-              </a:ext>
-            </a:extLst>
-          </p:cNvPr>
-          <p:cNvPicPr>
-            <a:picLocks noChangeAspect="1"/>
-          </p:cNvPicPr>
-          <p:nvPr/>
-        </p:nvPicPr>
-        <p:blipFill>
-          <a:blip r:embed="rId7"/>
-          <a:stretch>
-            <a:fillRect/>
-          </a:stretch>
-        </p:blipFill>
-        <p:spPr>
-          <a:xfrm>
-            <a:off x="37825228" y="9162288"/>
-            <a:ext cx="5830506" cy="5833872"/>
-          </a:xfrm>
-          <a:prstGeom prst="rect">
-            <a:avLst/>
-          </a:prstGeom>
-          <a:ln>
-            <a:solidFill>
-              <a:schemeClr val="tx1"/>
-            </a:solidFill>
-          </a:ln>
-        </p:spPr>
-      </p:pic>
-      <p:sp>
-        <p:nvSpPr>
-          <p:cNvPr id="3" name="TextBox 2">
-            <a:extLst>
-              <a:ext uri="{FF2B5EF4-FFF2-40B4-BE49-F238E27FC236}">
-                <a16:creationId xmlns:a16="http://schemas.microsoft.com/office/drawing/2014/main" id="{28A47484-EC7A-FCC1-3F0B-081CE98F86E5}"/>
-              </a:ext>
-            </a:extLst>
-          </p:cNvPr>
-          <p:cNvSpPr txBox="1"/>
-          <p:nvPr/>
-        </p:nvSpPr>
-        <p:spPr>
-          <a:xfrm>
-            <a:off x="31768534" y="19047459"/>
-            <a:ext cx="11880338" cy="3449662"/>
-          </a:xfrm>
-          <a:prstGeom prst="rect">
-            <a:avLst/>
-          </a:prstGeom>
-          <a:solidFill>
-            <a:srgbClr val="F2F6EA"/>
-          </a:solidFill>
-          <a:ln w="12700">
-            <a:solidFill>
-              <a:schemeClr val="tx1"/>
-            </a:solidFill>
-          </a:ln>
-        </p:spPr>
-        <p:txBody>
-          <a:bodyPr wrap="square" lIns="274320" tIns="274320" rIns="274320" bIns="274320">
-            <a:spAutoFit/>
-          </a:bodyPr>
-          <a:lstStyle/>
-          <a:p>
-            <a:pPr>
-              <a:spcAft>
-                <a:spcPts val="500"/>
-              </a:spcAft>
-            </a:pPr>
-            <a:r>
-              <a:rPr lang="en-US" sz="4000" b="1" dirty="0">
-                <a:solidFill>
-                  <a:srgbClr val="616A4E"/>
-                </a:solidFill>
-                <a:latin typeface="+mn-lt"/>
-                <a:ea typeface="Cascadia Mono SemiLight" panose="020B0609020000020004" pitchFamily="49" charset="0"/>
-                <a:cs typeface="Cascadia Mono SemiLight" panose="020B0609020000020004" pitchFamily="49" charset="0"/>
-              </a:rPr>
-              <a:t>Adapting to </a:t>
-            </a:r>
-            <a:r>
-              <a:rPr lang="en-US" sz="4000" b="1" dirty="0">
-                <a:solidFill>
-                  <a:srgbClr val="616A4E"/>
-                </a:solidFill>
-                <a:effectLst/>
-                <a:latin typeface="+mn-lt"/>
-                <a:ea typeface="Cascadia Mono SemiLight" panose="020B0609020000020004" pitchFamily="49" charset="0"/>
-                <a:cs typeface="Cascadia Mono SemiLight" panose="020B0609020000020004" pitchFamily="49" charset="0"/>
-              </a:rPr>
-              <a:t>Climate Change</a:t>
+              <a:t>Evolution of Barnacle Populations</a:t>
             </a:r>
           </a:p>
           <a:p>
@@ -22669,97 +21145,7 @@
                 <a:ea typeface="Cascadia Mono SemiLight" panose="020B0609020000020004" pitchFamily="49" charset="0"/>
                 <a:cs typeface="Cascadia Mono SemiLight" panose="020B0609020000020004" pitchFamily="49" charset="0"/>
               </a:rPr>
-              <a:t>Investigate how changes in ocean temperature and salinity may impact population size, adaptation, and population structure across the native range of the Pacific acorn barnacle</a:t>
-            </a:r>
-          </a:p>
-        </p:txBody>
-      </p:sp>
-      <p:pic>
-        <p:nvPicPr>
-          <p:cNvPr id="134" name="Picture 133" descr="A rainbow colored map of a river&#10;&#10;Description automatically generated">
-            <a:extLst>
-              <a:ext uri="{FF2B5EF4-FFF2-40B4-BE49-F238E27FC236}">
-                <a16:creationId xmlns:a16="http://schemas.microsoft.com/office/drawing/2014/main" id="{72050FB8-50F0-45D9-4BB7-5332F27D1891}"/>
-              </a:ext>
-            </a:extLst>
-          </p:cNvPr>
-          <p:cNvPicPr>
-            <a:picLocks noChangeAspect="1"/>
-          </p:cNvPicPr>
-          <p:nvPr/>
-        </p:nvPicPr>
-        <p:blipFill>
-          <a:blip r:embed="rId8"/>
-          <a:stretch>
-            <a:fillRect/>
-          </a:stretch>
-        </p:blipFill>
-        <p:spPr>
-          <a:xfrm>
-            <a:off x="31784537" y="9162288"/>
-            <a:ext cx="5830506" cy="5833872"/>
-          </a:xfrm>
-          <a:prstGeom prst="rect">
-            <a:avLst/>
-          </a:prstGeom>
-          <a:ln>
-            <a:solidFill>
-              <a:schemeClr val="tx1"/>
-            </a:solidFill>
-          </a:ln>
-        </p:spPr>
-      </p:pic>
-      <p:sp>
-        <p:nvSpPr>
-          <p:cNvPr id="22" name="TextBox 21">
-            <a:extLst>
-              <a:ext uri="{FF2B5EF4-FFF2-40B4-BE49-F238E27FC236}">
-                <a16:creationId xmlns:a16="http://schemas.microsoft.com/office/drawing/2014/main" id="{40A3E798-DBFE-6092-BDE0-A81B5983849B}"/>
-              </a:ext>
-            </a:extLst>
-          </p:cNvPr>
-          <p:cNvSpPr txBox="1"/>
-          <p:nvPr/>
-        </p:nvSpPr>
-        <p:spPr>
-          <a:xfrm>
-            <a:off x="31775392" y="15296170"/>
-            <a:ext cx="11880342" cy="3513782"/>
-          </a:xfrm>
-          <a:prstGeom prst="rect">
-            <a:avLst/>
-          </a:prstGeom>
-          <a:solidFill>
-            <a:srgbClr val="F2F6EA"/>
-          </a:solidFill>
-          <a:ln w="12700">
-            <a:solidFill>
-              <a:schemeClr val="tx1"/>
-            </a:solidFill>
-          </a:ln>
-        </p:spPr>
-        <p:txBody>
-          <a:bodyPr wrap="square" lIns="274320" tIns="274320" rIns="274320" bIns="274320">
-            <a:spAutoFit/>
-          </a:bodyPr>
-          <a:lstStyle/>
-          <a:p>
-            <a:pPr>
-              <a:spcAft>
-                <a:spcPts val="500"/>
-              </a:spcAft>
-            </a:pPr>
-            <a:r>
-              <a:rPr lang="en-US" sz="4000" b="1" dirty="0">
-                <a:solidFill>
-                  <a:srgbClr val="616A4E"/>
-                </a:solidFill>
-                <a:effectLst/>
-                <a:latin typeface="+mn-lt"/>
-                <a:ea typeface="Cascadia Mono SemiLight" panose="020B0609020000020004" pitchFamily="49" charset="0"/>
-                <a:cs typeface="Cascadia Mono SemiLight" panose="020B0609020000020004" pitchFamily="49" charset="0"/>
-              </a:rPr>
-              <a:t>Greater Biological Scope</a:t>
+              <a:t>Apply model to study the genomic variation of barnacle populations across the Pacific coast</a:t>
             </a:r>
           </a:p>
           <a:p>
@@ -22779,27 +21165,7 @@
                 <a:ea typeface="Cascadia Mono SemiLight" panose="020B0609020000020004" pitchFamily="49" charset="0"/>
                 <a:cs typeface="Cascadia Mono SemiLight" panose="020B0609020000020004" pitchFamily="49" charset="0"/>
               </a:rPr>
-              <a:t>Apply model to study the genomic variation of populations across the Pacific coast</a:t>
-            </a:r>
-          </a:p>
-          <a:p>
-            <a:pPr marL="457200" indent="-457200">
-              <a:spcAft>
-                <a:spcPts val="500"/>
-              </a:spcAft>
-              <a:buFont typeface="Arial" panose="020B0604020202020204" pitchFamily="34" charset="0"/>
-              <a:buChar char="•"/>
-            </a:pPr>
-            <a:r>
-              <a:rPr lang="en-US" sz="3600" dirty="0">
-                <a:solidFill>
-                  <a:schemeClr val="tx1"/>
-                </a:solidFill>
-                <a:latin typeface="+mn-lt"/>
-                <a:ea typeface="Cascadia Mono SemiLight" panose="020B0609020000020004" pitchFamily="49" charset="0"/>
-                <a:cs typeface="Cascadia Mono SemiLight" panose="020B0609020000020004" pitchFamily="49" charset="0"/>
-              </a:rPr>
-              <a:t>Identify what environmental variables are contributing to the population structure</a:t>
+              <a:t>What environmental variables are contributing to the population structure?</a:t>
             </a:r>
           </a:p>
         </p:txBody>
@@ -22818,14 +21184,14 @@
         </p:nvSpPr>
         <p:spPr>
           <a:xfrm>
-            <a:off x="228600" y="5971336"/>
-            <a:ext cx="5257800" cy="6345327"/>
+            <a:off x="228600" y="5909781"/>
+            <a:ext cx="5257800" cy="6468437"/>
           </a:xfrm>
           <a:prstGeom prst="rect">
             <a:avLst/>
           </a:prstGeom>
           <a:solidFill>
-            <a:srgbClr val="F2F6EA"/>
+            <a:schemeClr val="bg1"/>
           </a:solidFill>
           <a:ln w="12700">
             <a:solidFill>
@@ -22845,7 +21211,18 @@
               </a:spcAft>
             </a:pPr>
             <a:r>
-              <a:rPr lang="en-US" sz="4000" b="1" dirty="0">
+              <a:rPr lang="en-US" sz="4400" b="1" dirty="0">
+                <a:solidFill>
+                  <a:srgbClr val="616A4E"/>
+                </a:solidFill>
+                <a:latin typeface="+mn-lt"/>
+                <a:ea typeface="Cascadia Mono SemiLight" panose="020B0609020000020004" pitchFamily="49" charset="0"/>
+                <a:cs typeface="Cascadia Mono SemiLight" panose="020B0609020000020004" pitchFamily="49" charset="0"/>
+              </a:rPr>
+              <a:t>T</a:t>
+            </a:r>
+            <a:r>
+              <a:rPr lang="en-US" sz="4400" b="1" dirty="0">
                 <a:solidFill>
                   <a:srgbClr val="616A4E"/>
                 </a:solidFill>
@@ -22854,9 +21231,9 @@
                 <a:ea typeface="Cascadia Mono SemiLight" panose="020B0609020000020004" pitchFamily="49" charset="0"/>
                 <a:cs typeface="Cascadia Mono SemiLight" panose="020B0609020000020004" pitchFamily="49" charset="0"/>
               </a:rPr>
-              <a:t>What: the Pacific acorn barnacle</a:t>
+              <a:t>he Pacific acorn barnacle</a:t>
             </a:r>
-            <a:endParaRPr lang="en-US" sz="4000" b="1" dirty="0">
+            <a:endParaRPr lang="en-US" sz="4400" b="1" dirty="0">
               <a:solidFill>
                 <a:srgbClr val="616A4E"/>
               </a:solidFill>
@@ -22917,139 +21294,42 @@
           </a:p>
         </p:txBody>
       </p:sp>
-      <p:sp>
-        <p:nvSpPr>
-          <p:cNvPr id="42" name="TextBox 41">
-            <a:extLst>
-              <a:ext uri="{FF2B5EF4-FFF2-40B4-BE49-F238E27FC236}">
-                <a16:creationId xmlns:a16="http://schemas.microsoft.com/office/drawing/2014/main" id="{D0FC9A06-0773-6F5F-8AB3-E787E0903388}"/>
-              </a:ext>
-            </a:extLst>
-          </p:cNvPr>
-          <p:cNvSpPr txBox="1"/>
-          <p:nvPr/>
-        </p:nvSpPr>
-        <p:spPr>
-          <a:xfrm>
-            <a:off x="228600" y="22980096"/>
-            <a:ext cx="5943600" cy="6345327"/>
-          </a:xfrm>
-          <a:prstGeom prst="rect">
-            <a:avLst/>
-          </a:prstGeom>
-          <a:solidFill>
-            <a:srgbClr val="F2F6EA"/>
-          </a:solidFill>
-          <a:ln w="12700">
-            <a:solidFill>
-              <a:schemeClr val="tx1"/>
-            </a:solidFill>
-          </a:ln>
-        </p:spPr>
-        <p:txBody>
-          <a:bodyPr wrap="square" lIns="274320" tIns="274320" rIns="274320" bIns="274320">
-            <a:spAutoFit/>
-          </a:bodyPr>
-          <a:lstStyle/>
-          <a:p>
-            <a:pPr>
-              <a:spcAft>
-                <a:spcPts val="500"/>
-              </a:spcAft>
-            </a:pPr>
-            <a:r>
-              <a:rPr lang="en-US" sz="4000" b="1" dirty="0">
-                <a:solidFill>
-                  <a:srgbClr val="616A4E"/>
-                </a:solidFill>
-                <a:latin typeface="+mn-lt"/>
-                <a:ea typeface="Cascadia Mono SemiLight" panose="020B0609020000020004" pitchFamily="49" charset="0"/>
-                <a:cs typeface="Cascadia Mono SemiLight" panose="020B0609020000020004" pitchFamily="49" charset="0"/>
-              </a:rPr>
-              <a:t>How: </a:t>
-            </a:r>
-            <a:r>
-              <a:rPr lang="en-US" sz="4000" b="1" dirty="0" err="1">
-                <a:solidFill>
-                  <a:srgbClr val="616A4E"/>
-                </a:solidFill>
-                <a:latin typeface="+mn-lt"/>
-                <a:ea typeface="Cascadia Mono SemiLight" panose="020B0609020000020004" pitchFamily="49" charset="0"/>
-                <a:cs typeface="Cascadia Mono SemiLight" panose="020B0609020000020004" pitchFamily="49" charset="0"/>
-              </a:rPr>
-              <a:t>SLiM</a:t>
-            </a:r>
-            <a:r>
-              <a:rPr lang="en-US" sz="4000" b="1" dirty="0">
-                <a:solidFill>
-                  <a:srgbClr val="616A4E"/>
-                </a:solidFill>
-                <a:latin typeface="+mn-lt"/>
-                <a:ea typeface="Cascadia Mono SemiLight" panose="020B0609020000020004" pitchFamily="49" charset="0"/>
-                <a:cs typeface="Cascadia Mono SemiLight" panose="020B0609020000020004" pitchFamily="49" charset="0"/>
-              </a:rPr>
-              <a:t> simulation of Coos Bay, OR</a:t>
-            </a:r>
-          </a:p>
-          <a:p>
-            <a:pPr marL="571500" indent="-571500">
-              <a:spcAft>
-                <a:spcPts val="500"/>
-              </a:spcAft>
-              <a:buFont typeface="Arial" panose="020B0604020202020204" pitchFamily="34" charset="0"/>
-              <a:buChar char="•"/>
-            </a:pPr>
-            <a:r>
-              <a:rPr lang="en-US" sz="3600" dirty="0" err="1">
-                <a:solidFill>
-                  <a:schemeClr val="tx1"/>
-                </a:solidFill>
-                <a:latin typeface="+mn-lt"/>
-                <a:ea typeface="Cascadia Mono SemiLight" panose="020B0609020000020004" pitchFamily="49" charset="0"/>
-                <a:cs typeface="Cascadia Mono SemiLight" panose="020B0609020000020004" pitchFamily="49" charset="0"/>
-              </a:rPr>
-              <a:t>SLiM</a:t>
-            </a:r>
-            <a:r>
-              <a:rPr lang="en-US" sz="3600" dirty="0">
-                <a:solidFill>
-                  <a:schemeClr val="tx1"/>
-                </a:solidFill>
-                <a:latin typeface="+mn-lt"/>
-                <a:ea typeface="Cascadia Mono SemiLight" panose="020B0609020000020004" pitchFamily="49" charset="0"/>
-                <a:cs typeface="Cascadia Mono SemiLight" panose="020B0609020000020004" pitchFamily="49" charset="0"/>
-              </a:rPr>
-              <a:t> is a software developed by the Messer Lab to build genetically explicit evolutionary models</a:t>
-            </a:r>
-          </a:p>
-          <a:p>
-            <a:pPr marL="571500" indent="-571500">
-              <a:spcAft>
-                <a:spcPts val="500"/>
-              </a:spcAft>
-              <a:buFont typeface="Arial" panose="020B0604020202020204" pitchFamily="34" charset="0"/>
-              <a:buChar char="•"/>
-            </a:pPr>
-            <a:r>
-              <a:rPr lang="en-US" sz="3600" dirty="0">
-                <a:solidFill>
-                  <a:schemeClr val="tx1"/>
-                </a:solidFill>
-                <a:latin typeface="+mn-lt"/>
-                <a:ea typeface="Cascadia Mono SemiLight" panose="020B0609020000020004" pitchFamily="49" charset="0"/>
-                <a:cs typeface="Cascadia Mono SemiLight" panose="020B0609020000020004" pitchFamily="49" charset="0"/>
-              </a:rPr>
-              <a:t>Scan the QR code to see this project’s  GitHub repository</a:t>
-            </a:r>
-          </a:p>
-        </p:txBody>
-      </p:sp>
       <p:pic>
         <p:nvPicPr>
           <p:cNvPr id="46" name="Picture 45" descr="A green and black logo&#10;&#10;Description automatically generated">
             <a:extLst>
               <a:ext uri="{FF2B5EF4-FFF2-40B4-BE49-F238E27FC236}">
                 <a16:creationId xmlns:a16="http://schemas.microsoft.com/office/drawing/2014/main" id="{531548A0-8995-48D2-B386-FA09C06F8AA5}"/>
+              </a:ext>
+            </a:extLst>
+          </p:cNvPr>
+          <p:cNvPicPr>
+            <a:picLocks noChangeAspect="1"/>
+          </p:cNvPicPr>
+          <p:nvPr/>
+        </p:nvPicPr>
+        <p:blipFill>
+          <a:blip r:embed="rId8"/>
+          <a:stretch>
+            <a:fillRect/>
+          </a:stretch>
+        </p:blipFill>
+        <p:spPr>
+          <a:xfrm>
+            <a:off x="240441" y="224375"/>
+            <a:ext cx="3179873" cy="3657600"/>
+          </a:xfrm>
+          <a:prstGeom prst="rect">
+            <a:avLst/>
+          </a:prstGeom>
+        </p:spPr>
+      </p:pic>
+      <p:pic>
+        <p:nvPicPr>
+          <p:cNvPr id="57" name="Picture 56">
+            <a:extLst>
+              <a:ext uri="{FF2B5EF4-FFF2-40B4-BE49-F238E27FC236}">
+                <a16:creationId xmlns:a16="http://schemas.microsoft.com/office/drawing/2014/main" id="{250F206C-26A4-F596-CDE4-B0E2A59F2F1A}"/>
               </a:ext>
             </a:extLst>
           </p:cNvPr>
@@ -23066,137 +21346,57 @@
         </p:blipFill>
         <p:spPr>
           <a:xfrm>
-            <a:off x="240441" y="224375"/>
-            <a:ext cx="3179873" cy="3657600"/>
+            <a:off x="6360772" y="30861000"/>
+            <a:ext cx="1828800" cy="1828800"/>
           </a:xfrm>
-          <a:prstGeom prst="rect">
+          <a:custGeom>
             <a:avLst/>
-          </a:prstGeom>
+            <a:gdLst>
+              <a:gd name="connsiteX0" fmla="*/ 67 w 3316224"/>
+              <a:gd name="connsiteY0" fmla="*/ -312 h 3316224"/>
+              <a:gd name="connsiteX1" fmla="*/ 3316291 w 3316224"/>
+              <a:gd name="connsiteY1" fmla="*/ -312 h 3316224"/>
+              <a:gd name="connsiteX2" fmla="*/ 3316291 w 3316224"/>
+              <a:gd name="connsiteY2" fmla="*/ 3315912 h 3316224"/>
+              <a:gd name="connsiteX3" fmla="*/ 67 w 3316224"/>
+              <a:gd name="connsiteY3" fmla="*/ 3315912 h 3316224"/>
+            </a:gdLst>
+            <a:ahLst/>
+            <a:cxnLst>
+              <a:cxn ang="0">
+                <a:pos x="connsiteX0" y="connsiteY0"/>
+              </a:cxn>
+              <a:cxn ang="0">
+                <a:pos x="connsiteX1" y="connsiteY1"/>
+              </a:cxn>
+              <a:cxn ang="0">
+                <a:pos x="connsiteX2" y="connsiteY2"/>
+              </a:cxn>
+              <a:cxn ang="0">
+                <a:pos x="connsiteX3" y="connsiteY3"/>
+              </a:cxn>
+            </a:cxnLst>
+            <a:rect l="l" t="t" r="r" b="b"/>
+            <a:pathLst>
+              <a:path w="3316224" h="3316224">
+                <a:moveTo>
+                  <a:pt x="67" y="-312"/>
+                </a:moveTo>
+                <a:lnTo>
+                  <a:pt x="3316291" y="-312"/>
+                </a:lnTo>
+                <a:lnTo>
+                  <a:pt x="3316291" y="3315912"/>
+                </a:lnTo>
+                <a:lnTo>
+                  <a:pt x="67" y="3315912"/>
+                </a:lnTo>
+                <a:close/>
+              </a:path>
+            </a:pathLst>
+          </a:custGeom>
         </p:spPr>
       </p:pic>
-      <p:grpSp>
-        <p:nvGrpSpPr>
-          <p:cNvPr id="209" name="Group 208">
-            <a:extLst>
-              <a:ext uri="{FF2B5EF4-FFF2-40B4-BE49-F238E27FC236}">
-                <a16:creationId xmlns:a16="http://schemas.microsoft.com/office/drawing/2014/main" id="{2AEB074D-6137-F638-0A22-18AB12896BE0}"/>
-              </a:ext>
-            </a:extLst>
-          </p:cNvPr>
-          <p:cNvGrpSpPr/>
-          <p:nvPr/>
-        </p:nvGrpSpPr>
-        <p:grpSpPr>
-          <a:xfrm>
-            <a:off x="290355" y="29520004"/>
-            <a:ext cx="5889064" cy="2933207"/>
-            <a:chOff x="290355" y="29520004"/>
-            <a:chExt cx="5889064" cy="2933207"/>
-          </a:xfrm>
-        </p:grpSpPr>
-        <p:pic>
-          <p:nvPicPr>
-            <p:cNvPr id="19" name="Picture 18" descr="A qr code on a white background&#10;&#10;Description automatically generated">
-              <a:extLst>
-                <a:ext uri="{FF2B5EF4-FFF2-40B4-BE49-F238E27FC236}">
-                  <a16:creationId xmlns:a16="http://schemas.microsoft.com/office/drawing/2014/main" id="{E846D174-FE32-2954-A5B6-A9092EF63FD3}"/>
-                </a:ext>
-              </a:extLst>
-            </p:cNvPr>
-            <p:cNvPicPr>
-              <a:picLocks noChangeAspect="1"/>
-            </p:cNvPicPr>
-            <p:nvPr/>
-          </p:nvPicPr>
-          <p:blipFill rotWithShape="1">
-            <a:blip r:embed="rId10"/>
-            <a:srcRect l="3887" t="4909" r="4220" b="4390"/>
-            <a:stretch/>
-          </p:blipFill>
-          <p:spPr>
-            <a:xfrm>
-              <a:off x="290355" y="29520004"/>
-              <a:ext cx="2971800" cy="2933207"/>
-            </a:xfrm>
-            <a:prstGeom prst="rect">
-              <a:avLst/>
-            </a:prstGeom>
-          </p:spPr>
-        </p:pic>
-        <p:pic>
-          <p:nvPicPr>
-            <p:cNvPr id="57" name="Picture 56">
-              <a:extLst>
-                <a:ext uri="{FF2B5EF4-FFF2-40B4-BE49-F238E27FC236}">
-                  <a16:creationId xmlns:a16="http://schemas.microsoft.com/office/drawing/2014/main" id="{250F206C-26A4-F596-CDE4-B0E2A59F2F1A}"/>
-                </a:ext>
-              </a:extLst>
-            </p:cNvPr>
-            <p:cNvPicPr>
-              <a:picLocks noChangeAspect="1"/>
-            </p:cNvPicPr>
-            <p:nvPr/>
-          </p:nvPicPr>
-          <p:blipFill>
-            <a:blip r:embed="rId11"/>
-            <a:stretch>
-              <a:fillRect/>
-            </a:stretch>
-          </p:blipFill>
-          <p:spPr>
-            <a:xfrm>
-              <a:off x="3436219" y="29615007"/>
-              <a:ext cx="2743200" cy="2743200"/>
-            </a:xfrm>
-            <a:custGeom>
-              <a:avLst/>
-              <a:gdLst>
-                <a:gd name="connsiteX0" fmla="*/ 67 w 3316224"/>
-                <a:gd name="connsiteY0" fmla="*/ -312 h 3316224"/>
-                <a:gd name="connsiteX1" fmla="*/ 3316291 w 3316224"/>
-                <a:gd name="connsiteY1" fmla="*/ -312 h 3316224"/>
-                <a:gd name="connsiteX2" fmla="*/ 3316291 w 3316224"/>
-                <a:gd name="connsiteY2" fmla="*/ 3315912 h 3316224"/>
-                <a:gd name="connsiteX3" fmla="*/ 67 w 3316224"/>
-                <a:gd name="connsiteY3" fmla="*/ 3315912 h 3316224"/>
-              </a:gdLst>
-              <a:ahLst/>
-              <a:cxnLst>
-                <a:cxn ang="0">
-                  <a:pos x="connsiteX0" y="connsiteY0"/>
-                </a:cxn>
-                <a:cxn ang="0">
-                  <a:pos x="connsiteX1" y="connsiteY1"/>
-                </a:cxn>
-                <a:cxn ang="0">
-                  <a:pos x="connsiteX2" y="connsiteY2"/>
-                </a:cxn>
-                <a:cxn ang="0">
-                  <a:pos x="connsiteX3" y="connsiteY3"/>
-                </a:cxn>
-              </a:cxnLst>
-              <a:rect l="l" t="t" r="r" b="b"/>
-              <a:pathLst>
-                <a:path w="3316224" h="3316224">
-                  <a:moveTo>
-                    <a:pt x="67" y="-312"/>
-                  </a:moveTo>
-                  <a:lnTo>
-                    <a:pt x="3316291" y="-312"/>
-                  </a:lnTo>
-                  <a:lnTo>
-                    <a:pt x="3316291" y="3315912"/>
-                  </a:lnTo>
-                  <a:lnTo>
-                    <a:pt x="67" y="3315912"/>
-                  </a:lnTo>
-                  <a:close/>
-                </a:path>
-              </a:pathLst>
-            </a:custGeom>
-          </p:spPr>
-        </p:pic>
-      </p:grpSp>
       <p:pic>
         <p:nvPicPr>
           <p:cNvPr id="59" name="Picture 58" descr="A chart of different colors&#10;&#10;Description automatically generated with medium confidence">
@@ -23212,13 +21412,13 @@
           <p:nvPr/>
         </p:nvPicPr>
         <p:blipFill>
-          <a:blip r:embed="rId12"/>
+          <a:blip r:embed="rId10"/>
           <a:srcRect l="2318"/>
           <a:stretch/>
         </p:blipFill>
         <p:spPr>
           <a:xfrm>
-            <a:off x="6362772" y="14645044"/>
+            <a:off x="6362772" y="12562398"/>
             <a:ext cx="5825993" cy="11928517"/>
           </a:xfrm>
           <a:prstGeom prst="rect">
@@ -23231,250 +21431,6 @@
           </a:ln>
         </p:spPr>
       </p:pic>
-      <p:pic>
-        <p:nvPicPr>
-          <p:cNvPr id="180" name="Picture 179" descr="A graph of a number of people&#10;&#10;Description automatically generated">
-            <a:extLst>
-              <a:ext uri="{FF2B5EF4-FFF2-40B4-BE49-F238E27FC236}">
-                <a16:creationId xmlns:a16="http://schemas.microsoft.com/office/drawing/2014/main" id="{4FC43DE7-B4A4-4DF6-681E-0C12F4C1D95B}"/>
-              </a:ext>
-            </a:extLst>
-          </p:cNvPr>
-          <p:cNvPicPr>
-            <a:picLocks noChangeAspect="1"/>
-          </p:cNvPicPr>
-          <p:nvPr/>
-        </p:nvPicPr>
-        <p:blipFill>
-          <a:blip r:embed="rId13"/>
-          <a:stretch>
-            <a:fillRect/>
-          </a:stretch>
-        </p:blipFill>
-        <p:spPr>
-          <a:xfrm>
-            <a:off x="12573000" y="9985248"/>
-            <a:ext cx="9258318" cy="6912878"/>
-          </a:xfrm>
-          <a:prstGeom prst="rect">
-            <a:avLst/>
-          </a:prstGeom>
-          <a:ln>
-            <a:solidFill>
-              <a:schemeClr val="tx1"/>
-            </a:solidFill>
-          </a:ln>
-        </p:spPr>
-      </p:pic>
-      <p:pic>
-        <p:nvPicPr>
-          <p:cNvPr id="185" name="Picture 184" descr="A graph of different colored lines&#10;&#10;Description automatically generated">
-            <a:extLst>
-              <a:ext uri="{FF2B5EF4-FFF2-40B4-BE49-F238E27FC236}">
-                <a16:creationId xmlns:a16="http://schemas.microsoft.com/office/drawing/2014/main" id="{5E0357E3-07CB-A063-4DB2-2E67C035E16E}"/>
-              </a:ext>
-            </a:extLst>
-          </p:cNvPr>
-          <p:cNvPicPr>
-            <a:picLocks noChangeAspect="1"/>
-          </p:cNvPicPr>
-          <p:nvPr/>
-        </p:nvPicPr>
-        <p:blipFill>
-          <a:blip r:embed="rId14"/>
-          <a:stretch>
-            <a:fillRect/>
-          </a:stretch>
-        </p:blipFill>
-        <p:spPr>
-          <a:xfrm>
-            <a:off x="22064472" y="8988552"/>
-            <a:ext cx="9258318" cy="6912878"/>
-          </a:xfrm>
-          <a:prstGeom prst="rect">
-            <a:avLst/>
-          </a:prstGeom>
-          <a:ln>
-            <a:solidFill>
-              <a:schemeClr val="tx1"/>
-            </a:solidFill>
-          </a:ln>
-        </p:spPr>
-      </p:pic>
-      <p:pic>
-        <p:nvPicPr>
-          <p:cNvPr id="187" name="Picture 186" descr="A graph of a bar graph&#10;&#10;Description automatically generated">
-            <a:extLst>
-              <a:ext uri="{FF2B5EF4-FFF2-40B4-BE49-F238E27FC236}">
-                <a16:creationId xmlns:a16="http://schemas.microsoft.com/office/drawing/2014/main" id="{854CDC4B-E79D-91EF-6E45-CF51936393ED}"/>
-              </a:ext>
-            </a:extLst>
-          </p:cNvPr>
-          <p:cNvPicPr>
-            <a:picLocks noChangeAspect="1"/>
-          </p:cNvPicPr>
-          <p:nvPr/>
-        </p:nvPicPr>
-        <p:blipFill>
-          <a:blip r:embed="rId15"/>
-          <a:stretch>
-            <a:fillRect/>
-          </a:stretch>
-        </p:blipFill>
-        <p:spPr>
-          <a:xfrm>
-            <a:off x="22064472" y="25831800"/>
-            <a:ext cx="9258318" cy="6912878"/>
-          </a:xfrm>
-          <a:prstGeom prst="rect">
-            <a:avLst/>
-          </a:prstGeom>
-          <a:ln>
-            <a:solidFill>
-              <a:schemeClr val="tx1"/>
-            </a:solidFill>
-          </a:ln>
-        </p:spPr>
-      </p:pic>
-      <p:sp>
-        <p:nvSpPr>
-          <p:cNvPr id="2" name="TextBox 1">
-            <a:extLst>
-              <a:ext uri="{FF2B5EF4-FFF2-40B4-BE49-F238E27FC236}">
-                <a16:creationId xmlns:a16="http://schemas.microsoft.com/office/drawing/2014/main" id="{D108878F-4C1C-2AED-CE1A-994D8C6300EF}"/>
-              </a:ext>
-            </a:extLst>
-          </p:cNvPr>
-          <p:cNvSpPr txBox="1"/>
-          <p:nvPr/>
-        </p:nvSpPr>
-        <p:spPr>
-          <a:xfrm>
-            <a:off x="12573000" y="17324535"/>
-            <a:ext cx="9262872" cy="3572773"/>
-          </a:xfrm>
-          <a:prstGeom prst="rect">
-            <a:avLst/>
-          </a:prstGeom>
-          <a:solidFill>
-            <a:srgbClr val="F2F6EA"/>
-          </a:solidFill>
-          <a:ln w="12700">
-            <a:solidFill>
-              <a:schemeClr val="tx1"/>
-            </a:solidFill>
-          </a:ln>
-        </p:spPr>
-        <p:txBody>
-          <a:bodyPr wrap="square" lIns="274320" tIns="274320" rIns="274320" bIns="274320" anchor="ctr">
-            <a:spAutoFit/>
-          </a:bodyPr>
-          <a:lstStyle/>
-          <a:p>
-            <a:pPr marL="0" marR="0" lvl="0" indent="0" algn="l" defTabSz="914400" rtl="0" eaLnBrk="1" fontAlgn="auto" latinLnBrk="0" hangingPunct="1">
-              <a:lnSpc>
-                <a:spcPct val="100000"/>
-              </a:lnSpc>
-              <a:spcBef>
-                <a:spcPts val="0"/>
-              </a:spcBef>
-              <a:spcAft>
-                <a:spcPts val="500"/>
-              </a:spcAft>
-              <a:buClr>
-                <a:srgbClr val="000000"/>
-              </a:buClr>
-              <a:buSzTx/>
-              <a:buFont typeface="Arial"/>
-              <a:buNone/>
-              <a:tabLst/>
-              <a:defRPr/>
-            </a:pPr>
-            <a:r>
-              <a:rPr kumimoji="0" lang="en-US" sz="4000" b="1" i="0" u="none" strike="noStrike" kern="0" cap="none" spc="0" normalizeH="0" baseline="0" noProof="0" dirty="0">
-                <a:ln>
-                  <a:noFill/>
-                </a:ln>
-                <a:solidFill>
-                  <a:srgbClr val="616A4E"/>
-                </a:solidFill>
-                <a:effectLst/>
-                <a:uLnTx/>
-                <a:uFillTx/>
-                <a:latin typeface="Arial"/>
-                <a:ea typeface="Cascadia Mono SemiLight" panose="020B0609020000020004" pitchFamily="49" charset="0"/>
-                <a:cs typeface="Cascadia Mono SemiLight" panose="020B0609020000020004" pitchFamily="49" charset="0"/>
-                <a:sym typeface="Arial"/>
-              </a:rPr>
-              <a:t>The Effects of Environmental Variables</a:t>
-            </a:r>
-          </a:p>
-          <a:p>
-            <a:pPr marL="457200" marR="0" lvl="0" indent="-457200" algn="l" defTabSz="914400" rtl="0" eaLnBrk="1" fontAlgn="auto" latinLnBrk="0" hangingPunct="1">
-              <a:lnSpc>
-                <a:spcPct val="100000"/>
-              </a:lnSpc>
-              <a:spcBef>
-                <a:spcPts val="0"/>
-              </a:spcBef>
-              <a:spcAft>
-                <a:spcPts val="500"/>
-              </a:spcAft>
-              <a:buClr>
-                <a:srgbClr val="000000"/>
-              </a:buClr>
-              <a:buSzTx/>
-              <a:buFont typeface="Arial" panose="020B0604020202020204" pitchFamily="34" charset="0"/>
-              <a:buChar char="•"/>
-              <a:tabLst/>
-              <a:defRPr/>
-            </a:pPr>
-            <a:r>
-              <a:rPr kumimoji="0" lang="en-US" sz="3600" b="0" i="0" u="none" strike="noStrike" kern="0" cap="none" spc="0" normalizeH="0" baseline="0" noProof="0" dirty="0">
-                <a:ln>
-                  <a:noFill/>
-                </a:ln>
-                <a:solidFill>
-                  <a:srgbClr val="000000"/>
-                </a:solidFill>
-                <a:effectLst/>
-                <a:uLnTx/>
-                <a:uFillTx/>
-                <a:latin typeface="Arial"/>
-                <a:ea typeface="Cascadia Mono SemiLight" panose="020B0609020000020004" pitchFamily="49" charset="0"/>
-                <a:cs typeface="Cascadia Mono SemiLight" panose="020B0609020000020004" pitchFamily="49" charset="0"/>
-                <a:sym typeface="Arial"/>
-              </a:rPr>
-              <a:t>Juvenile (recently settled) barnacles </a:t>
-            </a:r>
-            <a:r>
-              <a:rPr lang="en-US" sz="3600" dirty="0">
-                <a:ea typeface="Cascadia Mono SemiLight" panose="020B0609020000020004" pitchFamily="49" charset="0"/>
-                <a:cs typeface="Cascadia Mono SemiLight" panose="020B0609020000020004" pitchFamily="49" charset="0"/>
-              </a:rPr>
-              <a:t>have higher survival </a:t>
-            </a:r>
-            <a:r>
-              <a:rPr kumimoji="0" lang="en-US" sz="3600" b="0" i="0" u="none" strike="noStrike" kern="0" cap="none" spc="0" normalizeH="0" baseline="0" noProof="0" dirty="0">
-                <a:ln>
-                  <a:noFill/>
-                </a:ln>
-                <a:solidFill>
-                  <a:srgbClr val="000000"/>
-                </a:solidFill>
-                <a:effectLst/>
-                <a:uLnTx/>
-                <a:uFillTx/>
-                <a:latin typeface="Arial"/>
-                <a:ea typeface="Cascadia Mono SemiLight" panose="020B0609020000020004" pitchFamily="49" charset="0"/>
-                <a:cs typeface="Cascadia Mono SemiLight" panose="020B0609020000020004" pitchFamily="49" charset="0"/>
-                <a:sym typeface="Arial"/>
-              </a:rPr>
-              <a:t>at moderate to high salinities</a:t>
-            </a:r>
-          </a:p>
-        </p:txBody>
-      </p:sp>
       <p:sp>
         <p:nvSpPr>
           <p:cNvPr id="7" name="TextBox 6">
@@ -23491,14 +21447,138 @@
         </p:nvSpPr>
         <p:spPr>
           <a:xfrm>
-            <a:off x="12573000" y="28221768"/>
-            <a:ext cx="9262872" cy="4522905"/>
+            <a:off x="12573000" y="28072080"/>
+            <a:ext cx="9262872" cy="4683333"/>
           </a:xfrm>
           <a:prstGeom prst="rect">
             <a:avLst/>
           </a:prstGeom>
           <a:solidFill>
-            <a:srgbClr val="F2F6EA"/>
+            <a:schemeClr val="bg1"/>
+          </a:solidFill>
+          <a:ln w="12700">
+            <a:solidFill>
+              <a:schemeClr val="tx1"/>
+            </a:solidFill>
+          </a:ln>
+        </p:spPr>
+        <p:txBody>
+          <a:bodyPr wrap="square" lIns="274320" tIns="274320" rIns="274320" bIns="274320" anchor="t">
+            <a:spAutoFit/>
+          </a:bodyPr>
+          <a:lstStyle/>
+          <a:p>
+            <a:pPr>
+              <a:spcAft>
+                <a:spcPts val="500"/>
+              </a:spcAft>
+            </a:pPr>
+            <a:r>
+              <a:rPr lang="en-US" sz="4400" b="1" dirty="0">
+                <a:solidFill>
+                  <a:srgbClr val="616A4E"/>
+                </a:solidFill>
+                <a:latin typeface="+mn-lt"/>
+                <a:ea typeface="Cascadia Mono SemiLight" panose="020B0609020000020004" pitchFamily="49" charset="0"/>
+                <a:cs typeface="Cascadia Mono SemiLight" panose="020B0609020000020004" pitchFamily="49" charset="0"/>
+              </a:rPr>
+              <a:t>Modeling Population Fitness</a:t>
+            </a:r>
+            <a:endParaRPr lang="en-US" sz="4400" dirty="0">
+              <a:solidFill>
+                <a:schemeClr val="tx1"/>
+              </a:solidFill>
+              <a:latin typeface="+mn-lt"/>
+              <a:ea typeface="Cascadia Mono SemiLight" panose="020B0609020000020004" pitchFamily="49" charset="0"/>
+              <a:cs typeface="Cascadia Mono SemiLight" panose="020B0609020000020004" pitchFamily="49" charset="0"/>
+            </a:endParaRPr>
+          </a:p>
+          <a:p>
+            <a:pPr marL="457200" indent="-457200">
+              <a:spcAft>
+                <a:spcPts val="500"/>
+              </a:spcAft>
+              <a:buFont typeface="Arial" panose="020B0604020202020204" pitchFamily="34" charset="0"/>
+              <a:buChar char="•"/>
+            </a:pPr>
+            <a:r>
+              <a:rPr lang="en-US" sz="3600" dirty="0">
+                <a:solidFill>
+                  <a:schemeClr val="tx1"/>
+                </a:solidFill>
+                <a:latin typeface="+mn-lt"/>
+                <a:ea typeface="Cascadia Mono SemiLight" panose="020B0609020000020004" pitchFamily="49" charset="0"/>
+                <a:cs typeface="Cascadia Mono SemiLight" panose="020B0609020000020004" pitchFamily="49" charset="0"/>
+              </a:rPr>
+              <a:t>Fitness is the product of density-dependent selection</a:t>
+            </a:r>
+            <a:r>
+              <a:rPr lang="en-US" sz="3600" baseline="30000" dirty="0">
+                <a:solidFill>
+                  <a:schemeClr val="tx1"/>
+                </a:solidFill>
+                <a:latin typeface="+mn-lt"/>
+                <a:ea typeface="Cascadia Mono SemiLight" panose="020B0609020000020004" pitchFamily="49" charset="0"/>
+                <a:cs typeface="Cascadia Mono SemiLight" panose="020B0609020000020004" pitchFamily="49" charset="0"/>
+              </a:rPr>
+              <a:t>7</a:t>
+            </a:r>
+            <a:r>
+              <a:rPr lang="en-US" sz="3600" dirty="0">
+                <a:solidFill>
+                  <a:schemeClr val="tx1"/>
+                </a:solidFill>
+                <a:latin typeface="+mn-lt"/>
+                <a:ea typeface="Cascadia Mono SemiLight" panose="020B0609020000020004" pitchFamily="49" charset="0"/>
+                <a:cs typeface="Cascadia Mono SemiLight" panose="020B0609020000020004" pitchFamily="49" charset="0"/>
+              </a:rPr>
+              <a:t>, environmental gradients, and local adaptation</a:t>
+            </a:r>
+          </a:p>
+          <a:p>
+            <a:pPr marL="457200" indent="-457200">
+              <a:spcAft>
+                <a:spcPts val="500"/>
+              </a:spcAft>
+              <a:buFont typeface="Arial" panose="020B0604020202020204" pitchFamily="34" charset="0"/>
+              <a:buChar char="•"/>
+            </a:pPr>
+            <a:r>
+              <a:rPr lang="en-US" sz="3600" dirty="0">
+                <a:solidFill>
+                  <a:schemeClr val="tx1"/>
+                </a:solidFill>
+                <a:latin typeface="+mn-lt"/>
+                <a:ea typeface="Cascadia Mono SemiLight" panose="020B0609020000020004" pitchFamily="49" charset="0"/>
+                <a:cs typeface="Cascadia Mono SemiLight" panose="020B0609020000020004" pitchFamily="49" charset="0"/>
+              </a:rPr>
+              <a:t>To see the effects of local adaptation, the model needs to run for much longer than 100 years!</a:t>
+            </a:r>
+          </a:p>
+        </p:txBody>
+      </p:sp>
+      <p:sp>
+        <p:nvSpPr>
+          <p:cNvPr id="2" name="TextBox 1">
+            <a:extLst>
+              <a:ext uri="{FF2B5EF4-FFF2-40B4-BE49-F238E27FC236}">
+                <a16:creationId xmlns:a16="http://schemas.microsoft.com/office/drawing/2014/main" id="{D108878F-4C1C-2AED-CE1A-994D8C6300EF}"/>
+              </a:ext>
+            </a:extLst>
+          </p:cNvPr>
+          <p:cNvSpPr txBox="1"/>
+          <p:nvPr/>
+        </p:nvSpPr>
+        <p:spPr>
+          <a:xfrm>
+            <a:off x="12573000" y="17060376"/>
+            <a:ext cx="9262872" cy="3634328"/>
+          </a:xfrm>
+          <a:prstGeom prst="rect">
+            <a:avLst/>
+          </a:prstGeom>
+          <a:solidFill>
+            <a:schemeClr val="bg1"/>
           </a:solidFill>
           <a:ln w="12700">
             <a:solidFill>
@@ -23508,93 +21588,147 @@
         </p:spPr>
         <p:txBody>
           <a:bodyPr wrap="square" lIns="274320" tIns="274320" rIns="274320" bIns="274320" anchor="ctr">
-            <a:noAutofit/>
+            <a:spAutoFit/>
           </a:bodyPr>
           <a:lstStyle/>
           <a:p>
-            <a:pPr>
+            <a:pPr marL="0" marR="0" lvl="0" indent="0" algn="l" defTabSz="914400" rtl="0" eaLnBrk="1" fontAlgn="auto" latinLnBrk="0" hangingPunct="1">
+              <a:lnSpc>
+                <a:spcPct val="100000"/>
+              </a:lnSpc>
+              <a:spcBef>
+                <a:spcPts val="0"/>
+              </a:spcBef>
               <a:spcAft>
                 <a:spcPts val="500"/>
               </a:spcAft>
+              <a:buClr>
+                <a:srgbClr val="000000"/>
+              </a:buClr>
+              <a:buSzTx/>
+              <a:buFont typeface="Arial"/>
+              <a:buNone/>
+              <a:tabLst/>
+              <a:defRPr/>
             </a:pPr>
             <a:r>
-              <a:rPr lang="en-US" sz="4000" b="1" dirty="0">
+              <a:rPr kumimoji="0" lang="en-US" sz="4400" b="1" i="0" u="none" strike="noStrike" kern="0" cap="none" spc="0" normalizeH="0" baseline="0" noProof="0" dirty="0">
+                <a:ln>
+                  <a:noFill/>
+                </a:ln>
                 <a:solidFill>
                   <a:srgbClr val="616A4E"/>
                 </a:solidFill>
-                <a:latin typeface="+mn-lt"/>
+                <a:effectLst/>
+                <a:uLnTx/>
+                <a:uFillTx/>
+                <a:latin typeface="Arial"/>
+                <a:ea typeface="Cascadia Mono SemiLight" panose="020B0609020000020004" pitchFamily="49" charset="0"/>
+                <a:cs typeface="Cascadia Mono SemiLight" panose="020B0609020000020004" pitchFamily="49" charset="0"/>
+                <a:sym typeface="Arial"/>
+              </a:rPr>
+              <a:t>The Effects of Environmental Variables</a:t>
+            </a:r>
+          </a:p>
+          <a:p>
+            <a:pPr marL="457200" marR="0" lvl="0" indent="-457200" algn="l" defTabSz="914400" rtl="0" eaLnBrk="1" fontAlgn="auto" latinLnBrk="0" hangingPunct="1">
+              <a:lnSpc>
+                <a:spcPct val="100000"/>
+              </a:lnSpc>
+              <a:spcBef>
+                <a:spcPts val="0"/>
+              </a:spcBef>
+              <a:spcAft>
+                <a:spcPts val="500"/>
+              </a:spcAft>
+              <a:buClr>
+                <a:srgbClr val="000000"/>
+              </a:buClr>
+              <a:buSzTx/>
+              <a:buFont typeface="Arial" panose="020B0604020202020204" pitchFamily="34" charset="0"/>
+              <a:buChar char="•"/>
+              <a:tabLst/>
+              <a:defRPr/>
+            </a:pPr>
+            <a:r>
+              <a:rPr kumimoji="0" lang="en-US" sz="3600" b="0" i="0" u="none" strike="noStrike" kern="0" cap="none" spc="0" normalizeH="0" baseline="0" noProof="0" dirty="0">
+                <a:ln>
+                  <a:noFill/>
+                </a:ln>
+                <a:solidFill>
+                  <a:srgbClr val="000000"/>
+                </a:solidFill>
+                <a:effectLst/>
+                <a:uLnTx/>
+                <a:uFillTx/>
+                <a:latin typeface="Arial"/>
+                <a:ea typeface="Cascadia Mono SemiLight" panose="020B0609020000020004" pitchFamily="49" charset="0"/>
+                <a:cs typeface="Cascadia Mono SemiLight" panose="020B0609020000020004" pitchFamily="49" charset="0"/>
+                <a:sym typeface="Arial"/>
+              </a:rPr>
+              <a:t>Juvenile (recently settled) barnacles </a:t>
+            </a:r>
+            <a:r>
+              <a:rPr lang="en-US" sz="3600" dirty="0">
                 <a:ea typeface="Cascadia Mono SemiLight" panose="020B0609020000020004" pitchFamily="49" charset="0"/>
                 <a:cs typeface="Cascadia Mono SemiLight" panose="020B0609020000020004" pitchFamily="49" charset="0"/>
               </a:rPr>
-              <a:t>Modeling Population Fitness</a:t>
+              <a:t>have higher survival </a:t>
             </a:r>
-            <a:endParaRPr lang="en-US" sz="4000" dirty="0">
+            <a:r>
+              <a:rPr kumimoji="0" lang="en-US" sz="3600" b="0" i="0" u="none" strike="noStrike" kern="0" cap="none" spc="0" normalizeH="0" baseline="0" noProof="0" dirty="0">
+                <a:ln>
+                  <a:noFill/>
+                </a:ln>
+                <a:solidFill>
+                  <a:srgbClr val="000000"/>
+                </a:solidFill>
+                <a:effectLst/>
+                <a:uLnTx/>
+                <a:uFillTx/>
+                <a:latin typeface="Arial"/>
+                <a:ea typeface="Cascadia Mono SemiLight" panose="020B0609020000020004" pitchFamily="49" charset="0"/>
+                <a:cs typeface="Cascadia Mono SemiLight" panose="020B0609020000020004" pitchFamily="49" charset="0"/>
+                <a:sym typeface="Arial"/>
+              </a:rPr>
+              <a:t>at moderate to high salinities</a:t>
+            </a:r>
+            <a:r>
+              <a:rPr kumimoji="0" lang="en-US" sz="3600" b="0" i="0" u="none" strike="noStrike" kern="0" cap="none" spc="0" normalizeH="0" baseline="30000" noProof="0" dirty="0">
+                <a:ln>
+                  <a:noFill/>
+                </a:ln>
+                <a:solidFill>
+                  <a:srgbClr val="000000"/>
+                </a:solidFill>
+                <a:effectLst/>
+                <a:uLnTx/>
+                <a:uFillTx/>
+                <a:latin typeface="Arial"/>
+                <a:ea typeface="Cascadia Mono SemiLight" panose="020B0609020000020004" pitchFamily="49" charset="0"/>
+                <a:cs typeface="Cascadia Mono SemiLight" panose="020B0609020000020004" pitchFamily="49" charset="0"/>
+                <a:sym typeface="Arial"/>
+              </a:rPr>
+              <a:t>4,5</a:t>
+            </a:r>
+            <a:endParaRPr kumimoji="0" lang="en-US" sz="3600" b="0" i="0" u="none" strike="noStrike" kern="0" cap="none" spc="0" normalizeH="0" baseline="0" noProof="0" dirty="0">
+              <a:ln>
+                <a:noFill/>
+              </a:ln>
               <a:solidFill>
-                <a:srgbClr val="616A4E"/>
+                <a:srgbClr val="000000"/>
               </a:solidFill>
               <a:effectLst/>
-              <a:latin typeface="+mn-lt"/>
+              <a:uLnTx/>
+              <a:uFillTx/>
+              <a:latin typeface="Arial"/>
               <a:ea typeface="Cascadia Mono SemiLight" panose="020B0609020000020004" pitchFamily="49" charset="0"/>
               <a:cs typeface="Cascadia Mono SemiLight" panose="020B0609020000020004" pitchFamily="49" charset="0"/>
+              <a:sym typeface="Arial"/>
             </a:endParaRPr>
-          </a:p>
-          <a:p>
-            <a:pPr marL="457200" indent="-457200">
-              <a:spcAft>
-                <a:spcPts val="500"/>
-              </a:spcAft>
-              <a:buFont typeface="Arial" panose="020B0604020202020204" pitchFamily="34" charset="0"/>
-              <a:buChar char="•"/>
-            </a:pPr>
-            <a:r>
-              <a:rPr lang="en-US" sz="3600" dirty="0">
-                <a:solidFill>
-                  <a:schemeClr val="tx1"/>
-                </a:solidFill>
-                <a:latin typeface="+mn-lt"/>
-                <a:ea typeface="Cascadia Mono SemiLight" panose="020B0609020000020004" pitchFamily="49" charset="0"/>
-                <a:cs typeface="Cascadia Mono SemiLight" panose="020B0609020000020004" pitchFamily="49" charset="0"/>
-              </a:rPr>
-              <a:t>Density-Dependent Selection, Environmental Gradients, and Local Adaptation impact the fitness of our population</a:t>
-            </a:r>
           </a:p>
         </p:txBody>
       </p:sp>
-      <p:pic>
-        <p:nvPicPr>
-          <p:cNvPr id="192" name="Picture 191" descr="A graph of a curve&#10;&#10;Description automatically generated">
-            <a:extLst>
-              <a:ext uri="{FF2B5EF4-FFF2-40B4-BE49-F238E27FC236}">
-                <a16:creationId xmlns:a16="http://schemas.microsoft.com/office/drawing/2014/main" id="{AF6080EE-7EB9-76C0-F14C-00DCFD4797A0}"/>
-              </a:ext>
-            </a:extLst>
-          </p:cNvPr>
-          <p:cNvPicPr>
-            <a:picLocks noChangeAspect="1"/>
-          </p:cNvPicPr>
-          <p:nvPr/>
-        </p:nvPicPr>
-        <p:blipFill>
-          <a:blip r:embed="rId16"/>
-          <a:stretch>
-            <a:fillRect/>
-          </a:stretch>
-        </p:blipFill>
-        <p:spPr>
-          <a:xfrm>
-            <a:off x="12573000" y="21131784"/>
-            <a:ext cx="9258318" cy="6912878"/>
-          </a:xfrm>
-          <a:prstGeom prst="rect">
-            <a:avLst/>
-          </a:prstGeom>
-          <a:ln>
-            <a:solidFill>
-              <a:schemeClr val="tx1"/>
-            </a:solidFill>
-          </a:ln>
-        </p:spPr>
-      </p:pic>
       <p:pic>
         <p:nvPicPr>
           <p:cNvPr id="196" name="Picture 195">
@@ -23610,13 +21744,13 @@
           <p:nvPr/>
         </p:nvPicPr>
         <p:blipFill rotWithShape="1">
-          <a:blip r:embed="rId17"/>
+          <a:blip r:embed="rId11"/>
           <a:srcRect t="385" b="385"/>
           <a:stretch/>
         </p:blipFill>
         <p:spPr>
           <a:xfrm>
-            <a:off x="22062195" y="16332636"/>
+            <a:off x="22062195" y="16206584"/>
             <a:ext cx="9262872" cy="9262872"/>
           </a:xfrm>
           <a:prstGeom prst="rect">
@@ -23631,101 +21765,6 @@
       </p:pic>
       <p:sp>
         <p:nvSpPr>
-          <p:cNvPr id="201" name="TextBox 200">
-            <a:extLst>
-              <a:ext uri="{FF2B5EF4-FFF2-40B4-BE49-F238E27FC236}">
-                <a16:creationId xmlns:a16="http://schemas.microsoft.com/office/drawing/2014/main" id="{41311C5C-0F05-952E-DF7A-37A5C5B90FAA}"/>
-              </a:ext>
-            </a:extLst>
-          </p:cNvPr>
-          <p:cNvSpPr txBox="1"/>
-          <p:nvPr/>
-        </p:nvSpPr>
-        <p:spPr>
-          <a:xfrm>
-            <a:off x="31775400" y="5971336"/>
-            <a:ext cx="11887200" cy="2959785"/>
-          </a:xfrm>
-          <a:prstGeom prst="rect">
-            <a:avLst/>
-          </a:prstGeom>
-          <a:solidFill>
-            <a:srgbClr val="F2F6EA"/>
-          </a:solidFill>
-          <a:ln w="12700">
-            <a:solidFill>
-              <a:schemeClr val="tx1"/>
-            </a:solidFill>
-          </a:ln>
-        </p:spPr>
-        <p:txBody>
-          <a:bodyPr wrap="square" lIns="274320" tIns="274320" rIns="274320" bIns="274320">
-            <a:spAutoFit/>
-          </a:bodyPr>
-          <a:lstStyle/>
-          <a:p>
-            <a:pPr>
-              <a:spcAft>
-                <a:spcPts val="500"/>
-              </a:spcAft>
-            </a:pPr>
-            <a:r>
-              <a:rPr lang="en-US" sz="4000" b="1" dirty="0">
-                <a:solidFill>
-                  <a:srgbClr val="616A4E"/>
-                </a:solidFill>
-                <a:effectLst/>
-                <a:latin typeface="+mn-lt"/>
-                <a:ea typeface="Cascadia Mono SemiLight" panose="020B0609020000020004" pitchFamily="49" charset="0"/>
-                <a:cs typeface="Cascadia Mono SemiLight" panose="020B0609020000020004" pitchFamily="49" charset="0"/>
-              </a:rPr>
-              <a:t>More Environmental Variables</a:t>
-            </a:r>
-          </a:p>
-          <a:p>
-            <a:pPr marL="457200" indent="-457200">
-              <a:spcAft>
-                <a:spcPts val="500"/>
-              </a:spcAft>
-              <a:buFont typeface="Arial" panose="020B0604020202020204" pitchFamily="34" charset="0"/>
-              <a:buChar char="•"/>
-            </a:pPr>
-            <a:r>
-              <a:rPr lang="en-US" sz="3600" dirty="0">
-                <a:solidFill>
-                  <a:schemeClr val="tx1"/>
-                </a:solidFill>
-                <a:latin typeface="+mn-lt"/>
-                <a:ea typeface="Cascadia Mono SemiLight" panose="020B0609020000020004" pitchFamily="49" charset="0"/>
-                <a:cs typeface="Cascadia Mono SemiLight" panose="020B0609020000020004" pitchFamily="49" charset="0"/>
-              </a:rPr>
-              <a:t>Add other environmental conditions that impact the Pacific acorn barnacle such as temperature and tides</a:t>
-            </a:r>
-          </a:p>
-          <a:p>
-            <a:pPr marL="457200" indent="-457200">
-              <a:spcAft>
-                <a:spcPts val="500"/>
-              </a:spcAft>
-              <a:buFont typeface="Arial" panose="020B0604020202020204" pitchFamily="34" charset="0"/>
-              <a:buChar char="•"/>
-            </a:pPr>
-            <a:r>
-              <a:rPr lang="en-US" sz="3600" dirty="0">
-                <a:solidFill>
-                  <a:schemeClr val="tx1"/>
-                </a:solidFill>
-                <a:latin typeface="+mn-lt"/>
-                <a:ea typeface="Cascadia Mono SemiLight" panose="020B0609020000020004" pitchFamily="49" charset="0"/>
-                <a:cs typeface="Cascadia Mono SemiLight" panose="020B0609020000020004" pitchFamily="49" charset="0"/>
-              </a:rPr>
-              <a:t>Add seasonal variation of environmental variables </a:t>
-            </a:r>
-          </a:p>
-        </p:txBody>
-      </p:sp>
-      <p:sp>
-        <p:nvSpPr>
           <p:cNvPr id="156" name="Google Shape;114;p1">
             <a:extLst>
               <a:ext uri="{FF2B5EF4-FFF2-40B4-BE49-F238E27FC236}">
@@ -23738,8 +21777,8 @@
         </p:nvSpPr>
         <p:spPr>
           <a:xfrm>
-            <a:off x="31674818" y="29604771"/>
-            <a:ext cx="11887200" cy="3127871"/>
+            <a:off x="31784544" y="30422088"/>
+            <a:ext cx="11887200" cy="2292895"/>
           </a:xfrm>
           <a:prstGeom prst="rect">
             <a:avLst/>
@@ -23751,22 +21790,15 @@
         </p:spPr>
         <p:txBody>
           <a:bodyPr spcFirstLastPara="1" wrap="square" lIns="91425" tIns="45700" rIns="91425" bIns="45700" anchor="t" anchorCtr="0">
-            <a:noAutofit/>
+            <a:spAutoFit/>
           </a:bodyPr>
           <a:lstStyle/>
           <a:p>
-            <a:pPr algn="r"/>
+            <a:pPr marL="228600" indent="-228600">
+              <a:buAutoNum type="arabicPeriod"/>
+            </a:pPr>
             <a:r>
-              <a:rPr lang="en-US" sz="1100" dirty="0">
-                <a:effectLst/>
-                <a:latin typeface="+mj-lt"/>
-              </a:rPr>
-              <a:t>1.</a:t>
-            </a:r>
-          </a:p>
-          <a:p>
-            <a:r>
-              <a:rPr lang="en-US" sz="1100" b="0" i="0" dirty="0" err="1">
+              <a:rPr lang="en-US" sz="1300" b="0" i="0" dirty="0" err="1">
                 <a:solidFill>
                   <a:srgbClr val="000000"/>
                 </a:solidFill>
@@ -23776,7 +21808,7 @@
               <a:t>iNaturalist</a:t>
             </a:r>
             <a:r>
-              <a:rPr lang="en-US" sz="1100" b="0" i="0" dirty="0">
+              <a:rPr lang="en-US" sz="1300" b="0" i="0" dirty="0">
                 <a:solidFill>
                   <a:srgbClr val="000000"/>
                 </a:solidFill>
@@ -23786,7 +21818,7 @@
               <a:t> community. Observations of </a:t>
             </a:r>
             <a:r>
-              <a:rPr lang="en-US" sz="1100" b="0" i="1" dirty="0">
+              <a:rPr lang="en-US" sz="1300" b="0" i="1" dirty="0">
                 <a:solidFill>
                   <a:srgbClr val="000000"/>
                 </a:solidFill>
@@ -23796,7 +21828,7 @@
               <a:t>Balanus glandula</a:t>
             </a:r>
             <a:r>
-              <a:rPr lang="en-US" sz="1100" b="0" i="0" dirty="0">
+              <a:rPr lang="en-US" sz="1300" b="0" i="0" dirty="0">
                 <a:solidFill>
                   <a:srgbClr val="000000"/>
                 </a:solidFill>
@@ -23805,71 +21837,58 @@
               </a:rPr>
               <a:t> from Mar del Plata, Provincia de Buenos Aires, Argentina observed on Nov 6, 2021. Exported from https://www.inaturalist.org on 11/6/2024</a:t>
             </a:r>
-            <a:endParaRPr lang="en-US" sz="1100" b="0" i="0" u="none" strike="noStrike" cap="none" dirty="0">
-              <a:solidFill>
-                <a:schemeClr val="dk1"/>
-              </a:solidFill>
+            <a:endParaRPr lang="en-US" sz="1300" dirty="0">
               <a:latin typeface="+mj-lt"/>
-              <a:ea typeface="Arial"/>
-              <a:cs typeface="Arial"/>
-              <a:sym typeface="Arial"/>
             </a:endParaRPr>
           </a:p>
           <a:p>
-            <a:pPr algn="r"/>
+            <a:pPr marL="228600" indent="-228600">
+              <a:buAutoNum type="arabicPeriod"/>
+            </a:pPr>
             <a:r>
-              <a:rPr lang="en-US" sz="1100" dirty="0">
-                <a:effectLst/>
-                <a:latin typeface="+mj-lt"/>
-              </a:rPr>
-              <a:t>2.</a:t>
-            </a:r>
-          </a:p>
-          <a:p>
-            <a:r>
-              <a:rPr lang="en-US" sz="1100" dirty="0">
+              <a:rPr lang="en-US" sz="1300" dirty="0">
                 <a:effectLst/>
                 <a:latin typeface="+mj-lt"/>
               </a:rPr>
               <a:t>Wares, J. P., Strand, A. E. &amp; </a:t>
             </a:r>
             <a:r>
-              <a:rPr lang="en-US" sz="1100" dirty="0" err="1">
+              <a:rPr lang="en-US" sz="1300" dirty="0" err="1">
                 <a:effectLst/>
                 <a:latin typeface="+mj-lt"/>
               </a:rPr>
               <a:t>Sotka</a:t>
             </a:r>
             <a:r>
-              <a:rPr lang="en-US" sz="1100" dirty="0">
+              <a:rPr lang="en-US" sz="1300" dirty="0">
                 <a:effectLst/>
                 <a:latin typeface="+mj-lt"/>
               </a:rPr>
               <a:t>, E. E. Diversity, divergence and density: How habitat and hybrid zone dynamics maintain a genomic cline in an intertidal barnacle. </a:t>
             </a:r>
             <a:r>
-              <a:rPr lang="en-US" sz="1100" i="1" dirty="0">
+              <a:rPr lang="en-US" sz="1300" i="1" dirty="0">
                 <a:effectLst/>
                 <a:latin typeface="+mj-lt"/>
               </a:rPr>
               <a:t>Journal of Biogeography</a:t>
             </a:r>
             <a:r>
-              <a:rPr lang="en-US" sz="1100" dirty="0">
+              <a:rPr lang="en-US" sz="1300" dirty="0">
                 <a:effectLst/>
                 <a:latin typeface="+mj-lt"/>
               </a:rPr>
               <a:t> </a:t>
             </a:r>
             <a:r>
-              <a:rPr lang="en-US" sz="1100" b="1" dirty="0">
+              <a:rPr lang="en-US" sz="1300" b="1" dirty="0">
                 <a:effectLst/>
                 <a:latin typeface="+mj-lt"/>
               </a:rPr>
               <a:t>48</a:t>
             </a:r>
             <a:r>
-              <a:rPr lang="en-US" sz="1100" dirty="0">
+              <a:rPr lang="en-US" sz="1300" dirty="0">
                 <a:effectLst/>
                 <a:latin typeface="+mj-lt"/>
               </a:rPr>
@@ -23877,60 +21896,53 @@
             </a:r>
           </a:p>
           <a:p>
-            <a:pPr algn="r"/>
+            <a:pPr marL="228600" indent="-228600">
+              <a:buAutoNum type="arabicPeriod"/>
+            </a:pPr>
             <a:r>
-              <a:rPr lang="en-US" sz="1100" dirty="0">
-                <a:effectLst/>
-                <a:latin typeface="+mj-lt"/>
-              </a:rPr>
-              <a:t>3.</a:t>
-            </a:r>
-          </a:p>
-          <a:p>
-            <a:r>
-              <a:rPr lang="en-US" sz="1100" dirty="0">
+              <a:rPr lang="en-US" sz="1300" dirty="0">
                 <a:effectLst/>
                 <a:latin typeface="+mj-lt"/>
               </a:rPr>
               <a:t>Haller, B. C. &amp; Messer, P. W. </a:t>
             </a:r>
             <a:r>
-              <a:rPr lang="en-US" sz="1100" dirty="0" err="1">
+              <a:rPr lang="en-US" sz="1300" dirty="0" err="1">
                 <a:effectLst/>
                 <a:latin typeface="+mj-lt"/>
               </a:rPr>
               <a:t>SLiM</a:t>
             </a:r>
             <a:r>
-              <a:rPr lang="en-US" sz="1100" dirty="0">
+              <a:rPr lang="en-US" sz="1300" dirty="0">
                 <a:effectLst/>
                 <a:latin typeface="+mj-lt"/>
               </a:rPr>
               <a:t> 4: Multispecies Eco-Evolutionary Modeling. </a:t>
             </a:r>
             <a:r>
-              <a:rPr lang="en-US" sz="1100" i="1" dirty="0">
+              <a:rPr lang="en-US" sz="1300" i="1" dirty="0">
                 <a:effectLst/>
                 <a:latin typeface="+mj-lt"/>
               </a:rPr>
               <a:t>The American Naturalist</a:t>
             </a:r>
             <a:r>
-              <a:rPr lang="en-US" sz="1100" dirty="0">
+              <a:rPr lang="en-US" sz="1300" dirty="0">
                 <a:effectLst/>
                 <a:latin typeface="+mj-lt"/>
               </a:rPr>
               <a:t> </a:t>
             </a:r>
             <a:r>
-              <a:rPr lang="en-US" sz="1100" b="1" dirty="0">
+              <a:rPr lang="en-US" sz="1300" b="1" dirty="0">
                 <a:effectLst/>
                 <a:latin typeface="+mj-lt"/>
               </a:rPr>
               <a:t>201</a:t>
             </a:r>
             <a:r>
-              <a:rPr lang="en-US" sz="1100" dirty="0">
+              <a:rPr lang="en-US" sz="1300" dirty="0">
                 <a:effectLst/>
                 <a:latin typeface="+mj-lt"/>
               </a:rPr>
@@ -23938,60 +21950,53 @@
             </a:r>
           </a:p>
           <a:p>
-            <a:pPr algn="r"/>
+            <a:pPr marL="228600" indent="-228600">
+              <a:buAutoNum type="arabicPeriod"/>
+            </a:pPr>
             <a:r>
-              <a:rPr lang="en-US" sz="1100" dirty="0">
-                <a:effectLst/>
-                <a:latin typeface="+mj-lt"/>
-              </a:rPr>
-              <a:t>4.</a:t>
-            </a:r>
-          </a:p>
-          <a:p>
-            <a:r>
-              <a:rPr lang="en-US" sz="1100" dirty="0">
+              <a:rPr lang="en-US" sz="1300" dirty="0">
                 <a:effectLst/>
                 <a:latin typeface="+mj-lt"/>
               </a:rPr>
               <a:t>Berger, M. S., Darrah, A. J. &amp; </a:t>
             </a:r>
             <a:r>
-              <a:rPr lang="en-US" sz="1100" dirty="0" err="1">
+              <a:rPr lang="en-US" sz="1300" dirty="0" err="1">
                 <a:effectLst/>
                 <a:latin typeface="+mj-lt"/>
               </a:rPr>
               <a:t>Emlet</a:t>
             </a:r>
             <a:r>
-              <a:rPr lang="en-US" sz="1100" dirty="0">
+              <a:rPr lang="en-US" sz="1300" dirty="0">
                 <a:effectLst/>
                 <a:latin typeface="+mj-lt"/>
               </a:rPr>
               <a:t>, R. B. Spatial and temporal variability of early post-settlement survivorship and growth in the barnacle Balanus glandula along an estuarine gradient. </a:t>
             </a:r>
             <a:r>
-              <a:rPr lang="en-US" sz="1100" i="1" dirty="0">
+              <a:rPr lang="en-US" sz="1300" i="1" dirty="0">
                 <a:effectLst/>
                 <a:latin typeface="+mj-lt"/>
               </a:rPr>
               <a:t>Journal of Experimental Marine Biology and Ecology</a:t>
             </a:r>
             <a:r>
-              <a:rPr lang="en-US" sz="1100" dirty="0">
+              <a:rPr lang="en-US" sz="1300" dirty="0">
                 <a:effectLst/>
                 <a:latin typeface="+mj-lt"/>
               </a:rPr>
               <a:t> </a:t>
             </a:r>
             <a:r>
-              <a:rPr lang="en-US" sz="1100" b="1" dirty="0">
+              <a:rPr lang="en-US" sz="1300" b="1" dirty="0">
                 <a:effectLst/>
                 <a:latin typeface="+mj-lt"/>
               </a:rPr>
               <a:t>336</a:t>
             </a:r>
             <a:r>
-              <a:rPr lang="en-US" sz="1100" dirty="0">
+              <a:rPr lang="en-US" sz="1300" dirty="0">
                 <a:effectLst/>
                 <a:latin typeface="+mj-lt"/>
               </a:rPr>
@@ -23999,99 +22004,39 @@
             </a:r>
           </a:p>
           <a:p>
-            <a:pPr algn="r"/>
+            <a:pPr marL="228600" indent="-228600">
+              <a:buAutoNum type="arabicPeriod"/>
+            </a:pPr>
             <a:r>
-              <a:rPr lang="en-US" sz="1100" dirty="0">
+              <a:rPr lang="en-US" sz="1300" dirty="0">
                 <a:effectLst/>
                 <a:latin typeface="+mj-lt"/>
               </a:rPr>
-              <a:t>5.</a:t>
+              <a:t>Conroy, T., Sutherland, D. A. &amp; Ralston, D. K. Estuarine Exchange Flow Variability in a Seasonal, Segmented Estuary. </a:t>
             </a:r>
-          </a:p>
-          <a:p>
             <a:r>
-              <a:rPr lang="en-US" sz="1100" dirty="0">
+              <a:rPr lang="en-US" sz="1300" i="1" dirty="0">
                 <a:effectLst/>
                 <a:latin typeface="+mj-lt"/>
               </a:rPr>
-              <a:t>Berger, M. Reproduction of the intertidal barnacle Balanus glandula along an estuarine gradient. </a:t>
+              <a:t>Journal of Physical Oceanography, 50(3), 595-613</a:t>
             </a:r>
             <a:r>
-              <a:rPr lang="en-US" sz="1100" i="1" dirty="0">
-                <a:effectLst/>
-                <a:latin typeface="+mj-lt"/>
-              </a:rPr>
-              <a:t>Marine Ecology</a:t>
-            </a:r>
-            <a:r>
-              <a:rPr lang="en-US" sz="1100" dirty="0">
+              <a:rPr lang="en-US" sz="1300" dirty="0">
                 <a:effectLst/>
                 <a:latin typeface="+mj-lt"/>
               </a:rPr>
               <a:t> </a:t>
             </a:r>
             <a:r>
-              <a:rPr lang="en-US" sz="1100" b="1" dirty="0">
-                <a:effectLst/>
-                <a:latin typeface="+mj-lt"/>
-              </a:rPr>
-              <a:t>30</a:t>
-            </a:r>
-            <a:r>
-              <a:rPr lang="en-US" sz="1100" dirty="0">
-                <a:effectLst/>
-                <a:latin typeface="+mj-lt"/>
-              </a:rPr>
-              <a:t>, 346–353 (2009).</a:t>
-            </a:r>
-          </a:p>
-          <a:p>
-            <a:pPr algn="r"/>
-            <a:r>
-              <a:rPr lang="en-US" sz="1100" dirty="0">
-                <a:latin typeface="+mj-lt"/>
-              </a:rPr>
-              <a:t>6</a:t>
-            </a:r>
-            <a:r>
-              <a:rPr lang="en-US" sz="1100" dirty="0">
-                <a:effectLst/>
-                <a:latin typeface="+mj-lt"/>
-              </a:rPr>
-              <a:t>.</a:t>
-            </a:r>
-          </a:p>
-          <a:p>
-            <a:r>
-              <a:rPr lang="en-US" sz="1100" dirty="0">
-                <a:effectLst/>
-                <a:latin typeface="+mj-lt"/>
-              </a:rPr>
-              <a:t>Conroy, T., Sutherland, D. A. &amp; Ralston, D. K. Estuarine Exchange Flow Variability in a Seasonal, Segmented Estuary. </a:t>
-            </a:r>
-            <a:r>
-              <a:rPr lang="en-US" sz="1100" i="1" dirty="0">
-                <a:effectLst/>
-                <a:latin typeface="+mj-lt"/>
-              </a:rPr>
-              <a:t>Journal of Physical Oceanography, 50(3), 595-613</a:t>
-            </a:r>
-            <a:r>
-              <a:rPr lang="en-US" sz="1100" dirty="0">
-                <a:effectLst/>
-                <a:latin typeface="+mj-lt"/>
-              </a:rPr>
-              <a:t> </a:t>
-            </a:r>
-            <a:r>
-              <a:rPr lang="en-US" sz="1100" b="1" dirty="0">
+              <a:rPr lang="en-US" sz="1300" b="1" dirty="0">
                 <a:effectLst/>
                 <a:latin typeface="+mj-lt"/>
               </a:rPr>
               <a:t>50</a:t>
             </a:r>
             <a:r>
-              <a:rPr lang="en-US" sz="1100" dirty="0">
+              <a:rPr lang="en-US" sz="1300" dirty="0">
                 <a:effectLst/>
                 <a:latin typeface="+mj-lt"/>
               </a:rPr>
@@ -24099,51 +22044,94 @@
             </a:r>
           </a:p>
           <a:p>
-            <a:pPr algn="r"/>
+            <a:pPr marL="228600" indent="-228600">
+              <a:buAutoNum type="arabicPeriod"/>
+            </a:pPr>
             <a:r>
-              <a:rPr lang="en-US" sz="1100" dirty="0">
-                <a:effectLst/>
-                <a:latin typeface="+mj-lt"/>
-              </a:rPr>
-              <a:t>7.</a:t>
-            </a:r>
-          </a:p>
-          <a:p>
-            <a:r>
-              <a:rPr lang="en-US" sz="1100" dirty="0">
+              <a:rPr lang="en-US" sz="1300" dirty="0">
                 <a:effectLst/>
                 <a:latin typeface="+mj-lt"/>
               </a:rPr>
               <a:t>Chevy, E. T. </a:t>
             </a:r>
             <a:r>
-              <a:rPr lang="en-US" sz="1100" i="1" dirty="0">
+              <a:rPr lang="en-US" sz="1300" i="1" dirty="0">
                 <a:effectLst/>
                 <a:latin typeface="+mj-lt"/>
               </a:rPr>
               <a:t>et al.</a:t>
             </a:r>
             <a:r>
-              <a:rPr lang="en-US" sz="1100" dirty="0">
+              <a:rPr lang="en-US" sz="1300" dirty="0">
                 <a:effectLst/>
                 <a:latin typeface="+mj-lt"/>
               </a:rPr>
-              <a:t> Population genetics meets ecology: a guide to individual-based simulations in continuous landscapes. Preprint at </a:t>
+              <a:t> Population genetics meets ecology: a guide to individual-based simulations in continuous landscapes. </a:t>
             </a:r>
             <a:r>
-              <a:rPr lang="en-US" sz="1100" dirty="0">
-                <a:effectLst/>
+              <a:rPr lang="en-US" sz="1300" dirty="0">
                 <a:latin typeface="+mj-lt"/>
-                <a:hlinkClick r:id="rId18"/>
               </a:rPr>
-              <a:t>https://doi.org/10.1101/2024.07.24.604988</a:t>
+              <a:t>Preprint at </a:t>
             </a:r>
             <a:r>
-              <a:rPr lang="en-US" sz="1100" dirty="0">
+              <a:rPr lang="en-US" sz="1300" i="1" dirty="0" err="1">
+                <a:latin typeface="+mj-lt"/>
+              </a:rPr>
+              <a:t>bioRxiv</a:t>
+            </a:r>
+            <a:r>
+              <a:rPr lang="en-US" sz="1300" dirty="0">
                 <a:effectLst/>
                 <a:latin typeface="+mj-lt"/>
               </a:rPr>
-              <a:t> (2024)</a:t>
+              <a:t> (2024</a:t>
+            </a:r>
+            <a:r>
+              <a:rPr lang="en-US" sz="1300" dirty="0">
+                <a:latin typeface="+mj-lt"/>
+              </a:rPr>
+              <a:t>).</a:t>
+            </a:r>
+          </a:p>
+          <a:p>
+            <a:pPr marL="228600" indent="-228600">
+              <a:buAutoNum type="arabicPeriod"/>
+            </a:pPr>
+            <a:r>
+              <a:rPr lang="en-US" sz="1300" dirty="0">
+                <a:effectLst/>
+                <a:latin typeface="+mj-lt"/>
+              </a:rPr>
+              <a:t>Berger, M. Reproduction of the intertidal barnacle Balanus glandula along an estuarine gradient. </a:t>
+            </a:r>
+            <a:r>
+              <a:rPr lang="en-US" sz="1300" i="1" dirty="0">
+                <a:effectLst/>
+                <a:latin typeface="+mj-lt"/>
+              </a:rPr>
+              <a:t>Marine Ecology</a:t>
+            </a:r>
+            <a:r>
+              <a:rPr lang="en-US" sz="1300" dirty="0">
+                <a:effectLst/>
+                <a:latin typeface="+mj-lt"/>
+              </a:rPr>
+              <a:t> </a:t>
+            </a:r>
+            <a:r>
+              <a:rPr lang="en-US" sz="1300" b="1" dirty="0">
+                <a:effectLst/>
+                <a:latin typeface="+mj-lt"/>
+              </a:rPr>
+              <a:t>30</a:t>
+            </a:r>
+            <a:r>
+              <a:rPr lang="en-US" sz="1300" dirty="0">
+                <a:effectLst/>
+                <a:latin typeface="+mj-lt"/>
+              </a:rPr>
+              <a:t>, 346–353 (2009).</a:t>
             </a:r>
           </a:p>
         </p:txBody>
@@ -24507,7 +22495,7 @@
         </p:nvCxnSpPr>
         <p:spPr>
           <a:xfrm rot="5400000">
-            <a:off x="22062194" y="18882321"/>
+            <a:off x="22062194" y="18648939"/>
             <a:ext cx="0" cy="457200"/>
           </a:xfrm>
           <a:prstGeom prst="straightConnector1">
@@ -24532,6 +22520,1054 @@
           </a:effectLst>
         </p:spPr>
       </p:cxnSp>
+      <p:sp>
+        <p:nvSpPr>
+          <p:cNvPr id="42" name="TextBox 41">
+            <a:extLst>
+              <a:ext uri="{FF2B5EF4-FFF2-40B4-BE49-F238E27FC236}">
+                <a16:creationId xmlns:a16="http://schemas.microsoft.com/office/drawing/2014/main" id="{D0FC9A06-0773-6F5F-8AB3-E787E0903388}"/>
+              </a:ext>
+            </a:extLst>
+          </p:cNvPr>
+          <p:cNvSpPr txBox="1"/>
+          <p:nvPr/>
+        </p:nvSpPr>
+        <p:spPr>
+          <a:xfrm>
+            <a:off x="259616" y="26343864"/>
+            <a:ext cx="5950106" cy="6468437"/>
+          </a:xfrm>
+          <a:prstGeom prst="rect">
+            <a:avLst/>
+          </a:prstGeom>
+          <a:solidFill>
+            <a:schemeClr val="bg1"/>
+          </a:solidFill>
+          <a:ln w="12700">
+            <a:solidFill>
+              <a:schemeClr val="tx1"/>
+            </a:solidFill>
+          </a:ln>
+        </p:spPr>
+        <p:txBody>
+          <a:bodyPr wrap="square" lIns="274320" tIns="274320" rIns="274320" bIns="274320">
+            <a:spAutoFit/>
+          </a:bodyPr>
+          <a:lstStyle/>
+          <a:p>
+            <a:pPr>
+              <a:spcAft>
+                <a:spcPts val="500"/>
+              </a:spcAft>
+            </a:pPr>
+            <a:r>
+              <a:rPr lang="en-US" sz="4400" b="1" dirty="0" err="1">
+                <a:solidFill>
+                  <a:srgbClr val="616A4E"/>
+                </a:solidFill>
+                <a:latin typeface="+mn-lt"/>
+                <a:ea typeface="Cascadia Mono SemiLight" panose="020B0609020000020004" pitchFamily="49" charset="0"/>
+                <a:cs typeface="Cascadia Mono SemiLight" panose="020B0609020000020004" pitchFamily="49" charset="0"/>
+              </a:rPr>
+              <a:t>SLiM</a:t>
+            </a:r>
+            <a:r>
+              <a:rPr lang="en-US" sz="4400" b="1" dirty="0">
+                <a:solidFill>
+                  <a:srgbClr val="616A4E"/>
+                </a:solidFill>
+                <a:latin typeface="+mn-lt"/>
+                <a:ea typeface="Cascadia Mono SemiLight" panose="020B0609020000020004" pitchFamily="49" charset="0"/>
+                <a:cs typeface="Cascadia Mono SemiLight" panose="020B0609020000020004" pitchFamily="49" charset="0"/>
+              </a:rPr>
+              <a:t> simulation of Coos Bay, OR</a:t>
+            </a:r>
+          </a:p>
+          <a:p>
+            <a:pPr marL="571500" indent="-571500">
+              <a:spcAft>
+                <a:spcPts val="500"/>
+              </a:spcAft>
+              <a:buFont typeface="Arial" panose="020B0604020202020204" pitchFamily="34" charset="0"/>
+              <a:buChar char="•"/>
+            </a:pPr>
+            <a:r>
+              <a:rPr lang="en-US" sz="3600" dirty="0" err="1">
+                <a:solidFill>
+                  <a:schemeClr val="tx1"/>
+                </a:solidFill>
+                <a:latin typeface="+mn-lt"/>
+                <a:ea typeface="Cascadia Mono SemiLight" panose="020B0609020000020004" pitchFamily="49" charset="0"/>
+                <a:cs typeface="Cascadia Mono SemiLight" panose="020B0609020000020004" pitchFamily="49" charset="0"/>
+              </a:rPr>
+              <a:t>SLiM</a:t>
+            </a:r>
+            <a:r>
+              <a:rPr lang="en-US" sz="3600" dirty="0">
+                <a:solidFill>
+                  <a:schemeClr val="tx1"/>
+                </a:solidFill>
+                <a:latin typeface="+mn-lt"/>
+                <a:ea typeface="Cascadia Mono SemiLight" panose="020B0609020000020004" pitchFamily="49" charset="0"/>
+                <a:cs typeface="Cascadia Mono SemiLight" panose="020B0609020000020004" pitchFamily="49" charset="0"/>
+              </a:rPr>
+              <a:t> is an evolutionary simulation framework</a:t>
+            </a:r>
+            <a:r>
+              <a:rPr lang="en-US" sz="3600" baseline="30000" dirty="0">
+                <a:solidFill>
+                  <a:schemeClr val="tx1"/>
+                </a:solidFill>
+                <a:latin typeface="+mn-lt"/>
+                <a:ea typeface="Cascadia Mono SemiLight" panose="020B0609020000020004" pitchFamily="49" charset="0"/>
+                <a:cs typeface="Cascadia Mono SemiLight" panose="020B0609020000020004" pitchFamily="49" charset="0"/>
+              </a:rPr>
+              <a:t>3</a:t>
+            </a:r>
+            <a:r>
+              <a:rPr lang="en-US" sz="3600" dirty="0">
+                <a:solidFill>
+                  <a:schemeClr val="tx1"/>
+                </a:solidFill>
+                <a:latin typeface="+mn-lt"/>
+                <a:ea typeface="Cascadia Mono SemiLight" panose="020B0609020000020004" pitchFamily="49" charset="0"/>
+                <a:cs typeface="Cascadia Mono SemiLight" panose="020B0609020000020004" pitchFamily="49" charset="0"/>
+              </a:rPr>
+              <a:t> </a:t>
+            </a:r>
+          </a:p>
+          <a:p>
+            <a:pPr marL="571500" indent="-571500">
+              <a:spcAft>
+                <a:spcPts val="500"/>
+              </a:spcAft>
+              <a:buFont typeface="Arial" panose="020B0604020202020204" pitchFamily="34" charset="0"/>
+              <a:buChar char="•"/>
+            </a:pPr>
+            <a:r>
+              <a:rPr lang="en-US" sz="3600" dirty="0">
+                <a:solidFill>
+                  <a:schemeClr val="tx1"/>
+                </a:solidFill>
+                <a:latin typeface="+mn-lt"/>
+                <a:ea typeface="Cascadia Mono SemiLight" panose="020B0609020000020004" pitchFamily="49" charset="0"/>
+                <a:cs typeface="Cascadia Mono SemiLight" panose="020B0609020000020004" pitchFamily="49" charset="0"/>
+              </a:rPr>
+              <a:t>It allows us to simulate individuals, their genomes, and the spatial interactions between the population and their environment</a:t>
+            </a:r>
+          </a:p>
+        </p:txBody>
+      </p:sp>
+      <p:grpSp>
+        <p:nvGrpSpPr>
+          <p:cNvPr id="36" name="Group 35">
+            <a:extLst>
+              <a:ext uri="{FF2B5EF4-FFF2-40B4-BE49-F238E27FC236}">
+                <a16:creationId xmlns:a16="http://schemas.microsoft.com/office/drawing/2014/main" id="{C43E40F8-65F2-8AB3-096C-0554294E1B24}"/>
+              </a:ext>
+            </a:extLst>
+          </p:cNvPr>
+          <p:cNvGrpSpPr/>
+          <p:nvPr/>
+        </p:nvGrpSpPr>
+        <p:grpSpPr>
+          <a:xfrm>
+            <a:off x="34699790" y="15321546"/>
+            <a:ext cx="6040691" cy="457200"/>
+            <a:chOff x="34699790" y="14760714"/>
+            <a:chExt cx="6040691" cy="457200"/>
+          </a:xfrm>
+          <a:solidFill>
+            <a:schemeClr val="bg1"/>
+          </a:solidFill>
+        </p:grpSpPr>
+        <p:cxnSp>
+          <p:nvCxnSpPr>
+            <p:cNvPr id="34" name="Google Shape;98;p1">
+              <a:extLst>
+                <a:ext uri="{FF2B5EF4-FFF2-40B4-BE49-F238E27FC236}">
+                  <a16:creationId xmlns:a16="http://schemas.microsoft.com/office/drawing/2014/main" id="{8916B845-251B-0E1E-EF1E-DF519E3C3F55}"/>
+                </a:ext>
+              </a:extLst>
+            </p:cNvPr>
+            <p:cNvCxnSpPr>
+              <a:cxnSpLocks/>
+            </p:cNvCxnSpPr>
+            <p:nvPr/>
+          </p:nvCxnSpPr>
+          <p:spPr>
+            <a:xfrm rot="5400000">
+              <a:off x="34471190" y="14989314"/>
+              <a:ext cx="457200" cy="0"/>
+            </a:xfrm>
+            <a:prstGeom prst="straightConnector1">
+              <a:avLst/>
+            </a:prstGeom>
+            <a:grpFill/>
+            <a:ln w="12700" cap="flat" cmpd="sng">
+              <a:solidFill>
+                <a:schemeClr val="dk1"/>
+              </a:solidFill>
+              <a:prstDash val="solid"/>
+              <a:round/>
+              <a:headEnd type="none" w="sm" len="sm"/>
+              <a:tailEnd type="none" w="sm" len="sm"/>
+            </a:ln>
+            <a:effectLst>
+              <a:outerShdw blurRad="40000" dist="20000" dir="5400000" rotWithShape="0">
+                <a:srgbClr val="000000">
+                  <a:alpha val="36470"/>
+                </a:srgbClr>
+              </a:outerShdw>
+            </a:effectLst>
+          </p:spPr>
+        </p:cxnSp>
+        <p:cxnSp>
+          <p:nvCxnSpPr>
+            <p:cNvPr id="35" name="Google Shape;98;p1">
+              <a:extLst>
+                <a:ext uri="{FF2B5EF4-FFF2-40B4-BE49-F238E27FC236}">
+                  <a16:creationId xmlns:a16="http://schemas.microsoft.com/office/drawing/2014/main" id="{CF92191A-9F94-8EAA-767B-2DE7BF872CDF}"/>
+                </a:ext>
+              </a:extLst>
+            </p:cNvPr>
+            <p:cNvCxnSpPr>
+              <a:cxnSpLocks/>
+            </p:cNvCxnSpPr>
+            <p:nvPr/>
+          </p:nvCxnSpPr>
+          <p:spPr>
+            <a:xfrm rot="5400000">
+              <a:off x="40511881" y="14989314"/>
+              <a:ext cx="457200" cy="0"/>
+            </a:xfrm>
+            <a:prstGeom prst="straightConnector1">
+              <a:avLst/>
+            </a:prstGeom>
+            <a:grpFill/>
+            <a:ln w="12700" cap="flat" cmpd="sng">
+              <a:solidFill>
+                <a:schemeClr val="dk1"/>
+              </a:solidFill>
+              <a:prstDash val="solid"/>
+              <a:round/>
+              <a:headEnd type="none" w="sm" len="sm"/>
+              <a:tailEnd type="none" w="sm" len="sm"/>
+            </a:ln>
+            <a:effectLst>
+              <a:outerShdw blurRad="40000" dist="20000" dir="5400000" rotWithShape="0">
+                <a:srgbClr val="000000">
+                  <a:alpha val="36470"/>
+                </a:srgbClr>
+              </a:outerShdw>
+            </a:effectLst>
+          </p:spPr>
+        </p:cxnSp>
+      </p:grpSp>
+      <p:sp>
+        <p:nvSpPr>
+          <p:cNvPr id="201" name="TextBox 200">
+            <a:extLst>
+              <a:ext uri="{FF2B5EF4-FFF2-40B4-BE49-F238E27FC236}">
+                <a16:creationId xmlns:a16="http://schemas.microsoft.com/office/drawing/2014/main" id="{41311C5C-0F05-952E-DF7A-37A5C5B90FAA}"/>
+              </a:ext>
+            </a:extLst>
+          </p:cNvPr>
+          <p:cNvSpPr txBox="1"/>
+          <p:nvPr/>
+        </p:nvSpPr>
+        <p:spPr>
+          <a:xfrm>
+            <a:off x="31784544" y="11738704"/>
+            <a:ext cx="11887200" cy="3639458"/>
+          </a:xfrm>
+          <a:prstGeom prst="rect">
+            <a:avLst/>
+          </a:prstGeom>
+          <a:solidFill>
+            <a:schemeClr val="bg1"/>
+          </a:solidFill>
+          <a:ln w="12700">
+            <a:solidFill>
+              <a:schemeClr val="tx1"/>
+            </a:solidFill>
+          </a:ln>
+        </p:spPr>
+        <p:txBody>
+          <a:bodyPr wrap="square" lIns="274320" tIns="274320" rIns="274320" bIns="274320" anchor="b">
+            <a:spAutoFit/>
+          </a:bodyPr>
+          <a:lstStyle/>
+          <a:p>
+            <a:pPr>
+              <a:spcAft>
+                <a:spcPts val="500"/>
+              </a:spcAft>
+            </a:pPr>
+            <a:r>
+              <a:rPr lang="en-US" sz="4400" b="1" dirty="0">
+                <a:solidFill>
+                  <a:srgbClr val="616A4E"/>
+                </a:solidFill>
+                <a:effectLst/>
+                <a:latin typeface="+mn-lt"/>
+                <a:ea typeface="Cascadia Mono SemiLight" panose="020B0609020000020004" pitchFamily="49" charset="0"/>
+                <a:cs typeface="Cascadia Mono SemiLight" panose="020B0609020000020004" pitchFamily="49" charset="0"/>
+              </a:rPr>
+              <a:t>Expanding Environmental Model</a:t>
+            </a:r>
+          </a:p>
+          <a:p>
+            <a:pPr marL="457200" indent="-457200">
+              <a:spcAft>
+                <a:spcPts val="500"/>
+              </a:spcAft>
+              <a:buFont typeface="Arial" panose="020B0604020202020204" pitchFamily="34" charset="0"/>
+              <a:buChar char="•"/>
+            </a:pPr>
+            <a:r>
+              <a:rPr lang="en-US" sz="3600" dirty="0">
+                <a:solidFill>
+                  <a:schemeClr val="tx1"/>
+                </a:solidFill>
+                <a:latin typeface="+mn-lt"/>
+                <a:ea typeface="Cascadia Mono SemiLight" panose="020B0609020000020004" pitchFamily="49" charset="0"/>
+                <a:cs typeface="Cascadia Mono SemiLight" panose="020B0609020000020004" pitchFamily="49" charset="0"/>
+              </a:rPr>
+              <a:t>Implementing other environmental conditions that impact barnacles such as temperature and tides</a:t>
+            </a:r>
+            <a:r>
+              <a:rPr lang="en-US" sz="3600" baseline="30000" dirty="0">
+                <a:solidFill>
+                  <a:schemeClr val="tx1"/>
+                </a:solidFill>
+                <a:latin typeface="+mn-lt"/>
+                <a:ea typeface="Cascadia Mono SemiLight" panose="020B0609020000020004" pitchFamily="49" charset="0"/>
+                <a:cs typeface="Cascadia Mono SemiLight" panose="020B0609020000020004" pitchFamily="49" charset="0"/>
+              </a:rPr>
+              <a:t>7</a:t>
+            </a:r>
+            <a:endParaRPr lang="en-US" sz="3600" dirty="0">
+              <a:solidFill>
+                <a:schemeClr val="tx1"/>
+              </a:solidFill>
+              <a:latin typeface="+mn-lt"/>
+              <a:ea typeface="Cascadia Mono SemiLight" panose="020B0609020000020004" pitchFamily="49" charset="0"/>
+              <a:cs typeface="Cascadia Mono SemiLight" panose="020B0609020000020004" pitchFamily="49" charset="0"/>
+            </a:endParaRPr>
+          </a:p>
+          <a:p>
+            <a:pPr marL="457200" indent="-457200">
+              <a:spcAft>
+                <a:spcPts val="500"/>
+              </a:spcAft>
+              <a:buFont typeface="Arial" panose="020B0604020202020204" pitchFamily="34" charset="0"/>
+              <a:buChar char="•"/>
+            </a:pPr>
+            <a:r>
+              <a:rPr lang="en-US" sz="3600" dirty="0">
+                <a:solidFill>
+                  <a:schemeClr val="tx1"/>
+                </a:solidFill>
+                <a:latin typeface="+mn-lt"/>
+                <a:ea typeface="Cascadia Mono SemiLight" panose="020B0609020000020004" pitchFamily="49" charset="0"/>
+                <a:cs typeface="Cascadia Mono SemiLight" panose="020B0609020000020004" pitchFamily="49" charset="0"/>
+              </a:rPr>
+              <a:t>Add seasonal variation of environmental variables</a:t>
+            </a:r>
+          </a:p>
+          <a:p>
+            <a:pPr marL="457200" indent="-457200">
+              <a:spcAft>
+                <a:spcPts val="500"/>
+              </a:spcAft>
+              <a:buFont typeface="Arial" panose="020B0604020202020204" pitchFamily="34" charset="0"/>
+              <a:buChar char="•"/>
+            </a:pPr>
+            <a:r>
+              <a:rPr lang="en-US" sz="3600" dirty="0">
+                <a:solidFill>
+                  <a:schemeClr val="tx1"/>
+                </a:solidFill>
+                <a:latin typeface="+mn-lt"/>
+                <a:ea typeface="Cascadia Mono SemiLight" panose="020B0609020000020004" pitchFamily="49" charset="0"/>
+                <a:cs typeface="Cascadia Mono SemiLight" panose="020B0609020000020004" pitchFamily="49" charset="0"/>
+              </a:rPr>
+              <a:t>Model long-term environmental change</a:t>
+            </a:r>
+          </a:p>
+        </p:txBody>
+      </p:sp>
+      <p:grpSp>
+        <p:nvGrpSpPr>
+          <p:cNvPr id="31" name="Group 30">
+            <a:extLst>
+              <a:ext uri="{FF2B5EF4-FFF2-40B4-BE49-F238E27FC236}">
+                <a16:creationId xmlns:a16="http://schemas.microsoft.com/office/drawing/2014/main" id="{772842C1-1420-3A2A-7D8E-0445A0A3F599}"/>
+              </a:ext>
+            </a:extLst>
+          </p:cNvPr>
+          <p:cNvGrpSpPr/>
+          <p:nvPr/>
+        </p:nvGrpSpPr>
+        <p:grpSpPr>
+          <a:xfrm>
+            <a:off x="31793684" y="15550146"/>
+            <a:ext cx="11876310" cy="6442270"/>
+            <a:chOff x="31784540" y="9766702"/>
+            <a:chExt cx="11876310" cy="6442270"/>
+          </a:xfrm>
+          <a:solidFill>
+            <a:schemeClr val="bg1"/>
+          </a:solidFill>
+        </p:grpSpPr>
+        <p:pic>
+          <p:nvPicPr>
+            <p:cNvPr id="206" name="Picture 205" descr="A red and white map&#10;&#10;Description automatically generated">
+              <a:extLst>
+                <a:ext uri="{FF2B5EF4-FFF2-40B4-BE49-F238E27FC236}">
+                  <a16:creationId xmlns:a16="http://schemas.microsoft.com/office/drawing/2014/main" id="{ED3AD138-2F0F-F5E5-B991-C862CC38757D}"/>
+                </a:ext>
+              </a:extLst>
+            </p:cNvPr>
+            <p:cNvPicPr>
+              <a:picLocks noChangeAspect="1"/>
+            </p:cNvPicPr>
+            <p:nvPr/>
+          </p:nvPicPr>
+          <p:blipFill>
+            <a:blip r:embed="rId12"/>
+            <a:stretch>
+              <a:fillRect/>
+            </a:stretch>
+          </p:blipFill>
+          <p:spPr>
+            <a:xfrm>
+              <a:off x="37828661" y="9766702"/>
+              <a:ext cx="5830506" cy="5833872"/>
+            </a:xfrm>
+            <a:prstGeom prst="rect">
+              <a:avLst/>
+            </a:prstGeom>
+            <a:grpFill/>
+            <a:ln>
+              <a:solidFill>
+                <a:schemeClr val="tx1"/>
+              </a:solidFill>
+            </a:ln>
+          </p:spPr>
+        </p:pic>
+        <p:pic>
+          <p:nvPicPr>
+            <p:cNvPr id="134" name="Picture 133" descr="A rainbow colored map of a river&#10;&#10;Description automatically generated">
+              <a:extLst>
+                <a:ext uri="{FF2B5EF4-FFF2-40B4-BE49-F238E27FC236}">
+                  <a16:creationId xmlns:a16="http://schemas.microsoft.com/office/drawing/2014/main" id="{72050FB8-50F0-45D9-4BB7-5332F27D1891}"/>
+                </a:ext>
+              </a:extLst>
+            </p:cNvPr>
+            <p:cNvPicPr>
+              <a:picLocks noChangeAspect="1"/>
+            </p:cNvPicPr>
+            <p:nvPr/>
+          </p:nvPicPr>
+          <p:blipFill>
+            <a:blip r:embed="rId13"/>
+            <a:stretch>
+              <a:fillRect/>
+            </a:stretch>
+          </p:blipFill>
+          <p:spPr>
+            <a:xfrm>
+              <a:off x="31786223" y="9766702"/>
+              <a:ext cx="5830506" cy="5833872"/>
+            </a:xfrm>
+            <a:prstGeom prst="rect">
+              <a:avLst/>
+            </a:prstGeom>
+            <a:grpFill/>
+            <a:ln>
+              <a:solidFill>
+                <a:schemeClr val="tx1"/>
+              </a:solidFill>
+            </a:ln>
+          </p:spPr>
+        </p:pic>
+        <p:sp>
+          <p:nvSpPr>
+            <p:cNvPr id="17" name="TextBox 16">
+              <a:extLst>
+                <a:ext uri="{FF2B5EF4-FFF2-40B4-BE49-F238E27FC236}">
+                  <a16:creationId xmlns:a16="http://schemas.microsoft.com/office/drawing/2014/main" id="{063F9C06-C38E-8391-E722-0067C7316A7E}"/>
+                </a:ext>
+              </a:extLst>
+            </p:cNvPr>
+            <p:cNvSpPr txBox="1"/>
+            <p:nvPr/>
+          </p:nvSpPr>
+          <p:spPr>
+            <a:xfrm>
+              <a:off x="31784540" y="15608808"/>
+              <a:ext cx="5833872" cy="600164"/>
+            </a:xfrm>
+            <a:prstGeom prst="rect">
+              <a:avLst/>
+            </a:prstGeom>
+            <a:solidFill>
+              <a:srgbClr val="E8EFD9"/>
+            </a:solidFill>
+            <a:ln w="25400">
+              <a:solidFill>
+                <a:schemeClr val="tx1"/>
+              </a:solidFill>
+            </a:ln>
+          </p:spPr>
+          <p:txBody>
+            <a:bodyPr wrap="square" lIns="91440" tIns="91440" rIns="91440" bIns="91440" anchor="t">
+              <a:spAutoFit/>
+            </a:bodyPr>
+            <a:lstStyle/>
+            <a:p>
+              <a:pPr marL="0" marR="0" lvl="0" indent="0" algn="ctr" defTabSz="914400" rtl="0" eaLnBrk="1" fontAlgn="auto" latinLnBrk="0" hangingPunct="1">
+                <a:lnSpc>
+                  <a:spcPct val="100000"/>
+                </a:lnSpc>
+                <a:spcBef>
+                  <a:spcPts val="0"/>
+                </a:spcBef>
+                <a:spcAft>
+                  <a:spcPts val="500"/>
+                </a:spcAft>
+                <a:buClr>
+                  <a:srgbClr val="000000"/>
+                </a:buClr>
+                <a:buSzTx/>
+                <a:buFont typeface="Arial"/>
+                <a:buNone/>
+                <a:tabLst/>
+                <a:defRPr/>
+              </a:pPr>
+              <a:r>
+                <a:rPr lang="en-US" sz="2700" dirty="0">
+                  <a:solidFill>
+                    <a:schemeClr val="tx1"/>
+                  </a:solidFill>
+                  <a:ea typeface="Cascadia Mono SemiLight" panose="020B0609020000020004" pitchFamily="49" charset="0"/>
+                  <a:cs typeface="Cascadia Mono SemiLight" panose="020B0609020000020004" pitchFamily="49" charset="0"/>
+                </a:rPr>
+                <a:t>Temperature Model, Winter 2014</a:t>
+              </a:r>
+              <a:r>
+                <a:rPr lang="en-US" sz="2700" baseline="30000" dirty="0">
+                  <a:solidFill>
+                    <a:schemeClr val="tx1"/>
+                  </a:solidFill>
+                  <a:ea typeface="Cascadia Mono SemiLight" panose="020B0609020000020004" pitchFamily="49" charset="0"/>
+                  <a:cs typeface="Cascadia Mono SemiLight" panose="020B0609020000020004" pitchFamily="49" charset="0"/>
+                </a:rPr>
+                <a:t>5</a:t>
+              </a:r>
+              <a:endParaRPr kumimoji="0" lang="en-US" sz="2700" i="0" u="none" strike="noStrike" kern="0" cap="none" spc="0" normalizeH="0" baseline="0" noProof="0" dirty="0">
+                <a:ln>
+                  <a:noFill/>
+                </a:ln>
+                <a:solidFill>
+                  <a:schemeClr val="tx1"/>
+                </a:solidFill>
+                <a:effectLst/>
+                <a:uLnTx/>
+                <a:uFillTx/>
+                <a:latin typeface="Arial"/>
+                <a:ea typeface="Cascadia Mono SemiLight" panose="020B0609020000020004" pitchFamily="49" charset="0"/>
+                <a:cs typeface="Cascadia Mono SemiLight" panose="020B0609020000020004" pitchFamily="49" charset="0"/>
+                <a:sym typeface="Arial"/>
+              </a:endParaRPr>
+            </a:p>
+          </p:txBody>
+        </p:sp>
+        <p:sp>
+          <p:nvSpPr>
+            <p:cNvPr id="21" name="TextBox 20">
+              <a:extLst>
+                <a:ext uri="{FF2B5EF4-FFF2-40B4-BE49-F238E27FC236}">
+                  <a16:creationId xmlns:a16="http://schemas.microsoft.com/office/drawing/2014/main" id="{512CABBF-176A-4127-B8BC-A6665C70411F}"/>
+                </a:ext>
+              </a:extLst>
+            </p:cNvPr>
+            <p:cNvSpPr txBox="1"/>
+            <p:nvPr/>
+          </p:nvSpPr>
+          <p:spPr>
+            <a:xfrm>
+              <a:off x="37826978" y="15608808"/>
+              <a:ext cx="5833872" cy="600164"/>
+            </a:xfrm>
+            <a:prstGeom prst="rect">
+              <a:avLst/>
+            </a:prstGeom>
+            <a:solidFill>
+              <a:srgbClr val="E8EFD9"/>
+            </a:solidFill>
+            <a:ln w="25400">
+              <a:solidFill>
+                <a:schemeClr val="tx1"/>
+              </a:solidFill>
+            </a:ln>
+          </p:spPr>
+          <p:txBody>
+            <a:bodyPr wrap="square" lIns="91440" tIns="91440" rIns="91440" bIns="91440" anchor="t">
+              <a:spAutoFit/>
+            </a:bodyPr>
+            <a:lstStyle/>
+            <a:p>
+              <a:pPr marL="0" marR="0" lvl="0" indent="0" algn="ctr" defTabSz="914400" rtl="0" eaLnBrk="1" fontAlgn="auto" latinLnBrk="0" hangingPunct="1">
+                <a:lnSpc>
+                  <a:spcPct val="100000"/>
+                </a:lnSpc>
+                <a:spcBef>
+                  <a:spcPts val="0"/>
+                </a:spcBef>
+                <a:spcAft>
+                  <a:spcPts val="500"/>
+                </a:spcAft>
+                <a:buClr>
+                  <a:srgbClr val="000000"/>
+                </a:buClr>
+                <a:buSzTx/>
+                <a:buFont typeface="Arial"/>
+                <a:buNone/>
+                <a:tabLst/>
+                <a:defRPr/>
+              </a:pPr>
+              <a:r>
+                <a:rPr lang="en-US" sz="2700" dirty="0">
+                  <a:solidFill>
+                    <a:schemeClr val="tx1"/>
+                  </a:solidFill>
+                  <a:ea typeface="Cascadia Mono SemiLight" panose="020B0609020000020004" pitchFamily="49" charset="0"/>
+                  <a:cs typeface="Cascadia Mono SemiLight" panose="020B0609020000020004" pitchFamily="49" charset="0"/>
+                </a:rPr>
+                <a:t>Temperature Model, Summer 2014</a:t>
+              </a:r>
+              <a:r>
+                <a:rPr lang="en-US" sz="2700" baseline="30000" dirty="0">
+                  <a:solidFill>
+                    <a:schemeClr val="tx1"/>
+                  </a:solidFill>
+                  <a:ea typeface="Cascadia Mono SemiLight" panose="020B0609020000020004" pitchFamily="49" charset="0"/>
+                  <a:cs typeface="Cascadia Mono SemiLight" panose="020B0609020000020004" pitchFamily="49" charset="0"/>
+                </a:rPr>
+                <a:t>5</a:t>
+              </a:r>
+              <a:endParaRPr kumimoji="0" lang="en-US" sz="2700" i="0" u="none" strike="noStrike" kern="0" cap="none" spc="0" normalizeH="0" baseline="0" noProof="0" dirty="0">
+                <a:ln>
+                  <a:noFill/>
+                </a:ln>
+                <a:solidFill>
+                  <a:schemeClr val="tx1"/>
+                </a:solidFill>
+                <a:effectLst/>
+                <a:uLnTx/>
+                <a:uFillTx/>
+                <a:latin typeface="Arial"/>
+                <a:ea typeface="Cascadia Mono SemiLight" panose="020B0609020000020004" pitchFamily="49" charset="0"/>
+                <a:cs typeface="Cascadia Mono SemiLight" panose="020B0609020000020004" pitchFamily="49" charset="0"/>
+                <a:sym typeface="Arial"/>
+              </a:endParaRPr>
+            </a:p>
+          </p:txBody>
+        </p:sp>
+      </p:grpSp>
+      <p:sp>
+        <p:nvSpPr>
+          <p:cNvPr id="33" name="TextBox 32">
+            <a:extLst>
+              <a:ext uri="{FF2B5EF4-FFF2-40B4-BE49-F238E27FC236}">
+                <a16:creationId xmlns:a16="http://schemas.microsoft.com/office/drawing/2014/main" id="{A0645446-82DF-C7DE-60BE-6F17C8A5D9FF}"/>
+              </a:ext>
+            </a:extLst>
+          </p:cNvPr>
+          <p:cNvSpPr txBox="1"/>
+          <p:nvPr/>
+        </p:nvSpPr>
+        <p:spPr>
+          <a:xfrm>
+            <a:off x="31784544" y="5943600"/>
+            <a:ext cx="11887200" cy="4006225"/>
+          </a:xfrm>
+          <a:prstGeom prst="rect">
+            <a:avLst/>
+          </a:prstGeom>
+          <a:solidFill>
+            <a:schemeClr val="bg1"/>
+          </a:solidFill>
+          <a:ln w="12700">
+            <a:solidFill>
+              <a:schemeClr val="tx1"/>
+            </a:solidFill>
+          </a:ln>
+        </p:spPr>
+        <p:txBody>
+          <a:bodyPr wrap="square" lIns="274320" tIns="274320" rIns="274320" bIns="274320">
+            <a:spAutoFit/>
+          </a:bodyPr>
+          <a:lstStyle/>
+          <a:p>
+            <a:pPr marL="457200" indent="-457200">
+              <a:spcAft>
+                <a:spcPts val="500"/>
+              </a:spcAft>
+              <a:buFont typeface="Arial" panose="020B0604020202020204" pitchFamily="34" charset="0"/>
+              <a:buChar char="•"/>
+            </a:pPr>
+            <a:r>
+              <a:rPr lang="en-US" sz="3600" dirty="0">
+                <a:solidFill>
+                  <a:schemeClr val="tx1"/>
+                </a:solidFill>
+                <a:latin typeface="+mn-lt"/>
+                <a:ea typeface="Cascadia Mono SemiLight" panose="020B0609020000020004" pitchFamily="49" charset="0"/>
+                <a:cs typeface="Cascadia Mono SemiLight" panose="020B0609020000020004" pitchFamily="49" charset="0"/>
+              </a:rPr>
+              <a:t>Our model captures the life cycle and reproduction of the Pacific acorn barnacle</a:t>
+            </a:r>
+          </a:p>
+          <a:p>
+            <a:pPr marL="457200" indent="-457200">
+              <a:spcAft>
+                <a:spcPts val="500"/>
+              </a:spcAft>
+              <a:buFont typeface="Arial" panose="020B0604020202020204" pitchFamily="34" charset="0"/>
+              <a:buChar char="•"/>
+            </a:pPr>
+            <a:r>
+              <a:rPr lang="en-US" sz="3600" dirty="0">
+                <a:solidFill>
+                  <a:schemeClr val="tx1"/>
+                </a:solidFill>
+                <a:latin typeface="+mn-lt"/>
+                <a:ea typeface="Cascadia Mono SemiLight" panose="020B0609020000020004" pitchFamily="49" charset="0"/>
+                <a:cs typeface="Cascadia Mono SemiLight" panose="020B0609020000020004" pitchFamily="49" charset="0"/>
+              </a:rPr>
+              <a:t>Implemented a population response to environmental variables</a:t>
+            </a:r>
+          </a:p>
+          <a:p>
+            <a:pPr marL="457200" indent="-457200">
+              <a:spcAft>
+                <a:spcPts val="500"/>
+              </a:spcAft>
+              <a:buFont typeface="Arial" panose="020B0604020202020204" pitchFamily="34" charset="0"/>
+              <a:buChar char="•"/>
+            </a:pPr>
+            <a:r>
+              <a:rPr lang="en-US" sz="3600" dirty="0">
+                <a:solidFill>
+                  <a:schemeClr val="tx1"/>
+                </a:solidFill>
+                <a:latin typeface="+mn-lt"/>
+                <a:ea typeface="Cascadia Mono SemiLight" panose="020B0609020000020004" pitchFamily="49" charset="0"/>
+                <a:cs typeface="Cascadia Mono SemiLight" panose="020B0609020000020004" pitchFamily="49" charset="0"/>
+              </a:rPr>
+              <a:t>Developed a framework for future research on this biological system</a:t>
+            </a:r>
+          </a:p>
+        </p:txBody>
+      </p:sp>
+      <p:sp>
+        <p:nvSpPr>
+          <p:cNvPr id="38" name="TextBox 37">
+            <a:extLst>
+              <a:ext uri="{FF2B5EF4-FFF2-40B4-BE49-F238E27FC236}">
+                <a16:creationId xmlns:a16="http://schemas.microsoft.com/office/drawing/2014/main" id="{81574DEE-C990-7729-23D4-D4D6DF60B3F0}"/>
+              </a:ext>
+            </a:extLst>
+          </p:cNvPr>
+          <p:cNvSpPr txBox="1">
+            <a:spLocks/>
+          </p:cNvSpPr>
+          <p:nvPr/>
+        </p:nvSpPr>
+        <p:spPr>
+          <a:xfrm>
+            <a:off x="31768534" y="10139927"/>
+            <a:ext cx="11887200" cy="1415772"/>
+          </a:xfrm>
+          <a:prstGeom prst="rect">
+            <a:avLst/>
+          </a:prstGeom>
+          <a:solidFill>
+            <a:srgbClr val="E8EFD9"/>
+          </a:solidFill>
+          <a:ln>
+            <a:solidFill>
+              <a:schemeClr val="tx1"/>
+            </a:solidFill>
+          </a:ln>
+        </p:spPr>
+        <p:txBody>
+          <a:bodyPr wrap="square" lIns="320040" tIns="274320" rIns="320040" bIns="274320" rtlCol="0" anchor="t">
+            <a:spAutoFit/>
+          </a:bodyPr>
+          <a:lstStyle/>
+          <a:p>
+            <a:pPr algn="ctr"/>
+            <a:r>
+              <a:rPr lang="en-US" sz="5600" b="1" dirty="0">
+                <a:solidFill>
+                  <a:srgbClr val="616A4E"/>
+                </a:solidFill>
+              </a:rPr>
+              <a:t>Future Steps</a:t>
+            </a:r>
+          </a:p>
+        </p:txBody>
+      </p:sp>
+      <p:sp>
+        <p:nvSpPr>
+          <p:cNvPr id="15" name="TextBox 14">
+            <a:extLst>
+              <a:ext uri="{FF2B5EF4-FFF2-40B4-BE49-F238E27FC236}">
+                <a16:creationId xmlns:a16="http://schemas.microsoft.com/office/drawing/2014/main" id="{BA3C8798-EFAE-39F9-5B59-BEBDE84F6C0E}"/>
+              </a:ext>
+            </a:extLst>
+          </p:cNvPr>
+          <p:cNvSpPr txBox="1"/>
+          <p:nvPr/>
+        </p:nvSpPr>
+        <p:spPr>
+          <a:xfrm>
+            <a:off x="234505" y="12573000"/>
+            <a:ext cx="5972632" cy="3634328"/>
+          </a:xfrm>
+          <a:prstGeom prst="rect">
+            <a:avLst/>
+          </a:prstGeom>
+          <a:solidFill>
+            <a:schemeClr val="bg1"/>
+          </a:solidFill>
+          <a:ln w="12700">
+            <a:solidFill>
+              <a:schemeClr val="tx1"/>
+            </a:solidFill>
+          </a:ln>
+        </p:spPr>
+        <p:txBody>
+          <a:bodyPr wrap="square" lIns="274320" tIns="274320" rIns="274320" bIns="274320">
+            <a:spAutoFit/>
+          </a:bodyPr>
+          <a:lstStyle/>
+          <a:p>
+            <a:pPr>
+              <a:spcAft>
+                <a:spcPts val="500"/>
+              </a:spcAft>
+            </a:pPr>
+            <a:r>
+              <a:rPr lang="en-US" sz="4400" b="1" dirty="0">
+                <a:solidFill>
+                  <a:srgbClr val="616A4E"/>
+                </a:solidFill>
+                <a:effectLst/>
+                <a:latin typeface="+mn-lt"/>
+                <a:ea typeface="Cascadia Mono SemiLight" panose="020B0609020000020004" pitchFamily="49" charset="0"/>
+                <a:cs typeface="Cascadia Mono SemiLight" panose="020B0609020000020004" pitchFamily="49" charset="0"/>
+              </a:rPr>
+              <a:t>The Pacific Coast Range</a:t>
+            </a:r>
+            <a:endParaRPr lang="en-US" sz="4400" b="1" baseline="30000" dirty="0">
+              <a:solidFill>
+                <a:srgbClr val="616A4E"/>
+              </a:solidFill>
+              <a:effectLst/>
+              <a:latin typeface="+mn-lt"/>
+              <a:ea typeface="Cascadia Mono SemiLight" panose="020B0609020000020004" pitchFamily="49" charset="0"/>
+              <a:cs typeface="Cascadia Mono SemiLight" panose="020B0609020000020004" pitchFamily="49" charset="0"/>
+            </a:endParaRPr>
+          </a:p>
+          <a:p>
+            <a:pPr marL="571500" indent="-571500">
+              <a:spcAft>
+                <a:spcPts val="500"/>
+              </a:spcAft>
+              <a:buFont typeface="Arial" panose="020B0604020202020204" pitchFamily="34" charset="0"/>
+              <a:buChar char="•"/>
+            </a:pPr>
+            <a:r>
+              <a:rPr lang="en-US" sz="3600" dirty="0">
+                <a:solidFill>
+                  <a:schemeClr val="tx1"/>
+                </a:solidFill>
+                <a:effectLst/>
+                <a:latin typeface="+mn-lt"/>
+                <a:ea typeface="Cascadia Mono SemiLight" panose="020B0609020000020004" pitchFamily="49" charset="0"/>
+                <a:cs typeface="Cascadia Mono SemiLight" panose="020B0609020000020004" pitchFamily="49" charset="0"/>
+              </a:rPr>
+              <a:t>We observe population structure across the Pacific Coast</a:t>
+            </a:r>
+            <a:r>
+              <a:rPr lang="en-US" sz="3600" baseline="30000" dirty="0">
+                <a:solidFill>
+                  <a:schemeClr val="tx1"/>
+                </a:solidFill>
+                <a:latin typeface="+mn-lt"/>
+                <a:ea typeface="Cascadia Mono SemiLight" panose="020B0609020000020004" pitchFamily="49" charset="0"/>
+                <a:cs typeface="Cascadia Mono SemiLight" panose="020B0609020000020004" pitchFamily="49" charset="0"/>
+              </a:rPr>
+              <a:t>2</a:t>
+            </a:r>
+            <a:endParaRPr lang="en-US" sz="3600" dirty="0">
+              <a:solidFill>
+                <a:schemeClr val="tx1"/>
+              </a:solidFill>
+              <a:effectLst/>
+              <a:latin typeface="+mn-lt"/>
+              <a:ea typeface="Cascadia Mono SemiLight" panose="020B0609020000020004" pitchFamily="49" charset="0"/>
+              <a:cs typeface="Cascadia Mono SemiLight" panose="020B0609020000020004" pitchFamily="49" charset="0"/>
+            </a:endParaRPr>
+          </a:p>
+        </p:txBody>
+      </p:sp>
+      <p:pic>
+        <p:nvPicPr>
+          <p:cNvPr id="48" name="Picture 47" descr="A graph of different colored lines&#10;&#10;Description automatically generated">
+            <a:extLst>
+              <a:ext uri="{FF2B5EF4-FFF2-40B4-BE49-F238E27FC236}">
+                <a16:creationId xmlns:a16="http://schemas.microsoft.com/office/drawing/2014/main" id="{F50559AF-0B1B-9D72-1B95-33719743F9B2}"/>
+              </a:ext>
+            </a:extLst>
+          </p:cNvPr>
+          <p:cNvPicPr>
+            <a:picLocks noChangeAspect="1"/>
+          </p:cNvPicPr>
+          <p:nvPr/>
+        </p:nvPicPr>
+        <p:blipFill>
+          <a:blip r:embed="rId14"/>
+          <a:stretch>
+            <a:fillRect/>
+          </a:stretch>
+        </p:blipFill>
+        <p:spPr>
+          <a:xfrm>
+            <a:off x="22064472" y="8988552"/>
+            <a:ext cx="9262872" cy="6919695"/>
+          </a:xfrm>
+          <a:prstGeom prst="rect">
+            <a:avLst/>
+          </a:prstGeom>
+          <a:ln>
+            <a:solidFill>
+              <a:schemeClr val="tx1"/>
+            </a:solidFill>
+          </a:ln>
+        </p:spPr>
+      </p:pic>
+      <p:pic>
+        <p:nvPicPr>
+          <p:cNvPr id="50" name="Picture 49" descr="A graph of a number of people&#10;&#10;Description automatically generated">
+            <a:extLst>
+              <a:ext uri="{FF2B5EF4-FFF2-40B4-BE49-F238E27FC236}">
+                <a16:creationId xmlns:a16="http://schemas.microsoft.com/office/drawing/2014/main" id="{AA06415D-2BA4-62CB-0C1B-8092C88D5072}"/>
+              </a:ext>
+            </a:extLst>
+          </p:cNvPr>
+          <p:cNvPicPr>
+            <a:picLocks noChangeAspect="1"/>
+          </p:cNvPicPr>
+          <p:nvPr/>
+        </p:nvPicPr>
+        <p:blipFill>
+          <a:blip r:embed="rId15"/>
+          <a:stretch>
+            <a:fillRect/>
+          </a:stretch>
+        </p:blipFill>
+        <p:spPr>
+          <a:xfrm>
+            <a:off x="12573000" y="9985248"/>
+            <a:ext cx="9262872" cy="6919695"/>
+          </a:xfrm>
+          <a:prstGeom prst="rect">
+            <a:avLst/>
+          </a:prstGeom>
+          <a:ln>
+            <a:solidFill>
+              <a:schemeClr val="tx1"/>
+            </a:solidFill>
+          </a:ln>
+        </p:spPr>
+      </p:pic>
+      <p:pic>
+        <p:nvPicPr>
+          <p:cNvPr id="45" name="Picture 44" descr="A graph of a curve&#10;&#10;Description automatically generated">
+            <a:extLst>
+              <a:ext uri="{FF2B5EF4-FFF2-40B4-BE49-F238E27FC236}">
+                <a16:creationId xmlns:a16="http://schemas.microsoft.com/office/drawing/2014/main" id="{096F0802-C66A-212A-F941-A046E1469195}"/>
+              </a:ext>
+            </a:extLst>
+          </p:cNvPr>
+          <p:cNvPicPr>
+            <a:picLocks noChangeAspect="1"/>
+          </p:cNvPicPr>
+          <p:nvPr/>
+        </p:nvPicPr>
+        <p:blipFill>
+          <a:blip r:embed="rId16"/>
+          <a:stretch>
+            <a:fillRect/>
+          </a:stretch>
+        </p:blipFill>
+        <p:spPr>
+          <a:xfrm>
+            <a:off x="12573000" y="20898402"/>
+            <a:ext cx="9262872" cy="6919695"/>
+          </a:xfrm>
+          <a:prstGeom prst="rect">
+            <a:avLst/>
+          </a:prstGeom>
+          <a:ln>
+            <a:solidFill>
+              <a:schemeClr val="tx1"/>
+            </a:solidFill>
+          </a:ln>
+        </p:spPr>
+      </p:pic>
+      <p:pic>
+        <p:nvPicPr>
+          <p:cNvPr id="52" name="Picture 51" descr="A graph of a bar graph&#10;&#10;Description automatically generated with medium confidence">
+            <a:extLst>
+              <a:ext uri="{FF2B5EF4-FFF2-40B4-BE49-F238E27FC236}">
+                <a16:creationId xmlns:a16="http://schemas.microsoft.com/office/drawing/2014/main" id="{3F94214C-6CAA-83B4-A430-7851BB6B4CC4}"/>
+              </a:ext>
+            </a:extLst>
+          </p:cNvPr>
+          <p:cNvPicPr>
+            <a:picLocks noChangeAspect="1"/>
+          </p:cNvPicPr>
+          <p:nvPr/>
+        </p:nvPicPr>
+        <p:blipFill>
+          <a:blip r:embed="rId17"/>
+          <a:stretch>
+            <a:fillRect/>
+          </a:stretch>
+        </p:blipFill>
+        <p:spPr>
+          <a:xfrm>
+            <a:off x="22064472" y="25767792"/>
+            <a:ext cx="9262872" cy="6919695"/>
+          </a:xfrm>
+          <a:prstGeom prst="rect">
+            <a:avLst/>
+          </a:prstGeom>
+          <a:ln>
+            <a:solidFill>
+              <a:schemeClr val="tx1"/>
+            </a:solidFill>
+          </a:ln>
+        </p:spPr>
+      </p:pic>
     </p:spTree>
   </p:cSld>
   <p:clrMapOvr>

--- a/Poster Files/Alex Bangs - Poster Current Draft.pptx
+++ b/Poster Files/Alex Bangs - Poster Current Draft.pptx
@@ -19934,7 +19934,7 @@
                 <a:cs typeface="Arial"/>
                 <a:sym typeface="Arial"/>
               </a:rPr>
-              <a:t>Alex Bangs</a:t>
+              <a:t>Alexandra Bangs</a:t>
             </a:r>
             <a:r>
               <a:rPr lang="en-US" sz="5000" b="1" i="0" u="sng" strike="noStrike" cap="none" baseline="30000" dirty="0">

--- a/Poster Files/Alex Bangs - Poster Current Draft.pptx
+++ b/Poster Files/Alex Bangs - Poster Current Draft.pptx
@@ -269,7 +269,7 @@
       <p15:notesGuideLst xmlns:p15="http://schemas.microsoft.com/office/powerpoint/2012/main"/>
     </p:ext>
     <p:ext uri="http://customooxmlschemas.google.com/">
-      <go:slidesCustomData xmlns:go="http://customooxmlschemas.google.com/" xmlns:ahyp="http://schemas.microsoft.com/office/drawing/2018/hyperlinkcolor" xmlns:p15="http://schemas.microsoft.com/office/powerpoint/2012/main" xmlns:p14="http://schemas.microsoft.com/office/powerpoint/2010/main" xmlns:com="http://schemas.openxmlformats.org/drawingml/2006/compatibility" xmlns:pvml="urn:schemas-microsoft-com:office:powerpoint" xmlns:v="urn:schemas-microsoft-com:vml" xmlns:o="urn:schemas-microsoft-com:office:office" xmlns:dgm="http://schemas.openxmlformats.org/drawingml/2006/diagram" xmlns:c="http://schemas.openxmlformats.org/drawingml/2006/chart" xmlns:mv="urn:schemas-microsoft-com:mac:vml" xmlns:mc="http://schemas.openxmlformats.org/markup-compatibility/2006" xmlns="" r:id="rId8" roundtripDataSignature="AMtx7mi/h82vb4vaiyJxrkkTqy2IKs11OQ=="/>
+      <go:slidesCustomData xmlns="" xmlns:mc="http://schemas.openxmlformats.org/markup-compatibility/2006" xmlns:mv="urn:schemas-microsoft-com:mac:vml" xmlns:c="http://schemas.openxmlformats.org/drawingml/2006/chart" xmlns:dgm="http://schemas.openxmlformats.org/drawingml/2006/diagram" xmlns:o="urn:schemas-microsoft-com:office:office" xmlns:v="urn:schemas-microsoft-com:vml" xmlns:pvml="urn:schemas-microsoft-com:office:powerpoint" xmlns:com="http://schemas.openxmlformats.org/drawingml/2006/compatibility" xmlns:p14="http://schemas.microsoft.com/office/powerpoint/2010/main" xmlns:p15="http://schemas.microsoft.com/office/powerpoint/2012/main" xmlns:ahyp="http://schemas.microsoft.com/office/drawing/2018/hyperlinkcolor" xmlns:go="http://customooxmlschemas.google.com/" r:id="rId8" roundtripDataSignature="AMtx7mi/h82vb4vaiyJxrkkTqy2IKs11OQ=="/>
     </p:ext>
   </p:extLst>
 </p:presentation>
@@ -21521,7 +21521,7 @@
                 <a:ea typeface="Cascadia Mono SemiLight" panose="020B0609020000020004" pitchFamily="49" charset="0"/>
                 <a:cs typeface="Cascadia Mono SemiLight" panose="020B0609020000020004" pitchFamily="49" charset="0"/>
               </a:rPr>
-              <a:t>7</a:t>
+              <a:t>6</a:t>
             </a:r>
             <a:r>
               <a:rPr lang="en-US" sz="3600" dirty="0">
